--- a/trunk/Publications/15.03.2013 - SPIIRAS/Опыт решения задачи дактилоскопической идентификации с использованием GPGPU.pptx
+++ b/trunk/Publications/15.03.2013 - SPIIRAS/Опыт решения задачи дактилоскопической идентификации с использованием GPGPU.pptx
@@ -4,6 +4,9 @@
   <p:sldMasterIdLst>
     <p:sldMasterId id="2147483672" r:id="rId1"/>
   </p:sldMasterIdLst>
+  <p:notesMasterIdLst>
+    <p:notesMasterId r:id="rId27"/>
+  </p:notesMasterIdLst>
   <p:sldIdLst>
     <p:sldId id="256" r:id="rId2"/>
     <p:sldId id="257" r:id="rId3"/>
@@ -15,17 +18,21 @@
     <p:sldId id="270" r:id="rId9"/>
     <p:sldId id="276" r:id="rId10"/>
     <p:sldId id="277" r:id="rId11"/>
-    <p:sldId id="278" r:id="rId12"/>
-    <p:sldId id="279" r:id="rId13"/>
-    <p:sldId id="261" r:id="rId14"/>
-    <p:sldId id="262" r:id="rId15"/>
-    <p:sldId id="274" r:id="rId16"/>
-    <p:sldId id="273" r:id="rId17"/>
-    <p:sldId id="263" r:id="rId18"/>
-    <p:sldId id="267" r:id="rId19"/>
-    <p:sldId id="268" r:id="rId20"/>
-    <p:sldId id="275" r:id="rId21"/>
-    <p:sldId id="280" r:id="rId22"/>
+    <p:sldId id="281" r:id="rId12"/>
+    <p:sldId id="278" r:id="rId13"/>
+    <p:sldId id="279" r:id="rId14"/>
+    <p:sldId id="261" r:id="rId15"/>
+    <p:sldId id="262" r:id="rId16"/>
+    <p:sldId id="274" r:id="rId17"/>
+    <p:sldId id="273" r:id="rId18"/>
+    <p:sldId id="263" r:id="rId19"/>
+    <p:sldId id="267" r:id="rId20"/>
+    <p:sldId id="268" r:id="rId21"/>
+    <p:sldId id="285" r:id="rId22"/>
+    <p:sldId id="275" r:id="rId23"/>
+    <p:sldId id="282" r:id="rId24"/>
+    <p:sldId id="280" r:id="rId25"/>
+    <p:sldId id="284" r:id="rId26"/>
   </p:sldIdLst>
   <p:sldSz cx="9144000" cy="6858000" type="screen4x3"/>
   <p:notesSz cx="6858000" cy="9144000"/>
@@ -151,6 +158,7 @@
           <p14:sldIdLst>
             <p14:sldId id="276"/>
             <p14:sldId id="277"/>
+            <p14:sldId id="281"/>
             <p14:sldId id="278"/>
             <p14:sldId id="279"/>
           </p14:sldIdLst>
@@ -168,12 +176,19 @@
             <p14:sldId id="263"/>
             <p14:sldId id="267"/>
             <p14:sldId id="268"/>
+            <p14:sldId id="285"/>
             <p14:sldId id="275"/>
+            <p14:sldId id="282"/>
           </p14:sldIdLst>
         </p14:section>
         <p14:section name="Двухуровневая система" id="{BEB6FE2D-67A7-4BE0-B72E-250D6B957D4A}">
           <p14:sldIdLst>
             <p14:sldId id="280"/>
+          </p14:sldIdLst>
+        </p14:section>
+        <p14:section name="Благодарности" id="{99E02CD0-4648-4464-98AE-DB804001FA1F}">
+          <p14:sldIdLst>
+            <p14:sldId id="284"/>
           </p14:sldIdLst>
         </p14:section>
       </p14:sectionLst>
@@ -944,6 +959,753 @@
 </file>
 
 <file path=ppt/diagrams/colors2.xml><?xml version="1.0" encoding="utf-8"?>
+<dgm:colorsDef xmlns:dgm="http://schemas.openxmlformats.org/drawingml/2006/diagram" xmlns:a="http://schemas.openxmlformats.org/drawingml/2006/main" uniqueId="urn:microsoft.com/office/officeart/2005/8/colors/accent1_2">
+  <dgm:title val=""/>
+  <dgm:desc val=""/>
+  <dgm:catLst>
+    <dgm:cat type="accent1" pri="11200"/>
+  </dgm:catLst>
+  <dgm:styleLbl name="node0">
+    <dgm:fillClrLst meth="repeat">
+      <a:schemeClr val="accent1"/>
+    </dgm:fillClrLst>
+    <dgm:linClrLst meth="repeat">
+      <a:schemeClr val="lt1"/>
+    </dgm:linClrLst>
+    <dgm:effectClrLst/>
+    <dgm:txLinClrLst/>
+    <dgm:txFillClrLst/>
+    <dgm:txEffectClrLst/>
+  </dgm:styleLbl>
+  <dgm:styleLbl name="alignNode1">
+    <dgm:fillClrLst meth="repeat">
+      <a:schemeClr val="accent1"/>
+    </dgm:fillClrLst>
+    <dgm:linClrLst meth="repeat">
+      <a:schemeClr val="accent1"/>
+    </dgm:linClrLst>
+    <dgm:effectClrLst/>
+    <dgm:txLinClrLst/>
+    <dgm:txFillClrLst/>
+    <dgm:txEffectClrLst/>
+  </dgm:styleLbl>
+  <dgm:styleLbl name="node1">
+    <dgm:fillClrLst meth="repeat">
+      <a:schemeClr val="accent1"/>
+    </dgm:fillClrLst>
+    <dgm:linClrLst meth="repeat">
+      <a:schemeClr val="lt1"/>
+    </dgm:linClrLst>
+    <dgm:effectClrLst/>
+    <dgm:txLinClrLst/>
+    <dgm:txFillClrLst/>
+    <dgm:txEffectClrLst/>
+  </dgm:styleLbl>
+  <dgm:styleLbl name="lnNode1">
+    <dgm:fillClrLst meth="repeat">
+      <a:schemeClr val="accent1"/>
+    </dgm:fillClrLst>
+    <dgm:linClrLst meth="repeat">
+      <a:schemeClr val="lt1"/>
+    </dgm:linClrLst>
+    <dgm:effectClrLst/>
+    <dgm:txLinClrLst/>
+    <dgm:txFillClrLst/>
+    <dgm:txEffectClrLst/>
+  </dgm:styleLbl>
+  <dgm:styleLbl name="vennNode1">
+    <dgm:fillClrLst meth="repeat">
+      <a:schemeClr val="accent1">
+        <a:alpha val="50000"/>
+      </a:schemeClr>
+    </dgm:fillClrLst>
+    <dgm:linClrLst meth="repeat">
+      <a:schemeClr val="lt1"/>
+    </dgm:linClrLst>
+    <dgm:effectClrLst/>
+    <dgm:txLinClrLst/>
+    <dgm:txFillClrLst/>
+    <dgm:txEffectClrLst/>
+  </dgm:styleLbl>
+  <dgm:styleLbl name="node2">
+    <dgm:fillClrLst meth="repeat">
+      <a:schemeClr val="accent1"/>
+    </dgm:fillClrLst>
+    <dgm:linClrLst meth="repeat">
+      <a:schemeClr val="lt1"/>
+    </dgm:linClrLst>
+    <dgm:effectClrLst/>
+    <dgm:txLinClrLst/>
+    <dgm:txFillClrLst/>
+    <dgm:txEffectClrLst/>
+  </dgm:styleLbl>
+  <dgm:styleLbl name="node3">
+    <dgm:fillClrLst meth="repeat">
+      <a:schemeClr val="accent1"/>
+    </dgm:fillClrLst>
+    <dgm:linClrLst meth="repeat">
+      <a:schemeClr val="lt1"/>
+    </dgm:linClrLst>
+    <dgm:effectClrLst/>
+    <dgm:txLinClrLst/>
+    <dgm:txFillClrLst/>
+    <dgm:txEffectClrLst/>
+  </dgm:styleLbl>
+  <dgm:styleLbl name="node4">
+    <dgm:fillClrLst meth="repeat">
+      <a:schemeClr val="accent1"/>
+    </dgm:fillClrLst>
+    <dgm:linClrLst meth="repeat">
+      <a:schemeClr val="lt1"/>
+    </dgm:linClrLst>
+    <dgm:effectClrLst/>
+    <dgm:txLinClrLst/>
+    <dgm:txFillClrLst/>
+    <dgm:txEffectClrLst/>
+  </dgm:styleLbl>
+  <dgm:styleLbl name="fgImgPlace1">
+    <dgm:fillClrLst meth="repeat">
+      <a:schemeClr val="accent1">
+        <a:tint val="50000"/>
+      </a:schemeClr>
+    </dgm:fillClrLst>
+    <dgm:linClrLst meth="repeat">
+      <a:schemeClr val="lt1"/>
+    </dgm:linClrLst>
+    <dgm:effectClrLst/>
+    <dgm:txLinClrLst/>
+    <dgm:txFillClrLst meth="repeat">
+      <a:schemeClr val="lt1"/>
+    </dgm:txFillClrLst>
+    <dgm:txEffectClrLst/>
+  </dgm:styleLbl>
+  <dgm:styleLbl name="alignImgPlace1">
+    <dgm:fillClrLst meth="repeat">
+      <a:schemeClr val="accent1">
+        <a:tint val="50000"/>
+      </a:schemeClr>
+    </dgm:fillClrLst>
+    <dgm:linClrLst meth="repeat">
+      <a:schemeClr val="lt1"/>
+    </dgm:linClrLst>
+    <dgm:effectClrLst/>
+    <dgm:txLinClrLst/>
+    <dgm:txFillClrLst meth="repeat">
+      <a:schemeClr val="lt1"/>
+    </dgm:txFillClrLst>
+    <dgm:txEffectClrLst/>
+  </dgm:styleLbl>
+  <dgm:styleLbl name="bgImgPlace1">
+    <dgm:fillClrLst meth="repeat">
+      <a:schemeClr val="accent1">
+        <a:tint val="50000"/>
+      </a:schemeClr>
+    </dgm:fillClrLst>
+    <dgm:linClrLst meth="repeat">
+      <a:schemeClr val="lt1"/>
+    </dgm:linClrLst>
+    <dgm:effectClrLst/>
+    <dgm:txLinClrLst/>
+    <dgm:txFillClrLst meth="repeat">
+      <a:schemeClr val="lt1"/>
+    </dgm:txFillClrLst>
+    <dgm:txEffectClrLst/>
+  </dgm:styleLbl>
+  <dgm:styleLbl name="sibTrans2D1">
+    <dgm:fillClrLst meth="repeat">
+      <a:schemeClr val="accent1">
+        <a:tint val="60000"/>
+      </a:schemeClr>
+    </dgm:fillClrLst>
+    <dgm:linClrLst meth="repeat">
+      <a:schemeClr val="accent1">
+        <a:tint val="60000"/>
+      </a:schemeClr>
+    </dgm:linClrLst>
+    <dgm:effectClrLst/>
+    <dgm:txLinClrLst/>
+    <dgm:txFillClrLst/>
+    <dgm:txEffectClrLst/>
+  </dgm:styleLbl>
+  <dgm:styleLbl name="fgSibTrans2D1">
+    <dgm:fillClrLst meth="repeat">
+      <a:schemeClr val="accent1">
+        <a:tint val="60000"/>
+      </a:schemeClr>
+    </dgm:fillClrLst>
+    <dgm:linClrLst meth="repeat">
+      <a:schemeClr val="accent1">
+        <a:tint val="60000"/>
+      </a:schemeClr>
+    </dgm:linClrLst>
+    <dgm:effectClrLst/>
+    <dgm:txLinClrLst/>
+    <dgm:txFillClrLst/>
+    <dgm:txEffectClrLst/>
+  </dgm:styleLbl>
+  <dgm:styleLbl name="bgSibTrans2D1">
+    <dgm:fillClrLst meth="repeat">
+      <a:schemeClr val="accent1">
+        <a:tint val="60000"/>
+      </a:schemeClr>
+    </dgm:fillClrLst>
+    <dgm:linClrLst meth="repeat">
+      <a:schemeClr val="accent1">
+        <a:tint val="60000"/>
+      </a:schemeClr>
+    </dgm:linClrLst>
+    <dgm:effectClrLst/>
+    <dgm:txLinClrLst/>
+    <dgm:txFillClrLst/>
+    <dgm:txEffectClrLst/>
+  </dgm:styleLbl>
+  <dgm:styleLbl name="sibTrans1D1">
+    <dgm:fillClrLst meth="repeat">
+      <a:schemeClr val="accent1"/>
+    </dgm:fillClrLst>
+    <dgm:linClrLst meth="repeat">
+      <a:schemeClr val="accent1"/>
+    </dgm:linClrLst>
+    <dgm:effectClrLst/>
+    <dgm:txLinClrLst/>
+    <dgm:txFillClrLst meth="repeat">
+      <a:schemeClr val="tx1"/>
+    </dgm:txFillClrLst>
+    <dgm:txEffectClrLst/>
+  </dgm:styleLbl>
+  <dgm:styleLbl name="callout">
+    <dgm:fillClrLst meth="repeat">
+      <a:schemeClr val="accent1"/>
+    </dgm:fillClrLst>
+    <dgm:linClrLst meth="repeat">
+      <a:schemeClr val="accent1">
+        <a:tint val="50000"/>
+      </a:schemeClr>
+    </dgm:linClrLst>
+    <dgm:effectClrLst/>
+    <dgm:txLinClrLst/>
+    <dgm:txFillClrLst meth="repeat">
+      <a:schemeClr val="tx1"/>
+    </dgm:txFillClrLst>
+    <dgm:txEffectClrLst/>
+  </dgm:styleLbl>
+  <dgm:styleLbl name="asst0">
+    <dgm:fillClrLst meth="repeat">
+      <a:schemeClr val="accent1"/>
+    </dgm:fillClrLst>
+    <dgm:linClrLst meth="repeat">
+      <a:schemeClr val="lt1"/>
+    </dgm:linClrLst>
+    <dgm:effectClrLst/>
+    <dgm:txLinClrLst/>
+    <dgm:txFillClrLst/>
+    <dgm:txEffectClrLst/>
+  </dgm:styleLbl>
+  <dgm:styleLbl name="asst1">
+    <dgm:fillClrLst meth="repeat">
+      <a:schemeClr val="accent1"/>
+    </dgm:fillClrLst>
+    <dgm:linClrLst meth="repeat">
+      <a:schemeClr val="lt1"/>
+    </dgm:linClrLst>
+    <dgm:effectClrLst/>
+    <dgm:txLinClrLst/>
+    <dgm:txFillClrLst/>
+    <dgm:txEffectClrLst/>
+  </dgm:styleLbl>
+  <dgm:styleLbl name="asst2">
+    <dgm:fillClrLst meth="repeat">
+      <a:schemeClr val="accent1"/>
+    </dgm:fillClrLst>
+    <dgm:linClrLst meth="repeat">
+      <a:schemeClr val="lt1"/>
+    </dgm:linClrLst>
+    <dgm:effectClrLst/>
+    <dgm:txLinClrLst/>
+    <dgm:txFillClrLst/>
+    <dgm:txEffectClrLst/>
+  </dgm:styleLbl>
+  <dgm:styleLbl name="asst3">
+    <dgm:fillClrLst meth="repeat">
+      <a:schemeClr val="accent1"/>
+    </dgm:fillClrLst>
+    <dgm:linClrLst meth="repeat">
+      <a:schemeClr val="lt1"/>
+    </dgm:linClrLst>
+    <dgm:effectClrLst/>
+    <dgm:txLinClrLst/>
+    <dgm:txFillClrLst/>
+    <dgm:txEffectClrLst/>
+  </dgm:styleLbl>
+  <dgm:styleLbl name="asst4">
+    <dgm:fillClrLst meth="repeat">
+      <a:schemeClr val="accent1"/>
+    </dgm:fillClrLst>
+    <dgm:linClrLst meth="repeat">
+      <a:schemeClr val="lt1"/>
+    </dgm:linClrLst>
+    <dgm:effectClrLst/>
+    <dgm:txLinClrLst/>
+    <dgm:txFillClrLst/>
+    <dgm:txEffectClrLst/>
+  </dgm:styleLbl>
+  <dgm:styleLbl name="parChTrans2D1">
+    <dgm:fillClrLst meth="repeat">
+      <a:schemeClr val="accent1">
+        <a:tint val="60000"/>
+      </a:schemeClr>
+    </dgm:fillClrLst>
+    <dgm:linClrLst meth="repeat">
+      <a:schemeClr val="accent1">
+        <a:tint val="60000"/>
+      </a:schemeClr>
+    </dgm:linClrLst>
+    <dgm:effectClrLst/>
+    <dgm:txLinClrLst/>
+    <dgm:txFillClrLst meth="repeat">
+      <a:schemeClr val="lt1"/>
+    </dgm:txFillClrLst>
+    <dgm:txEffectClrLst/>
+  </dgm:styleLbl>
+  <dgm:styleLbl name="parChTrans2D2">
+    <dgm:fillClrLst meth="repeat">
+      <a:schemeClr val="accent1"/>
+    </dgm:fillClrLst>
+    <dgm:linClrLst meth="repeat">
+      <a:schemeClr val="accent1"/>
+    </dgm:linClrLst>
+    <dgm:effectClrLst/>
+    <dgm:txLinClrLst/>
+    <dgm:txFillClrLst meth="repeat">
+      <a:schemeClr val="lt1"/>
+    </dgm:txFillClrLst>
+    <dgm:txEffectClrLst/>
+  </dgm:styleLbl>
+  <dgm:styleLbl name="parChTrans2D3">
+    <dgm:fillClrLst meth="repeat">
+      <a:schemeClr val="accent1"/>
+    </dgm:fillClrLst>
+    <dgm:linClrLst meth="repeat">
+      <a:schemeClr val="accent1"/>
+    </dgm:linClrLst>
+    <dgm:effectClrLst/>
+    <dgm:txLinClrLst/>
+    <dgm:txFillClrLst meth="repeat">
+      <a:schemeClr val="lt1"/>
+    </dgm:txFillClrLst>
+    <dgm:txEffectClrLst/>
+  </dgm:styleLbl>
+  <dgm:styleLbl name="parChTrans2D4">
+    <dgm:fillClrLst meth="repeat">
+      <a:schemeClr val="accent1"/>
+    </dgm:fillClrLst>
+    <dgm:linClrLst meth="repeat">
+      <a:schemeClr val="accent1"/>
+    </dgm:linClrLst>
+    <dgm:effectClrLst/>
+    <dgm:txLinClrLst/>
+    <dgm:txFillClrLst meth="repeat">
+      <a:schemeClr val="lt1"/>
+    </dgm:txFillClrLst>
+    <dgm:txEffectClrLst/>
+  </dgm:styleLbl>
+  <dgm:styleLbl name="parChTrans1D1">
+    <dgm:fillClrLst meth="repeat">
+      <a:schemeClr val="accent1"/>
+    </dgm:fillClrLst>
+    <dgm:linClrLst meth="repeat">
+      <a:schemeClr val="accent1">
+        <a:shade val="60000"/>
+      </a:schemeClr>
+    </dgm:linClrLst>
+    <dgm:effectClrLst/>
+    <dgm:txLinClrLst/>
+    <dgm:txFillClrLst meth="repeat">
+      <a:schemeClr val="tx1"/>
+    </dgm:txFillClrLst>
+    <dgm:txEffectClrLst/>
+  </dgm:styleLbl>
+  <dgm:styleLbl name="parChTrans1D2">
+    <dgm:fillClrLst meth="repeat">
+      <a:schemeClr val="accent1"/>
+    </dgm:fillClrLst>
+    <dgm:linClrLst meth="repeat">
+      <a:schemeClr val="accent1">
+        <a:shade val="60000"/>
+      </a:schemeClr>
+    </dgm:linClrLst>
+    <dgm:effectClrLst/>
+    <dgm:txLinClrLst/>
+    <dgm:txFillClrLst meth="repeat">
+      <a:schemeClr val="tx1"/>
+    </dgm:txFillClrLst>
+    <dgm:txEffectClrLst/>
+  </dgm:styleLbl>
+  <dgm:styleLbl name="parChTrans1D3">
+    <dgm:fillClrLst meth="repeat">
+      <a:schemeClr val="accent1"/>
+    </dgm:fillClrLst>
+    <dgm:linClrLst meth="repeat">
+      <a:schemeClr val="accent1">
+        <a:shade val="80000"/>
+      </a:schemeClr>
+    </dgm:linClrLst>
+    <dgm:effectClrLst/>
+    <dgm:txLinClrLst/>
+    <dgm:txFillClrLst meth="repeat">
+      <a:schemeClr val="tx1"/>
+    </dgm:txFillClrLst>
+    <dgm:txEffectClrLst/>
+  </dgm:styleLbl>
+  <dgm:styleLbl name="parChTrans1D4">
+    <dgm:fillClrLst meth="repeat">
+      <a:schemeClr val="accent1"/>
+    </dgm:fillClrLst>
+    <dgm:linClrLst meth="repeat">
+      <a:schemeClr val="accent1">
+        <a:shade val="80000"/>
+      </a:schemeClr>
+    </dgm:linClrLst>
+    <dgm:effectClrLst/>
+    <dgm:txLinClrLst/>
+    <dgm:txFillClrLst meth="repeat">
+      <a:schemeClr val="tx1"/>
+    </dgm:txFillClrLst>
+    <dgm:txEffectClrLst/>
+  </dgm:styleLbl>
+  <dgm:styleLbl name="fgAcc1">
+    <dgm:fillClrLst meth="repeat">
+      <a:schemeClr val="lt1">
+        <a:alpha val="90000"/>
+      </a:schemeClr>
+    </dgm:fillClrLst>
+    <dgm:linClrLst meth="repeat">
+      <a:schemeClr val="accent1"/>
+    </dgm:linClrLst>
+    <dgm:effectClrLst/>
+    <dgm:txLinClrLst/>
+    <dgm:txFillClrLst meth="repeat">
+      <a:schemeClr val="dk1"/>
+    </dgm:txFillClrLst>
+    <dgm:txEffectClrLst/>
+  </dgm:styleLbl>
+  <dgm:styleLbl name="conFgAcc1">
+    <dgm:fillClrLst meth="repeat">
+      <a:schemeClr val="lt1">
+        <a:alpha val="90000"/>
+      </a:schemeClr>
+    </dgm:fillClrLst>
+    <dgm:linClrLst meth="repeat">
+      <a:schemeClr val="accent1"/>
+    </dgm:linClrLst>
+    <dgm:effectClrLst/>
+    <dgm:txLinClrLst/>
+    <dgm:txFillClrLst meth="repeat">
+      <a:schemeClr val="dk1"/>
+    </dgm:txFillClrLst>
+    <dgm:txEffectClrLst/>
+  </dgm:styleLbl>
+  <dgm:styleLbl name="alignAcc1">
+    <dgm:fillClrLst meth="repeat">
+      <a:schemeClr val="lt1">
+        <a:alpha val="90000"/>
+      </a:schemeClr>
+    </dgm:fillClrLst>
+    <dgm:linClrLst meth="repeat">
+      <a:schemeClr val="accent1"/>
+    </dgm:linClrLst>
+    <dgm:effectClrLst/>
+    <dgm:txLinClrLst/>
+    <dgm:txFillClrLst meth="repeat">
+      <a:schemeClr val="dk1"/>
+    </dgm:txFillClrLst>
+    <dgm:txEffectClrLst/>
+  </dgm:styleLbl>
+  <dgm:styleLbl name="trAlignAcc1">
+    <dgm:fillClrLst meth="repeat">
+      <a:schemeClr val="lt1">
+        <a:alpha val="40000"/>
+      </a:schemeClr>
+    </dgm:fillClrLst>
+    <dgm:linClrLst meth="repeat">
+      <a:schemeClr val="accent1"/>
+    </dgm:linClrLst>
+    <dgm:effectClrLst/>
+    <dgm:txLinClrLst/>
+    <dgm:txFillClrLst meth="repeat">
+      <a:schemeClr val="dk1"/>
+    </dgm:txFillClrLst>
+    <dgm:txEffectClrLst/>
+  </dgm:styleLbl>
+  <dgm:styleLbl name="bgAcc1">
+    <dgm:fillClrLst meth="repeat">
+      <a:schemeClr val="lt1">
+        <a:alpha val="90000"/>
+      </a:schemeClr>
+    </dgm:fillClrLst>
+    <dgm:linClrLst meth="repeat">
+      <a:schemeClr val="accent1"/>
+    </dgm:linClrLst>
+    <dgm:effectClrLst/>
+    <dgm:txLinClrLst/>
+    <dgm:txFillClrLst meth="repeat">
+      <a:schemeClr val="dk1"/>
+    </dgm:txFillClrLst>
+    <dgm:txEffectClrLst/>
+  </dgm:styleLbl>
+  <dgm:styleLbl name="solidFgAcc1">
+    <dgm:fillClrLst meth="repeat">
+      <a:schemeClr val="lt1"/>
+    </dgm:fillClrLst>
+    <dgm:linClrLst meth="repeat">
+      <a:schemeClr val="accent1"/>
+    </dgm:linClrLst>
+    <dgm:effectClrLst/>
+    <dgm:txLinClrLst/>
+    <dgm:txFillClrLst meth="repeat">
+      <a:schemeClr val="dk1"/>
+    </dgm:txFillClrLst>
+    <dgm:txEffectClrLst/>
+  </dgm:styleLbl>
+  <dgm:styleLbl name="solidAlignAcc1">
+    <dgm:fillClrLst meth="repeat">
+      <a:schemeClr val="lt1"/>
+    </dgm:fillClrLst>
+    <dgm:linClrLst meth="repeat">
+      <a:schemeClr val="accent1"/>
+    </dgm:linClrLst>
+    <dgm:effectClrLst/>
+    <dgm:txLinClrLst/>
+    <dgm:txFillClrLst meth="repeat">
+      <a:schemeClr val="dk1"/>
+    </dgm:txFillClrLst>
+    <dgm:txEffectClrLst/>
+  </dgm:styleLbl>
+  <dgm:styleLbl name="solidBgAcc1">
+    <dgm:fillClrLst meth="repeat">
+      <a:schemeClr val="lt1"/>
+    </dgm:fillClrLst>
+    <dgm:linClrLst meth="repeat">
+      <a:schemeClr val="accent1"/>
+    </dgm:linClrLst>
+    <dgm:effectClrLst/>
+    <dgm:txLinClrLst/>
+    <dgm:txFillClrLst meth="repeat">
+      <a:schemeClr val="dk1"/>
+    </dgm:txFillClrLst>
+    <dgm:txEffectClrLst/>
+  </dgm:styleLbl>
+  <dgm:styleLbl name="fgAccFollowNode1">
+    <dgm:fillClrLst meth="repeat">
+      <a:schemeClr val="accent1">
+        <a:alpha val="90000"/>
+        <a:tint val="40000"/>
+      </a:schemeClr>
+    </dgm:fillClrLst>
+    <dgm:linClrLst meth="repeat">
+      <a:schemeClr val="accent1">
+        <a:alpha val="90000"/>
+        <a:tint val="40000"/>
+      </a:schemeClr>
+    </dgm:linClrLst>
+    <dgm:effectClrLst/>
+    <dgm:txLinClrLst/>
+    <dgm:txFillClrLst meth="repeat">
+      <a:schemeClr val="dk1"/>
+    </dgm:txFillClrLst>
+    <dgm:txEffectClrLst/>
+  </dgm:styleLbl>
+  <dgm:styleLbl name="alignAccFollowNode1">
+    <dgm:fillClrLst meth="repeat">
+      <a:schemeClr val="accent1">
+        <a:alpha val="90000"/>
+        <a:tint val="40000"/>
+      </a:schemeClr>
+    </dgm:fillClrLst>
+    <dgm:linClrLst meth="repeat">
+      <a:schemeClr val="accent1">
+        <a:alpha val="90000"/>
+        <a:tint val="40000"/>
+      </a:schemeClr>
+    </dgm:linClrLst>
+    <dgm:effectClrLst/>
+    <dgm:txLinClrLst/>
+    <dgm:txFillClrLst meth="repeat">
+      <a:schemeClr val="dk1"/>
+    </dgm:txFillClrLst>
+    <dgm:txEffectClrLst/>
+  </dgm:styleLbl>
+  <dgm:styleLbl name="bgAccFollowNode1">
+    <dgm:fillClrLst meth="repeat">
+      <a:schemeClr val="accent1">
+        <a:alpha val="90000"/>
+        <a:tint val="40000"/>
+      </a:schemeClr>
+    </dgm:fillClrLst>
+    <dgm:linClrLst meth="repeat">
+      <a:schemeClr val="accent1">
+        <a:alpha val="90000"/>
+        <a:tint val="40000"/>
+      </a:schemeClr>
+    </dgm:linClrLst>
+    <dgm:effectClrLst/>
+    <dgm:txLinClrLst/>
+    <dgm:txFillClrLst meth="repeat">
+      <a:schemeClr val="dk1"/>
+    </dgm:txFillClrLst>
+    <dgm:txEffectClrLst/>
+  </dgm:styleLbl>
+  <dgm:styleLbl name="fgAcc0">
+    <dgm:fillClrLst meth="repeat">
+      <a:schemeClr val="lt1">
+        <a:alpha val="90000"/>
+      </a:schemeClr>
+    </dgm:fillClrLst>
+    <dgm:linClrLst meth="repeat">
+      <a:schemeClr val="accent1"/>
+    </dgm:linClrLst>
+    <dgm:effectClrLst/>
+    <dgm:txLinClrLst/>
+    <dgm:txFillClrLst meth="repeat">
+      <a:schemeClr val="dk1"/>
+    </dgm:txFillClrLst>
+    <dgm:txEffectClrLst/>
+  </dgm:styleLbl>
+  <dgm:styleLbl name="fgAcc2">
+    <dgm:fillClrLst meth="repeat">
+      <a:schemeClr val="lt1">
+        <a:alpha val="90000"/>
+      </a:schemeClr>
+    </dgm:fillClrLst>
+    <dgm:linClrLst meth="repeat">
+      <a:schemeClr val="accent1"/>
+    </dgm:linClrLst>
+    <dgm:effectClrLst/>
+    <dgm:txLinClrLst/>
+    <dgm:txFillClrLst meth="repeat">
+      <a:schemeClr val="dk1"/>
+    </dgm:txFillClrLst>
+    <dgm:txEffectClrLst/>
+  </dgm:styleLbl>
+  <dgm:styleLbl name="fgAcc3">
+    <dgm:fillClrLst meth="repeat">
+      <a:schemeClr val="lt1">
+        <a:alpha val="90000"/>
+      </a:schemeClr>
+    </dgm:fillClrLst>
+    <dgm:linClrLst meth="repeat">
+      <a:schemeClr val="accent1"/>
+    </dgm:linClrLst>
+    <dgm:effectClrLst/>
+    <dgm:txLinClrLst/>
+    <dgm:txFillClrLst meth="repeat">
+      <a:schemeClr val="dk1"/>
+    </dgm:txFillClrLst>
+    <dgm:txEffectClrLst/>
+  </dgm:styleLbl>
+  <dgm:styleLbl name="fgAcc4">
+    <dgm:fillClrLst meth="repeat">
+      <a:schemeClr val="lt1">
+        <a:alpha val="90000"/>
+      </a:schemeClr>
+    </dgm:fillClrLst>
+    <dgm:linClrLst meth="repeat">
+      <a:schemeClr val="accent1"/>
+    </dgm:linClrLst>
+    <dgm:effectClrLst/>
+    <dgm:txLinClrLst/>
+    <dgm:txFillClrLst meth="repeat">
+      <a:schemeClr val="dk1"/>
+    </dgm:txFillClrLst>
+    <dgm:txEffectClrLst/>
+  </dgm:styleLbl>
+  <dgm:styleLbl name="bgShp">
+    <dgm:fillClrLst meth="repeat">
+      <a:schemeClr val="accent1">
+        <a:tint val="40000"/>
+      </a:schemeClr>
+    </dgm:fillClrLst>
+    <dgm:linClrLst meth="repeat">
+      <a:schemeClr val="accent1"/>
+    </dgm:linClrLst>
+    <dgm:effectClrLst/>
+    <dgm:txLinClrLst/>
+    <dgm:txFillClrLst meth="repeat">
+      <a:schemeClr val="dk1"/>
+    </dgm:txFillClrLst>
+    <dgm:txEffectClrLst/>
+  </dgm:styleLbl>
+  <dgm:styleLbl name="dkBgShp">
+    <dgm:fillClrLst meth="repeat">
+      <a:schemeClr val="accent1">
+        <a:shade val="80000"/>
+      </a:schemeClr>
+    </dgm:fillClrLst>
+    <dgm:linClrLst meth="repeat">
+      <a:schemeClr val="accent1"/>
+    </dgm:linClrLst>
+    <dgm:effectClrLst/>
+    <dgm:txLinClrLst/>
+    <dgm:txFillClrLst meth="repeat">
+      <a:schemeClr val="lt1"/>
+    </dgm:txFillClrLst>
+    <dgm:txEffectClrLst/>
+  </dgm:styleLbl>
+  <dgm:styleLbl name="trBgShp">
+    <dgm:fillClrLst meth="repeat">
+      <a:schemeClr val="accent1">
+        <a:tint val="50000"/>
+        <a:alpha val="40000"/>
+      </a:schemeClr>
+    </dgm:fillClrLst>
+    <dgm:linClrLst meth="repeat">
+      <a:schemeClr val="accent1"/>
+    </dgm:linClrLst>
+    <dgm:effectClrLst/>
+    <dgm:txLinClrLst/>
+    <dgm:txFillClrLst meth="repeat">
+      <a:schemeClr val="lt1"/>
+    </dgm:txFillClrLst>
+    <dgm:txEffectClrLst/>
+  </dgm:styleLbl>
+  <dgm:styleLbl name="fgShp">
+    <dgm:fillClrLst meth="repeat">
+      <a:schemeClr val="accent1">
+        <a:tint val="60000"/>
+      </a:schemeClr>
+    </dgm:fillClrLst>
+    <dgm:linClrLst meth="repeat">
+      <a:schemeClr val="lt1"/>
+    </dgm:linClrLst>
+    <dgm:effectClrLst/>
+    <dgm:txLinClrLst/>
+    <dgm:txFillClrLst meth="repeat">
+      <a:schemeClr val="dk1"/>
+    </dgm:txFillClrLst>
+    <dgm:txEffectClrLst/>
+  </dgm:styleLbl>
+  <dgm:styleLbl name="revTx">
+    <dgm:fillClrLst meth="repeat">
+      <a:schemeClr val="lt1">
+        <a:alpha val="0"/>
+      </a:schemeClr>
+    </dgm:fillClrLst>
+    <dgm:linClrLst meth="repeat">
+      <a:schemeClr val="dk1">
+        <a:alpha val="0"/>
+      </a:schemeClr>
+    </dgm:linClrLst>
+    <dgm:effectClrLst/>
+    <dgm:txLinClrLst/>
+    <dgm:txFillClrLst meth="repeat">
+      <a:schemeClr val="tx1"/>
+    </dgm:txFillClrLst>
+    <dgm:txEffectClrLst/>
+  </dgm:styleLbl>
+</dgm:colorsDef>
+</file>
+
+<file path=ppt/diagrams/colors3.xml><?xml version="1.0" encoding="utf-8"?>
 <dgm:colorsDef xmlns:dgm="http://schemas.openxmlformats.org/drawingml/2006/diagram" xmlns:a="http://schemas.openxmlformats.org/drawingml/2006/main" uniqueId="urn:microsoft.com/office/officeart/2005/8/colors/accent1_2">
   <dgm:title val=""/>
   <dgm:desc val=""/>
@@ -1899,10 +2661,24 @@
     <dgm:pt modelId="{898918C7-89F5-4BD1-9911-1684D3ED578B}" type="pres">
       <dgm:prSet presAssocID="{46D9917B-C417-40D5-8FB4-4283F819A84A}" presName="sibTrans" presStyleLbl="sibTrans2D1" presStyleIdx="0" presStyleCnt="2"/>
       <dgm:spPr/>
+      <dgm:t>
+        <a:bodyPr/>
+        <a:lstStyle/>
+        <a:p>
+          <a:endParaRPr lang="ru-RU"/>
+        </a:p>
+      </dgm:t>
     </dgm:pt>
     <dgm:pt modelId="{2FFE597D-1F75-4AFF-9D99-9747CBDA3144}" type="pres">
       <dgm:prSet presAssocID="{46D9917B-C417-40D5-8FB4-4283F819A84A}" presName="connectorText" presStyleLbl="sibTrans2D1" presStyleIdx="0" presStyleCnt="2"/>
       <dgm:spPr/>
+      <dgm:t>
+        <a:bodyPr/>
+        <a:lstStyle/>
+        <a:p>
+          <a:endParaRPr lang="ru-RU"/>
+        </a:p>
+      </dgm:t>
     </dgm:pt>
     <dgm:pt modelId="{26153763-8BC7-42CF-B559-ECAC3BCE87F8}" type="pres">
       <dgm:prSet presAssocID="{48026434-4641-4768-8F52-E1E51AD93950}" presName="node" presStyleLbl="node1" presStyleIdx="1" presStyleCnt="3">
@@ -1911,14 +2687,35 @@
         </dgm:presLayoutVars>
       </dgm:prSet>
       <dgm:spPr/>
+      <dgm:t>
+        <a:bodyPr/>
+        <a:lstStyle/>
+        <a:p>
+          <a:endParaRPr lang="ru-RU"/>
+        </a:p>
+      </dgm:t>
     </dgm:pt>
     <dgm:pt modelId="{61F1D32C-DB6C-40EF-8298-65846F09C106}" type="pres">
       <dgm:prSet presAssocID="{CED89A04-1D95-4510-B578-8CD76A58F2D9}" presName="sibTrans" presStyleLbl="sibTrans2D1" presStyleIdx="1" presStyleCnt="2"/>
       <dgm:spPr/>
+      <dgm:t>
+        <a:bodyPr/>
+        <a:lstStyle/>
+        <a:p>
+          <a:endParaRPr lang="ru-RU"/>
+        </a:p>
+      </dgm:t>
     </dgm:pt>
     <dgm:pt modelId="{AD374866-9CF9-4B31-AD30-C3733324F0FF}" type="pres">
       <dgm:prSet presAssocID="{CED89A04-1D95-4510-B578-8CD76A58F2D9}" presName="connectorText" presStyleLbl="sibTrans2D1" presStyleIdx="1" presStyleCnt="2"/>
       <dgm:spPr/>
+      <dgm:t>
+        <a:bodyPr/>
+        <a:lstStyle/>
+        <a:p>
+          <a:endParaRPr lang="ru-RU"/>
+        </a:p>
+      </dgm:t>
     </dgm:pt>
     <dgm:pt modelId="{F13C7CCD-2456-4C9F-8578-33EE06E3DCF2}" type="pres">
       <dgm:prSet presAssocID="{AD11ADA6-058D-43D7-9598-298DCEF108B0}" presName="node" presStyleLbl="node1" presStyleIdx="2" presStyleCnt="3">
@@ -1927,6 +2724,13 @@
         </dgm:presLayoutVars>
       </dgm:prSet>
       <dgm:spPr/>
+      <dgm:t>
+        <a:bodyPr/>
+        <a:lstStyle/>
+        <a:p>
+          <a:endParaRPr lang="ru-RU"/>
+        </a:p>
+      </dgm:t>
     </dgm:pt>
   </dgm:ptLst>
   <dgm:cxnLst>
@@ -2090,6 +2894,13 @@
         </dgm:presLayoutVars>
       </dgm:prSet>
       <dgm:spPr/>
+      <dgm:t>
+        <a:bodyPr/>
+        <a:lstStyle/>
+        <a:p>
+          <a:endParaRPr lang="ru-RU"/>
+        </a:p>
+      </dgm:t>
     </dgm:pt>
     <dgm:pt modelId="{48BBED58-3F19-4F01-A71F-9C5C21A1E99E}" type="pres">
       <dgm:prSet presAssocID="{D57B0506-26B6-4EC7-B9C4-0720280FA866}" presName="divider" presStyleLbl="fgShp" presStyleIdx="0" presStyleCnt="1"/>
@@ -2145,6 +2956,232 @@
     <dgm:cxn modelId="{AFE35B5E-7493-4E43-B4FC-EBECC55BD978}" type="presParOf" srcId="{28203189-6871-4635-956F-60969EA1E9AC}" destId="{7D18D754-8F93-4CCE-9940-2455BD57DF7F}" srcOrd="2" destOrd="0" presId="urn:microsoft.com/office/officeart/2005/8/layout/arrow3"/>
     <dgm:cxn modelId="{095E0270-EE4D-48F5-B93A-75CE362C4BF7}" type="presParOf" srcId="{28203189-6871-4635-956F-60969EA1E9AC}" destId="{7D4CED21-5ACE-4242-BDF2-83C35F084B88}" srcOrd="3" destOrd="0" presId="urn:microsoft.com/office/officeart/2005/8/layout/arrow3"/>
     <dgm:cxn modelId="{BB8308E3-11FE-40FD-B877-F6E348156F2C}" type="presParOf" srcId="{28203189-6871-4635-956F-60969EA1E9AC}" destId="{E72B6AFE-4DD2-416A-A52F-DF4F6D1060D1}" srcOrd="4" destOrd="0" presId="urn:microsoft.com/office/officeart/2005/8/layout/arrow3"/>
+  </dgm:cxnLst>
+  <dgm:bg/>
+  <dgm:whole/>
+  <dgm:extLst>
+    <a:ext uri="http://schemas.microsoft.com/office/drawing/2008/diagram">
+      <dsp:dataModelExt xmlns:dsp="http://schemas.microsoft.com/office/drawing/2008/diagram" relId="rId6" minVer="http://schemas.openxmlformats.org/drawingml/2006/diagram"/>
+    </a:ext>
+  </dgm:extLst>
+</dgm:dataModel>
+</file>
+
+<file path=ppt/diagrams/data3.xml><?xml version="1.0" encoding="utf-8"?>
+<dgm:dataModel xmlns:dgm="http://schemas.openxmlformats.org/drawingml/2006/diagram" xmlns:a="http://schemas.openxmlformats.org/drawingml/2006/main">
+  <dgm:ptLst>
+    <dgm:pt modelId="{D57B0506-26B6-4EC7-B9C4-0720280FA866}" type="doc">
+      <dgm:prSet loTypeId="urn:microsoft.com/office/officeart/2005/8/layout/arrow3" loCatId="relationship" qsTypeId="urn:microsoft.com/office/officeart/2005/8/quickstyle/3d1" qsCatId="3D" csTypeId="urn:microsoft.com/office/officeart/2005/8/colors/accent1_2" csCatId="accent1" phldr="1"/>
+      <dgm:spPr/>
+      <dgm:t>
+        <a:bodyPr/>
+        <a:lstStyle/>
+        <a:p>
+          <a:endParaRPr lang="ru-RU"/>
+        </a:p>
+      </dgm:t>
+    </dgm:pt>
+    <dgm:pt modelId="{D64F9C3C-9EB2-4AC3-B122-F4DDC6235FDC}">
+      <dgm:prSet phldrT="[Text]"/>
+      <dgm:spPr/>
+      <dgm:t>
+        <a:bodyPr/>
+        <a:lstStyle/>
+        <a:p>
+          <a:r>
+            <a:rPr lang="en-US" dirty="0" smtClean="0">
+              <a:solidFill>
+                <a:schemeClr val="accent1"/>
+              </a:solidFill>
+            </a:rPr>
+            <a:t>CPU</a:t>
+          </a:r>
+          <a:r>
+            <a:rPr lang="ru-RU" dirty="0" smtClean="0">
+              <a:solidFill>
+                <a:schemeClr val="accent1"/>
+              </a:solidFill>
+            </a:rPr>
+            <a:t>: 10420 мс</a:t>
+          </a:r>
+          <a:endParaRPr lang="ru-RU" dirty="0">
+            <a:solidFill>
+              <a:schemeClr val="accent1"/>
+            </a:solidFill>
+          </a:endParaRPr>
+        </a:p>
+      </dgm:t>
+    </dgm:pt>
+    <dgm:pt modelId="{1807F84C-477F-43B4-9D14-87A56A45E30F}" type="parTrans" cxnId="{1D21355D-0885-46CA-A59D-BCC358E24F74}">
+      <dgm:prSet/>
+      <dgm:spPr/>
+      <dgm:t>
+        <a:bodyPr/>
+        <a:lstStyle/>
+        <a:p>
+          <a:endParaRPr lang="ru-RU"/>
+        </a:p>
+      </dgm:t>
+    </dgm:pt>
+    <dgm:pt modelId="{9E44FB81-A89A-4A7C-8991-927B2654C3AA}" type="sibTrans" cxnId="{1D21355D-0885-46CA-A59D-BCC358E24F74}">
+      <dgm:prSet/>
+      <dgm:spPr/>
+      <dgm:t>
+        <a:bodyPr/>
+        <a:lstStyle/>
+        <a:p>
+          <a:endParaRPr lang="ru-RU"/>
+        </a:p>
+      </dgm:t>
+    </dgm:pt>
+    <dgm:pt modelId="{0D13A2BC-CC73-4654-A0E9-96485A190F7B}">
+      <dgm:prSet phldrT="[Text]"/>
+      <dgm:spPr/>
+      <dgm:t>
+        <a:bodyPr/>
+        <a:lstStyle/>
+        <a:p>
+          <a:r>
+            <a:rPr lang="en-US" dirty="0" smtClean="0">
+              <a:solidFill>
+                <a:schemeClr val="accent1"/>
+              </a:solidFill>
+            </a:rPr>
+            <a:t>CUDA: </a:t>
+          </a:r>
+          <a:r>
+            <a:rPr lang="ru-RU" dirty="0" smtClean="0">
+              <a:solidFill>
+                <a:schemeClr val="accent1"/>
+              </a:solidFill>
+            </a:rPr>
+            <a:t>6</a:t>
+          </a:r>
+          <a:r>
+            <a:rPr lang="en-US" dirty="0" smtClean="0">
+              <a:solidFill>
+                <a:schemeClr val="accent1"/>
+              </a:solidFill>
+            </a:rPr>
+            <a:t>0</a:t>
+          </a:r>
+          <a:r>
+            <a:rPr lang="ru-RU" dirty="0" smtClean="0">
+              <a:solidFill>
+                <a:schemeClr val="accent1"/>
+              </a:solidFill>
+            </a:rPr>
+            <a:t> </a:t>
+          </a:r>
+          <a:r>
+            <a:rPr lang="ru-RU" dirty="0" smtClean="0">
+              <a:solidFill>
+                <a:schemeClr val="accent1"/>
+              </a:solidFill>
+            </a:rPr>
+            <a:t>мс</a:t>
+          </a:r>
+          <a:endParaRPr lang="ru-RU" dirty="0">
+            <a:solidFill>
+              <a:schemeClr val="accent1"/>
+            </a:solidFill>
+          </a:endParaRPr>
+        </a:p>
+      </dgm:t>
+    </dgm:pt>
+    <dgm:pt modelId="{21FF41B2-160F-4D59-9560-97E750772A7E}" type="parTrans" cxnId="{CE67DE53-39B3-4C0C-8299-2B891B89B3F9}">
+      <dgm:prSet/>
+      <dgm:spPr/>
+      <dgm:t>
+        <a:bodyPr/>
+        <a:lstStyle/>
+        <a:p>
+          <a:endParaRPr lang="ru-RU"/>
+        </a:p>
+      </dgm:t>
+    </dgm:pt>
+    <dgm:pt modelId="{A690DF5F-6680-456A-A0D4-502248643B81}" type="sibTrans" cxnId="{CE67DE53-39B3-4C0C-8299-2B891B89B3F9}">
+      <dgm:prSet/>
+      <dgm:spPr/>
+      <dgm:t>
+        <a:bodyPr/>
+        <a:lstStyle/>
+        <a:p>
+          <a:endParaRPr lang="ru-RU"/>
+        </a:p>
+      </dgm:t>
+    </dgm:pt>
+    <dgm:pt modelId="{28203189-6871-4635-956F-60969EA1E9AC}" type="pres">
+      <dgm:prSet presAssocID="{D57B0506-26B6-4EC7-B9C4-0720280FA866}" presName="compositeShape" presStyleCnt="0">
+        <dgm:presLayoutVars>
+          <dgm:chMax val="2"/>
+          <dgm:dir/>
+          <dgm:resizeHandles val="exact"/>
+        </dgm:presLayoutVars>
+      </dgm:prSet>
+      <dgm:spPr/>
+      <dgm:t>
+        <a:bodyPr/>
+        <a:lstStyle/>
+        <a:p>
+          <a:endParaRPr lang="ru-RU"/>
+        </a:p>
+      </dgm:t>
+    </dgm:pt>
+    <dgm:pt modelId="{48BBED58-3F19-4F01-A71F-9C5C21A1E99E}" type="pres">
+      <dgm:prSet presAssocID="{D57B0506-26B6-4EC7-B9C4-0720280FA866}" presName="divider" presStyleLbl="fgShp" presStyleIdx="0" presStyleCnt="1"/>
+      <dgm:spPr/>
+    </dgm:pt>
+    <dgm:pt modelId="{4D4A576D-DA23-4735-BA74-AF454BFE3C6F}" type="pres">
+      <dgm:prSet presAssocID="{D64F9C3C-9EB2-4AC3-B122-F4DDC6235FDC}" presName="downArrow" presStyleLbl="node1" presStyleIdx="0" presStyleCnt="2"/>
+      <dgm:spPr/>
+    </dgm:pt>
+    <dgm:pt modelId="{7D18D754-8F93-4CCE-9940-2455BD57DF7F}" type="pres">
+      <dgm:prSet presAssocID="{D64F9C3C-9EB2-4AC3-B122-F4DDC6235FDC}" presName="downArrowText" presStyleLbl="revTx" presStyleIdx="0" presStyleCnt="2">
+        <dgm:presLayoutVars>
+          <dgm:bulletEnabled val="1"/>
+        </dgm:presLayoutVars>
+      </dgm:prSet>
+      <dgm:spPr/>
+      <dgm:t>
+        <a:bodyPr/>
+        <a:lstStyle/>
+        <a:p>
+          <a:endParaRPr lang="ru-RU"/>
+        </a:p>
+      </dgm:t>
+    </dgm:pt>
+    <dgm:pt modelId="{7D4CED21-5ACE-4242-BDF2-83C35F084B88}" type="pres">
+      <dgm:prSet presAssocID="{0D13A2BC-CC73-4654-A0E9-96485A190F7B}" presName="upArrow" presStyleLbl="node1" presStyleIdx="1" presStyleCnt="2"/>
+      <dgm:spPr/>
+    </dgm:pt>
+    <dgm:pt modelId="{E72B6AFE-4DD2-416A-A52F-DF4F6D1060D1}" type="pres">
+      <dgm:prSet presAssocID="{0D13A2BC-CC73-4654-A0E9-96485A190F7B}" presName="upArrowText" presStyleLbl="revTx" presStyleIdx="1" presStyleCnt="2">
+        <dgm:presLayoutVars>
+          <dgm:bulletEnabled val="1"/>
+        </dgm:presLayoutVars>
+      </dgm:prSet>
+      <dgm:spPr/>
+      <dgm:t>
+        <a:bodyPr/>
+        <a:lstStyle/>
+        <a:p>
+          <a:endParaRPr lang="ru-RU"/>
+        </a:p>
+      </dgm:t>
+    </dgm:pt>
+  </dgm:ptLst>
+  <dgm:cxnLst>
+    <dgm:cxn modelId="{3DD93347-20C6-4EE3-9D09-2F1E4CAB80DA}" type="presOf" srcId="{D57B0506-26B6-4EC7-B9C4-0720280FA866}" destId="{28203189-6871-4635-956F-60969EA1E9AC}" srcOrd="0" destOrd="0" presId="urn:microsoft.com/office/officeart/2005/8/layout/arrow3"/>
+    <dgm:cxn modelId="{3F4D6701-28D4-4910-810D-66D4F54F815C}" type="presOf" srcId="{0D13A2BC-CC73-4654-A0E9-96485A190F7B}" destId="{E72B6AFE-4DD2-416A-A52F-DF4F6D1060D1}" srcOrd="0" destOrd="0" presId="urn:microsoft.com/office/officeart/2005/8/layout/arrow3"/>
+    <dgm:cxn modelId="{1D21355D-0885-46CA-A59D-BCC358E24F74}" srcId="{D57B0506-26B6-4EC7-B9C4-0720280FA866}" destId="{D64F9C3C-9EB2-4AC3-B122-F4DDC6235FDC}" srcOrd="0" destOrd="0" parTransId="{1807F84C-477F-43B4-9D14-87A56A45E30F}" sibTransId="{9E44FB81-A89A-4A7C-8991-927B2654C3AA}"/>
+    <dgm:cxn modelId="{A6A7AB80-775E-43DD-B35C-73CD100E6212}" type="presOf" srcId="{D64F9C3C-9EB2-4AC3-B122-F4DDC6235FDC}" destId="{7D18D754-8F93-4CCE-9940-2455BD57DF7F}" srcOrd="0" destOrd="0" presId="urn:microsoft.com/office/officeart/2005/8/layout/arrow3"/>
+    <dgm:cxn modelId="{CE67DE53-39B3-4C0C-8299-2B891B89B3F9}" srcId="{D57B0506-26B6-4EC7-B9C4-0720280FA866}" destId="{0D13A2BC-CC73-4654-A0E9-96485A190F7B}" srcOrd="1" destOrd="0" parTransId="{21FF41B2-160F-4D59-9560-97E750772A7E}" sibTransId="{A690DF5F-6680-456A-A0D4-502248643B81}"/>
+    <dgm:cxn modelId="{58FFB0F2-DE61-4CD5-94F6-BAC23169C481}" type="presParOf" srcId="{28203189-6871-4635-956F-60969EA1E9AC}" destId="{48BBED58-3F19-4F01-A71F-9C5C21A1E99E}" srcOrd="0" destOrd="0" presId="urn:microsoft.com/office/officeart/2005/8/layout/arrow3"/>
+    <dgm:cxn modelId="{6267BC3D-6294-47B2-840B-AC24A7E5FEBB}" type="presParOf" srcId="{28203189-6871-4635-956F-60969EA1E9AC}" destId="{4D4A576D-DA23-4735-BA74-AF454BFE3C6F}" srcOrd="1" destOrd="0" presId="urn:microsoft.com/office/officeart/2005/8/layout/arrow3"/>
+    <dgm:cxn modelId="{F2D5A4C3-1EDD-4038-9E5E-F30B0BA64279}" type="presParOf" srcId="{28203189-6871-4635-956F-60969EA1E9AC}" destId="{7D18D754-8F93-4CCE-9940-2455BD57DF7F}" srcOrd="2" destOrd="0" presId="urn:microsoft.com/office/officeart/2005/8/layout/arrow3"/>
+    <dgm:cxn modelId="{19D2BEF0-4BF5-4FB7-AB96-98A500380C6E}" type="presParOf" srcId="{28203189-6871-4635-956F-60969EA1E9AC}" destId="{7D4CED21-5ACE-4242-BDF2-83C35F084B88}" srcOrd="3" destOrd="0" presId="urn:microsoft.com/office/officeart/2005/8/layout/arrow3"/>
+    <dgm:cxn modelId="{3212E345-0F84-4EBF-B23C-908A4D5A70AA}" type="presParOf" srcId="{28203189-6871-4635-956F-60969EA1E9AC}" destId="{E72B6AFE-4DD2-416A-A52F-DF4F6D1060D1}" srcOrd="4" destOrd="0" presId="urn:microsoft.com/office/officeart/2005/8/layout/arrow3"/>
   </dgm:cxnLst>
   <dgm:bg/>
   <dgm:whole/>
@@ -2983,6 +4020,414 @@
 </dsp:drawing>
 </file>
 
+<file path=ppt/diagrams/drawing3.xml><?xml version="1.0" encoding="utf-8"?>
+<dsp:drawing xmlns:dgm="http://schemas.openxmlformats.org/drawingml/2006/diagram" xmlns:dsp="http://schemas.microsoft.com/office/drawing/2008/diagram" xmlns:a="http://schemas.openxmlformats.org/drawingml/2006/main">
+  <dsp:spTree>
+    <dsp:nvGrpSpPr>
+      <dsp:cNvPr id="0" name=""/>
+      <dsp:cNvGrpSpPr/>
+    </dsp:nvGrpSpPr>
+    <dsp:grpSpPr/>
+    <dsp:sp modelId="{48BBED58-3F19-4F01-A71F-9C5C21A1E99E}">
+      <dsp:nvSpPr>
+        <dsp:cNvPr id="0" name=""/>
+        <dsp:cNvSpPr/>
+      </dsp:nvSpPr>
+      <dsp:spPr>
+        <a:xfrm rot="21300000">
+          <a:off x="572963" y="994729"/>
+          <a:ext cx="5712073" cy="499741"/>
+        </a:xfrm>
+        <a:prstGeom prst="mathMinus">
+          <a:avLst/>
+        </a:prstGeom>
+        <a:solidFill>
+          <a:schemeClr val="accent1">
+            <a:tint val="60000"/>
+            <a:hueOff val="0"/>
+            <a:satOff val="0"/>
+            <a:lumOff val="0"/>
+            <a:alphaOff val="0"/>
+          </a:schemeClr>
+        </a:solidFill>
+        <a:ln>
+          <a:noFill/>
+        </a:ln>
+        <a:effectLst>
+          <a:outerShdw blurRad="38100" dist="25400" dir="5400000" rotWithShape="0">
+            <a:srgbClr val="000000">
+              <a:alpha val="45000"/>
+            </a:srgbClr>
+          </a:outerShdw>
+        </a:effectLst>
+        <a:scene3d>
+          <a:camera prst="orthographicFront"/>
+          <a:lightRig rig="flat" dir="t"/>
+        </a:scene3d>
+        <a:sp3d z="190500" prstMaterial="plastic">
+          <a:bevelT w="120900" h="88900"/>
+          <a:bevelB w="88900" h="31750" prst="angle"/>
+        </a:sp3d>
+      </dsp:spPr>
+      <dsp:style>
+        <a:lnRef idx="0">
+          <a:scrgbClr r="0" g="0" b="0"/>
+        </a:lnRef>
+        <a:fillRef idx="1">
+          <a:scrgbClr r="0" g="0" b="0"/>
+        </a:fillRef>
+        <a:effectRef idx="3">
+          <a:scrgbClr r="0" g="0" b="0"/>
+        </a:effectRef>
+        <a:fontRef idx="minor">
+          <a:schemeClr val="lt1"/>
+        </a:fontRef>
+      </dsp:style>
+    </dsp:sp>
+    <dsp:sp modelId="{4D4A576D-DA23-4735-BA74-AF454BFE3C6F}">
+      <dsp:nvSpPr>
+        <dsp:cNvPr id="0" name=""/>
+        <dsp:cNvSpPr/>
+      </dsp:nvSpPr>
+      <dsp:spPr>
+        <a:xfrm>
+          <a:off x="822960" y="124460"/>
+          <a:ext cx="2057400" cy="995680"/>
+        </a:xfrm>
+        <a:prstGeom prst="downArrow">
+          <a:avLst/>
+        </a:prstGeom>
+        <a:gradFill rotWithShape="0">
+          <a:gsLst>
+            <a:gs pos="0">
+              <a:schemeClr val="accent1">
+                <a:hueOff val="0"/>
+                <a:satOff val="0"/>
+                <a:lumOff val="0"/>
+                <a:alphaOff val="0"/>
+              </a:schemeClr>
+            </a:gs>
+            <a:gs pos="90000">
+              <a:schemeClr val="accent1">
+                <a:hueOff val="0"/>
+                <a:satOff val="0"/>
+                <a:lumOff val="0"/>
+                <a:alphaOff val="0"/>
+                <a:shade val="100000"/>
+                <a:satMod val="105000"/>
+              </a:schemeClr>
+            </a:gs>
+            <a:gs pos="100000">
+              <a:schemeClr val="accent1">
+                <a:hueOff val="0"/>
+                <a:satOff val="0"/>
+                <a:lumOff val="0"/>
+                <a:alphaOff val="0"/>
+                <a:shade val="80000"/>
+                <a:satMod val="120000"/>
+              </a:schemeClr>
+            </a:gs>
+          </a:gsLst>
+          <a:path path="circle">
+            <a:fillToRect l="100000" t="100000" r="100000" b="100000"/>
+          </a:path>
+        </a:gradFill>
+        <a:ln>
+          <a:noFill/>
+        </a:ln>
+        <a:effectLst>
+          <a:outerShdw blurRad="38100" dist="25400" dir="5400000" rotWithShape="0">
+            <a:srgbClr val="000000">
+              <a:alpha val="45000"/>
+            </a:srgbClr>
+          </a:outerShdw>
+        </a:effectLst>
+        <a:scene3d>
+          <a:camera prst="orthographicFront"/>
+          <a:lightRig rig="flat" dir="t"/>
+        </a:scene3d>
+        <a:sp3d prstMaterial="plastic">
+          <a:bevelT w="120900" h="88900"/>
+          <a:bevelB w="88900" h="31750" prst="angle"/>
+        </a:sp3d>
+      </dsp:spPr>
+      <dsp:style>
+        <a:lnRef idx="0">
+          <a:scrgbClr r="0" g="0" b="0"/>
+        </a:lnRef>
+        <a:fillRef idx="3">
+          <a:scrgbClr r="0" g="0" b="0"/>
+        </a:fillRef>
+        <a:effectRef idx="2">
+          <a:scrgbClr r="0" g="0" b="0"/>
+        </a:effectRef>
+        <a:fontRef idx="minor">
+          <a:schemeClr val="lt1"/>
+        </a:fontRef>
+      </dsp:style>
+    </dsp:sp>
+    <dsp:sp modelId="{7D18D754-8F93-4CCE-9940-2455BD57DF7F}">
+      <dsp:nvSpPr>
+        <dsp:cNvPr id="0" name=""/>
+        <dsp:cNvSpPr/>
+      </dsp:nvSpPr>
+      <dsp:spPr>
+        <a:xfrm>
+          <a:off x="3634740" y="0"/>
+          <a:ext cx="2194560" cy="1045464"/>
+        </a:xfrm>
+        <a:prstGeom prst="rect">
+          <a:avLst/>
+        </a:prstGeom>
+        <a:noFill/>
+        <a:ln>
+          <a:noFill/>
+        </a:ln>
+        <a:effectLst/>
+      </dsp:spPr>
+      <dsp:style>
+        <a:lnRef idx="0">
+          <a:scrgbClr r="0" g="0" b="0"/>
+        </a:lnRef>
+        <a:fillRef idx="0">
+          <a:scrgbClr r="0" g="0" b="0"/>
+        </a:fillRef>
+        <a:effectRef idx="0">
+          <a:scrgbClr r="0" g="0" b="0"/>
+        </a:effectRef>
+        <a:fontRef idx="minor"/>
+      </dsp:style>
+      <dsp:txBody>
+        <a:bodyPr spcFirstLastPara="0" vert="horz" wrap="square" lIns="170688" tIns="170688" rIns="170688" bIns="170688" numCol="1" spcCol="1270" anchor="ctr" anchorCtr="0">
+          <a:noAutofit/>
+        </a:bodyPr>
+        <a:lstStyle/>
+        <a:p>
+          <a:pPr lvl="0" algn="ctr" defTabSz="1066800">
+            <a:lnSpc>
+              <a:spcPct val="90000"/>
+            </a:lnSpc>
+            <a:spcBef>
+              <a:spcPct val="0"/>
+            </a:spcBef>
+            <a:spcAft>
+              <a:spcPct val="35000"/>
+            </a:spcAft>
+          </a:pPr>
+          <a:r>
+            <a:rPr lang="en-US" sz="2400" kern="1200" dirty="0" smtClean="0">
+              <a:solidFill>
+                <a:schemeClr val="accent1"/>
+              </a:solidFill>
+            </a:rPr>
+            <a:t>CPU</a:t>
+          </a:r>
+          <a:r>
+            <a:rPr lang="ru-RU" sz="2400" kern="1200" dirty="0" smtClean="0">
+              <a:solidFill>
+                <a:schemeClr val="accent1"/>
+              </a:solidFill>
+            </a:rPr>
+            <a:t>: 10420 мс</a:t>
+          </a:r>
+          <a:endParaRPr lang="ru-RU" sz="2400" kern="1200" dirty="0">
+            <a:solidFill>
+              <a:schemeClr val="accent1"/>
+            </a:solidFill>
+          </a:endParaRPr>
+        </a:p>
+      </dsp:txBody>
+      <dsp:txXfrm>
+        <a:off x="3634740" y="0"/>
+        <a:ext cx="2194560" cy="1045464"/>
+      </dsp:txXfrm>
+    </dsp:sp>
+    <dsp:sp modelId="{7D4CED21-5ACE-4242-BDF2-83C35F084B88}">
+      <dsp:nvSpPr>
+        <dsp:cNvPr id="0" name=""/>
+        <dsp:cNvSpPr/>
+      </dsp:nvSpPr>
+      <dsp:spPr>
+        <a:xfrm>
+          <a:off x="3977640" y="1369060"/>
+          <a:ext cx="2057400" cy="995680"/>
+        </a:xfrm>
+        <a:prstGeom prst="upArrow">
+          <a:avLst/>
+        </a:prstGeom>
+        <a:gradFill rotWithShape="0">
+          <a:gsLst>
+            <a:gs pos="0">
+              <a:schemeClr val="accent1">
+                <a:hueOff val="0"/>
+                <a:satOff val="0"/>
+                <a:lumOff val="0"/>
+                <a:alphaOff val="0"/>
+              </a:schemeClr>
+            </a:gs>
+            <a:gs pos="90000">
+              <a:schemeClr val="accent1">
+                <a:hueOff val="0"/>
+                <a:satOff val="0"/>
+                <a:lumOff val="0"/>
+                <a:alphaOff val="0"/>
+                <a:shade val="100000"/>
+                <a:satMod val="105000"/>
+              </a:schemeClr>
+            </a:gs>
+            <a:gs pos="100000">
+              <a:schemeClr val="accent1">
+                <a:hueOff val="0"/>
+                <a:satOff val="0"/>
+                <a:lumOff val="0"/>
+                <a:alphaOff val="0"/>
+                <a:shade val="80000"/>
+                <a:satMod val="120000"/>
+              </a:schemeClr>
+            </a:gs>
+          </a:gsLst>
+          <a:path path="circle">
+            <a:fillToRect l="100000" t="100000" r="100000" b="100000"/>
+          </a:path>
+        </a:gradFill>
+        <a:ln>
+          <a:noFill/>
+        </a:ln>
+        <a:effectLst>
+          <a:outerShdw blurRad="38100" dist="25400" dir="5400000" rotWithShape="0">
+            <a:srgbClr val="000000">
+              <a:alpha val="45000"/>
+            </a:srgbClr>
+          </a:outerShdw>
+        </a:effectLst>
+        <a:scene3d>
+          <a:camera prst="orthographicFront"/>
+          <a:lightRig rig="flat" dir="t"/>
+        </a:scene3d>
+        <a:sp3d prstMaterial="plastic">
+          <a:bevelT w="120900" h="88900"/>
+          <a:bevelB w="88900" h="31750" prst="angle"/>
+        </a:sp3d>
+      </dsp:spPr>
+      <dsp:style>
+        <a:lnRef idx="0">
+          <a:scrgbClr r="0" g="0" b="0"/>
+        </a:lnRef>
+        <a:fillRef idx="3">
+          <a:scrgbClr r="0" g="0" b="0"/>
+        </a:fillRef>
+        <a:effectRef idx="2">
+          <a:scrgbClr r="0" g="0" b="0"/>
+        </a:effectRef>
+        <a:fontRef idx="minor">
+          <a:schemeClr val="lt1"/>
+        </a:fontRef>
+      </dsp:style>
+    </dsp:sp>
+    <dsp:sp modelId="{E72B6AFE-4DD2-416A-A52F-DF4F6D1060D1}">
+      <dsp:nvSpPr>
+        <dsp:cNvPr id="0" name=""/>
+        <dsp:cNvSpPr/>
+      </dsp:nvSpPr>
+      <dsp:spPr>
+        <a:xfrm>
+          <a:off x="1028700" y="1443736"/>
+          <a:ext cx="2194560" cy="1045464"/>
+        </a:xfrm>
+        <a:prstGeom prst="rect">
+          <a:avLst/>
+        </a:prstGeom>
+        <a:noFill/>
+        <a:ln>
+          <a:noFill/>
+        </a:ln>
+        <a:effectLst/>
+      </dsp:spPr>
+      <dsp:style>
+        <a:lnRef idx="0">
+          <a:scrgbClr r="0" g="0" b="0"/>
+        </a:lnRef>
+        <a:fillRef idx="0">
+          <a:scrgbClr r="0" g="0" b="0"/>
+        </a:fillRef>
+        <a:effectRef idx="0">
+          <a:scrgbClr r="0" g="0" b="0"/>
+        </a:effectRef>
+        <a:fontRef idx="minor"/>
+      </dsp:style>
+      <dsp:txBody>
+        <a:bodyPr spcFirstLastPara="0" vert="horz" wrap="square" lIns="170688" tIns="170688" rIns="170688" bIns="170688" numCol="1" spcCol="1270" anchor="ctr" anchorCtr="0">
+          <a:noAutofit/>
+        </a:bodyPr>
+        <a:lstStyle/>
+        <a:p>
+          <a:pPr lvl="0" algn="ctr" defTabSz="1066800">
+            <a:lnSpc>
+              <a:spcPct val="90000"/>
+            </a:lnSpc>
+            <a:spcBef>
+              <a:spcPct val="0"/>
+            </a:spcBef>
+            <a:spcAft>
+              <a:spcPct val="35000"/>
+            </a:spcAft>
+          </a:pPr>
+          <a:r>
+            <a:rPr lang="en-US" sz="2400" kern="1200" dirty="0" smtClean="0">
+              <a:solidFill>
+                <a:schemeClr val="accent1"/>
+              </a:solidFill>
+            </a:rPr>
+            <a:t>CUDA: </a:t>
+          </a:r>
+          <a:r>
+            <a:rPr lang="ru-RU" sz="2400" kern="1200" dirty="0" smtClean="0">
+              <a:solidFill>
+                <a:schemeClr val="accent1"/>
+              </a:solidFill>
+            </a:rPr>
+            <a:t>6</a:t>
+          </a:r>
+          <a:r>
+            <a:rPr lang="en-US" sz="2400" kern="1200" dirty="0" smtClean="0">
+              <a:solidFill>
+                <a:schemeClr val="accent1"/>
+              </a:solidFill>
+            </a:rPr>
+            <a:t>0</a:t>
+          </a:r>
+          <a:r>
+            <a:rPr lang="ru-RU" sz="2400" kern="1200" dirty="0" smtClean="0">
+              <a:solidFill>
+                <a:schemeClr val="accent1"/>
+              </a:solidFill>
+            </a:rPr>
+            <a:t> </a:t>
+          </a:r>
+          <a:r>
+            <a:rPr lang="ru-RU" sz="2400" kern="1200" dirty="0" smtClean="0">
+              <a:solidFill>
+                <a:schemeClr val="accent1"/>
+              </a:solidFill>
+            </a:rPr>
+            <a:t>мс</a:t>
+          </a:r>
+          <a:endParaRPr lang="ru-RU" sz="2400" kern="1200" dirty="0">
+            <a:solidFill>
+              <a:schemeClr val="accent1"/>
+            </a:solidFill>
+          </a:endParaRPr>
+        </a:p>
+      </dsp:txBody>
+      <dsp:txXfrm>
+        <a:off x="1028700" y="1443736"/>
+        <a:ext cx="2194560" cy="1045464"/>
+      </dsp:txXfrm>
+    </dsp:sp>
+  </dsp:spTree>
+</dsp:drawing>
+</file>
+
 <file path=ppt/diagrams/layout1.xml><?xml version="1.0" encoding="utf-8"?>
 <dgm:layoutDef xmlns:dgm="http://schemas.openxmlformats.org/drawingml/2006/diagram" xmlns:a="http://schemas.openxmlformats.org/drawingml/2006/main" uniqueId="urn:microsoft.com/office/officeart/2005/8/layout/process1">
   <dgm:title val=""/>
@@ -3377,6 +4822,254 @@
 </dgm:layoutDef>
 </file>
 
+<file path=ppt/diagrams/layout3.xml><?xml version="1.0" encoding="utf-8"?>
+<dgm:layoutDef xmlns:dgm="http://schemas.openxmlformats.org/drawingml/2006/diagram" xmlns:a="http://schemas.openxmlformats.org/drawingml/2006/main" uniqueId="urn:microsoft.com/office/officeart/2005/8/layout/arrow3">
+  <dgm:title val=""/>
+  <dgm:desc val=""/>
+  <dgm:catLst>
+    <dgm:cat type="relationship" pri="5000"/>
+  </dgm:catLst>
+  <dgm:sampData>
+    <dgm:dataModel>
+      <dgm:ptLst>
+        <dgm:pt modelId="0" type="doc"/>
+        <dgm:pt modelId="1">
+          <dgm:prSet phldr="1"/>
+        </dgm:pt>
+        <dgm:pt modelId="2">
+          <dgm:prSet phldr="1"/>
+        </dgm:pt>
+      </dgm:ptLst>
+      <dgm:cxnLst>
+        <dgm:cxn modelId="4" srcId="0" destId="1" srcOrd="0" destOrd="0"/>
+        <dgm:cxn modelId="5" srcId="0" destId="2" srcOrd="1" destOrd="0"/>
+      </dgm:cxnLst>
+      <dgm:bg/>
+      <dgm:whole/>
+    </dgm:dataModel>
+  </dgm:sampData>
+  <dgm:styleData>
+    <dgm:dataModel>
+      <dgm:ptLst>
+        <dgm:pt modelId="0" type="doc"/>
+        <dgm:pt modelId="1"/>
+        <dgm:pt modelId="2"/>
+      </dgm:ptLst>
+      <dgm:cxnLst>
+        <dgm:cxn modelId="3" srcId="0" destId="1" srcOrd="0" destOrd="0"/>
+        <dgm:cxn modelId="4" srcId="0" destId="2" srcOrd="1" destOrd="0"/>
+      </dgm:cxnLst>
+      <dgm:bg/>
+      <dgm:whole/>
+    </dgm:dataModel>
+  </dgm:styleData>
+  <dgm:clrData>
+    <dgm:dataModel>
+      <dgm:ptLst>
+        <dgm:pt modelId="0" type="doc"/>
+        <dgm:pt modelId="1"/>
+        <dgm:pt modelId="2"/>
+      </dgm:ptLst>
+      <dgm:cxnLst>
+        <dgm:cxn modelId="3" srcId="0" destId="1" srcOrd="0" destOrd="0"/>
+        <dgm:cxn modelId="4" srcId="0" destId="2" srcOrd="1" destOrd="0"/>
+      </dgm:cxnLst>
+      <dgm:bg/>
+      <dgm:whole/>
+    </dgm:dataModel>
+  </dgm:clrData>
+  <dgm:layoutNode name="compositeShape">
+    <dgm:varLst>
+      <dgm:chMax val="2"/>
+      <dgm:dir/>
+      <dgm:resizeHandles val="exact"/>
+    </dgm:varLst>
+    <dgm:alg type="composite">
+      <dgm:param type="horzAlign" val="none"/>
+      <dgm:param type="vertAlign" val="none"/>
+    </dgm:alg>
+    <dgm:shape xmlns:r="http://schemas.openxmlformats.org/officeDocument/2006/relationships" r:blip="">
+      <dgm:adjLst/>
+    </dgm:shape>
+    <dgm:presOf/>
+    <dgm:choose name="Name0">
+      <dgm:if name="Name1" func="var" arg="dir" op="equ" val="norm">
+        <dgm:choose name="Name2">
+          <dgm:if name="Name3" axis="ch" ptType="node" func="cnt" op="gte" val="2">
+            <dgm:constrLst>
+              <dgm:constr type="w" for="ch" forName="divider" refType="w"/>
+              <dgm:constr type="h" for="ch" forName="divider" refType="w" fact="0.2"/>
+              <dgm:constr type="h" for="ch" forName="divider" refType="h" op="gte" fact="0.2"/>
+              <dgm:constr type="h" for="ch" forName="divider" refType="h" op="lte" fact="0.4"/>
+              <dgm:constr type="ctrX" for="ch" forName="divider" refType="w" fact="0.5"/>
+              <dgm:constr type="ctrY" for="ch" forName="divider" refType="h" fact="0.5"/>
+              <dgm:constr type="w" for="ch" forName="downArrow" refType="w" fact="0.3"/>
+              <dgm:constr type="h" for="ch" forName="downArrow" refType="h" fact="0.4"/>
+              <dgm:constr type="l" for="ch" forName="downArrow" refType="w" fact="0.1"/>
+              <dgm:constr type="t" for="ch" forName="downArrow" refType="h" fact="0.05"/>
+              <dgm:constr type="lOff" for="ch" forName="downArrow" refType="w" fact="0.02"/>
+              <dgm:constr type="w" for="ch" forName="downArrowText" refType="w" fact="0.32"/>
+              <dgm:constr type="h" for="ch" forName="downArrowText" refType="h" fact="0.42"/>
+              <dgm:constr type="t" for="ch" forName="downArrowText"/>
+              <dgm:constr type="r" for="ch" forName="downArrowText" refType="w" fact="0.85"/>
+              <dgm:constr type="w" for="ch" forName="upArrow" refType="w" fact="0.3"/>
+              <dgm:constr type="h" for="ch" forName="upArrow" refType="h" fact="0.4"/>
+              <dgm:constr type="b" for="ch" forName="upArrow" refType="h" fact="0.95"/>
+              <dgm:constr type="r" for="ch" forName="upArrow" refType="w" fact="0.9"/>
+              <dgm:constr type="rOff" for="ch" forName="upArrow" refType="w" fact="-0.02"/>
+              <dgm:constr type="w" for="ch" forName="upArrowText" refType="w" fact="0.32"/>
+              <dgm:constr type="h" for="ch" forName="upArrowText" refType="h" fact="0.42"/>
+              <dgm:constr type="b" for="ch" forName="upArrowText" refType="h"/>
+              <dgm:constr type="l" for="ch" forName="upArrowText" refType="w" fact="0.15"/>
+              <dgm:constr type="primFontSz" for="ch" ptType="node" op="equ" val="65"/>
+            </dgm:constrLst>
+          </dgm:if>
+          <dgm:else name="Name4">
+            <dgm:constrLst>
+              <dgm:constr type="w" for="ch" forName="downArrow" refType="w" fact="0.4"/>
+              <dgm:constr type="h" for="ch" forName="downArrow" refType="h" fact="0.8"/>
+              <dgm:constr type="l" for="ch" forName="downArrow" refType="w" fact="0.02"/>
+              <dgm:constr type="t" for="ch" forName="downArrow" refType="h" fact="0.05"/>
+              <dgm:constr type="lOff" for="ch" forName="downArrow" refType="w" fact="0.02"/>
+              <dgm:constr type="w" for="ch" forName="downArrowText" refType="w" fact="0.5"/>
+              <dgm:constr type="h" for="ch" forName="downArrowText" refType="h"/>
+              <dgm:constr type="t" for="ch" forName="downArrowText"/>
+              <dgm:constr type="r" for="ch" forName="downArrowText" refType="w"/>
+              <dgm:constr type="primFontSz" for="ch" ptType="node" op="equ" val="65"/>
+            </dgm:constrLst>
+          </dgm:else>
+        </dgm:choose>
+      </dgm:if>
+      <dgm:else name="Name5">
+        <dgm:choose name="Name6">
+          <dgm:if name="Name7" axis="ch" ptType="node" func="cnt" op="gte" val="2">
+            <dgm:constrLst>
+              <dgm:constr type="w" for="ch" forName="divider" refType="w"/>
+              <dgm:constr type="h" for="ch" forName="divider" refType="w" fact="0.2"/>
+              <dgm:constr type="h" for="ch" forName="divider" refType="h" op="gte" fact="0.2"/>
+              <dgm:constr type="h" for="ch" forName="divider" refType="h" op="lte" fact="0.4"/>
+              <dgm:constr type="ctrX" for="ch" forName="divider" refType="w" fact="0.5"/>
+              <dgm:constr type="ctrY" for="ch" forName="divider" refType="h" fact="0.5"/>
+              <dgm:constr type="w" for="ch" forName="downArrow" refType="w" fact="0.3"/>
+              <dgm:constr type="h" for="ch" forName="downArrow" refType="h" fact="0.4"/>
+              <dgm:constr type="r" for="ch" forName="downArrow" refType="w" fact="0.9"/>
+              <dgm:constr type="t" for="ch" forName="downArrow" refType="h" fact="0.05"/>
+              <dgm:constr type="rOff" for="ch" forName="downArrow" refType="w" fact="-0.02"/>
+              <dgm:constr type="w" for="ch" forName="downArrowText" refType="w" fact="0.32"/>
+              <dgm:constr type="h" for="ch" forName="downArrowText" refType="h" fact="0.42"/>
+              <dgm:constr type="t" for="ch" forName="downArrowText"/>
+              <dgm:constr type="l" for="ch" forName="downArrowText" refType="w" fact="0.15"/>
+              <dgm:constr type="w" for="ch" forName="upArrow" refType="w" fact="0.3"/>
+              <dgm:constr type="h" for="ch" forName="upArrow" refType="h" fact="0.4"/>
+              <dgm:constr type="b" for="ch" forName="upArrow" refType="h" fact="0.95"/>
+              <dgm:constr type="l" for="ch" forName="upArrow" refType="w" fact="0.1"/>
+              <dgm:constr type="lOff" for="ch" forName="upArrow" refType="w" fact="0.02"/>
+              <dgm:constr type="w" for="ch" forName="upArrowText" refType="w" fact="0.32"/>
+              <dgm:constr type="h" for="ch" forName="upArrowText" refType="h" fact="0.42"/>
+              <dgm:constr type="b" for="ch" forName="upArrowText" refType="h"/>
+              <dgm:constr type="r" for="ch" forName="upArrowText" refType="w" fact="0.85"/>
+              <dgm:constr type="primFontSz" for="ch" ptType="node" op="equ" val="65"/>
+            </dgm:constrLst>
+          </dgm:if>
+          <dgm:else name="Name8">
+            <dgm:constrLst>
+              <dgm:constr type="w" for="ch" forName="downArrow" refType="w" fact="0.4"/>
+              <dgm:constr type="h" for="ch" forName="downArrow" refType="h" fact="0.8"/>
+              <dgm:constr type="r" for="ch" forName="downArrow" refType="w" fact="0.98"/>
+              <dgm:constr type="t" for="ch" forName="downArrow" refType="h" fact="0.05"/>
+              <dgm:constr type="rOff" for="ch" forName="downArrow" refType="w" fact="-0.02"/>
+              <dgm:constr type="w" for="ch" forName="downArrowText" refType="w" fact="0.5"/>
+              <dgm:constr type="h" for="ch" forName="downArrowText" refType="h"/>
+              <dgm:constr type="t" for="ch" forName="downArrowText"/>
+              <dgm:constr type="l" for="ch" forName="downArrowText"/>
+              <dgm:constr type="primFontSz" for="ch" ptType="node" op="equ" val="65"/>
+            </dgm:constrLst>
+          </dgm:else>
+        </dgm:choose>
+      </dgm:else>
+    </dgm:choose>
+    <dgm:ruleLst/>
+    <dgm:choose name="Name9">
+      <dgm:if name="Name10" axis="ch" ptType="node" func="cnt" op="gte" val="2">
+        <dgm:layoutNode name="divider" styleLbl="fgShp">
+          <dgm:alg type="sp"/>
+          <dgm:choose name="Name11">
+            <dgm:if name="Name12" func="var" arg="dir" op="equ" val="norm">
+              <dgm:shape xmlns:r="http://schemas.openxmlformats.org/officeDocument/2006/relationships" rot="-5" type="mathMinus" r:blip="">
+                <dgm:adjLst/>
+              </dgm:shape>
+            </dgm:if>
+            <dgm:else name="Name13">
+              <dgm:shape xmlns:r="http://schemas.openxmlformats.org/officeDocument/2006/relationships" rot="5" type="mathMinus" r:blip="">
+                <dgm:adjLst/>
+              </dgm:shape>
+            </dgm:else>
+          </dgm:choose>
+          <dgm:presOf/>
+          <dgm:constrLst/>
+          <dgm:ruleLst/>
+        </dgm:layoutNode>
+      </dgm:if>
+      <dgm:else name="Name14"/>
+    </dgm:choose>
+    <dgm:forEach name="Name15" axis="ch" ptType="node" cnt="1">
+      <dgm:layoutNode name="downArrow" styleLbl="node1">
+        <dgm:alg type="sp"/>
+        <dgm:shape xmlns:r="http://schemas.openxmlformats.org/officeDocument/2006/relationships" type="downArrow" r:blip="">
+          <dgm:adjLst/>
+        </dgm:shape>
+        <dgm:presOf/>
+        <dgm:constrLst/>
+        <dgm:ruleLst/>
+      </dgm:layoutNode>
+      <dgm:layoutNode name="downArrowText" styleLbl="revTx">
+        <dgm:varLst>
+          <dgm:bulletEnabled val="1"/>
+        </dgm:varLst>
+        <dgm:alg type="tx">
+          <dgm:param type="txAnchorVertCh" val="mid"/>
+        </dgm:alg>
+        <dgm:shape xmlns:r="http://schemas.openxmlformats.org/officeDocument/2006/relationships" type="rect" r:blip="">
+          <dgm:adjLst/>
+        </dgm:shape>
+        <dgm:presOf axis="desOrSelf" ptType="node"/>
+        <dgm:constrLst/>
+        <dgm:ruleLst>
+          <dgm:rule type="primFontSz" val="5" fact="NaN" max="NaN"/>
+        </dgm:ruleLst>
+      </dgm:layoutNode>
+    </dgm:forEach>
+    <dgm:forEach name="Name16" axis="ch" ptType="node" st="2" cnt="1">
+      <dgm:layoutNode name="upArrow" styleLbl="node1">
+        <dgm:alg type="sp"/>
+        <dgm:shape xmlns:r="http://schemas.openxmlformats.org/officeDocument/2006/relationships" type="upArrow" r:blip="">
+          <dgm:adjLst/>
+        </dgm:shape>
+        <dgm:presOf/>
+        <dgm:constrLst/>
+        <dgm:ruleLst/>
+      </dgm:layoutNode>
+      <dgm:layoutNode name="upArrowText" styleLbl="revTx">
+        <dgm:varLst>
+          <dgm:bulletEnabled val="1"/>
+        </dgm:varLst>
+        <dgm:alg type="tx">
+          <dgm:param type="txAnchorVertCh" val="mid"/>
+        </dgm:alg>
+        <dgm:shape xmlns:r="http://schemas.openxmlformats.org/officeDocument/2006/relationships" type="rect" r:blip="">
+          <dgm:adjLst/>
+        </dgm:shape>
+        <dgm:presOf axis="desOrSelf" ptType="node"/>
+        <dgm:constrLst/>
+        <dgm:ruleLst>
+          <dgm:rule type="primFontSz" val="5" fact="NaN" max="NaN"/>
+        </dgm:ruleLst>
+      </dgm:layoutNode>
+    </dgm:forEach>
+  </dgm:layoutNode>
+</dgm:layoutDef>
+</file>
+
 <file path=ppt/diagrams/quickStyle1.xml><?xml version="1.0" encoding="utf-8"?>
 <dgm:styleDef xmlns:dgm="http://schemas.openxmlformats.org/drawingml/2006/diagram" xmlns:a="http://schemas.openxmlformats.org/drawingml/2006/main" uniqueId="urn:microsoft.com/office/officeart/2005/8/quickstyle/simple1">
   <dgm:title val=""/>
@@ -5526,6 +7219,1557 @@
     </dgm:style>
   </dgm:styleLbl>
 </dgm:styleDef>
+</file>
+
+<file path=ppt/diagrams/quickStyle3.xml><?xml version="1.0" encoding="utf-8"?>
+<dgm:styleDef xmlns:dgm="http://schemas.openxmlformats.org/drawingml/2006/diagram" xmlns:a="http://schemas.openxmlformats.org/drawingml/2006/main" uniqueId="urn:microsoft.com/office/officeart/2005/8/quickstyle/3d1">
+  <dgm:title val=""/>
+  <dgm:desc val=""/>
+  <dgm:catLst>
+    <dgm:cat type="3D" pri="11100"/>
+  </dgm:catLst>
+  <dgm:scene3d>
+    <a:camera prst="orthographicFront"/>
+    <a:lightRig rig="threePt" dir="t"/>
+  </dgm:scene3d>
+  <dgm:styleLbl name="node0">
+    <dgm:scene3d>
+      <a:camera prst="orthographicFront"/>
+      <a:lightRig rig="flat" dir="t"/>
+    </dgm:scene3d>
+    <dgm:sp3d prstMaterial="plastic">
+      <a:bevelT w="120900" h="88900"/>
+      <a:bevelB w="88900" h="31750" prst="angle"/>
+    </dgm:sp3d>
+    <dgm:txPr/>
+    <dgm:style>
+      <a:lnRef idx="0">
+        <a:scrgbClr r="0" g="0" b="0"/>
+      </a:lnRef>
+      <a:fillRef idx="3">
+        <a:scrgbClr r="0" g="0" b="0"/>
+      </a:fillRef>
+      <a:effectRef idx="2">
+        <a:scrgbClr r="0" g="0" b="0"/>
+      </a:effectRef>
+      <a:fontRef idx="minor">
+        <a:schemeClr val="lt1"/>
+      </a:fontRef>
+    </dgm:style>
+  </dgm:styleLbl>
+  <dgm:styleLbl name="lnNode1">
+    <dgm:scene3d>
+      <a:camera prst="orthographicFront"/>
+      <a:lightRig rig="flat" dir="t"/>
+    </dgm:scene3d>
+    <dgm:sp3d prstMaterial="plastic">
+      <a:bevelT w="120900" h="88900"/>
+      <a:bevelB w="88900" h="31750" prst="angle"/>
+    </dgm:sp3d>
+    <dgm:txPr/>
+    <dgm:style>
+      <a:lnRef idx="0">
+        <a:scrgbClr r="0" g="0" b="0"/>
+      </a:lnRef>
+      <a:fillRef idx="3">
+        <a:scrgbClr r="0" g="0" b="0"/>
+      </a:fillRef>
+      <a:effectRef idx="1">
+        <a:scrgbClr r="0" g="0" b="0"/>
+      </a:effectRef>
+      <a:fontRef idx="minor">
+        <a:schemeClr val="lt1"/>
+      </a:fontRef>
+    </dgm:style>
+  </dgm:styleLbl>
+  <dgm:styleLbl name="vennNode1">
+    <dgm:scene3d>
+      <a:camera prst="orthographicFront"/>
+      <a:lightRig rig="flat" dir="t"/>
+    </dgm:scene3d>
+    <dgm:sp3d prstMaterial="plastic">
+      <a:bevelT w="120900" h="88900"/>
+      <a:bevelB w="88900" h="31750" prst="angle"/>
+    </dgm:sp3d>
+    <dgm:txPr/>
+    <dgm:style>
+      <a:lnRef idx="0">
+        <a:scrgbClr r="0" g="0" b="0"/>
+      </a:lnRef>
+      <a:fillRef idx="1">
+        <a:scrgbClr r="0" g="0" b="0"/>
+      </a:fillRef>
+      <a:effectRef idx="1">
+        <a:scrgbClr r="0" g="0" b="0"/>
+      </a:effectRef>
+      <a:fontRef idx="minor">
+        <a:schemeClr val="tx1"/>
+      </a:fontRef>
+    </dgm:style>
+  </dgm:styleLbl>
+  <dgm:styleLbl name="alignNode1">
+    <dgm:scene3d>
+      <a:camera prst="orthographicFront"/>
+      <a:lightRig rig="flat" dir="t"/>
+    </dgm:scene3d>
+    <dgm:sp3d prstMaterial="plastic">
+      <a:bevelT w="120900" h="88900"/>
+      <a:bevelB w="88900" h="31750" prst="angle"/>
+    </dgm:sp3d>
+    <dgm:txPr/>
+    <dgm:style>
+      <a:lnRef idx="1">
+        <a:scrgbClr r="0" g="0" b="0"/>
+      </a:lnRef>
+      <a:fillRef idx="3">
+        <a:scrgbClr r="0" g="0" b="0"/>
+      </a:fillRef>
+      <a:effectRef idx="2">
+        <a:scrgbClr r="0" g="0" b="0"/>
+      </a:effectRef>
+      <a:fontRef idx="minor">
+        <a:schemeClr val="lt1"/>
+      </a:fontRef>
+    </dgm:style>
+  </dgm:styleLbl>
+  <dgm:styleLbl name="node1">
+    <dgm:scene3d>
+      <a:camera prst="orthographicFront"/>
+      <a:lightRig rig="flat" dir="t"/>
+    </dgm:scene3d>
+    <dgm:sp3d prstMaterial="plastic">
+      <a:bevelT w="120900" h="88900"/>
+      <a:bevelB w="88900" h="31750" prst="angle"/>
+    </dgm:sp3d>
+    <dgm:txPr/>
+    <dgm:style>
+      <a:lnRef idx="0">
+        <a:scrgbClr r="0" g="0" b="0"/>
+      </a:lnRef>
+      <a:fillRef idx="3">
+        <a:scrgbClr r="0" g="0" b="0"/>
+      </a:fillRef>
+      <a:effectRef idx="2">
+        <a:scrgbClr r="0" g="0" b="0"/>
+      </a:effectRef>
+      <a:fontRef idx="minor">
+        <a:schemeClr val="lt1"/>
+      </a:fontRef>
+    </dgm:style>
+  </dgm:styleLbl>
+  <dgm:styleLbl name="node2">
+    <dgm:scene3d>
+      <a:camera prst="orthographicFront"/>
+      <a:lightRig rig="flat" dir="t"/>
+    </dgm:scene3d>
+    <dgm:sp3d prstMaterial="plastic">
+      <a:bevelT w="120900" h="88900"/>
+      <a:bevelB w="88900" h="31750" prst="angle"/>
+    </dgm:sp3d>
+    <dgm:txPr/>
+    <dgm:style>
+      <a:lnRef idx="0">
+        <a:scrgbClr r="0" g="0" b="0"/>
+      </a:lnRef>
+      <a:fillRef idx="3">
+        <a:scrgbClr r="0" g="0" b="0"/>
+      </a:fillRef>
+      <a:effectRef idx="1">
+        <a:scrgbClr r="0" g="0" b="0"/>
+      </a:effectRef>
+      <a:fontRef idx="minor">
+        <a:schemeClr val="lt1"/>
+      </a:fontRef>
+    </dgm:style>
+  </dgm:styleLbl>
+  <dgm:styleLbl name="node3">
+    <dgm:scene3d>
+      <a:camera prst="orthographicFront"/>
+      <a:lightRig rig="flat" dir="t"/>
+    </dgm:scene3d>
+    <dgm:sp3d prstMaterial="plastic">
+      <a:bevelT w="120900" h="88900"/>
+      <a:bevelB w="88900" h="31750" prst="angle"/>
+    </dgm:sp3d>
+    <dgm:txPr/>
+    <dgm:style>
+      <a:lnRef idx="0">
+        <a:scrgbClr r="0" g="0" b="0"/>
+      </a:lnRef>
+      <a:fillRef idx="3">
+        <a:scrgbClr r="0" g="0" b="0"/>
+      </a:fillRef>
+      <a:effectRef idx="1">
+        <a:scrgbClr r="0" g="0" b="0"/>
+      </a:effectRef>
+      <a:fontRef idx="minor">
+        <a:schemeClr val="lt1"/>
+      </a:fontRef>
+    </dgm:style>
+  </dgm:styleLbl>
+  <dgm:styleLbl name="node4">
+    <dgm:scene3d>
+      <a:camera prst="orthographicFront"/>
+      <a:lightRig rig="flat" dir="t"/>
+    </dgm:scene3d>
+    <dgm:sp3d prstMaterial="plastic">
+      <a:bevelT w="120900" h="88900"/>
+      <a:bevelB w="88900" h="31750" prst="angle"/>
+    </dgm:sp3d>
+    <dgm:txPr/>
+    <dgm:style>
+      <a:lnRef idx="0">
+        <a:scrgbClr r="0" g="0" b="0"/>
+      </a:lnRef>
+      <a:fillRef idx="3">
+        <a:scrgbClr r="0" g="0" b="0"/>
+      </a:fillRef>
+      <a:effectRef idx="1">
+        <a:scrgbClr r="0" g="0" b="0"/>
+      </a:effectRef>
+      <a:fontRef idx="minor">
+        <a:schemeClr val="lt1"/>
+      </a:fontRef>
+    </dgm:style>
+  </dgm:styleLbl>
+  <dgm:styleLbl name="fgImgPlace1">
+    <dgm:scene3d>
+      <a:camera prst="orthographicFront"/>
+      <a:lightRig rig="flat" dir="t"/>
+    </dgm:scene3d>
+    <dgm:sp3d z="127000" prstMaterial="plastic">
+      <a:bevelT w="88900" h="88900"/>
+      <a:bevelB w="88900" h="31750" prst="angle"/>
+    </dgm:sp3d>
+    <dgm:txPr/>
+    <dgm:style>
+      <a:lnRef idx="0">
+        <a:scrgbClr r="0" g="0" b="0"/>
+      </a:lnRef>
+      <a:fillRef idx="3">
+        <a:scrgbClr r="0" g="0" b="0"/>
+      </a:fillRef>
+      <a:effectRef idx="2">
+        <a:scrgbClr r="0" g="0" b="0"/>
+      </a:effectRef>
+      <a:fontRef idx="minor"/>
+    </dgm:style>
+  </dgm:styleLbl>
+  <dgm:styleLbl name="alignImgPlace1">
+    <dgm:scene3d>
+      <a:camera prst="orthographicFront"/>
+      <a:lightRig rig="flat" dir="t"/>
+    </dgm:scene3d>
+    <dgm:sp3d prstMaterial="plastic">
+      <a:bevelT w="88900" h="88900"/>
+      <a:bevelB w="88900" h="31750" prst="angle"/>
+    </dgm:sp3d>
+    <dgm:txPr/>
+    <dgm:style>
+      <a:lnRef idx="0">
+        <a:scrgbClr r="0" g="0" b="0"/>
+      </a:lnRef>
+      <a:fillRef idx="3">
+        <a:scrgbClr r="0" g="0" b="0"/>
+      </a:fillRef>
+      <a:effectRef idx="2">
+        <a:scrgbClr r="0" g="0" b="0"/>
+      </a:effectRef>
+      <a:fontRef idx="minor"/>
+    </dgm:style>
+  </dgm:styleLbl>
+  <dgm:styleLbl name="bgImgPlace1">
+    <dgm:scene3d>
+      <a:camera prst="orthographicFront"/>
+      <a:lightRig rig="flat" dir="t"/>
+    </dgm:scene3d>
+    <dgm:sp3d z="-190500" prstMaterial="plastic">
+      <a:bevelT w="88900" h="88900"/>
+      <a:bevelB w="88900" h="31750" prst="angle"/>
+    </dgm:sp3d>
+    <dgm:txPr/>
+    <dgm:style>
+      <a:lnRef idx="0">
+        <a:scrgbClr r="0" g="0" b="0"/>
+      </a:lnRef>
+      <a:fillRef idx="3">
+        <a:scrgbClr r="0" g="0" b="0"/>
+      </a:fillRef>
+      <a:effectRef idx="2">
+        <a:scrgbClr r="0" g="0" b="0"/>
+      </a:effectRef>
+      <a:fontRef idx="minor"/>
+    </dgm:style>
+  </dgm:styleLbl>
+  <dgm:styleLbl name="sibTrans2D1">
+    <dgm:scene3d>
+      <a:camera prst="orthographicFront"/>
+      <a:lightRig rig="flat" dir="t"/>
+    </dgm:scene3d>
+    <dgm:sp3d z="-80000" prstMaterial="plastic">
+      <a:bevelT w="50800" h="50800"/>
+      <a:bevelB w="25400" h="25400" prst="angle"/>
+    </dgm:sp3d>
+    <dgm:txPr/>
+    <dgm:style>
+      <a:lnRef idx="0">
+        <a:scrgbClr r="0" g="0" b="0"/>
+      </a:lnRef>
+      <a:fillRef idx="3">
+        <a:scrgbClr r="0" g="0" b="0"/>
+      </a:fillRef>
+      <a:effectRef idx="2">
+        <a:scrgbClr r="0" g="0" b="0"/>
+      </a:effectRef>
+      <a:fontRef idx="minor">
+        <a:schemeClr val="lt1"/>
+      </a:fontRef>
+    </dgm:style>
+  </dgm:styleLbl>
+  <dgm:styleLbl name="fgSibTrans2D1">
+    <dgm:scene3d>
+      <a:camera prst="orthographicFront"/>
+      <a:lightRig rig="flat" dir="t"/>
+    </dgm:scene3d>
+    <dgm:sp3d z="127000" prstMaterial="plastic">
+      <a:bevelT w="50800" h="50800"/>
+      <a:bevelB w="25400" h="25400" prst="angle"/>
+    </dgm:sp3d>
+    <dgm:txPr/>
+    <dgm:style>
+      <a:lnRef idx="0">
+        <a:scrgbClr r="0" g="0" b="0"/>
+      </a:lnRef>
+      <a:fillRef idx="3">
+        <a:scrgbClr r="0" g="0" b="0"/>
+      </a:fillRef>
+      <a:effectRef idx="2">
+        <a:scrgbClr r="0" g="0" b="0"/>
+      </a:effectRef>
+      <a:fontRef idx="minor">
+        <a:schemeClr val="lt1"/>
+      </a:fontRef>
+    </dgm:style>
+  </dgm:styleLbl>
+  <dgm:styleLbl name="bgSibTrans2D1">
+    <dgm:scene3d>
+      <a:camera prst="orthographicFront"/>
+      <a:lightRig rig="flat" dir="t"/>
+    </dgm:scene3d>
+    <dgm:sp3d z="-190500" prstMaterial="plastic">
+      <a:bevelT w="50800" h="50800"/>
+      <a:bevelB w="25400" h="25400" prst="angle"/>
+    </dgm:sp3d>
+    <dgm:txPr/>
+    <dgm:style>
+      <a:lnRef idx="0">
+        <a:scrgbClr r="0" g="0" b="0"/>
+      </a:lnRef>
+      <a:fillRef idx="3">
+        <a:scrgbClr r="0" g="0" b="0"/>
+      </a:fillRef>
+      <a:effectRef idx="2">
+        <a:scrgbClr r="0" g="0" b="0"/>
+      </a:effectRef>
+      <a:fontRef idx="minor">
+        <a:schemeClr val="lt1"/>
+      </a:fontRef>
+    </dgm:style>
+  </dgm:styleLbl>
+  <dgm:styleLbl name="sibTrans1D1">
+    <dgm:scene3d>
+      <a:camera prst="orthographicFront"/>
+      <a:lightRig rig="flat" dir="t"/>
+    </dgm:scene3d>
+    <dgm:sp3d z="-40000" prstMaterial="matte"/>
+    <dgm:txPr/>
+    <dgm:style>
+      <a:lnRef idx="1">
+        <a:scrgbClr r="0" g="0" b="0"/>
+      </a:lnRef>
+      <a:fillRef idx="0">
+        <a:scrgbClr r="0" g="0" b="0"/>
+      </a:fillRef>
+      <a:effectRef idx="0">
+        <a:scrgbClr r="0" g="0" b="0"/>
+      </a:effectRef>
+      <a:fontRef idx="minor"/>
+    </dgm:style>
+  </dgm:styleLbl>
+  <dgm:styleLbl name="callout">
+    <dgm:scene3d>
+      <a:camera prst="orthographicFront"/>
+      <a:lightRig rig="threePt" dir="t"/>
+    </dgm:scene3d>
+    <dgm:sp3d z="127000" prstMaterial="matte"/>
+    <dgm:txPr/>
+    <dgm:style>
+      <a:lnRef idx="2">
+        <a:scrgbClr r="0" g="0" b="0"/>
+      </a:lnRef>
+      <a:fillRef idx="1">
+        <a:scrgbClr r="0" g="0" b="0"/>
+      </a:fillRef>
+      <a:effectRef idx="0">
+        <a:scrgbClr r="0" g="0" b="0"/>
+      </a:effectRef>
+      <a:fontRef idx="minor"/>
+    </dgm:style>
+  </dgm:styleLbl>
+  <dgm:styleLbl name="asst0">
+    <dgm:scene3d>
+      <a:camera prst="orthographicFront"/>
+      <a:lightRig rig="flat" dir="t"/>
+    </dgm:scene3d>
+    <dgm:sp3d prstMaterial="plastic">
+      <a:bevelT w="120900" h="88900"/>
+      <a:bevelB w="88900" h="31750" prst="angle"/>
+    </dgm:sp3d>
+    <dgm:txPr/>
+    <dgm:style>
+      <a:lnRef idx="0">
+        <a:scrgbClr r="0" g="0" b="0"/>
+      </a:lnRef>
+      <a:fillRef idx="3">
+        <a:scrgbClr r="0" g="0" b="0"/>
+      </a:fillRef>
+      <a:effectRef idx="1">
+        <a:scrgbClr r="0" g="0" b="0"/>
+      </a:effectRef>
+      <a:fontRef idx="minor">
+        <a:schemeClr val="lt1"/>
+      </a:fontRef>
+    </dgm:style>
+  </dgm:styleLbl>
+  <dgm:styleLbl name="asst1">
+    <dgm:scene3d>
+      <a:camera prst="orthographicFront"/>
+      <a:lightRig rig="flat" dir="t"/>
+    </dgm:scene3d>
+    <dgm:sp3d prstMaterial="plastic">
+      <a:bevelT w="120900" h="88900"/>
+      <a:bevelB w="88900" h="31750" prst="angle"/>
+    </dgm:sp3d>
+    <dgm:txPr/>
+    <dgm:style>
+      <a:lnRef idx="0">
+        <a:scrgbClr r="0" g="0" b="0"/>
+      </a:lnRef>
+      <a:fillRef idx="3">
+        <a:scrgbClr r="0" g="0" b="0"/>
+      </a:fillRef>
+      <a:effectRef idx="1">
+        <a:scrgbClr r="0" g="0" b="0"/>
+      </a:effectRef>
+      <a:fontRef idx="minor">
+        <a:schemeClr val="lt1"/>
+      </a:fontRef>
+    </dgm:style>
+  </dgm:styleLbl>
+  <dgm:styleLbl name="asst2">
+    <dgm:scene3d>
+      <a:camera prst="orthographicFront"/>
+      <a:lightRig rig="flat" dir="t"/>
+    </dgm:scene3d>
+    <dgm:sp3d prstMaterial="plastic">
+      <a:bevelT w="120900" h="88900"/>
+      <a:bevelB w="88900" h="31750" prst="angle"/>
+    </dgm:sp3d>
+    <dgm:txPr/>
+    <dgm:style>
+      <a:lnRef idx="0">
+        <a:scrgbClr r="0" g="0" b="0"/>
+      </a:lnRef>
+      <a:fillRef idx="3">
+        <a:scrgbClr r="0" g="0" b="0"/>
+      </a:fillRef>
+      <a:effectRef idx="1">
+        <a:scrgbClr r="0" g="0" b="0"/>
+      </a:effectRef>
+      <a:fontRef idx="minor">
+        <a:schemeClr val="lt1"/>
+      </a:fontRef>
+    </dgm:style>
+  </dgm:styleLbl>
+  <dgm:styleLbl name="asst3">
+    <dgm:scene3d>
+      <a:camera prst="orthographicFront"/>
+      <a:lightRig rig="flat" dir="t"/>
+    </dgm:scene3d>
+    <dgm:sp3d prstMaterial="plastic">
+      <a:bevelT w="120900" h="88900"/>
+      <a:bevelB w="88900" h="31750" prst="angle"/>
+    </dgm:sp3d>
+    <dgm:txPr/>
+    <dgm:style>
+      <a:lnRef idx="0">
+        <a:scrgbClr r="0" g="0" b="0"/>
+      </a:lnRef>
+      <a:fillRef idx="3">
+        <a:scrgbClr r="0" g="0" b="0"/>
+      </a:fillRef>
+      <a:effectRef idx="1">
+        <a:scrgbClr r="0" g="0" b="0"/>
+      </a:effectRef>
+      <a:fontRef idx="minor">
+        <a:schemeClr val="lt1"/>
+      </a:fontRef>
+    </dgm:style>
+  </dgm:styleLbl>
+  <dgm:styleLbl name="parChTrans2D1">
+    <dgm:scene3d>
+      <a:camera prst="orthographicFront"/>
+      <a:lightRig rig="flat" dir="t"/>
+    </dgm:scene3d>
+    <dgm:sp3d z="-100000" prstMaterial="plastic">
+      <a:bevelT w="120900" h="88900"/>
+      <a:bevelB w="88900" h="31750" prst="angle"/>
+    </dgm:sp3d>
+    <dgm:txPr/>
+    <dgm:style>
+      <a:lnRef idx="0">
+        <a:scrgbClr r="0" g="0" b="0"/>
+      </a:lnRef>
+      <a:fillRef idx="3">
+        <a:scrgbClr r="0" g="0" b="0"/>
+      </a:fillRef>
+      <a:effectRef idx="1">
+        <a:scrgbClr r="0" g="0" b="0"/>
+      </a:effectRef>
+      <a:fontRef idx="minor">
+        <a:schemeClr val="lt1"/>
+      </a:fontRef>
+    </dgm:style>
+  </dgm:styleLbl>
+  <dgm:styleLbl name="parChTrans2D2">
+    <dgm:scene3d>
+      <a:camera prst="orthographicFront"/>
+      <a:lightRig rig="flat" dir="t"/>
+    </dgm:scene3d>
+    <dgm:sp3d z="-60000" prstMaterial="plastic">
+      <a:bevelT w="120900" h="88900"/>
+      <a:bevelB w="88900" h="31750" prst="angle"/>
+    </dgm:sp3d>
+    <dgm:txPr/>
+    <dgm:style>
+      <a:lnRef idx="0">
+        <a:scrgbClr r="0" g="0" b="0"/>
+      </a:lnRef>
+      <a:fillRef idx="3">
+        <a:scrgbClr r="0" g="0" b="0"/>
+      </a:fillRef>
+      <a:effectRef idx="1">
+        <a:scrgbClr r="0" g="0" b="0"/>
+      </a:effectRef>
+      <a:fontRef idx="minor">
+        <a:schemeClr val="lt1"/>
+      </a:fontRef>
+    </dgm:style>
+  </dgm:styleLbl>
+  <dgm:styleLbl name="parChTrans2D3">
+    <dgm:scene3d>
+      <a:camera prst="orthographicFront"/>
+      <a:lightRig rig="flat" dir="t"/>
+    </dgm:scene3d>
+    <dgm:sp3d z="-60000" prstMaterial="plastic">
+      <a:bevelT w="120900" h="88900"/>
+      <a:bevelB w="88900" h="31750" prst="angle"/>
+    </dgm:sp3d>
+    <dgm:txPr/>
+    <dgm:style>
+      <a:lnRef idx="0">
+        <a:scrgbClr r="0" g="0" b="0"/>
+      </a:lnRef>
+      <a:fillRef idx="3">
+        <a:scrgbClr r="0" g="0" b="0"/>
+      </a:fillRef>
+      <a:effectRef idx="1">
+        <a:scrgbClr r="0" g="0" b="0"/>
+      </a:effectRef>
+      <a:fontRef idx="minor">
+        <a:schemeClr val="lt1"/>
+      </a:fontRef>
+    </dgm:style>
+  </dgm:styleLbl>
+  <dgm:styleLbl name="parChTrans2D4">
+    <dgm:scene3d>
+      <a:camera prst="orthographicFront"/>
+      <a:lightRig rig="flat" dir="t"/>
+    </dgm:scene3d>
+    <dgm:sp3d z="-60000" prstMaterial="plastic">
+      <a:bevelT w="120900" h="88900"/>
+      <a:bevelB w="88900" h="31750" prst="angle"/>
+    </dgm:sp3d>
+    <dgm:txPr/>
+    <dgm:style>
+      <a:lnRef idx="0">
+        <a:scrgbClr r="0" g="0" b="0"/>
+      </a:lnRef>
+      <a:fillRef idx="3">
+        <a:scrgbClr r="0" g="0" b="0"/>
+      </a:fillRef>
+      <a:effectRef idx="1">
+        <a:scrgbClr r="0" g="0" b="0"/>
+      </a:effectRef>
+      <a:fontRef idx="minor">
+        <a:schemeClr val="lt1"/>
+      </a:fontRef>
+    </dgm:style>
+  </dgm:styleLbl>
+  <dgm:styleLbl name="parChTrans1D1">
+    <dgm:scene3d>
+      <a:camera prst="orthographicFront"/>
+      <a:lightRig rig="flat" dir="t"/>
+    </dgm:scene3d>
+    <dgm:sp3d prstMaterial="matte"/>
+    <dgm:txPr/>
+    <dgm:style>
+      <a:lnRef idx="2">
+        <a:scrgbClr r="0" g="0" b="0"/>
+      </a:lnRef>
+      <a:fillRef idx="0">
+        <a:scrgbClr r="0" g="0" b="0"/>
+      </a:fillRef>
+      <a:effectRef idx="0">
+        <a:scrgbClr r="0" g="0" b="0"/>
+      </a:effectRef>
+      <a:fontRef idx="minor"/>
+    </dgm:style>
+  </dgm:styleLbl>
+  <dgm:styleLbl name="parChTrans1D2">
+    <dgm:scene3d>
+      <a:camera prst="orthographicFront"/>
+      <a:lightRig rig="flat" dir="t"/>
+    </dgm:scene3d>
+    <dgm:sp3d prstMaterial="matte"/>
+    <dgm:txPr/>
+    <dgm:style>
+      <a:lnRef idx="2">
+        <a:scrgbClr r="0" g="0" b="0"/>
+      </a:lnRef>
+      <a:fillRef idx="0">
+        <a:scrgbClr r="0" g="0" b="0"/>
+      </a:fillRef>
+      <a:effectRef idx="0">
+        <a:scrgbClr r="0" g="0" b="0"/>
+      </a:effectRef>
+      <a:fontRef idx="minor"/>
+    </dgm:style>
+  </dgm:styleLbl>
+  <dgm:styleLbl name="parChTrans1D3">
+    <dgm:scene3d>
+      <a:camera prst="orthographicFront"/>
+      <a:lightRig rig="flat" dir="t"/>
+    </dgm:scene3d>
+    <dgm:sp3d prstMaterial="matte"/>
+    <dgm:txPr/>
+    <dgm:style>
+      <a:lnRef idx="2">
+        <a:scrgbClr r="0" g="0" b="0"/>
+      </a:lnRef>
+      <a:fillRef idx="0">
+        <a:scrgbClr r="0" g="0" b="0"/>
+      </a:fillRef>
+      <a:effectRef idx="0">
+        <a:scrgbClr r="0" g="0" b="0"/>
+      </a:effectRef>
+      <a:fontRef idx="minor"/>
+    </dgm:style>
+  </dgm:styleLbl>
+  <dgm:styleLbl name="parChTrans1D4">
+    <dgm:scene3d>
+      <a:camera prst="orthographicFront"/>
+      <a:lightRig rig="flat" dir="t"/>
+    </dgm:scene3d>
+    <dgm:sp3d prstMaterial="matte"/>
+    <dgm:txPr/>
+    <dgm:style>
+      <a:lnRef idx="2">
+        <a:scrgbClr r="0" g="0" b="0"/>
+      </a:lnRef>
+      <a:fillRef idx="0">
+        <a:scrgbClr r="0" g="0" b="0"/>
+      </a:fillRef>
+      <a:effectRef idx="0">
+        <a:scrgbClr r="0" g="0" b="0"/>
+      </a:effectRef>
+      <a:fontRef idx="minor"/>
+    </dgm:style>
+  </dgm:styleLbl>
+  <dgm:styleLbl name="fgAcc1">
+    <dgm:scene3d>
+      <a:camera prst="orthographicFront"/>
+      <a:lightRig rig="flat" dir="t"/>
+    </dgm:scene3d>
+    <dgm:sp3d z="190500" extrusionH="12700" prstMaterial="plastic">
+      <a:bevelT w="50800" h="50800"/>
+    </dgm:sp3d>
+    <dgm:txPr/>
+    <dgm:style>
+      <a:lnRef idx="1">
+        <a:scrgbClr r="0" g="0" b="0"/>
+      </a:lnRef>
+      <a:fillRef idx="1">
+        <a:scrgbClr r="0" g="0" b="0"/>
+      </a:fillRef>
+      <a:effectRef idx="2">
+        <a:scrgbClr r="0" g="0" b="0"/>
+      </a:effectRef>
+      <a:fontRef idx="minor"/>
+    </dgm:style>
+  </dgm:styleLbl>
+  <dgm:styleLbl name="conFgAcc1">
+    <dgm:scene3d>
+      <a:camera prst="orthographicFront"/>
+      <a:lightRig rig="flat" dir="t"/>
+    </dgm:scene3d>
+    <dgm:sp3d z="190500" extrusionH="12700" prstMaterial="plastic">
+      <a:bevelT w="50800" h="50800"/>
+    </dgm:sp3d>
+    <dgm:txPr/>
+    <dgm:style>
+      <a:lnRef idx="1">
+        <a:scrgbClr r="0" g="0" b="0"/>
+      </a:lnRef>
+      <a:fillRef idx="1">
+        <a:scrgbClr r="0" g="0" b="0"/>
+      </a:fillRef>
+      <a:effectRef idx="2">
+        <a:scrgbClr r="0" g="0" b="0"/>
+      </a:effectRef>
+      <a:fontRef idx="minor"/>
+    </dgm:style>
+  </dgm:styleLbl>
+  <dgm:styleLbl name="alignAcc1">
+    <dgm:scene3d>
+      <a:camera prst="orthographicFront"/>
+      <a:lightRig rig="flat" dir="t"/>
+    </dgm:scene3d>
+    <dgm:sp3d extrusionH="12700" prstMaterial="plastic">
+      <a:bevelT w="50800" h="50800"/>
+    </dgm:sp3d>
+    <dgm:txPr/>
+    <dgm:style>
+      <a:lnRef idx="1">
+        <a:scrgbClr r="0" g="0" b="0"/>
+      </a:lnRef>
+      <a:fillRef idx="1">
+        <a:scrgbClr r="0" g="0" b="0"/>
+      </a:fillRef>
+      <a:effectRef idx="2">
+        <a:scrgbClr r="0" g="0" b="0"/>
+      </a:effectRef>
+      <a:fontRef idx="minor"/>
+    </dgm:style>
+  </dgm:styleLbl>
+  <dgm:styleLbl name="trAlignAcc1">
+    <dgm:scene3d>
+      <a:camera prst="orthographicFront"/>
+      <a:lightRig rig="flat" dir="t"/>
+    </dgm:scene3d>
+    <dgm:sp3d extrusionH="12700" prstMaterial="plastic">
+      <a:bevelT w="50800" h="50800"/>
+    </dgm:sp3d>
+    <dgm:txPr/>
+    <dgm:style>
+      <a:lnRef idx="1">
+        <a:scrgbClr r="0" g="0" b="0"/>
+      </a:lnRef>
+      <a:fillRef idx="1">
+        <a:scrgbClr r="0" g="0" b="0"/>
+      </a:fillRef>
+      <a:effectRef idx="2">
+        <a:scrgbClr r="0" g="0" b="0"/>
+      </a:effectRef>
+      <a:fontRef idx="minor"/>
+    </dgm:style>
+  </dgm:styleLbl>
+  <dgm:styleLbl name="bgAcc1">
+    <dgm:scene3d>
+      <a:camera prst="orthographicFront"/>
+      <a:lightRig rig="flat" dir="t"/>
+    </dgm:scene3d>
+    <dgm:sp3d z="-190500" extrusionH="12700" prstMaterial="plastic">
+      <a:bevelT w="50800" h="50800"/>
+    </dgm:sp3d>
+    <dgm:txPr/>
+    <dgm:style>
+      <a:lnRef idx="1">
+        <a:scrgbClr r="0" g="0" b="0"/>
+      </a:lnRef>
+      <a:fillRef idx="1">
+        <a:scrgbClr r="0" g="0" b="0"/>
+      </a:fillRef>
+      <a:effectRef idx="2">
+        <a:scrgbClr r="0" g="0" b="0"/>
+      </a:effectRef>
+      <a:fontRef idx="minor"/>
+    </dgm:style>
+  </dgm:styleLbl>
+  <dgm:styleLbl name="solidFgAcc1">
+    <dgm:scene3d>
+      <a:camera prst="orthographicFront"/>
+      <a:lightRig rig="flat" dir="t"/>
+    </dgm:scene3d>
+    <dgm:sp3d z="190500" extrusionH="12700" prstMaterial="plastic">
+      <a:bevelT w="50800" h="50800"/>
+    </dgm:sp3d>
+    <dgm:txPr/>
+    <dgm:style>
+      <a:lnRef idx="1">
+        <a:scrgbClr r="0" g="0" b="0"/>
+      </a:lnRef>
+      <a:fillRef idx="1">
+        <a:scrgbClr r="0" g="0" b="0"/>
+      </a:fillRef>
+      <a:effectRef idx="2">
+        <a:scrgbClr r="0" g="0" b="0"/>
+      </a:effectRef>
+      <a:fontRef idx="minor"/>
+    </dgm:style>
+  </dgm:styleLbl>
+  <dgm:styleLbl name="solidAlignAcc1">
+    <dgm:scene3d>
+      <a:camera prst="orthographicFront"/>
+      <a:lightRig rig="flat" dir="t"/>
+    </dgm:scene3d>
+    <dgm:sp3d extrusionH="12700" prstMaterial="plastic">
+      <a:bevelT w="50800" h="50800"/>
+    </dgm:sp3d>
+    <dgm:txPr/>
+    <dgm:style>
+      <a:lnRef idx="1">
+        <a:scrgbClr r="0" g="0" b="0"/>
+      </a:lnRef>
+      <a:fillRef idx="1">
+        <a:scrgbClr r="0" g="0" b="0"/>
+      </a:fillRef>
+      <a:effectRef idx="2">
+        <a:scrgbClr r="0" g="0" b="0"/>
+      </a:effectRef>
+      <a:fontRef idx="minor"/>
+    </dgm:style>
+  </dgm:styleLbl>
+  <dgm:styleLbl name="solidBgAcc1">
+    <dgm:scene3d>
+      <a:camera prst="orthographicFront"/>
+      <a:lightRig rig="flat" dir="t"/>
+    </dgm:scene3d>
+    <dgm:sp3d z="-190500" extrusionH="12700" prstMaterial="plastic">
+      <a:bevelT w="50800" h="50800"/>
+    </dgm:sp3d>
+    <dgm:txPr/>
+    <dgm:style>
+      <a:lnRef idx="1">
+        <a:scrgbClr r="0" g="0" b="0"/>
+      </a:lnRef>
+      <a:fillRef idx="1">
+        <a:scrgbClr r="0" g="0" b="0"/>
+      </a:fillRef>
+      <a:effectRef idx="2">
+        <a:scrgbClr r="0" g="0" b="0"/>
+      </a:effectRef>
+      <a:fontRef idx="minor"/>
+    </dgm:style>
+  </dgm:styleLbl>
+  <dgm:styleLbl name="fgAccFollowNode1">
+    <dgm:scene3d>
+      <a:camera prst="orthographicFront"/>
+      <a:lightRig rig="flat" dir="t"/>
+    </dgm:scene3d>
+    <dgm:sp3d z="190500" extrusionH="12700" prstMaterial="plastic">
+      <a:bevelT w="50800" h="50800"/>
+    </dgm:sp3d>
+    <dgm:txPr/>
+    <dgm:style>
+      <a:lnRef idx="1">
+        <a:scrgbClr r="0" g="0" b="0"/>
+      </a:lnRef>
+      <a:fillRef idx="1">
+        <a:scrgbClr r="0" g="0" b="0"/>
+      </a:fillRef>
+      <a:effectRef idx="2">
+        <a:scrgbClr r="0" g="0" b="0"/>
+      </a:effectRef>
+      <a:fontRef idx="minor"/>
+    </dgm:style>
+  </dgm:styleLbl>
+  <dgm:styleLbl name="alignAccFollowNode1">
+    <dgm:scene3d>
+      <a:camera prst="orthographicFront"/>
+      <a:lightRig rig="flat" dir="t"/>
+    </dgm:scene3d>
+    <dgm:sp3d extrusionH="12700" prstMaterial="plastic">
+      <a:bevelT w="50800" h="50800"/>
+    </dgm:sp3d>
+    <dgm:txPr/>
+    <dgm:style>
+      <a:lnRef idx="1">
+        <a:scrgbClr r="0" g="0" b="0"/>
+      </a:lnRef>
+      <a:fillRef idx="1">
+        <a:scrgbClr r="0" g="0" b="0"/>
+      </a:fillRef>
+      <a:effectRef idx="2">
+        <a:scrgbClr r="0" g="0" b="0"/>
+      </a:effectRef>
+      <a:fontRef idx="minor"/>
+    </dgm:style>
+  </dgm:styleLbl>
+  <dgm:styleLbl name="bgAccFollowNode1">
+    <dgm:scene3d>
+      <a:camera prst="orthographicFront"/>
+      <a:lightRig rig="flat" dir="t"/>
+    </dgm:scene3d>
+    <dgm:sp3d z="-190500" extrusionH="12700" prstMaterial="plastic">
+      <a:bevelT w="50800" h="50800"/>
+    </dgm:sp3d>
+    <dgm:txPr/>
+    <dgm:style>
+      <a:lnRef idx="1">
+        <a:scrgbClr r="0" g="0" b="0"/>
+      </a:lnRef>
+      <a:fillRef idx="1">
+        <a:scrgbClr r="0" g="0" b="0"/>
+      </a:fillRef>
+      <a:effectRef idx="2">
+        <a:scrgbClr r="0" g="0" b="0"/>
+      </a:effectRef>
+      <a:fontRef idx="minor"/>
+    </dgm:style>
+  </dgm:styleLbl>
+  <dgm:styleLbl name="fgAcc0">
+    <dgm:scene3d>
+      <a:camera prst="orthographicFront"/>
+      <a:lightRig rig="flat" dir="t"/>
+    </dgm:scene3d>
+    <dgm:sp3d z="190500" extrusionH="12700" prstMaterial="plastic">
+      <a:bevelT w="50800" h="50800"/>
+    </dgm:sp3d>
+    <dgm:txPr/>
+    <dgm:style>
+      <a:lnRef idx="1">
+        <a:scrgbClr r="0" g="0" b="0"/>
+      </a:lnRef>
+      <a:fillRef idx="1">
+        <a:scrgbClr r="0" g="0" b="0"/>
+      </a:fillRef>
+      <a:effectRef idx="2">
+        <a:scrgbClr r="0" g="0" b="0"/>
+      </a:effectRef>
+      <a:fontRef idx="minor"/>
+    </dgm:style>
+  </dgm:styleLbl>
+  <dgm:styleLbl name="fgAcc2">
+    <dgm:scene3d>
+      <a:camera prst="orthographicFront"/>
+      <a:lightRig rig="flat" dir="t"/>
+    </dgm:scene3d>
+    <dgm:sp3d z="190500" extrusionH="12700" prstMaterial="plastic">
+      <a:bevelT w="50800" h="50800"/>
+    </dgm:sp3d>
+    <dgm:txPr/>
+    <dgm:style>
+      <a:lnRef idx="1">
+        <a:scrgbClr r="0" g="0" b="0"/>
+      </a:lnRef>
+      <a:fillRef idx="1">
+        <a:scrgbClr r="0" g="0" b="0"/>
+      </a:fillRef>
+      <a:effectRef idx="2">
+        <a:scrgbClr r="0" g="0" b="0"/>
+      </a:effectRef>
+      <a:fontRef idx="minor"/>
+    </dgm:style>
+  </dgm:styleLbl>
+  <dgm:styleLbl name="fgAcc3">
+    <dgm:scene3d>
+      <a:camera prst="orthographicFront"/>
+      <a:lightRig rig="flat" dir="t"/>
+    </dgm:scene3d>
+    <dgm:sp3d z="190500" extrusionH="12700" prstMaterial="plastic">
+      <a:bevelT w="50800" h="50800"/>
+    </dgm:sp3d>
+    <dgm:txPr/>
+    <dgm:style>
+      <a:lnRef idx="1">
+        <a:scrgbClr r="0" g="0" b="0"/>
+      </a:lnRef>
+      <a:fillRef idx="1">
+        <a:scrgbClr r="0" g="0" b="0"/>
+      </a:fillRef>
+      <a:effectRef idx="2">
+        <a:scrgbClr r="0" g="0" b="0"/>
+      </a:effectRef>
+      <a:fontRef idx="minor"/>
+    </dgm:style>
+  </dgm:styleLbl>
+  <dgm:styleLbl name="fgAcc4">
+    <dgm:scene3d>
+      <a:camera prst="orthographicFront"/>
+      <a:lightRig rig="flat" dir="t"/>
+    </dgm:scene3d>
+    <dgm:sp3d z="190500" extrusionH="12700" prstMaterial="plastic">
+      <a:bevelT w="50800" h="50800"/>
+    </dgm:sp3d>
+    <dgm:txPr/>
+    <dgm:style>
+      <a:lnRef idx="1">
+        <a:scrgbClr r="0" g="0" b="0"/>
+      </a:lnRef>
+      <a:fillRef idx="1">
+        <a:scrgbClr r="0" g="0" b="0"/>
+      </a:fillRef>
+      <a:effectRef idx="2">
+        <a:scrgbClr r="0" g="0" b="0"/>
+      </a:effectRef>
+      <a:fontRef idx="minor"/>
+    </dgm:style>
+  </dgm:styleLbl>
+  <dgm:styleLbl name="bgShp">
+    <dgm:scene3d>
+      <a:camera prst="orthographicFront"/>
+      <a:lightRig rig="flat" dir="t"/>
+    </dgm:scene3d>
+    <dgm:sp3d z="-190500" extrusionH="12700" prstMaterial="plastic">
+      <a:bevelT w="50800" h="50800"/>
+    </dgm:sp3d>
+    <dgm:txPr/>
+    <dgm:style>
+      <a:lnRef idx="0">
+        <a:scrgbClr r="0" g="0" b="0"/>
+      </a:lnRef>
+      <a:fillRef idx="3">
+        <a:scrgbClr r="0" g="0" b="0"/>
+      </a:fillRef>
+      <a:effectRef idx="0">
+        <a:scrgbClr r="0" g="0" b="0"/>
+      </a:effectRef>
+      <a:fontRef idx="minor"/>
+    </dgm:style>
+  </dgm:styleLbl>
+  <dgm:styleLbl name="dkBgShp">
+    <dgm:scene3d>
+      <a:camera prst="orthographicFront"/>
+      <a:lightRig rig="flat" dir="t"/>
+    </dgm:scene3d>
+    <dgm:sp3d z="-190500" extrusionH="12700" prstMaterial="plastic">
+      <a:bevelT w="50800" h="50800"/>
+    </dgm:sp3d>
+    <dgm:txPr/>
+    <dgm:style>
+      <a:lnRef idx="0">
+        <a:scrgbClr r="0" g="0" b="0"/>
+      </a:lnRef>
+      <a:fillRef idx="2">
+        <a:scrgbClr r="0" g="0" b="0"/>
+      </a:fillRef>
+      <a:effectRef idx="0">
+        <a:scrgbClr r="0" g="0" b="0"/>
+      </a:effectRef>
+      <a:fontRef idx="minor"/>
+    </dgm:style>
+  </dgm:styleLbl>
+  <dgm:styleLbl name="trBgShp">
+    <dgm:scene3d>
+      <a:camera prst="orthographicFront"/>
+      <a:lightRig rig="flat" dir="t"/>
+    </dgm:scene3d>
+    <dgm:sp3d z="-190500" extrusionH="12700" prstMaterial="matte"/>
+    <dgm:txPr/>
+    <dgm:style>
+      <a:lnRef idx="0">
+        <a:scrgbClr r="0" g="0" b="0"/>
+      </a:lnRef>
+      <a:fillRef idx="1">
+        <a:scrgbClr r="0" g="0" b="0"/>
+      </a:fillRef>
+      <a:effectRef idx="0">
+        <a:scrgbClr r="0" g="0" b="0"/>
+      </a:effectRef>
+      <a:fontRef idx="minor"/>
+    </dgm:style>
+  </dgm:styleLbl>
+  <dgm:styleLbl name="fgShp">
+    <dgm:scene3d>
+      <a:camera prst="orthographicFront"/>
+      <a:lightRig rig="flat" dir="t"/>
+    </dgm:scene3d>
+    <dgm:sp3d z="190500" prstMaterial="plastic">
+      <a:bevelT w="120900" h="88900"/>
+      <a:bevelB w="88900" h="31750" prst="angle"/>
+    </dgm:sp3d>
+    <dgm:txPr/>
+    <dgm:style>
+      <a:lnRef idx="0">
+        <a:scrgbClr r="0" g="0" b="0"/>
+      </a:lnRef>
+      <a:fillRef idx="1">
+        <a:scrgbClr r="0" g="0" b="0"/>
+      </a:fillRef>
+      <a:effectRef idx="3">
+        <a:scrgbClr r="0" g="0" b="0"/>
+      </a:effectRef>
+      <a:fontRef idx="minor">
+        <a:schemeClr val="lt1"/>
+      </a:fontRef>
+    </dgm:style>
+  </dgm:styleLbl>
+  <dgm:styleLbl name="revTx">
+    <dgm:scene3d>
+      <a:camera prst="orthographicFront"/>
+      <a:lightRig rig="threePt" dir="t"/>
+    </dgm:scene3d>
+    <dgm:sp3d/>
+    <dgm:txPr/>
+    <dgm:style>
+      <a:lnRef idx="0">
+        <a:scrgbClr r="0" g="0" b="0"/>
+      </a:lnRef>
+      <a:fillRef idx="0">
+        <a:scrgbClr r="0" g="0" b="0"/>
+      </a:fillRef>
+      <a:effectRef idx="0">
+        <a:scrgbClr r="0" g="0" b="0"/>
+      </a:effectRef>
+      <a:fontRef idx="minor"/>
+    </dgm:style>
+  </dgm:styleLbl>
+</dgm:styleDef>
+</file>
+
+<file path=ppt/notesMasters/notesMaster1.xml><?xml version="1.0" encoding="utf-8"?>
+<p:notesMaster xmlns:a="http://schemas.openxmlformats.org/drawingml/2006/main" xmlns:r="http://schemas.openxmlformats.org/officeDocument/2006/relationships" xmlns:p="http://schemas.openxmlformats.org/presentationml/2006/main">
+  <p:cSld>
+    <p:bg>
+      <p:bgRef idx="1001">
+        <a:schemeClr val="bg1"/>
+      </p:bgRef>
+    </p:bg>
+    <p:spTree>
+      <p:nvGrpSpPr>
+        <p:cNvPr id="1" name=""/>
+        <p:cNvGrpSpPr/>
+        <p:nvPr/>
+      </p:nvGrpSpPr>
+      <p:grpSpPr>
+        <a:xfrm>
+          <a:off x="0" y="0"/>
+          <a:ext cx="0" cy="0"/>
+          <a:chOff x="0" y="0"/>
+          <a:chExt cx="0" cy="0"/>
+        </a:xfrm>
+      </p:grpSpPr>
+      <p:sp>
+        <p:nvSpPr>
+          <p:cNvPr id="2" name="Header Placeholder 1"/>
+          <p:cNvSpPr>
+            <a:spLocks noGrp="1"/>
+          </p:cNvSpPr>
+          <p:nvPr>
+            <p:ph type="hdr" sz="quarter"/>
+          </p:nvPr>
+        </p:nvSpPr>
+        <p:spPr>
+          <a:xfrm>
+            <a:off x="0" y="0"/>
+            <a:ext cx="2971800" cy="458788"/>
+          </a:xfrm>
+          <a:prstGeom prst="rect">
+            <a:avLst/>
+          </a:prstGeom>
+        </p:spPr>
+        <p:txBody>
+          <a:bodyPr vert="horz" lIns="91440" tIns="45720" rIns="91440" bIns="45720" rtlCol="0"/>
+          <a:lstStyle>
+            <a:lvl1pPr algn="l">
+              <a:defRPr sz="1200"/>
+            </a:lvl1pPr>
+          </a:lstStyle>
+          <a:p>
+            <a:endParaRPr lang="ru-RU"/>
+          </a:p>
+        </p:txBody>
+      </p:sp>
+      <p:sp>
+        <p:nvSpPr>
+          <p:cNvPr id="3" name="Date Placeholder 2"/>
+          <p:cNvSpPr>
+            <a:spLocks noGrp="1"/>
+          </p:cNvSpPr>
+          <p:nvPr>
+            <p:ph type="dt" idx="1"/>
+          </p:nvPr>
+        </p:nvSpPr>
+        <p:spPr>
+          <a:xfrm>
+            <a:off x="3884613" y="0"/>
+            <a:ext cx="2971800" cy="458788"/>
+          </a:xfrm>
+          <a:prstGeom prst="rect">
+            <a:avLst/>
+          </a:prstGeom>
+        </p:spPr>
+        <p:txBody>
+          <a:bodyPr vert="horz" lIns="91440" tIns="45720" rIns="91440" bIns="45720" rtlCol="0"/>
+          <a:lstStyle>
+            <a:lvl1pPr algn="r">
+              <a:defRPr sz="1200"/>
+            </a:lvl1pPr>
+          </a:lstStyle>
+          <a:p>
+            <a:fld id="{48F82346-62E7-4BE8-9A63-537FCFBC61B7}" type="datetimeFigureOut">
+              <a:rPr lang="ru-RU" smtClean="0"/>
+              <a:t>13.03.2013</a:t>
+            </a:fld>
+            <a:endParaRPr lang="ru-RU"/>
+          </a:p>
+        </p:txBody>
+      </p:sp>
+      <p:sp>
+        <p:nvSpPr>
+          <p:cNvPr id="4" name="Slide Image Placeholder 3"/>
+          <p:cNvSpPr>
+            <a:spLocks noGrp="1" noRot="1" noChangeAspect="1"/>
+          </p:cNvSpPr>
+          <p:nvPr>
+            <p:ph type="sldImg" idx="2"/>
+          </p:nvPr>
+        </p:nvSpPr>
+        <p:spPr>
+          <a:xfrm>
+            <a:off x="1371600" y="1143000"/>
+            <a:ext cx="4114800" cy="3086100"/>
+          </a:xfrm>
+          <a:prstGeom prst="rect">
+            <a:avLst/>
+          </a:prstGeom>
+          <a:noFill/>
+          <a:ln w="12700">
+            <a:solidFill>
+              <a:prstClr val="black"/>
+            </a:solidFill>
+          </a:ln>
+        </p:spPr>
+        <p:txBody>
+          <a:bodyPr vert="horz" lIns="91440" tIns="45720" rIns="91440" bIns="45720" rtlCol="0" anchor="ctr"/>
+          <a:lstStyle/>
+          <a:p>
+            <a:endParaRPr lang="ru-RU"/>
+          </a:p>
+        </p:txBody>
+      </p:sp>
+      <p:sp>
+        <p:nvSpPr>
+          <p:cNvPr id="5" name="Notes Placeholder 4"/>
+          <p:cNvSpPr>
+            <a:spLocks noGrp="1"/>
+          </p:cNvSpPr>
+          <p:nvPr>
+            <p:ph type="body" sz="quarter" idx="3"/>
+          </p:nvPr>
+        </p:nvSpPr>
+        <p:spPr>
+          <a:xfrm>
+            <a:off x="685800" y="4400550"/>
+            <a:ext cx="5486400" cy="3600450"/>
+          </a:xfrm>
+          <a:prstGeom prst="rect">
+            <a:avLst/>
+          </a:prstGeom>
+        </p:spPr>
+        <p:txBody>
+          <a:bodyPr vert="horz" lIns="91440" tIns="45720" rIns="91440" bIns="45720" rtlCol="0"/>
+          <a:lstStyle/>
+          <a:p>
+            <a:pPr lvl="0"/>
+            <a:r>
+              <a:rPr lang="en-US" smtClean="0"/>
+              <a:t>Click to edit Master text styles</a:t>
+            </a:r>
+          </a:p>
+          <a:p>
+            <a:pPr lvl="1"/>
+            <a:r>
+              <a:rPr lang="en-US" smtClean="0"/>
+              <a:t>Second level</a:t>
+            </a:r>
+          </a:p>
+          <a:p>
+            <a:pPr lvl="2"/>
+            <a:r>
+              <a:rPr lang="en-US" smtClean="0"/>
+              <a:t>Third level</a:t>
+            </a:r>
+          </a:p>
+          <a:p>
+            <a:pPr lvl="3"/>
+            <a:r>
+              <a:rPr lang="en-US" smtClean="0"/>
+              <a:t>Fourth level</a:t>
+            </a:r>
+          </a:p>
+          <a:p>
+            <a:pPr lvl="4"/>
+            <a:r>
+              <a:rPr lang="en-US" smtClean="0"/>
+              <a:t>Fifth level</a:t>
+            </a:r>
+            <a:endParaRPr lang="ru-RU"/>
+          </a:p>
+        </p:txBody>
+      </p:sp>
+      <p:sp>
+        <p:nvSpPr>
+          <p:cNvPr id="6" name="Footer Placeholder 5"/>
+          <p:cNvSpPr>
+            <a:spLocks noGrp="1"/>
+          </p:cNvSpPr>
+          <p:nvPr>
+            <p:ph type="ftr" sz="quarter" idx="4"/>
+          </p:nvPr>
+        </p:nvSpPr>
+        <p:spPr>
+          <a:xfrm>
+            <a:off x="0" y="8685213"/>
+            <a:ext cx="2971800" cy="458787"/>
+          </a:xfrm>
+          <a:prstGeom prst="rect">
+            <a:avLst/>
+          </a:prstGeom>
+        </p:spPr>
+        <p:txBody>
+          <a:bodyPr vert="horz" lIns="91440" tIns="45720" rIns="91440" bIns="45720" rtlCol="0" anchor="b"/>
+          <a:lstStyle>
+            <a:lvl1pPr algn="l">
+              <a:defRPr sz="1200"/>
+            </a:lvl1pPr>
+          </a:lstStyle>
+          <a:p>
+            <a:endParaRPr lang="ru-RU"/>
+          </a:p>
+        </p:txBody>
+      </p:sp>
+      <p:sp>
+        <p:nvSpPr>
+          <p:cNvPr id="7" name="Slide Number Placeholder 6"/>
+          <p:cNvSpPr>
+            <a:spLocks noGrp="1"/>
+          </p:cNvSpPr>
+          <p:nvPr>
+            <p:ph type="sldNum" sz="quarter" idx="5"/>
+          </p:nvPr>
+        </p:nvSpPr>
+        <p:spPr>
+          <a:xfrm>
+            <a:off x="3884613" y="8685213"/>
+            <a:ext cx="2971800" cy="458787"/>
+          </a:xfrm>
+          <a:prstGeom prst="rect">
+            <a:avLst/>
+          </a:prstGeom>
+        </p:spPr>
+        <p:txBody>
+          <a:bodyPr vert="horz" lIns="91440" tIns="45720" rIns="91440" bIns="45720" rtlCol="0" anchor="b"/>
+          <a:lstStyle>
+            <a:lvl1pPr algn="r">
+              <a:defRPr sz="1200"/>
+            </a:lvl1pPr>
+          </a:lstStyle>
+          <a:p>
+            <a:fld id="{3095D700-5C97-4B8A-BCD1-D208BF984373}" type="slidenum">
+              <a:rPr lang="ru-RU" smtClean="0"/>
+              <a:t>‹#›</a:t>
+            </a:fld>
+            <a:endParaRPr lang="ru-RU"/>
+          </a:p>
+        </p:txBody>
+      </p:sp>
+    </p:spTree>
+    <p:extLst>
+      <p:ext uri="{BB962C8B-B14F-4D97-AF65-F5344CB8AC3E}">
+        <p14:creationId xmlns:p14="http://schemas.microsoft.com/office/powerpoint/2010/main" val="1346415746"/>
+      </p:ext>
+    </p:extLst>
+  </p:cSld>
+  <p:clrMap bg1="lt1" tx1="dk1" bg2="lt2" tx2="dk2" accent1="accent1" accent2="accent2" accent3="accent3" accent4="accent4" accent5="accent5" accent6="accent6" hlink="hlink" folHlink="folHlink"/>
+  <p:notesStyle>
+    <a:lvl1pPr marL="0" algn="l" defTabSz="914400" rtl="0" eaLnBrk="1" latinLnBrk="0" hangingPunct="1">
+      <a:defRPr sz="1200" kern="1200">
+        <a:solidFill>
+          <a:schemeClr val="tx1"/>
+        </a:solidFill>
+        <a:latin typeface="+mn-lt"/>
+        <a:ea typeface="+mn-ea"/>
+        <a:cs typeface="+mn-cs"/>
+      </a:defRPr>
+    </a:lvl1pPr>
+    <a:lvl2pPr marL="457200" algn="l" defTabSz="914400" rtl="0" eaLnBrk="1" latinLnBrk="0" hangingPunct="1">
+      <a:defRPr sz="1200" kern="1200">
+        <a:solidFill>
+          <a:schemeClr val="tx1"/>
+        </a:solidFill>
+        <a:latin typeface="+mn-lt"/>
+        <a:ea typeface="+mn-ea"/>
+        <a:cs typeface="+mn-cs"/>
+      </a:defRPr>
+    </a:lvl2pPr>
+    <a:lvl3pPr marL="914400" algn="l" defTabSz="914400" rtl="0" eaLnBrk="1" latinLnBrk="0" hangingPunct="1">
+      <a:defRPr sz="1200" kern="1200">
+        <a:solidFill>
+          <a:schemeClr val="tx1"/>
+        </a:solidFill>
+        <a:latin typeface="+mn-lt"/>
+        <a:ea typeface="+mn-ea"/>
+        <a:cs typeface="+mn-cs"/>
+      </a:defRPr>
+    </a:lvl3pPr>
+    <a:lvl4pPr marL="1371600" algn="l" defTabSz="914400" rtl="0" eaLnBrk="1" latinLnBrk="0" hangingPunct="1">
+      <a:defRPr sz="1200" kern="1200">
+        <a:solidFill>
+          <a:schemeClr val="tx1"/>
+        </a:solidFill>
+        <a:latin typeface="+mn-lt"/>
+        <a:ea typeface="+mn-ea"/>
+        <a:cs typeface="+mn-cs"/>
+      </a:defRPr>
+    </a:lvl4pPr>
+    <a:lvl5pPr marL="1828800" algn="l" defTabSz="914400" rtl="0" eaLnBrk="1" latinLnBrk="0" hangingPunct="1">
+      <a:defRPr sz="1200" kern="1200">
+        <a:solidFill>
+          <a:schemeClr val="tx1"/>
+        </a:solidFill>
+        <a:latin typeface="+mn-lt"/>
+        <a:ea typeface="+mn-ea"/>
+        <a:cs typeface="+mn-cs"/>
+      </a:defRPr>
+    </a:lvl5pPr>
+    <a:lvl6pPr marL="2286000" algn="l" defTabSz="914400" rtl="0" eaLnBrk="1" latinLnBrk="0" hangingPunct="1">
+      <a:defRPr sz="1200" kern="1200">
+        <a:solidFill>
+          <a:schemeClr val="tx1"/>
+        </a:solidFill>
+        <a:latin typeface="+mn-lt"/>
+        <a:ea typeface="+mn-ea"/>
+        <a:cs typeface="+mn-cs"/>
+      </a:defRPr>
+    </a:lvl6pPr>
+    <a:lvl7pPr marL="2743200" algn="l" defTabSz="914400" rtl="0" eaLnBrk="1" latinLnBrk="0" hangingPunct="1">
+      <a:defRPr sz="1200" kern="1200">
+        <a:solidFill>
+          <a:schemeClr val="tx1"/>
+        </a:solidFill>
+        <a:latin typeface="+mn-lt"/>
+        <a:ea typeface="+mn-ea"/>
+        <a:cs typeface="+mn-cs"/>
+      </a:defRPr>
+    </a:lvl7pPr>
+    <a:lvl8pPr marL="3200400" algn="l" defTabSz="914400" rtl="0" eaLnBrk="1" latinLnBrk="0" hangingPunct="1">
+      <a:defRPr sz="1200" kern="1200">
+        <a:solidFill>
+          <a:schemeClr val="tx1"/>
+        </a:solidFill>
+        <a:latin typeface="+mn-lt"/>
+        <a:ea typeface="+mn-ea"/>
+        <a:cs typeface="+mn-cs"/>
+      </a:defRPr>
+    </a:lvl8pPr>
+    <a:lvl9pPr marL="3657600" algn="l" defTabSz="914400" rtl="0" eaLnBrk="1" latinLnBrk="0" hangingPunct="1">
+      <a:defRPr sz="1200" kern="1200">
+        <a:solidFill>
+          <a:schemeClr val="tx1"/>
+        </a:solidFill>
+        <a:latin typeface="+mn-lt"/>
+        <a:ea typeface="+mn-ea"/>
+        <a:cs typeface="+mn-cs"/>
+      </a:defRPr>
+    </a:lvl9pPr>
+  </p:notesStyle>
+</p:notesMaster>
+</file>
+
+<file path=ppt/notesSlides/notesSlide1.xml><?xml version="1.0" encoding="utf-8"?>
+<p:notes xmlns:a="http://schemas.openxmlformats.org/drawingml/2006/main" xmlns:r="http://schemas.openxmlformats.org/officeDocument/2006/relationships" xmlns:p="http://schemas.openxmlformats.org/presentationml/2006/main">
+  <p:cSld>
+    <p:spTree>
+      <p:nvGrpSpPr>
+        <p:cNvPr id="1" name=""/>
+        <p:cNvGrpSpPr/>
+        <p:nvPr/>
+      </p:nvGrpSpPr>
+      <p:grpSpPr>
+        <a:xfrm>
+          <a:off x="0" y="0"/>
+          <a:ext cx="0" cy="0"/>
+          <a:chOff x="0" y="0"/>
+          <a:chExt cx="0" cy="0"/>
+        </a:xfrm>
+      </p:grpSpPr>
+      <p:sp>
+        <p:nvSpPr>
+          <p:cNvPr id="2" name="Slide Image Placeholder 1"/>
+          <p:cNvSpPr>
+            <a:spLocks noGrp="1" noRot="1" noChangeAspect="1"/>
+          </p:cNvSpPr>
+          <p:nvPr>
+            <p:ph type="sldImg"/>
+          </p:nvPr>
+        </p:nvSpPr>
+        <p:spPr/>
+      </p:sp>
+      <p:sp>
+        <p:nvSpPr>
+          <p:cNvPr id="3" name="Notes Placeholder 2"/>
+          <p:cNvSpPr>
+            <a:spLocks noGrp="1"/>
+          </p:cNvSpPr>
+          <p:nvPr>
+            <p:ph type="body" idx="1"/>
+          </p:nvPr>
+        </p:nvSpPr>
+        <p:spPr/>
+        <p:txBody>
+          <a:bodyPr/>
+          <a:lstStyle/>
+          <a:p>
+            <a:endParaRPr lang="ru-RU" dirty="0"/>
+          </a:p>
+        </p:txBody>
+      </p:sp>
+      <p:sp>
+        <p:nvSpPr>
+          <p:cNvPr id="4" name="Slide Number Placeholder 3"/>
+          <p:cNvSpPr>
+            <a:spLocks noGrp="1"/>
+          </p:cNvSpPr>
+          <p:nvPr>
+            <p:ph type="sldNum" sz="quarter" idx="10"/>
+          </p:nvPr>
+        </p:nvSpPr>
+        <p:spPr/>
+        <p:txBody>
+          <a:bodyPr/>
+          <a:lstStyle/>
+          <a:p>
+            <a:fld id="{3095D700-5C97-4B8A-BCD1-D208BF984373}" type="slidenum">
+              <a:rPr lang="ru-RU" smtClean="0"/>
+              <a:t>14</a:t>
+            </a:fld>
+            <a:endParaRPr lang="ru-RU"/>
+          </a:p>
+        </p:txBody>
+      </p:sp>
+    </p:spTree>
+    <p:extLst>
+      <p:ext uri="{BB962C8B-B14F-4D97-AF65-F5344CB8AC3E}">
+        <p14:creationId xmlns:p14="http://schemas.microsoft.com/office/powerpoint/2010/main" val="264371023"/>
+      </p:ext>
+    </p:extLst>
+  </p:cSld>
+  <p:clrMapOvr>
+    <a:masterClrMapping/>
+  </p:clrMapOvr>
+</p:notes>
 </file>
 
 <file path=ppt/slideLayouts/slideLayout1.xml><?xml version="1.0" encoding="utf-8"?>
@@ -5726,7 +8970,7 @@
             <a:fld id="{1D8BD707-D9CF-40AE-B4C6-C98DA3205C09}" type="datetimeFigureOut">
               <a:rPr lang="en-US" smtClean="0"/>
               <a:pPr/>
-              <a:t>3/12/2013</a:t>
+              <a:t>3/13/2013</a:t>
             </a:fld>
             <a:endParaRPr lang="en-US"/>
           </a:p>
@@ -5949,7 +9193,7 @@
             <a:fld id="{1D8BD707-D9CF-40AE-B4C6-C98DA3205C09}" type="datetimeFigureOut">
               <a:rPr lang="en-US" smtClean="0"/>
               <a:pPr/>
-              <a:t>3/12/2013</a:t>
+              <a:t>3/13/2013</a:t>
             </a:fld>
             <a:endParaRPr lang="en-US"/>
           </a:p>
@@ -6131,7 +9375,7 @@
             <a:fld id="{1D8BD707-D9CF-40AE-B4C6-C98DA3205C09}" type="datetimeFigureOut">
               <a:rPr lang="en-US" smtClean="0"/>
               <a:pPr/>
-              <a:t>3/12/2013</a:t>
+              <a:t>3/13/2013</a:t>
             </a:fld>
             <a:endParaRPr lang="en-US"/>
           </a:p>
@@ -6310,7 +9554,7 @@
             <a:fld id="{1D8BD707-D9CF-40AE-B4C6-C98DA3205C09}" type="datetimeFigureOut">
               <a:rPr lang="en-US" smtClean="0"/>
               <a:pPr/>
-              <a:t>3/12/2013</a:t>
+              <a:t>3/13/2013</a:t>
             </a:fld>
             <a:endParaRPr lang="en-US"/>
           </a:p>
@@ -6563,7 +9807,7 @@
             <a:fld id="{1D8BD707-D9CF-40AE-B4C6-C98DA3205C09}" type="datetimeFigureOut">
               <a:rPr lang="en-US" smtClean="0"/>
               <a:pPr/>
-              <a:t>3/12/2013</a:t>
+              <a:t>3/13/2013</a:t>
             </a:fld>
             <a:endParaRPr lang="en-US"/>
           </a:p>
@@ -6888,7 +10132,7 @@
             <a:fld id="{1D8BD707-D9CF-40AE-B4C6-C98DA3205C09}" type="datetimeFigureOut">
               <a:rPr lang="en-US" smtClean="0"/>
               <a:pPr/>
-              <a:t>3/12/2013</a:t>
+              <a:t>3/13/2013</a:t>
             </a:fld>
             <a:endParaRPr lang="en-US"/>
           </a:p>
@@ -7314,7 +10558,7 @@
             <a:fld id="{1D8BD707-D9CF-40AE-B4C6-C98DA3205C09}" type="datetimeFigureOut">
               <a:rPr lang="en-US" smtClean="0"/>
               <a:pPr/>
-              <a:t>3/12/2013</a:t>
+              <a:t>3/13/2013</a:t>
             </a:fld>
             <a:endParaRPr lang="en-US"/>
           </a:p>
@@ -7434,7 +10678,7 @@
             <a:fld id="{1D8BD707-D9CF-40AE-B4C6-C98DA3205C09}" type="datetimeFigureOut">
               <a:rPr lang="en-US" smtClean="0"/>
               <a:pPr/>
-              <a:t>3/12/2013</a:t>
+              <a:t>3/13/2013</a:t>
             </a:fld>
             <a:endParaRPr lang="en-US"/>
           </a:p>
@@ -7531,7 +10775,7 @@
             <a:fld id="{1D8BD707-D9CF-40AE-B4C6-C98DA3205C09}" type="datetimeFigureOut">
               <a:rPr lang="en-US" smtClean="0"/>
               <a:pPr/>
-              <a:t>3/12/2013</a:t>
+              <a:t>3/13/2013</a:t>
             </a:fld>
             <a:endParaRPr lang="en-US"/>
           </a:p>
@@ -7823,7 +11067,7 @@
             <a:fld id="{1D8BD707-D9CF-40AE-B4C6-C98DA3205C09}" type="datetimeFigureOut">
               <a:rPr lang="en-US" smtClean="0"/>
               <a:pPr/>
-              <a:t>3/12/2013</a:t>
+              <a:t>3/13/2013</a:t>
             </a:fld>
             <a:endParaRPr lang="en-US"/>
           </a:p>
@@ -8097,7 +11341,7 @@
             <a:fld id="{1D8BD707-D9CF-40AE-B4C6-C98DA3205C09}" type="datetimeFigureOut">
               <a:rPr lang="en-US" smtClean="0"/>
               <a:pPr/>
-              <a:t>3/12/2013</a:t>
+              <a:t>3/13/2013</a:t>
             </a:fld>
             <a:endParaRPr lang="en-US"/>
           </a:p>
@@ -8351,7 +11595,7 @@
             <a:fld id="{1D8BD707-D9CF-40AE-B4C6-C98DA3205C09}" type="datetimeFigureOut">
               <a:rPr lang="en-US" smtClean="0"/>
               <a:pPr/>
-              <a:t>3/12/2013</a:t>
+              <a:t>3/13/2013</a:t>
             </a:fld>
             <a:endParaRPr lang="en-US"/>
           </a:p>
@@ -8954,13 +12198,13 @@
   <p:clrMapOvr>
     <a:masterClrMapping/>
   </p:clrMapOvr>
-  <mc:AlternateContent xmlns:mc="http://schemas.openxmlformats.org/markup-compatibility/2006">
-    <mc:Choice xmlns:p15="http://schemas.microsoft.com/office/powerpoint/2012/main" Requires="p15">
+  <mc:AlternateContent xmlns:mc="http://schemas.openxmlformats.org/markup-compatibility/2006" xmlns:p15="http://schemas.microsoft.com/office/powerpoint/2012/main">
+    <mc:Choice Requires="p15">
       <p:transition xmlns:p14="http://schemas.microsoft.com/office/powerpoint/2010/main" spd="slow" p14:dur="2000">
         <p15:prstTrans prst="drape"/>
       </p:transition>
     </mc:Choice>
-    <mc:Fallback>
+    <mc:Fallback xmlns="">
       <p:transition spd="slow">
         <p:fade/>
       </p:transition>
@@ -9287,63 +12531,546 @@
           <a:lstStyle/>
           <a:p>
             <a:r>
-              <a:rPr lang="de-DE" dirty="0"/>
-              <a:t>J. </a:t>
+              <a:rPr lang="ru-RU" dirty="0" smtClean="0"/>
+              <a:t>Попиксельная нормализация</a:t>
             </a:r>
+          </a:p>
+          <a:p>
             <a:r>
-              <a:rPr lang="de-DE" i="1" dirty="0" smtClean="0"/>
-              <a:t>Bigun</a:t>
+              <a:rPr lang="ru-RU" dirty="0" smtClean="0"/>
+              <a:t>Контекстная фильтрация</a:t>
             </a:r>
+          </a:p>
+          <a:p>
+            <a:pPr lvl="1"/>
             <a:r>
-              <a:rPr lang="ru-RU" i="1" dirty="0"/>
-              <a:t>,</a:t>
+              <a:rPr lang="ru-RU" dirty="0" smtClean="0"/>
+              <a:t>Фильтры Габора</a:t>
             </a:r>
+          </a:p>
+          <a:p>
+            <a:pPr lvl="1"/>
             <a:r>
-              <a:rPr lang="de-DE" i="1" dirty="0" smtClean="0"/>
-              <a:t> </a:t>
+              <a:rPr lang="ru-RU" dirty="0" smtClean="0"/>
+              <a:t>Преобразование Фурье</a:t>
             </a:r>
+          </a:p>
+          <a:p>
+            <a:pPr lvl="1"/>
             <a:r>
-              <a:rPr lang="de-DE" dirty="0" smtClean="0"/>
-              <a:t>K</a:t>
+              <a:rPr lang="ru-RU" dirty="0" smtClean="0"/>
+              <a:t>Блочная</a:t>
             </a:r>
+          </a:p>
+          <a:p>
+            <a:pPr lvl="1"/>
             <a:r>
-              <a:rPr lang="de-DE" dirty="0"/>
-              <a:t>. </a:t>
-            </a:r>
-            <a:r>
-              <a:rPr lang="de-DE" i="1" dirty="0"/>
-              <a:t>Kollreider</a:t>
-            </a:r>
-            <a:r>
-              <a:rPr lang="de-DE" dirty="0"/>
-              <a:t> , H. </a:t>
-            </a:r>
-            <a:r>
-              <a:rPr lang="de-DE" i="1" dirty="0" smtClean="0"/>
-              <a:t>Fronthaler</a:t>
-            </a:r>
-            <a:r>
-              <a:rPr lang="en-US" dirty="0" smtClean="0"/>
-              <a:t>, </a:t>
-            </a:r>
-            <a:r>
-              <a:rPr lang="en-US" dirty="0" err="1" smtClean="0"/>
-              <a:t>Halmstadt</a:t>
-            </a:r>
-            <a:r>
-              <a:rPr lang="en-US" dirty="0" smtClean="0"/>
-              <a:t> University</a:t>
+              <a:rPr lang="ru-RU" dirty="0" smtClean="0"/>
+              <a:t>Непрерывная</a:t>
             </a:r>
             <a:endParaRPr lang="ru-RU" dirty="0"/>
           </a:p>
           <a:p>
-            <a:endParaRPr lang="ru-RU" dirty="0" smtClean="0"/>
+            <a:r>
+              <a:rPr lang="ru-RU" dirty="0" smtClean="0"/>
+              <a:t>Пирамидальное</a:t>
+            </a:r>
           </a:p>
+        </p:txBody>
+      </p:sp>
+    </p:spTree>
+    <p:extLst>
+      <p:ext uri="{BB962C8B-B14F-4D97-AF65-F5344CB8AC3E}">
+        <p14:creationId xmlns:p14="http://schemas.microsoft.com/office/powerpoint/2010/main" val="2374589194"/>
+      </p:ext>
+    </p:extLst>
+  </p:cSld>
+  <p:clrMapOvr>
+    <a:masterClrMapping/>
+  </p:clrMapOvr>
+  <p:timing>
+    <p:tnLst>
+      <p:par>
+        <p:cTn id="1" dur="indefinite" restart="never" nodeType="tmRoot"/>
+      </p:par>
+    </p:tnLst>
+  </p:timing>
+</p:sld>
+</file>
+
+<file path=ppt/slides/slide12.xml><?xml version="1.0" encoding="utf-8"?>
+<p:sld xmlns:a="http://schemas.openxmlformats.org/drawingml/2006/main" xmlns:r="http://schemas.openxmlformats.org/officeDocument/2006/relationships" xmlns:p="http://schemas.openxmlformats.org/presentationml/2006/main">
+  <p:cSld>
+    <p:spTree>
+      <p:nvGrpSpPr>
+        <p:cNvPr id="1" name=""/>
+        <p:cNvGrpSpPr/>
+        <p:nvPr/>
+      </p:nvGrpSpPr>
+      <p:grpSpPr>
+        <a:xfrm>
+          <a:off x="0" y="0"/>
+          <a:ext cx="0" cy="0"/>
+          <a:chOff x="0" y="0"/>
+          <a:chExt cx="0" cy="0"/>
+        </a:xfrm>
+      </p:grpSpPr>
+      <p:sp>
+        <p:nvSpPr>
+          <p:cNvPr id="2" name="Title 1"/>
+          <p:cNvSpPr>
+            <a:spLocks noGrp="1"/>
+          </p:cNvSpPr>
+          <p:nvPr>
+            <p:ph type="title"/>
+          </p:nvPr>
+        </p:nvSpPr>
+        <p:spPr/>
+        <p:txBody>
+          <a:bodyPr/>
+          <a:lstStyle/>
           <a:p>
+            <a:r>
+              <a:rPr lang="ru-RU" dirty="0" smtClean="0"/>
+              <a:t>Улучшение изображения</a:t>
+            </a:r>
             <a:endParaRPr lang="ru-RU" dirty="0"/>
           </a:p>
         </p:txBody>
       </p:sp>
+      <mc:AlternateContent xmlns:mc="http://schemas.openxmlformats.org/markup-compatibility/2006">
+        <mc:Choice xmlns:a14="http://schemas.microsoft.com/office/drawing/2010/main" Requires="a14">
+          <p:sp>
+            <p:nvSpPr>
+              <p:cNvPr id="3" name="Content Placeholder 2"/>
+              <p:cNvSpPr>
+                <a:spLocks noGrp="1"/>
+              </p:cNvSpPr>
+              <p:nvPr>
+                <p:ph idx="1"/>
+              </p:nvPr>
+            </p:nvSpPr>
+            <p:spPr>
+              <a:xfrm>
+                <a:off x="857251" y="2057400"/>
+                <a:ext cx="4629149" cy="4038600"/>
+              </a:xfrm>
+            </p:spPr>
+            <p:txBody>
+              <a:bodyPr/>
+              <a:lstStyle/>
+              <a:p>
+                <a:r>
+                  <a:rPr lang="de-DE" dirty="0" smtClean="0"/>
+                  <a:t>J. </a:t>
+                </a:r>
+                <a:r>
+                  <a:rPr lang="de-DE" i="1" dirty="0" smtClean="0"/>
+                  <a:t>Bigun</a:t>
+                </a:r>
+                <a:r>
+                  <a:rPr lang="ru-RU" i="1" dirty="0"/>
+                  <a:t>,</a:t>
+                </a:r>
+                <a:r>
+                  <a:rPr lang="de-DE" i="1" dirty="0" smtClean="0"/>
+                  <a:t> </a:t>
+                </a:r>
+                <a:r>
+                  <a:rPr lang="de-DE" dirty="0" smtClean="0"/>
+                  <a:t>K</a:t>
+                </a:r>
+                <a:r>
+                  <a:rPr lang="de-DE" dirty="0"/>
+                  <a:t>. </a:t>
+                </a:r>
+                <a:r>
+                  <a:rPr lang="de-DE" i="1" dirty="0"/>
+                  <a:t>Kollreider</a:t>
+                </a:r>
+                <a:r>
+                  <a:rPr lang="de-DE" dirty="0"/>
+                  <a:t> , H. </a:t>
+                </a:r>
+                <a:r>
+                  <a:rPr lang="de-DE" i="1" dirty="0" smtClean="0"/>
+                  <a:t>Fronthaler</a:t>
+                </a:r>
+                <a:r>
+                  <a:rPr lang="en-US" dirty="0" smtClean="0"/>
+                  <a:t>, </a:t>
+                </a:r>
+                <a:r>
+                  <a:rPr lang="en-US" dirty="0" err="1" smtClean="0"/>
+                  <a:t>Halmstadt</a:t>
+                </a:r>
+                <a:r>
+                  <a:rPr lang="en-US" dirty="0" smtClean="0"/>
+                  <a:t> University</a:t>
+                </a:r>
+                <a:endParaRPr lang="ru-RU" dirty="0"/>
+              </a:p>
+              <a:p>
+                <a:r>
+                  <a:rPr lang="ru-RU" dirty="0" smtClean="0"/>
+                  <a:t>Разложение изображения в подобие гауссовой и лапласовой пирамиды</a:t>
+                </a:r>
+              </a:p>
+              <a:p>
+                <a:r>
+                  <a:rPr lang="ru-RU" dirty="0" smtClean="0"/>
+                  <a:t>Построение дискретного комплексного поля направлений</a:t>
+                </a:r>
+                <a:endParaRPr lang="ru-RU" dirty="0" smtClean="0"/>
+              </a:p>
+              <a:p>
+                <a14:m>
+                  <m:oMath xmlns:m="http://schemas.openxmlformats.org/officeDocument/2006/math">
+                    <m:sSub>
+                      <m:sSubPr>
+                        <m:ctrlPr>
+                          <a:rPr lang="en-US" b="0" i="1" smtClean="0">
+                            <a:latin typeface="Cambria Math" panose="02040503050406030204" pitchFamily="18" charset="0"/>
+                          </a:rPr>
+                        </m:ctrlPr>
+                      </m:sSubPr>
+                      <m:e>
+                        <m:r>
+                          <a:rPr lang="en-US" b="0" i="1" smtClean="0">
+                            <a:latin typeface="Cambria Math" panose="02040503050406030204" pitchFamily="18" charset="0"/>
+                          </a:rPr>
+                          <m:t>𝑧</m:t>
+                        </m:r>
+                      </m:e>
+                      <m:sub>
+                        <m:r>
+                          <a:rPr lang="en-US" b="0" i="1" smtClean="0">
+                            <a:latin typeface="Cambria Math" panose="02040503050406030204" pitchFamily="18" charset="0"/>
+                          </a:rPr>
+                          <m:t>𝑖</m:t>
+                        </m:r>
+                      </m:sub>
+                    </m:sSub>
+                    <m:r>
+                      <a:rPr lang="en-US" b="0" i="1" smtClean="0">
+                        <a:latin typeface="Cambria Math" panose="02040503050406030204" pitchFamily="18" charset="0"/>
+                      </a:rPr>
+                      <m:t>=</m:t>
+                    </m:r>
+                    <m:sSup>
+                      <m:sSupPr>
+                        <m:ctrlPr>
+                          <a:rPr lang="en-US" b="0" i="1" smtClean="0">
+                            <a:latin typeface="Cambria Math" panose="02040503050406030204" pitchFamily="18" charset="0"/>
+                          </a:rPr>
+                        </m:ctrlPr>
+                      </m:sSupPr>
+                      <m:e>
+                        <m:r>
+                          <a:rPr lang="en-US" i="1">
+                            <a:latin typeface="Cambria Math" panose="02040503050406030204" pitchFamily="18" charset="0"/>
+                          </a:rPr>
+                          <m:t>(</m:t>
+                        </m:r>
+                        <m:d>
+                          <m:dPr>
+                            <m:ctrlPr>
+                              <a:rPr lang="en-US" i="1">
+                                <a:latin typeface="Cambria Math" panose="02040503050406030204" pitchFamily="18" charset="0"/>
+                              </a:rPr>
+                            </m:ctrlPr>
+                          </m:dPr>
+                          <m:e>
+                            <m:sSub>
+                              <m:sSubPr>
+                                <m:ctrlPr>
+                                  <a:rPr lang="en-US" i="1">
+                                    <a:latin typeface="Cambria Math" panose="02040503050406030204" pitchFamily="18" charset="0"/>
+                                  </a:rPr>
+                                </m:ctrlPr>
+                              </m:sSubPr>
+                              <m:e>
+                                <m:r>
+                                  <a:rPr lang="en-US" i="1">
+                                    <a:latin typeface="Cambria Math" panose="02040503050406030204" pitchFamily="18" charset="0"/>
+                                  </a:rPr>
+                                  <m:t>𝐷</m:t>
+                                </m:r>
+                              </m:e>
+                              <m:sub>
+                                <m:r>
+                                  <a:rPr lang="en-US" i="1">
+                                    <a:latin typeface="Cambria Math" panose="02040503050406030204" pitchFamily="18" charset="0"/>
+                                  </a:rPr>
+                                  <m:t>𝑥</m:t>
+                                </m:r>
+                              </m:sub>
+                            </m:sSub>
+                            <m:r>
+                              <a:rPr lang="en-US" i="1">
+                                <a:latin typeface="Cambria Math" panose="02040503050406030204" pitchFamily="18" charset="0"/>
+                              </a:rPr>
+                              <m:t>𝐺</m:t>
+                            </m:r>
+                            <m:d>
+                              <m:dPr>
+                                <m:ctrlPr>
+                                  <a:rPr lang="en-US" i="1">
+                                    <a:latin typeface="Cambria Math" panose="02040503050406030204" pitchFamily="18" charset="0"/>
+                                  </a:rPr>
+                                </m:ctrlPr>
+                              </m:dPr>
+                              <m:e>
+                                <m:sSub>
+                                  <m:sSubPr>
+                                    <m:ctrlPr>
+                                      <a:rPr lang="en-US" i="1">
+                                        <a:latin typeface="Cambria Math" panose="02040503050406030204" pitchFamily="18" charset="0"/>
+                                      </a:rPr>
+                                    </m:ctrlPr>
+                                  </m:sSubPr>
+                                  <m:e>
+                                    <m:r>
+                                      <a:rPr lang="en-US" i="1">
+                                        <a:latin typeface="Cambria Math" panose="02040503050406030204" pitchFamily="18" charset="0"/>
+                                        <a:ea typeface="Cambria Math" panose="02040503050406030204" pitchFamily="18" charset="0"/>
+                                      </a:rPr>
+                                      <m:t>𝜎</m:t>
+                                    </m:r>
+                                  </m:e>
+                                  <m:sub>
+                                    <m:r>
+                                      <a:rPr lang="en-US" i="1">
+                                        <a:latin typeface="Cambria Math" panose="02040503050406030204" pitchFamily="18" charset="0"/>
+                                      </a:rPr>
+                                      <m:t>1</m:t>
+                                    </m:r>
+                                  </m:sub>
+                                </m:sSub>
+                              </m:e>
+                            </m:d>
+                            <m:r>
+                              <a:rPr lang="en-US" i="1">
+                                <a:latin typeface="Cambria Math" panose="02040503050406030204" pitchFamily="18" charset="0"/>
+                              </a:rPr>
+                              <m:t>+</m:t>
+                            </m:r>
+                            <m:r>
+                              <a:rPr lang="en-US" i="1">
+                                <a:latin typeface="Cambria Math" panose="02040503050406030204" pitchFamily="18" charset="0"/>
+                              </a:rPr>
+                              <m:t>𝑖</m:t>
+                            </m:r>
+                            <m:sSub>
+                              <m:sSubPr>
+                                <m:ctrlPr>
+                                  <a:rPr lang="en-US" i="1">
+                                    <a:latin typeface="Cambria Math" panose="02040503050406030204" pitchFamily="18" charset="0"/>
+                                  </a:rPr>
+                                </m:ctrlPr>
+                              </m:sSubPr>
+                              <m:e>
+                                <m:r>
+                                  <a:rPr lang="en-US" i="1">
+                                    <a:latin typeface="Cambria Math" panose="02040503050406030204" pitchFamily="18" charset="0"/>
+                                  </a:rPr>
+                                  <m:t>𝐷</m:t>
+                                </m:r>
+                              </m:e>
+                              <m:sub>
+                                <m:r>
+                                  <a:rPr lang="en-US" i="1">
+                                    <a:latin typeface="Cambria Math" panose="02040503050406030204" pitchFamily="18" charset="0"/>
+                                  </a:rPr>
+                                  <m:t>𝑦</m:t>
+                                </m:r>
+                              </m:sub>
+                            </m:sSub>
+                            <m:r>
+                              <a:rPr lang="en-US" i="1">
+                                <a:latin typeface="Cambria Math" panose="02040503050406030204" pitchFamily="18" charset="0"/>
+                              </a:rPr>
+                              <m:t>𝐺</m:t>
+                            </m:r>
+                            <m:d>
+                              <m:dPr>
+                                <m:ctrlPr>
+                                  <a:rPr lang="en-US" i="1">
+                                    <a:latin typeface="Cambria Math" panose="02040503050406030204" pitchFamily="18" charset="0"/>
+                                  </a:rPr>
+                                </m:ctrlPr>
+                              </m:dPr>
+                              <m:e>
+                                <m:sSub>
+                                  <m:sSubPr>
+                                    <m:ctrlPr>
+                                      <a:rPr lang="en-US" i="1">
+                                        <a:latin typeface="Cambria Math" panose="02040503050406030204" pitchFamily="18" charset="0"/>
+                                      </a:rPr>
+                                    </m:ctrlPr>
+                                  </m:sSubPr>
+                                  <m:e>
+                                    <m:r>
+                                      <a:rPr lang="en-US" i="1">
+                                        <a:latin typeface="Cambria Math" panose="02040503050406030204" pitchFamily="18" charset="0"/>
+                                        <a:ea typeface="Cambria Math" panose="02040503050406030204" pitchFamily="18" charset="0"/>
+                                      </a:rPr>
+                                      <m:t>𝜎</m:t>
+                                    </m:r>
+                                  </m:e>
+                                  <m:sub>
+                                    <m:r>
+                                      <a:rPr lang="en-US" i="1">
+                                        <a:latin typeface="Cambria Math" panose="02040503050406030204" pitchFamily="18" charset="0"/>
+                                      </a:rPr>
+                                      <m:t>1</m:t>
+                                    </m:r>
+                                  </m:sub>
+                                </m:sSub>
+                              </m:e>
+                            </m:d>
+                          </m:e>
+                        </m:d>
+                        <m:r>
+                          <a:rPr lang="en-US" i="1">
+                            <a:latin typeface="Cambria Math" panose="02040503050406030204" pitchFamily="18" charset="0"/>
+                          </a:rPr>
+                          <m:t>∗</m:t>
+                        </m:r>
+                        <m:sSub>
+                          <m:sSubPr>
+                            <m:ctrlPr>
+                              <a:rPr lang="en-US" i="1">
+                                <a:latin typeface="Cambria Math" panose="02040503050406030204" pitchFamily="18" charset="0"/>
+                              </a:rPr>
+                            </m:ctrlPr>
+                          </m:sSubPr>
+                          <m:e>
+                            <m:r>
+                              <a:rPr lang="en-US" i="1">
+                                <a:latin typeface="Cambria Math" panose="02040503050406030204" pitchFamily="18" charset="0"/>
+                              </a:rPr>
+                              <m:t>𝑙</m:t>
+                            </m:r>
+                          </m:e>
+                          <m:sub>
+                            <m:r>
+                              <a:rPr lang="en-US" i="1">
+                                <a:latin typeface="Cambria Math" panose="02040503050406030204" pitchFamily="18" charset="0"/>
+                              </a:rPr>
+                              <m:t>𝑖</m:t>
+                            </m:r>
+                          </m:sub>
+                        </m:sSub>
+                        <m:r>
+                          <a:rPr lang="en-US" i="1">
+                            <a:latin typeface="Cambria Math" panose="02040503050406030204" pitchFamily="18" charset="0"/>
+                          </a:rPr>
+                          <m:t>)</m:t>
+                        </m:r>
+                      </m:e>
+                      <m:sup>
+                        <m:r>
+                          <a:rPr lang="en-US" b="0" i="1" smtClean="0">
+                            <a:latin typeface="Cambria Math" panose="02040503050406030204" pitchFamily="18" charset="0"/>
+                          </a:rPr>
+                          <m:t>2</m:t>
+                        </m:r>
+                      </m:sup>
+                    </m:sSup>
+                  </m:oMath>
+                </a14:m>
+                <a:endParaRPr lang="en-US" b="0" i="1" dirty="0" smtClean="0"/>
+              </a:p>
+              <a:p>
+                <a:r>
+                  <a:rPr lang="ru-RU" dirty="0" smtClean="0"/>
+                  <a:t>Усреднение и нормализация</a:t>
+                </a:r>
+              </a:p>
+              <a:p>
+                <a:r>
+                  <a:rPr lang="ru-RU" dirty="0" smtClean="0"/>
+                  <a:t>Усреднение по направлению</a:t>
+                </a:r>
+              </a:p>
+              <a:p>
+                <a:r>
+                  <a:rPr lang="ru-RU" dirty="0" smtClean="0"/>
+                  <a:t>Объединение уровней</a:t>
+                </a:r>
+              </a:p>
+            </p:txBody>
+          </p:sp>
+        </mc:Choice>
+        <mc:Fallback>
+          <p:sp>
+            <p:nvSpPr>
+              <p:cNvPr id="3" name="Content Placeholder 2"/>
+              <p:cNvSpPr>
+                <a:spLocks noGrp="1" noRot="1" noChangeAspect="1" noMove="1" noResize="1" noEditPoints="1" noAdjustHandles="1" noChangeArrowheads="1" noChangeShapeType="1" noTextEdit="1"/>
+              </p:cNvSpPr>
+              <p:nvPr>
+                <p:ph idx="1"/>
+              </p:nvPr>
+            </p:nvSpPr>
+            <p:spPr>
+              <a:xfrm>
+                <a:off x="857251" y="2057400"/>
+                <a:ext cx="4629149" cy="4038600"/>
+              </a:xfrm>
+              <a:blipFill rotWithShape="0">
+                <a:blip r:embed="rId2"/>
+                <a:stretch>
+                  <a:fillRect t="-1662"/>
+                </a:stretch>
+              </a:blipFill>
+            </p:spPr>
+            <p:txBody>
+              <a:bodyPr/>
+              <a:lstStyle/>
+              <a:p>
+                <a:r>
+                  <a:rPr lang="ru-RU">
+                    <a:noFill/>
+                  </a:rPr>
+                  <a:t> </a:t>
+                </a:r>
+              </a:p>
+            </p:txBody>
+          </p:sp>
+        </mc:Fallback>
+      </mc:AlternateContent>
+      <p:pic>
+        <p:nvPicPr>
+          <p:cNvPr id="4" name="Picture 3"/>
+          <p:cNvPicPr>
+            <a:picLocks noChangeAspect="1"/>
+          </p:cNvPicPr>
+          <p:nvPr/>
+        </p:nvPicPr>
+        <p:blipFill>
+          <a:blip r:embed="rId3">
+            <a:extLst>
+              <a:ext uri="{28A0092B-C50C-407E-A947-70E740481C1C}">
+                <a14:useLocalDpi xmlns:a14="http://schemas.microsoft.com/office/drawing/2010/main" val="0"/>
+              </a:ext>
+            </a:extLst>
+          </a:blip>
+          <a:stretch>
+            <a:fillRect/>
+          </a:stretch>
+        </p:blipFill>
+        <p:spPr>
+          <a:xfrm>
+            <a:off x="5257800" y="2590800"/>
+            <a:ext cx="3533775" cy="2938911"/>
+          </a:xfrm>
+          <a:prstGeom prst="rect">
+            <a:avLst/>
+          </a:prstGeom>
+        </p:spPr>
+      </p:pic>
     </p:spTree>
     <p:extLst>
       <p:ext uri="{BB962C8B-B14F-4D97-AF65-F5344CB8AC3E}">
@@ -9364,7 +13091,7 @@
 </p:sld>
 </file>
 
-<file path=ppt/slides/slide12.xml><?xml version="1.0" encoding="utf-8"?>
+<file path=ppt/slides/slide13.xml><?xml version="1.0" encoding="utf-8"?>
 <p:sld xmlns:a="http://schemas.openxmlformats.org/drawingml/2006/main" xmlns:r="http://schemas.openxmlformats.org/officeDocument/2006/relationships" xmlns:p="http://schemas.openxmlformats.org/presentationml/2006/main">
   <p:cSld>
     <p:spTree>
@@ -9567,7 +13294,7 @@
 </p:sld>
 </file>
 
-<file path=ppt/slides/slide13.xml><?xml version="1.0" encoding="utf-8"?>
+<file path=ppt/slides/slide14.xml><?xml version="1.0" encoding="utf-8"?>
 <p:sld xmlns:a="http://schemas.openxmlformats.org/drawingml/2006/main" xmlns:r="http://schemas.openxmlformats.org/officeDocument/2006/relationships" xmlns:p="http://schemas.openxmlformats.org/presentationml/2006/main">
   <p:cSld>
     <p:spTree>
@@ -9618,7 +13345,7 @@
           </p:nvPr>
         </p:nvPicPr>
         <p:blipFill>
-          <a:blip r:embed="rId2">
+          <a:blip r:embed="rId3">
             <a:extLst>
               <a:ext uri="{28A0092B-C50C-407E-A947-70E740481C1C}">
                 <a14:useLocalDpi xmlns:a14="http://schemas.microsoft.com/office/drawing/2010/main" val="0"/>
@@ -9656,7 +13383,7 @@
 </p:sld>
 </file>
 
-<file path=ppt/slides/slide14.xml><?xml version="1.0" encoding="utf-8"?>
+<file path=ppt/slides/slide15.xml><?xml version="1.0" encoding="utf-8"?>
 <p:sld xmlns:a="http://schemas.openxmlformats.org/drawingml/2006/main" xmlns:r="http://schemas.openxmlformats.org/officeDocument/2006/relationships" xmlns:p="http://schemas.openxmlformats.org/presentationml/2006/main">
   <p:cSld>
     <p:spTree>
@@ -9711,6 +13438,90 @@
           <a:bodyPr/>
           <a:lstStyle/>
           <a:p>
+            <a:r>
+              <a:rPr lang="en-US" dirty="0" smtClean="0"/>
+              <a:t>A. </a:t>
+            </a:r>
+            <a:r>
+              <a:rPr lang="en-US" i="1" dirty="0" smtClean="0"/>
+              <a:t>Jain</a:t>
+            </a:r>
+            <a:r>
+              <a:rPr lang="en-US" dirty="0" smtClean="0"/>
+              <a:t>, S. </a:t>
+            </a:r>
+            <a:r>
+              <a:rPr lang="en-US" i="1" dirty="0" err="1" smtClean="0"/>
+              <a:t>Prabhakar</a:t>
+            </a:r>
+            <a:r>
+              <a:rPr lang="en-US" dirty="0" smtClean="0"/>
+              <a:t>, L. </a:t>
+            </a:r>
+            <a:r>
+              <a:rPr lang="en-US" i="1" dirty="0" smtClean="0"/>
+              <a:t>Hong</a:t>
+            </a:r>
+            <a:r>
+              <a:rPr lang="en-US" dirty="0" smtClean="0"/>
+              <a:t>, S. </a:t>
+            </a:r>
+            <a:r>
+              <a:rPr lang="en-US" i="1" dirty="0" err="1" smtClean="0"/>
+              <a:t>Pankanti</a:t>
+            </a:r>
+            <a:r>
+              <a:rPr lang="en-US" dirty="0" smtClean="0"/>
+              <a:t>, Michigan State University</a:t>
+            </a:r>
+          </a:p>
+          <a:p>
+            <a:r>
+              <a:rPr lang="ru-RU" dirty="0" smtClean="0"/>
+              <a:t>Выделение ядра отпечатка</a:t>
+            </a:r>
+          </a:p>
+          <a:p>
+            <a:pPr lvl="1"/>
+            <a:r>
+              <a:rPr lang="ru-RU" dirty="0" smtClean="0"/>
+              <a:t>Отдельная проблема</a:t>
+            </a:r>
+          </a:p>
+          <a:p>
+            <a:r>
+              <a:rPr lang="ru-RU" dirty="0" smtClean="0"/>
+              <a:t>Формирование области из</a:t>
+            </a:r>
+            <a:r>
+              <a:rPr lang="en-US" dirty="0" smtClean="0"/>
+              <a:t> </a:t>
+            </a:r>
+            <a:r>
+              <a:rPr lang="ru-RU" dirty="0" smtClean="0"/>
+              <a:t>концентрических колец</a:t>
+            </a:r>
+          </a:p>
+          <a:p>
+            <a:r>
+              <a:rPr lang="ru-RU" dirty="0" smtClean="0"/>
+              <a:t>Свёртка области фильтрами Габора</a:t>
+            </a:r>
+          </a:p>
+          <a:p>
+            <a:r>
+              <a:rPr lang="ru-RU" dirty="0" smtClean="0"/>
+              <a:t>Расчёт среднего отклонения цвета пикселов в каждом секторе</a:t>
+            </a:r>
+          </a:p>
+          <a:p>
+            <a:endParaRPr lang="ru-RU" dirty="0" smtClean="0"/>
+          </a:p>
+          <a:p>
+            <a:r>
+              <a:rPr lang="ru-RU" dirty="0" smtClean="0"/>
+              <a:t>Подходит для непрерывной классификации</a:t>
+            </a:r>
             <a:endParaRPr lang="ru-RU" dirty="0"/>
           </a:p>
         </p:txBody>
@@ -9719,89 +13530,6 @@
     <p:extLst>
       <p:ext uri="{BB962C8B-B14F-4D97-AF65-F5344CB8AC3E}">
         <p14:creationId xmlns:p14="http://schemas.microsoft.com/office/powerpoint/2010/main" val="2287895558"/>
-      </p:ext>
-    </p:extLst>
-  </p:cSld>
-  <p:clrMapOvr>
-    <a:masterClrMapping/>
-  </p:clrMapOvr>
-  <p:timing>
-    <p:tnLst>
-      <p:par>
-        <p:cTn id="1" dur="indefinite" restart="never" nodeType="tmRoot"/>
-      </p:par>
-    </p:tnLst>
-  </p:timing>
-</p:sld>
-</file>
-
-<file path=ppt/slides/slide15.xml><?xml version="1.0" encoding="utf-8"?>
-<p:sld xmlns:a="http://schemas.openxmlformats.org/drawingml/2006/main" xmlns:r="http://schemas.openxmlformats.org/officeDocument/2006/relationships" xmlns:p="http://schemas.openxmlformats.org/presentationml/2006/main">
-  <p:cSld>
-    <p:spTree>
-      <p:nvGrpSpPr>
-        <p:cNvPr id="1" name=""/>
-        <p:cNvGrpSpPr/>
-        <p:nvPr/>
-      </p:nvGrpSpPr>
-      <p:grpSpPr>
-        <a:xfrm>
-          <a:off x="0" y="0"/>
-          <a:ext cx="0" cy="0"/>
-          <a:chOff x="0" y="0"/>
-          <a:chExt cx="0" cy="0"/>
-        </a:xfrm>
-      </p:grpSpPr>
-      <p:sp>
-        <p:nvSpPr>
-          <p:cNvPr id="2" name="Title 1"/>
-          <p:cNvSpPr>
-            <a:spLocks noGrp="1"/>
-          </p:cNvSpPr>
-          <p:nvPr>
-            <p:ph type="title"/>
-          </p:nvPr>
-        </p:nvSpPr>
-        <p:spPr/>
-        <p:txBody>
-          <a:bodyPr/>
-          <a:lstStyle/>
-          <a:p>
-            <a:r>
-              <a:rPr lang="en-US" dirty="0" err="1" smtClean="0"/>
-              <a:t>FingerCode</a:t>
-            </a:r>
-            <a:r>
-              <a:rPr lang="en-US" dirty="0" smtClean="0"/>
-              <a:t> attunement</a:t>
-            </a:r>
-            <a:endParaRPr lang="ru-RU" dirty="0"/>
-          </a:p>
-        </p:txBody>
-      </p:sp>
-      <p:sp>
-        <p:nvSpPr>
-          <p:cNvPr id="3" name="Content Placeholder 2"/>
-          <p:cNvSpPr>
-            <a:spLocks noGrp="1"/>
-          </p:cNvSpPr>
-          <p:nvPr>
-            <p:ph idx="1"/>
-          </p:nvPr>
-        </p:nvSpPr>
-        <p:spPr/>
-        <p:txBody>
-          <a:bodyPr/>
-          <a:lstStyle/>
-          <a:p>
-            <a:endParaRPr lang="ru-RU"/>
-          </a:p>
-        </p:txBody>
-      </p:sp>
-    </p:spTree>
-    <p:extLst>
-      <p:ext uri="{BB962C8B-B14F-4D97-AF65-F5344CB8AC3E}">
-        <p14:creationId xmlns:p14="http://schemas.microsoft.com/office/powerpoint/2010/main" val="1225355940"/>
       </p:ext>
     </p:extLst>
   </p:cSld>
@@ -9852,7 +13580,11 @@
           <a:p>
             <a:r>
               <a:rPr lang="ru-RU" dirty="0" smtClean="0"/>
-              <a:t>Результаты</a:t>
+              <a:t>Настройка </a:t>
+            </a:r>
+            <a:r>
+              <a:rPr lang="en-US" dirty="0" err="1" smtClean="0"/>
+              <a:t>FingerCode</a:t>
             </a:r>
             <a:endParaRPr lang="ru-RU" dirty="0"/>
           </a:p>
@@ -9873,10 +13605,1506 @@
           <a:bodyPr/>
           <a:lstStyle/>
           <a:p>
-            <a:endParaRPr lang="ru-RU"/>
+            <a:r>
+              <a:rPr lang="ru-RU" dirty="0" smtClean="0"/>
+              <a:t>Размер колец под размер отпечатка</a:t>
+            </a:r>
+          </a:p>
+          <a:p>
+            <a:r>
+              <a:rPr lang="ru-RU" dirty="0" smtClean="0"/>
+              <a:t>Число фильтров</a:t>
+            </a:r>
+          </a:p>
+          <a:p>
+            <a:r>
+              <a:rPr lang="ru-RU" dirty="0" smtClean="0"/>
+              <a:t>Число колец</a:t>
+            </a:r>
+          </a:p>
+          <a:p>
+            <a:r>
+              <a:rPr lang="ru-RU" dirty="0" smtClean="0"/>
+              <a:t>Число секторов</a:t>
+            </a:r>
+          </a:p>
+          <a:p>
+            <a:endParaRPr lang="ru-RU" dirty="0"/>
+          </a:p>
+          <a:p>
+            <a:r>
+              <a:rPr lang="ru-RU" dirty="0" smtClean="0"/>
+              <a:t>Тестовые прогоны</a:t>
+            </a:r>
+            <a:r>
+              <a:rPr lang="en-US" dirty="0" smtClean="0"/>
+              <a:t> </a:t>
+            </a:r>
+            <a:r>
+              <a:rPr lang="ru-RU" dirty="0" smtClean="0"/>
+              <a:t>для оптимизации</a:t>
+            </a:r>
+            <a:endParaRPr lang="en-US" dirty="0" smtClean="0"/>
+          </a:p>
+          <a:p>
+            <a:pPr lvl="1"/>
+            <a:r>
+              <a:rPr lang="en-US" dirty="0" smtClean="0"/>
+              <a:t>FAR(k), FRR(k)</a:t>
+            </a:r>
+          </a:p>
+          <a:p>
+            <a:pPr lvl="1"/>
+            <a:r>
+              <a:rPr lang="en-US" dirty="0" smtClean="0"/>
+              <a:t>CMC(k)</a:t>
+            </a:r>
+            <a:endParaRPr lang="ru-RU" dirty="0" smtClean="0"/>
           </a:p>
         </p:txBody>
       </p:sp>
+    </p:spTree>
+    <p:extLst>
+      <p:ext uri="{BB962C8B-B14F-4D97-AF65-F5344CB8AC3E}">
+        <p14:creationId xmlns:p14="http://schemas.microsoft.com/office/powerpoint/2010/main" val="1225355940"/>
+      </p:ext>
+    </p:extLst>
+  </p:cSld>
+  <p:clrMapOvr>
+    <a:masterClrMapping/>
+  </p:clrMapOvr>
+  <p:timing>
+    <p:tnLst>
+      <p:par>
+        <p:cTn id="1" dur="indefinite" restart="never" nodeType="tmRoot"/>
+      </p:par>
+    </p:tnLst>
+  </p:timing>
+</p:sld>
+</file>
+
+<file path=ppt/slides/slide17.xml><?xml version="1.0" encoding="utf-8"?>
+<p:sld xmlns:a="http://schemas.openxmlformats.org/drawingml/2006/main" xmlns:r="http://schemas.openxmlformats.org/officeDocument/2006/relationships" xmlns:p="http://schemas.openxmlformats.org/presentationml/2006/main">
+  <p:cSld>
+    <p:spTree>
+      <p:nvGrpSpPr>
+        <p:cNvPr id="1" name=""/>
+        <p:cNvGrpSpPr/>
+        <p:nvPr/>
+      </p:nvGrpSpPr>
+      <p:grpSpPr>
+        <a:xfrm>
+          <a:off x="0" y="0"/>
+          <a:ext cx="0" cy="0"/>
+          <a:chOff x="0" y="0"/>
+          <a:chExt cx="0" cy="0"/>
+        </a:xfrm>
+      </p:grpSpPr>
+      <p:sp>
+        <p:nvSpPr>
+          <p:cNvPr id="2" name="Title 1"/>
+          <p:cNvSpPr>
+            <a:spLocks noGrp="1"/>
+          </p:cNvSpPr>
+          <p:nvPr>
+            <p:ph type="title"/>
+          </p:nvPr>
+        </p:nvSpPr>
+        <p:spPr/>
+        <p:txBody>
+          <a:bodyPr/>
+          <a:lstStyle/>
+          <a:p>
+            <a:r>
+              <a:rPr lang="ru-RU" dirty="0" smtClean="0"/>
+              <a:t>Результаты</a:t>
+            </a:r>
+            <a:endParaRPr lang="ru-RU" dirty="0"/>
+          </a:p>
+        </p:txBody>
+      </p:sp>
+      <p:graphicFrame>
+        <p:nvGraphicFramePr>
+          <p:cNvPr id="4" name="Table 3"/>
+          <p:cNvGraphicFramePr>
+            <a:graphicFrameLocks noGrp="1"/>
+          </p:cNvGraphicFramePr>
+          <p:nvPr>
+            <p:extLst>
+              <p:ext uri="{D42A27DB-BD31-4B8C-83A1-F6EECF244321}">
+                <p14:modId xmlns:p14="http://schemas.microsoft.com/office/powerpoint/2010/main" val="3286738493"/>
+              </p:ext>
+            </p:extLst>
+          </p:nvPr>
+        </p:nvGraphicFramePr>
+        <p:xfrm>
+          <a:off x="533400" y="1752600"/>
+          <a:ext cx="8136902" cy="4674798"/>
+        </p:xfrm>
+        <a:graphic>
+          <a:graphicData uri="http://schemas.openxmlformats.org/drawingml/2006/table">
+            <a:tbl>
+              <a:tblPr firstRow="1" firstCol="1" bandRow="1">
+                <a:effectLst>
+                  <a:outerShdw blurRad="50800" dist="38100" dir="2700000" algn="tl" rotWithShape="0">
+                    <a:prstClr val="black">
+                      <a:alpha val="40000"/>
+                    </a:prstClr>
+                  </a:outerShdw>
+                </a:effectLst>
+                <a:tableStyleId>{5C22544A-7EE6-4342-B048-85BDC9FD1C3A}</a:tableStyleId>
+              </a:tblPr>
+              <a:tblGrid>
+                <a:gridCol w="1009400"/>
+                <a:gridCol w="895486"/>
+                <a:gridCol w="892322"/>
+                <a:gridCol w="723825"/>
+                <a:gridCol w="851978"/>
+                <a:gridCol w="892322"/>
+                <a:gridCol w="892322"/>
+                <a:gridCol w="1018102"/>
+                <a:gridCol w="961145"/>
+              </a:tblGrid>
+              <a:tr h="1291686">
+                <a:tc>
+                  <a:txBody>
+                    <a:bodyPr/>
+                    <a:lstStyle/>
+                    <a:p>
+                      <a:pPr>
+                        <a:lnSpc>
+                          <a:spcPct val="115000"/>
+                        </a:lnSpc>
+                      </a:pPr>
+                      <a:endParaRPr lang="ru-RU" sz="1800" dirty="0">
+                        <a:effectLst/>
+                        <a:latin typeface="Calibri"/>
+                        <a:cs typeface="Times New Roman"/>
+                      </a:endParaRPr>
+                    </a:p>
+                  </a:txBody>
+                  <a:tcPr marL="68580" marR="68580" marT="0" marB="0" anchor="b"/>
+                </a:tc>
+                <a:tc>
+                  <a:txBody>
+                    <a:bodyPr/>
+                    <a:lstStyle/>
+                    <a:p>
+                      <a:pPr>
+                        <a:lnSpc>
+                          <a:spcPct val="150000"/>
+                        </a:lnSpc>
+                        <a:spcAft>
+                          <a:spcPts val="0"/>
+                        </a:spcAft>
+                      </a:pPr>
+                      <a:r>
+                        <a:rPr lang="ru-RU" sz="1800" dirty="0" smtClean="0">
+                          <a:effectLst/>
+                        </a:rPr>
+                        <a:t>Опор-ная </a:t>
+                      </a:r>
+                      <a:r>
+                        <a:rPr lang="ru-RU" sz="1800" dirty="0">
+                          <a:effectLst/>
+                        </a:rPr>
+                        <a:t>точка</a:t>
+                      </a:r>
+                      <a:endParaRPr lang="ru-RU" sz="1800" dirty="0">
+                        <a:effectLst/>
+                        <a:latin typeface="Calibri"/>
+                        <a:ea typeface="Calibri"/>
+                        <a:cs typeface="Times New Roman"/>
+                      </a:endParaRPr>
+                    </a:p>
+                  </a:txBody>
+                  <a:tcPr marL="68580" marR="68580" marT="0" marB="0" anchor="b"/>
+                </a:tc>
+                <a:tc>
+                  <a:txBody>
+                    <a:bodyPr/>
+                    <a:lstStyle/>
+                    <a:p>
+                      <a:pPr>
+                        <a:lnSpc>
+                          <a:spcPct val="150000"/>
+                        </a:lnSpc>
+                        <a:spcAft>
+                          <a:spcPts val="0"/>
+                        </a:spcAft>
+                      </a:pPr>
+                      <a:r>
+                        <a:rPr lang="ru-RU" sz="1800" dirty="0" smtClean="0">
+                          <a:effectLst/>
+                        </a:rPr>
+                        <a:t>Шаб-лон</a:t>
+                      </a:r>
+                      <a:endParaRPr lang="ru-RU" sz="1800" dirty="0">
+                        <a:effectLst/>
+                        <a:latin typeface="Calibri"/>
+                        <a:ea typeface="Calibri"/>
+                        <a:cs typeface="Times New Roman"/>
+                      </a:endParaRPr>
+                    </a:p>
+                  </a:txBody>
+                  <a:tcPr marL="68580" marR="68580" marT="0" marB="0" anchor="b"/>
+                </a:tc>
+                <a:tc>
+                  <a:txBody>
+                    <a:bodyPr/>
+                    <a:lstStyle/>
+                    <a:p>
+                      <a:pPr>
+                        <a:lnSpc>
+                          <a:spcPct val="150000"/>
+                        </a:lnSpc>
+                        <a:spcAft>
+                          <a:spcPts val="0"/>
+                        </a:spcAft>
+                      </a:pPr>
+                      <a:r>
+                        <a:rPr lang="ru-RU" sz="1800" dirty="0">
+                          <a:effectLst/>
+                        </a:rPr>
+                        <a:t>Мэт-чер</a:t>
+                      </a:r>
+                      <a:endParaRPr lang="ru-RU" sz="1800" dirty="0">
+                        <a:effectLst/>
+                        <a:latin typeface="Calibri"/>
+                        <a:ea typeface="Calibri"/>
+                        <a:cs typeface="Times New Roman"/>
+                      </a:endParaRPr>
+                    </a:p>
+                  </a:txBody>
+                  <a:tcPr marL="68580" marR="68580" marT="0" marB="0" anchor="b"/>
+                </a:tc>
+                <a:tc>
+                  <a:txBody>
+                    <a:bodyPr/>
+                    <a:lstStyle/>
+                    <a:p>
+                      <a:pPr>
+                        <a:lnSpc>
+                          <a:spcPct val="150000"/>
+                        </a:lnSpc>
+                        <a:spcAft>
+                          <a:spcPts val="0"/>
+                        </a:spcAft>
+                      </a:pPr>
+                      <a:r>
+                        <a:rPr lang="ru-RU" sz="1800" dirty="0" smtClean="0">
+                          <a:effectLst/>
+                        </a:rPr>
+                        <a:t>Ран-жиро-вание</a:t>
+                      </a:r>
+                      <a:endParaRPr lang="ru-RU" sz="1800" dirty="0">
+                        <a:effectLst/>
+                        <a:latin typeface="Calibri"/>
+                        <a:ea typeface="Calibri"/>
+                        <a:cs typeface="Times New Roman"/>
+                      </a:endParaRPr>
+                    </a:p>
+                  </a:txBody>
+                  <a:tcPr marL="68580" marR="68580" marT="0" marB="0" anchor="b"/>
+                </a:tc>
+                <a:tc>
+                  <a:txBody>
+                    <a:bodyPr/>
+                    <a:lstStyle/>
+                    <a:p>
+                      <a:pPr>
+                        <a:lnSpc>
+                          <a:spcPct val="150000"/>
+                        </a:lnSpc>
+                        <a:spcAft>
+                          <a:spcPts val="0"/>
+                        </a:spcAft>
+                      </a:pPr>
+                      <a:r>
+                        <a:rPr lang="ru-RU" sz="1800">
+                          <a:effectLst/>
+                        </a:rPr>
+                        <a:t>Сумма</a:t>
+                      </a:r>
+                      <a:endParaRPr lang="ru-RU" sz="1800">
+                        <a:effectLst/>
+                        <a:latin typeface="Calibri"/>
+                        <a:ea typeface="Calibri"/>
+                        <a:cs typeface="Times New Roman"/>
+                      </a:endParaRPr>
+                    </a:p>
+                  </a:txBody>
+                  <a:tcPr marL="68580" marR="68580" marT="0" marB="0" anchor="b"/>
+                </a:tc>
+                <a:tc>
+                  <a:txBody>
+                    <a:bodyPr/>
+                    <a:lstStyle/>
+                    <a:p>
+                      <a:pPr>
+                        <a:lnSpc>
+                          <a:spcPct val="150000"/>
+                        </a:lnSpc>
+                        <a:spcAft>
+                          <a:spcPts val="0"/>
+                        </a:spcAft>
+                      </a:pPr>
+                      <a:r>
+                        <a:rPr lang="ru-RU" sz="1800">
+                          <a:effectLst/>
+                        </a:rPr>
+                        <a:t>Только </a:t>
+                      </a:r>
+                      <a:r>
+                        <a:rPr lang="en-US" sz="1800">
+                          <a:effectLst/>
+                        </a:rPr>
+                        <a:t>GPU</a:t>
+                      </a:r>
+                      <a:endParaRPr lang="ru-RU" sz="1800">
+                        <a:effectLst/>
+                        <a:latin typeface="Calibri"/>
+                        <a:ea typeface="Calibri"/>
+                        <a:cs typeface="Times New Roman"/>
+                      </a:endParaRPr>
+                    </a:p>
+                  </a:txBody>
+                  <a:tcPr marL="68580" marR="68580" marT="0" marB="0" anchor="b"/>
+                </a:tc>
+                <a:tc>
+                  <a:txBody>
+                    <a:bodyPr/>
+                    <a:lstStyle/>
+                    <a:p>
+                      <a:pPr>
+                        <a:lnSpc>
+                          <a:spcPct val="150000"/>
+                        </a:lnSpc>
+                        <a:spcAft>
+                          <a:spcPts val="0"/>
+                        </a:spcAft>
+                      </a:pPr>
+                      <a:r>
+                        <a:rPr lang="ru-RU" sz="1800" dirty="0" smtClean="0">
+                          <a:effectLst/>
+                          <a:latin typeface="+mn-lt"/>
+                          <a:ea typeface="Calibri"/>
+                          <a:cs typeface="Times New Roman"/>
+                        </a:rPr>
+                        <a:t>Мэтчер</a:t>
+                      </a:r>
+                      <a:r>
+                        <a:rPr lang="ru-RU" sz="1800" baseline="0" dirty="0" smtClean="0">
+                          <a:effectLst/>
+                          <a:latin typeface="+mn-lt"/>
+                          <a:ea typeface="Calibri"/>
+                          <a:cs typeface="Times New Roman"/>
+                        </a:rPr>
+                        <a:t> 1000000</a:t>
+                      </a:r>
+                      <a:endParaRPr lang="ru-RU" sz="1800" dirty="0">
+                        <a:effectLst/>
+                        <a:latin typeface="+mn-lt"/>
+                        <a:ea typeface="Calibri"/>
+                        <a:cs typeface="Times New Roman"/>
+                      </a:endParaRPr>
+                    </a:p>
+                  </a:txBody>
+                  <a:tcPr marL="68580" marR="68580" marT="0" marB="0" anchor="b"/>
+                </a:tc>
+                <a:tc>
+                  <a:txBody>
+                    <a:bodyPr/>
+                    <a:lstStyle/>
+                    <a:p>
+                      <a:pPr>
+                        <a:lnSpc>
+                          <a:spcPct val="150000"/>
+                        </a:lnSpc>
+                        <a:spcAft>
+                          <a:spcPts val="0"/>
+                        </a:spcAft>
+                      </a:pPr>
+                      <a:r>
+                        <a:rPr lang="ru-RU" sz="1800" dirty="0" smtClean="0">
+                          <a:effectLst/>
+                        </a:rPr>
+                        <a:t>Сорти-ровка 1000000</a:t>
+                      </a:r>
+                      <a:endParaRPr lang="ru-RU" sz="1800" dirty="0">
+                        <a:effectLst/>
+                        <a:latin typeface="Calibri"/>
+                        <a:ea typeface="Calibri"/>
+                        <a:cs typeface="Times New Roman"/>
+                      </a:endParaRPr>
+                    </a:p>
+                  </a:txBody>
+                  <a:tcPr marL="68580" marR="68580" marT="0" marB="0" anchor="b"/>
+                </a:tc>
+              </a:tr>
+              <a:tr h="845778">
+                <a:tc>
+                  <a:txBody>
+                    <a:bodyPr/>
+                    <a:lstStyle/>
+                    <a:p>
+                      <a:pPr>
+                        <a:lnSpc>
+                          <a:spcPct val="150000"/>
+                        </a:lnSpc>
+                        <a:spcAft>
+                          <a:spcPts val="0"/>
+                        </a:spcAft>
+                      </a:pPr>
+                      <a:r>
+                        <a:rPr lang="ru-RU" sz="1800">
+                          <a:effectLst/>
+                        </a:rPr>
+                        <a:t>Машина 1: CPU</a:t>
+                      </a:r>
+                      <a:endParaRPr lang="ru-RU" sz="1800">
+                        <a:effectLst/>
+                        <a:latin typeface="Calibri"/>
+                        <a:ea typeface="Calibri"/>
+                        <a:cs typeface="Times New Roman"/>
+                      </a:endParaRPr>
+                    </a:p>
+                  </a:txBody>
+                  <a:tcPr marL="68580" marR="68580" marT="0" marB="0" anchor="b"/>
+                </a:tc>
+                <a:tc>
+                  <a:txBody>
+                    <a:bodyPr/>
+                    <a:lstStyle/>
+                    <a:p>
+                      <a:pPr algn="r">
+                        <a:lnSpc>
+                          <a:spcPct val="150000"/>
+                        </a:lnSpc>
+                        <a:spcAft>
+                          <a:spcPts val="0"/>
+                        </a:spcAft>
+                      </a:pPr>
+                      <a:r>
+                        <a:rPr lang="ru-RU" sz="1800">
+                          <a:effectLst/>
+                        </a:rPr>
+                        <a:t>40,125</a:t>
+                      </a:r>
+                      <a:endParaRPr lang="ru-RU" sz="1800">
+                        <a:effectLst/>
+                        <a:latin typeface="Calibri"/>
+                        <a:ea typeface="Calibri"/>
+                        <a:cs typeface="Times New Roman"/>
+                      </a:endParaRPr>
+                    </a:p>
+                  </a:txBody>
+                  <a:tcPr marL="68580" marR="68580" marT="0" marB="0" anchor="b"/>
+                </a:tc>
+                <a:tc>
+                  <a:txBody>
+                    <a:bodyPr/>
+                    <a:lstStyle/>
+                    <a:p>
+                      <a:pPr algn="r">
+                        <a:lnSpc>
+                          <a:spcPct val="150000"/>
+                        </a:lnSpc>
+                        <a:spcAft>
+                          <a:spcPts val="0"/>
+                        </a:spcAft>
+                      </a:pPr>
+                      <a:r>
+                        <a:rPr lang="ru-RU" sz="1800" dirty="0" smtClean="0">
+                          <a:effectLst/>
+                        </a:rPr>
+                        <a:t>1336,54</a:t>
+                      </a:r>
+                      <a:endParaRPr lang="ru-RU" sz="1800" dirty="0">
+                        <a:effectLst/>
+                        <a:latin typeface="Calibri"/>
+                        <a:ea typeface="Calibri"/>
+                        <a:cs typeface="Times New Roman"/>
+                      </a:endParaRPr>
+                    </a:p>
+                  </a:txBody>
+                  <a:tcPr marL="68580" marR="68580" marT="0" marB="0" anchor="b"/>
+                </a:tc>
+                <a:tc>
+                  <a:txBody>
+                    <a:bodyPr/>
+                    <a:lstStyle/>
+                    <a:p>
+                      <a:pPr algn="r">
+                        <a:lnSpc>
+                          <a:spcPct val="150000"/>
+                        </a:lnSpc>
+                        <a:spcAft>
+                          <a:spcPts val="0"/>
+                        </a:spcAft>
+                      </a:pPr>
+                      <a:r>
+                        <a:rPr lang="ru-RU" sz="1800" dirty="0">
+                          <a:effectLst/>
+                        </a:rPr>
+                        <a:t>121,1</a:t>
+                      </a:r>
+                      <a:endParaRPr lang="ru-RU" sz="1800" dirty="0">
+                        <a:effectLst/>
+                        <a:latin typeface="Calibri"/>
+                        <a:ea typeface="Calibri"/>
+                        <a:cs typeface="Times New Roman"/>
+                      </a:endParaRPr>
+                    </a:p>
+                  </a:txBody>
+                  <a:tcPr marL="68580" marR="68580" marT="0" marB="0" anchor="b"/>
+                </a:tc>
+                <a:tc>
+                  <a:txBody>
+                    <a:bodyPr/>
+                    <a:lstStyle/>
+                    <a:p>
+                      <a:pPr algn="r">
+                        <a:lnSpc>
+                          <a:spcPct val="150000"/>
+                        </a:lnSpc>
+                        <a:spcAft>
+                          <a:spcPts val="0"/>
+                        </a:spcAft>
+                      </a:pPr>
+                      <a:r>
+                        <a:rPr lang="ru-RU" sz="1800">
+                          <a:effectLst/>
+                        </a:rPr>
+                        <a:t>23,5</a:t>
+                      </a:r>
+                      <a:endParaRPr lang="ru-RU" sz="1800">
+                        <a:effectLst/>
+                        <a:latin typeface="Calibri"/>
+                        <a:ea typeface="Calibri"/>
+                        <a:cs typeface="Times New Roman"/>
+                      </a:endParaRPr>
+                    </a:p>
+                  </a:txBody>
+                  <a:tcPr marL="68580" marR="68580" marT="0" marB="0" anchor="b"/>
+                </a:tc>
+                <a:tc>
+                  <a:txBody>
+                    <a:bodyPr/>
+                    <a:lstStyle/>
+                    <a:p>
+                      <a:pPr algn="r">
+                        <a:lnSpc>
+                          <a:spcPct val="150000"/>
+                        </a:lnSpc>
+                        <a:spcAft>
+                          <a:spcPts val="0"/>
+                        </a:spcAft>
+                      </a:pPr>
+                      <a:r>
+                        <a:rPr lang="ru-RU" sz="1800" dirty="0" smtClean="0">
+                          <a:effectLst/>
+                        </a:rPr>
+                        <a:t>1521,27</a:t>
+                      </a:r>
+                      <a:endParaRPr lang="ru-RU" sz="1800" dirty="0">
+                        <a:effectLst/>
+                        <a:latin typeface="Calibri"/>
+                        <a:ea typeface="Calibri"/>
+                        <a:cs typeface="Times New Roman"/>
+                      </a:endParaRPr>
+                    </a:p>
+                  </a:txBody>
+                  <a:tcPr marL="68580" marR="68580" marT="0" marB="0" anchor="b"/>
+                </a:tc>
+                <a:tc>
+                  <a:txBody>
+                    <a:bodyPr/>
+                    <a:lstStyle/>
+                    <a:p>
+                      <a:pPr algn="r">
+                        <a:lnSpc>
+                          <a:spcPct val="150000"/>
+                        </a:lnSpc>
+                        <a:spcAft>
+                          <a:spcPts val="0"/>
+                        </a:spcAft>
+                      </a:pPr>
+                      <a:r>
+                        <a:rPr lang="ru-RU" sz="1800" dirty="0" smtClean="0">
+                          <a:effectLst/>
+                        </a:rPr>
+                        <a:t>1497,77</a:t>
+                      </a:r>
+                      <a:endParaRPr lang="ru-RU" sz="1800" dirty="0">
+                        <a:effectLst/>
+                        <a:latin typeface="Calibri"/>
+                        <a:ea typeface="Calibri"/>
+                        <a:cs typeface="Times New Roman"/>
+                      </a:endParaRPr>
+                    </a:p>
+                  </a:txBody>
+                  <a:tcPr marL="68580" marR="68580" marT="0" marB="0" anchor="b"/>
+                </a:tc>
+                <a:tc>
+                  <a:txBody>
+                    <a:bodyPr/>
+                    <a:lstStyle/>
+                    <a:p>
+                      <a:pPr>
+                        <a:lnSpc>
+                          <a:spcPct val="115000"/>
+                        </a:lnSpc>
+                      </a:pPr>
+                      <a:endParaRPr lang="ru-RU" sz="1800" dirty="0">
+                        <a:effectLst/>
+                        <a:latin typeface="Calibri"/>
+                        <a:cs typeface="Times New Roman"/>
+                      </a:endParaRPr>
+                    </a:p>
+                  </a:txBody>
+                  <a:tcPr marL="68580" marR="68580" marT="0" marB="0" anchor="b"/>
+                </a:tc>
+                <a:tc>
+                  <a:txBody>
+                    <a:bodyPr/>
+                    <a:lstStyle/>
+                    <a:p>
+                      <a:pPr>
+                        <a:lnSpc>
+                          <a:spcPct val="115000"/>
+                        </a:lnSpc>
+                      </a:pPr>
+                      <a:endParaRPr lang="ru-RU" sz="1800">
+                        <a:effectLst/>
+                        <a:latin typeface="Calibri"/>
+                        <a:cs typeface="Times New Roman"/>
+                      </a:endParaRPr>
+                    </a:p>
+                  </a:txBody>
+                  <a:tcPr marL="68580" marR="68580" marT="0" marB="0" anchor="b"/>
+                </a:tc>
+              </a:tr>
+              <a:tr h="845778">
+                <a:tc>
+                  <a:txBody>
+                    <a:bodyPr/>
+                    <a:lstStyle/>
+                    <a:p>
+                      <a:pPr>
+                        <a:lnSpc>
+                          <a:spcPct val="150000"/>
+                        </a:lnSpc>
+                        <a:spcAft>
+                          <a:spcPts val="0"/>
+                        </a:spcAft>
+                      </a:pPr>
+                      <a:r>
+                        <a:rPr lang="ru-RU" sz="1800">
+                          <a:effectLst/>
+                        </a:rPr>
+                        <a:t>Машина 2: </a:t>
+                      </a:r>
+                      <a:r>
+                        <a:rPr lang="en-US" sz="1800">
+                          <a:effectLst/>
+                        </a:rPr>
+                        <a:t>GPU</a:t>
+                      </a:r>
+                      <a:endParaRPr lang="ru-RU" sz="1800">
+                        <a:effectLst/>
+                        <a:latin typeface="Calibri"/>
+                        <a:ea typeface="Calibri"/>
+                        <a:cs typeface="Times New Roman"/>
+                      </a:endParaRPr>
+                    </a:p>
+                  </a:txBody>
+                  <a:tcPr marL="68580" marR="68580" marT="0" marB="0" anchor="b"/>
+                </a:tc>
+                <a:tc>
+                  <a:txBody>
+                    <a:bodyPr/>
+                    <a:lstStyle/>
+                    <a:p>
+                      <a:pPr algn="r">
+                        <a:lnSpc>
+                          <a:spcPct val="150000"/>
+                        </a:lnSpc>
+                        <a:spcAft>
+                          <a:spcPts val="0"/>
+                        </a:spcAft>
+                      </a:pPr>
+                      <a:r>
+                        <a:rPr lang="ru-RU" sz="1800">
+                          <a:effectLst/>
+                        </a:rPr>
+                        <a:t>9</a:t>
+                      </a:r>
+                      <a:endParaRPr lang="ru-RU" sz="1800">
+                        <a:effectLst/>
+                        <a:latin typeface="Calibri"/>
+                        <a:ea typeface="Calibri"/>
+                        <a:cs typeface="Times New Roman"/>
+                      </a:endParaRPr>
+                    </a:p>
+                  </a:txBody>
+                  <a:tcPr marL="68580" marR="68580" marT="0" marB="0" anchor="b"/>
+                </a:tc>
+                <a:tc>
+                  <a:txBody>
+                    <a:bodyPr/>
+                    <a:lstStyle/>
+                    <a:p>
+                      <a:pPr algn="r">
+                        <a:lnSpc>
+                          <a:spcPct val="150000"/>
+                        </a:lnSpc>
+                        <a:spcAft>
+                          <a:spcPts val="0"/>
+                        </a:spcAft>
+                      </a:pPr>
+                      <a:r>
+                        <a:rPr lang="ru-RU" sz="1800">
+                          <a:effectLst/>
+                        </a:rPr>
+                        <a:t>143,75</a:t>
+                      </a:r>
+                      <a:endParaRPr lang="ru-RU" sz="1800">
+                        <a:effectLst/>
+                        <a:latin typeface="Calibri"/>
+                        <a:ea typeface="Calibri"/>
+                        <a:cs typeface="Times New Roman"/>
+                      </a:endParaRPr>
+                    </a:p>
+                  </a:txBody>
+                  <a:tcPr marL="68580" marR="68580" marT="0" marB="0" anchor="b"/>
+                </a:tc>
+                <a:tc>
+                  <a:txBody>
+                    <a:bodyPr/>
+                    <a:lstStyle/>
+                    <a:p>
+                      <a:pPr algn="r">
+                        <a:lnSpc>
+                          <a:spcPct val="150000"/>
+                        </a:lnSpc>
+                        <a:spcAft>
+                          <a:spcPts val="0"/>
+                        </a:spcAft>
+                      </a:pPr>
+                      <a:r>
+                        <a:rPr lang="ru-RU" sz="1800">
+                          <a:effectLst/>
+                        </a:rPr>
+                        <a:t>1,95</a:t>
+                      </a:r>
+                      <a:endParaRPr lang="ru-RU" sz="1800">
+                        <a:effectLst/>
+                        <a:latin typeface="Calibri"/>
+                        <a:ea typeface="Calibri"/>
+                        <a:cs typeface="Times New Roman"/>
+                      </a:endParaRPr>
+                    </a:p>
+                  </a:txBody>
+                  <a:tcPr marL="68580" marR="68580" marT="0" marB="0" anchor="b"/>
+                </a:tc>
+                <a:tc>
+                  <a:txBody>
+                    <a:bodyPr/>
+                    <a:lstStyle/>
+                    <a:p>
+                      <a:pPr algn="r">
+                        <a:lnSpc>
+                          <a:spcPct val="150000"/>
+                        </a:lnSpc>
+                        <a:spcAft>
+                          <a:spcPts val="0"/>
+                        </a:spcAft>
+                      </a:pPr>
+                      <a:r>
+                        <a:rPr lang="ru-RU" sz="1800" dirty="0">
+                          <a:effectLst/>
+                        </a:rPr>
+                        <a:t>35,3</a:t>
+                      </a:r>
+                      <a:endParaRPr lang="ru-RU" sz="1800" dirty="0">
+                        <a:effectLst/>
+                        <a:latin typeface="Calibri"/>
+                        <a:ea typeface="Calibri"/>
+                        <a:cs typeface="Times New Roman"/>
+                      </a:endParaRPr>
+                    </a:p>
+                  </a:txBody>
+                  <a:tcPr marL="68580" marR="68580" marT="0" marB="0" anchor="b"/>
+                </a:tc>
+                <a:tc>
+                  <a:txBody>
+                    <a:bodyPr/>
+                    <a:lstStyle/>
+                    <a:p>
+                      <a:pPr algn="r">
+                        <a:lnSpc>
+                          <a:spcPct val="150000"/>
+                        </a:lnSpc>
+                        <a:spcAft>
+                          <a:spcPts val="0"/>
+                        </a:spcAft>
+                      </a:pPr>
+                      <a:r>
+                        <a:rPr lang="ru-RU" sz="1800" dirty="0">
+                          <a:effectLst/>
+                        </a:rPr>
+                        <a:t>190</a:t>
+                      </a:r>
+                      <a:endParaRPr lang="ru-RU" sz="1800" dirty="0">
+                        <a:effectLst/>
+                        <a:latin typeface="Calibri"/>
+                        <a:ea typeface="Calibri"/>
+                        <a:cs typeface="Times New Roman"/>
+                      </a:endParaRPr>
+                    </a:p>
+                  </a:txBody>
+                  <a:tcPr marL="68580" marR="68580" marT="0" marB="0" anchor="b"/>
+                </a:tc>
+                <a:tc>
+                  <a:txBody>
+                    <a:bodyPr/>
+                    <a:lstStyle/>
+                    <a:p>
+                      <a:pPr algn="r">
+                        <a:lnSpc>
+                          <a:spcPct val="150000"/>
+                        </a:lnSpc>
+                        <a:spcAft>
+                          <a:spcPts val="0"/>
+                        </a:spcAft>
+                      </a:pPr>
+                      <a:r>
+                        <a:rPr lang="ru-RU" sz="1800" dirty="0">
+                          <a:effectLst/>
+                        </a:rPr>
+                        <a:t>154,7</a:t>
+                      </a:r>
+                      <a:endParaRPr lang="ru-RU" sz="1800" dirty="0">
+                        <a:effectLst/>
+                        <a:latin typeface="Calibri"/>
+                        <a:ea typeface="Calibri"/>
+                        <a:cs typeface="Times New Roman"/>
+                      </a:endParaRPr>
+                    </a:p>
+                  </a:txBody>
+                  <a:tcPr marL="68580" marR="68580" marT="0" marB="0" anchor="b"/>
+                </a:tc>
+                <a:tc>
+                  <a:txBody>
+                    <a:bodyPr/>
+                    <a:lstStyle/>
+                    <a:p>
+                      <a:pPr algn="r">
+                        <a:lnSpc>
+                          <a:spcPct val="150000"/>
+                        </a:lnSpc>
+                        <a:spcAft>
+                          <a:spcPts val="0"/>
+                        </a:spcAft>
+                      </a:pPr>
+                      <a:r>
+                        <a:rPr lang="ru-RU" sz="1800" dirty="0" smtClean="0">
+                          <a:effectLst/>
+                          <a:latin typeface="Calibri"/>
+                          <a:ea typeface="Calibri"/>
+                          <a:cs typeface="Times New Roman"/>
+                        </a:rPr>
+                        <a:t>15</a:t>
+                      </a:r>
+                      <a:endParaRPr lang="ru-RU" sz="1800" dirty="0">
+                        <a:effectLst/>
+                        <a:latin typeface="Calibri"/>
+                        <a:ea typeface="Calibri"/>
+                        <a:cs typeface="Times New Roman"/>
+                      </a:endParaRPr>
+                    </a:p>
+                  </a:txBody>
+                  <a:tcPr marL="68580" marR="68580" marT="0" marB="0" anchor="b"/>
+                </a:tc>
+                <a:tc>
+                  <a:txBody>
+                    <a:bodyPr/>
+                    <a:lstStyle/>
+                    <a:p>
+                      <a:pPr algn="r">
+                        <a:lnSpc>
+                          <a:spcPct val="150000"/>
+                        </a:lnSpc>
+                        <a:spcAft>
+                          <a:spcPts val="0"/>
+                        </a:spcAft>
+                      </a:pPr>
+                      <a:endParaRPr lang="ru-RU" sz="1800" dirty="0">
+                        <a:effectLst/>
+                        <a:latin typeface="Calibri"/>
+                        <a:ea typeface="Calibri"/>
+                        <a:cs typeface="Times New Roman"/>
+                      </a:endParaRPr>
+                    </a:p>
+                  </a:txBody>
+                  <a:tcPr marL="68580" marR="68580" marT="0" marB="0" anchor="b"/>
+                </a:tc>
+              </a:tr>
+              <a:tr h="845778">
+                <a:tc>
+                  <a:txBody>
+                    <a:bodyPr/>
+                    <a:lstStyle/>
+                    <a:p>
+                      <a:pPr>
+                        <a:lnSpc>
+                          <a:spcPct val="150000"/>
+                        </a:lnSpc>
+                        <a:spcAft>
+                          <a:spcPts val="0"/>
+                        </a:spcAft>
+                      </a:pPr>
+                      <a:r>
+                        <a:rPr lang="ru-RU" sz="1800">
+                          <a:effectLst/>
+                        </a:rPr>
+                        <a:t>Машина 3: </a:t>
+                      </a:r>
+                      <a:r>
+                        <a:rPr lang="en-US" sz="1800">
+                          <a:effectLst/>
+                        </a:rPr>
+                        <a:t>GPU</a:t>
+                      </a:r>
+                      <a:endParaRPr lang="ru-RU" sz="1800">
+                        <a:effectLst/>
+                        <a:latin typeface="Calibri"/>
+                        <a:ea typeface="Calibri"/>
+                        <a:cs typeface="Times New Roman"/>
+                      </a:endParaRPr>
+                    </a:p>
+                  </a:txBody>
+                  <a:tcPr marL="68580" marR="68580" marT="0" marB="0" anchor="b"/>
+                </a:tc>
+                <a:tc>
+                  <a:txBody>
+                    <a:bodyPr/>
+                    <a:lstStyle/>
+                    <a:p>
+                      <a:pPr algn="r">
+                        <a:lnSpc>
+                          <a:spcPct val="150000"/>
+                        </a:lnSpc>
+                        <a:spcAft>
+                          <a:spcPts val="0"/>
+                        </a:spcAft>
+                      </a:pPr>
+                      <a:r>
+                        <a:rPr lang="ru-RU" sz="1800">
+                          <a:effectLst/>
+                        </a:rPr>
+                        <a:t>3</a:t>
+                      </a:r>
+                      <a:endParaRPr lang="ru-RU" sz="1800">
+                        <a:effectLst/>
+                        <a:latin typeface="Calibri"/>
+                        <a:ea typeface="Calibri"/>
+                        <a:cs typeface="Times New Roman"/>
+                      </a:endParaRPr>
+                    </a:p>
+                  </a:txBody>
+                  <a:tcPr marL="68580" marR="68580" marT="0" marB="0" anchor="b"/>
+                </a:tc>
+                <a:tc>
+                  <a:txBody>
+                    <a:bodyPr/>
+                    <a:lstStyle/>
+                    <a:p>
+                      <a:pPr algn="r">
+                        <a:lnSpc>
+                          <a:spcPct val="150000"/>
+                        </a:lnSpc>
+                        <a:spcAft>
+                          <a:spcPts val="0"/>
+                        </a:spcAft>
+                      </a:pPr>
+                      <a:r>
+                        <a:rPr lang="ru-RU" sz="1800">
+                          <a:effectLst/>
+                        </a:rPr>
+                        <a:t>46,95</a:t>
+                      </a:r>
+                      <a:endParaRPr lang="ru-RU" sz="1800">
+                        <a:effectLst/>
+                        <a:latin typeface="Calibri"/>
+                        <a:ea typeface="Calibri"/>
+                        <a:cs typeface="Times New Roman"/>
+                      </a:endParaRPr>
+                    </a:p>
+                  </a:txBody>
+                  <a:tcPr marL="68580" marR="68580" marT="0" marB="0" anchor="b"/>
+                </a:tc>
+                <a:tc>
+                  <a:txBody>
+                    <a:bodyPr/>
+                    <a:lstStyle/>
+                    <a:p>
+                      <a:pPr algn="r">
+                        <a:lnSpc>
+                          <a:spcPct val="150000"/>
+                        </a:lnSpc>
+                        <a:spcAft>
+                          <a:spcPts val="0"/>
+                        </a:spcAft>
+                      </a:pPr>
+                      <a:r>
+                        <a:rPr lang="ru-RU" sz="1800">
+                          <a:effectLst/>
+                        </a:rPr>
+                        <a:t>1</a:t>
+                      </a:r>
+                      <a:endParaRPr lang="ru-RU" sz="1800">
+                        <a:effectLst/>
+                        <a:latin typeface="Calibri"/>
+                        <a:ea typeface="Calibri"/>
+                        <a:cs typeface="Times New Roman"/>
+                      </a:endParaRPr>
+                    </a:p>
+                  </a:txBody>
+                  <a:tcPr marL="68580" marR="68580" marT="0" marB="0" anchor="b"/>
+                </a:tc>
+                <a:tc>
+                  <a:txBody>
+                    <a:bodyPr/>
+                    <a:lstStyle/>
+                    <a:p>
+                      <a:pPr algn="r">
+                        <a:lnSpc>
+                          <a:spcPct val="150000"/>
+                        </a:lnSpc>
+                        <a:spcAft>
+                          <a:spcPts val="0"/>
+                        </a:spcAft>
+                      </a:pPr>
+                      <a:r>
+                        <a:rPr lang="ru-RU" sz="1800">
+                          <a:effectLst/>
+                        </a:rPr>
+                        <a:t>30,9</a:t>
+                      </a:r>
+                      <a:endParaRPr lang="ru-RU" sz="1800">
+                        <a:effectLst/>
+                        <a:latin typeface="Calibri"/>
+                        <a:ea typeface="Calibri"/>
+                        <a:cs typeface="Times New Roman"/>
+                      </a:endParaRPr>
+                    </a:p>
+                  </a:txBody>
+                  <a:tcPr marL="68580" marR="68580" marT="0" marB="0" anchor="b"/>
+                </a:tc>
+                <a:tc>
+                  <a:txBody>
+                    <a:bodyPr/>
+                    <a:lstStyle/>
+                    <a:p>
+                      <a:pPr algn="r">
+                        <a:lnSpc>
+                          <a:spcPct val="150000"/>
+                        </a:lnSpc>
+                        <a:spcAft>
+                          <a:spcPts val="0"/>
+                        </a:spcAft>
+                      </a:pPr>
+                      <a:r>
+                        <a:rPr lang="ru-RU" sz="1800">
+                          <a:effectLst/>
+                        </a:rPr>
+                        <a:t>81,85</a:t>
+                      </a:r>
+                      <a:endParaRPr lang="ru-RU" sz="1800">
+                        <a:effectLst/>
+                        <a:latin typeface="Calibri"/>
+                        <a:ea typeface="Calibri"/>
+                        <a:cs typeface="Times New Roman"/>
+                      </a:endParaRPr>
+                    </a:p>
+                  </a:txBody>
+                  <a:tcPr marL="68580" marR="68580" marT="0" marB="0" anchor="b"/>
+                </a:tc>
+                <a:tc>
+                  <a:txBody>
+                    <a:bodyPr/>
+                    <a:lstStyle/>
+                    <a:p>
+                      <a:pPr algn="r">
+                        <a:lnSpc>
+                          <a:spcPct val="150000"/>
+                        </a:lnSpc>
+                        <a:spcAft>
+                          <a:spcPts val="0"/>
+                        </a:spcAft>
+                      </a:pPr>
+                      <a:r>
+                        <a:rPr lang="ru-RU" sz="1800" dirty="0">
+                          <a:effectLst/>
+                        </a:rPr>
+                        <a:t>50,95</a:t>
+                      </a:r>
+                      <a:endParaRPr lang="ru-RU" sz="1800" dirty="0">
+                        <a:effectLst/>
+                        <a:latin typeface="Calibri"/>
+                        <a:ea typeface="Calibri"/>
+                        <a:cs typeface="Times New Roman"/>
+                      </a:endParaRPr>
+                    </a:p>
+                  </a:txBody>
+                  <a:tcPr marL="68580" marR="68580" marT="0" marB="0" anchor="b"/>
+                </a:tc>
+                <a:tc>
+                  <a:txBody>
+                    <a:bodyPr/>
+                    <a:lstStyle/>
+                    <a:p>
+                      <a:pPr algn="r">
+                        <a:lnSpc>
+                          <a:spcPct val="150000"/>
+                        </a:lnSpc>
+                        <a:spcAft>
+                          <a:spcPts val="0"/>
+                        </a:spcAft>
+                      </a:pPr>
+                      <a:r>
+                        <a:rPr lang="ru-RU" sz="1800" dirty="0" smtClean="0">
+                          <a:effectLst/>
+                          <a:latin typeface="Calibri"/>
+                          <a:ea typeface="Calibri"/>
+                          <a:cs typeface="Times New Roman"/>
+                        </a:rPr>
+                        <a:t>4</a:t>
+                      </a:r>
+                      <a:endParaRPr lang="ru-RU" sz="1800" dirty="0">
+                        <a:effectLst/>
+                        <a:latin typeface="Calibri"/>
+                        <a:ea typeface="Calibri"/>
+                        <a:cs typeface="Times New Roman"/>
+                      </a:endParaRPr>
+                    </a:p>
+                  </a:txBody>
+                  <a:tcPr marL="68580" marR="68580" marT="0" marB="0" anchor="b"/>
+                </a:tc>
+                <a:tc>
+                  <a:txBody>
+                    <a:bodyPr/>
+                    <a:lstStyle/>
+                    <a:p>
+                      <a:pPr algn="r">
+                        <a:lnSpc>
+                          <a:spcPct val="150000"/>
+                        </a:lnSpc>
+                        <a:spcAft>
+                          <a:spcPts val="0"/>
+                        </a:spcAft>
+                      </a:pPr>
+                      <a:r>
+                        <a:rPr lang="ru-RU" sz="1800" dirty="0" smtClean="0">
+                          <a:effectLst/>
+                          <a:latin typeface="Calibri"/>
+                          <a:ea typeface="Calibri"/>
+                          <a:cs typeface="Times New Roman"/>
+                        </a:rPr>
+                        <a:t>8</a:t>
+                      </a:r>
+                      <a:endParaRPr lang="ru-RU" sz="1800" dirty="0">
+                        <a:effectLst/>
+                        <a:latin typeface="Calibri"/>
+                        <a:ea typeface="Calibri"/>
+                        <a:cs typeface="Times New Roman"/>
+                      </a:endParaRPr>
+                    </a:p>
+                  </a:txBody>
+                  <a:tcPr marL="68580" marR="68580" marT="0" marB="0" anchor="b"/>
+                </a:tc>
+              </a:tr>
+              <a:tr h="845778">
+                <a:tc>
+                  <a:txBody>
+                    <a:bodyPr/>
+                    <a:lstStyle/>
+                    <a:p>
+                      <a:pPr>
+                        <a:lnSpc>
+                          <a:spcPct val="150000"/>
+                        </a:lnSpc>
+                        <a:spcAft>
+                          <a:spcPts val="0"/>
+                        </a:spcAft>
+                      </a:pPr>
+                      <a:r>
+                        <a:rPr lang="ru-RU" sz="1800">
+                          <a:effectLst/>
+                        </a:rPr>
+                        <a:t>Машина 1: </a:t>
+                      </a:r>
+                      <a:r>
+                        <a:rPr lang="en-US" sz="1800">
+                          <a:effectLst/>
+                        </a:rPr>
+                        <a:t>GPU</a:t>
+                      </a:r>
+                      <a:endParaRPr lang="ru-RU" sz="1800">
+                        <a:effectLst/>
+                        <a:latin typeface="Calibri"/>
+                        <a:ea typeface="Calibri"/>
+                        <a:cs typeface="Times New Roman"/>
+                      </a:endParaRPr>
+                    </a:p>
+                  </a:txBody>
+                  <a:tcPr marL="68580" marR="68580" marT="0" marB="0" anchor="b"/>
+                </a:tc>
+                <a:tc>
+                  <a:txBody>
+                    <a:bodyPr/>
+                    <a:lstStyle/>
+                    <a:p>
+                      <a:pPr algn="r">
+                        <a:lnSpc>
+                          <a:spcPct val="150000"/>
+                        </a:lnSpc>
+                        <a:spcAft>
+                          <a:spcPts val="0"/>
+                        </a:spcAft>
+                      </a:pPr>
+                      <a:r>
+                        <a:rPr lang="ru-RU" sz="1800" dirty="0">
+                          <a:effectLst/>
+                        </a:rPr>
+                        <a:t>3</a:t>
+                      </a:r>
+                      <a:endParaRPr lang="ru-RU" sz="1800" dirty="0">
+                        <a:effectLst/>
+                        <a:latin typeface="Calibri"/>
+                        <a:ea typeface="Calibri"/>
+                        <a:cs typeface="Times New Roman"/>
+                      </a:endParaRPr>
+                    </a:p>
+                  </a:txBody>
+                  <a:tcPr marL="68580" marR="68580" marT="0" marB="0" anchor="b"/>
+                </a:tc>
+                <a:tc>
+                  <a:txBody>
+                    <a:bodyPr/>
+                    <a:lstStyle/>
+                    <a:p>
+                      <a:pPr algn="r">
+                        <a:lnSpc>
+                          <a:spcPct val="150000"/>
+                        </a:lnSpc>
+                        <a:spcAft>
+                          <a:spcPts val="0"/>
+                        </a:spcAft>
+                      </a:pPr>
+                      <a:r>
+                        <a:rPr lang="ru-RU" sz="1800" dirty="0">
+                          <a:effectLst/>
+                        </a:rPr>
+                        <a:t>36,35</a:t>
+                      </a:r>
+                      <a:endParaRPr lang="ru-RU" sz="1800" dirty="0">
+                        <a:effectLst/>
+                        <a:latin typeface="Calibri"/>
+                        <a:ea typeface="Calibri"/>
+                        <a:cs typeface="Times New Roman"/>
+                      </a:endParaRPr>
+                    </a:p>
+                  </a:txBody>
+                  <a:tcPr marL="68580" marR="68580" marT="0" marB="0" anchor="b"/>
+                </a:tc>
+                <a:tc>
+                  <a:txBody>
+                    <a:bodyPr/>
+                    <a:lstStyle/>
+                    <a:p>
+                      <a:pPr algn="r">
+                        <a:lnSpc>
+                          <a:spcPct val="150000"/>
+                        </a:lnSpc>
+                        <a:spcAft>
+                          <a:spcPts val="0"/>
+                        </a:spcAft>
+                      </a:pPr>
+                      <a:r>
+                        <a:rPr lang="ru-RU" sz="1800">
+                          <a:effectLst/>
+                        </a:rPr>
+                        <a:t>1</a:t>
+                      </a:r>
+                      <a:endParaRPr lang="ru-RU" sz="1800">
+                        <a:effectLst/>
+                        <a:latin typeface="Calibri"/>
+                        <a:ea typeface="Calibri"/>
+                        <a:cs typeface="Times New Roman"/>
+                      </a:endParaRPr>
+                    </a:p>
+                  </a:txBody>
+                  <a:tcPr marL="68580" marR="68580" marT="0" marB="0" anchor="b"/>
+                </a:tc>
+                <a:tc>
+                  <a:txBody>
+                    <a:bodyPr/>
+                    <a:lstStyle/>
+                    <a:p>
+                      <a:pPr algn="r">
+                        <a:lnSpc>
+                          <a:spcPct val="150000"/>
+                        </a:lnSpc>
+                        <a:spcAft>
+                          <a:spcPts val="0"/>
+                        </a:spcAft>
+                      </a:pPr>
+                      <a:r>
+                        <a:rPr lang="ru-RU" sz="1800">
+                          <a:effectLst/>
+                        </a:rPr>
+                        <a:t>28,3</a:t>
+                      </a:r>
+                      <a:endParaRPr lang="ru-RU" sz="1800">
+                        <a:effectLst/>
+                        <a:latin typeface="Calibri"/>
+                        <a:ea typeface="Calibri"/>
+                        <a:cs typeface="Times New Roman"/>
+                      </a:endParaRPr>
+                    </a:p>
+                  </a:txBody>
+                  <a:tcPr marL="68580" marR="68580" marT="0" marB="0" anchor="b"/>
+                </a:tc>
+                <a:tc>
+                  <a:txBody>
+                    <a:bodyPr/>
+                    <a:lstStyle/>
+                    <a:p>
+                      <a:pPr algn="r">
+                        <a:lnSpc>
+                          <a:spcPct val="150000"/>
+                        </a:lnSpc>
+                        <a:spcAft>
+                          <a:spcPts val="0"/>
+                        </a:spcAft>
+                      </a:pPr>
+                      <a:r>
+                        <a:rPr lang="ru-RU" sz="1800" dirty="0">
+                          <a:effectLst/>
+                        </a:rPr>
+                        <a:t>68,65</a:t>
+                      </a:r>
+                      <a:endParaRPr lang="ru-RU" sz="1800" dirty="0">
+                        <a:effectLst/>
+                        <a:latin typeface="Calibri"/>
+                        <a:ea typeface="Calibri"/>
+                        <a:cs typeface="Times New Roman"/>
+                      </a:endParaRPr>
+                    </a:p>
+                  </a:txBody>
+                  <a:tcPr marL="68580" marR="68580" marT="0" marB="0" anchor="b"/>
+                </a:tc>
+                <a:tc>
+                  <a:txBody>
+                    <a:bodyPr/>
+                    <a:lstStyle/>
+                    <a:p>
+                      <a:pPr algn="r">
+                        <a:lnSpc>
+                          <a:spcPct val="150000"/>
+                        </a:lnSpc>
+                        <a:spcAft>
+                          <a:spcPts val="0"/>
+                        </a:spcAft>
+                      </a:pPr>
+                      <a:r>
+                        <a:rPr lang="ru-RU" sz="1800" dirty="0">
+                          <a:effectLst/>
+                        </a:rPr>
+                        <a:t>40,35</a:t>
+                      </a:r>
+                      <a:endParaRPr lang="ru-RU" sz="1800" dirty="0">
+                        <a:effectLst/>
+                        <a:latin typeface="Calibri"/>
+                        <a:ea typeface="Calibri"/>
+                        <a:cs typeface="Times New Roman"/>
+                      </a:endParaRPr>
+                    </a:p>
+                  </a:txBody>
+                  <a:tcPr marL="68580" marR="68580" marT="0" marB="0" anchor="b"/>
+                </a:tc>
+                <a:tc>
+                  <a:txBody>
+                    <a:bodyPr/>
+                    <a:lstStyle/>
+                    <a:p>
+                      <a:pPr algn="r">
+                        <a:lnSpc>
+                          <a:spcPct val="150000"/>
+                        </a:lnSpc>
+                        <a:spcAft>
+                          <a:spcPts val="0"/>
+                        </a:spcAft>
+                      </a:pPr>
+                      <a:r>
+                        <a:rPr lang="ru-RU" sz="1800" dirty="0" smtClean="0">
+                          <a:effectLst/>
+                          <a:latin typeface="Calibri"/>
+                          <a:ea typeface="Calibri"/>
+                          <a:cs typeface="Times New Roman"/>
+                        </a:rPr>
+                        <a:t>4</a:t>
+                      </a:r>
+                      <a:endParaRPr lang="ru-RU" sz="1800" dirty="0">
+                        <a:effectLst/>
+                        <a:latin typeface="Calibri"/>
+                        <a:ea typeface="Calibri"/>
+                        <a:cs typeface="Times New Roman"/>
+                      </a:endParaRPr>
+                    </a:p>
+                  </a:txBody>
+                  <a:tcPr marL="68580" marR="68580" marT="0" marB="0" anchor="b"/>
+                </a:tc>
+                <a:tc>
+                  <a:txBody>
+                    <a:bodyPr/>
+                    <a:lstStyle/>
+                    <a:p>
+                      <a:pPr algn="r">
+                        <a:lnSpc>
+                          <a:spcPct val="150000"/>
+                        </a:lnSpc>
+                        <a:spcAft>
+                          <a:spcPts val="0"/>
+                        </a:spcAft>
+                      </a:pPr>
+                      <a:r>
+                        <a:rPr lang="ru-RU" sz="1800" dirty="0" smtClean="0">
+                          <a:effectLst/>
+                          <a:latin typeface="Calibri"/>
+                          <a:ea typeface="Calibri"/>
+                          <a:cs typeface="Times New Roman"/>
+                        </a:rPr>
+                        <a:t>11</a:t>
+                      </a:r>
+                      <a:endParaRPr lang="ru-RU" sz="1800" dirty="0">
+                        <a:effectLst/>
+                        <a:latin typeface="Calibri"/>
+                        <a:ea typeface="Calibri"/>
+                        <a:cs typeface="Times New Roman"/>
+                      </a:endParaRPr>
+                    </a:p>
+                  </a:txBody>
+                  <a:tcPr marL="68580" marR="68580" marT="0" marB="0" anchor="b"/>
+                </a:tc>
+              </a:tr>
+            </a:tbl>
+          </a:graphicData>
+        </a:graphic>
+      </p:graphicFrame>
     </p:spTree>
     <p:extLst>
       <p:ext uri="{BB962C8B-B14F-4D97-AF65-F5344CB8AC3E}">
@@ -9897,7 +15125,7 @@
 </p:sld>
 </file>
 
-<file path=ppt/slides/slide17.xml><?xml version="1.0" encoding="utf-8"?>
+<file path=ppt/slides/slide18.xml><?xml version="1.0" encoding="utf-8"?>
 <p:sld xmlns:a="http://schemas.openxmlformats.org/drawingml/2006/main" xmlns:r="http://schemas.openxmlformats.org/officeDocument/2006/relationships" xmlns:p="http://schemas.openxmlformats.org/presentationml/2006/main">
   <p:cSld>
     <p:spTree>
@@ -9986,7 +15214,7 @@
 </p:sld>
 </file>
 
-<file path=ppt/slides/slide18.xml><?xml version="1.0" encoding="utf-8"?>
+<file path=ppt/slides/slide19.xml><?xml version="1.0" encoding="utf-8"?>
 <p:sld xmlns:a="http://schemas.openxmlformats.org/drawingml/2006/main" xmlns:r="http://schemas.openxmlformats.org/officeDocument/2006/relationships" xmlns:p="http://schemas.openxmlformats.org/presentationml/2006/main">
   <p:cSld>
     <p:spTree>
@@ -10020,7 +15248,11 @@
           <a:p>
             <a:r>
               <a:rPr lang="ru-RU" dirty="0" smtClean="0"/>
-              <a:t>Экстракция минуций</a:t>
+              <a:t>Выделение </a:t>
+            </a:r>
+            <a:r>
+              <a:rPr lang="ru-RU" dirty="0" smtClean="0"/>
+              <a:t>минуций</a:t>
             </a:r>
             <a:endParaRPr lang="ru-RU" dirty="0"/>
           </a:p>
@@ -10050,7 +15282,7 @@
         </p:blipFill>
         <p:spPr>
           <a:xfrm>
-            <a:off x="2581087" y="2274570"/>
+            <a:off x="2562413" y="3352800"/>
             <a:ext cx="1990913" cy="2830830"/>
           </a:xfrm>
         </p:spPr>
@@ -10077,7 +15309,7 @@
         </p:blipFill>
         <p:spPr>
           <a:xfrm>
-            <a:off x="628274" y="2274570"/>
+            <a:off x="609600" y="3352800"/>
             <a:ext cx="1990913" cy="2830830"/>
           </a:xfrm>
           <a:prstGeom prst="rect">
@@ -10116,7 +15348,7 @@
         </p:blipFill>
         <p:spPr>
           <a:xfrm>
-            <a:off x="6562913" y="2274570"/>
+            <a:off x="6544239" y="3352800"/>
             <a:ext cx="1990913" cy="2830830"/>
           </a:xfrm>
           <a:prstGeom prst="rect">
@@ -10146,7 +15378,7 @@
         </p:blipFill>
         <p:spPr>
           <a:xfrm>
-            <a:off x="4572000" y="2274570"/>
+            <a:off x="4553326" y="3352800"/>
             <a:ext cx="1990913" cy="2830830"/>
           </a:xfrm>
           <a:prstGeom prst="rect">
@@ -10154,136 +15386,66 @@
           </a:prstGeom>
         </p:spPr>
       </p:pic>
-    </p:spTree>
-    <p:extLst>
-      <p:ext uri="{BB962C8B-B14F-4D97-AF65-F5344CB8AC3E}">
-        <p14:creationId xmlns:p14="http://schemas.microsoft.com/office/powerpoint/2010/main" val="2127434117"/>
-      </p:ext>
-    </p:extLst>
-  </p:cSld>
-  <p:clrMapOvr>
-    <a:masterClrMapping/>
-  </p:clrMapOvr>
-  <p:timing>
-    <p:tnLst>
-      <p:par>
-        <p:cTn id="1" dur="indefinite" restart="never" nodeType="tmRoot"/>
-      </p:par>
-    </p:tnLst>
-  </p:timing>
-</p:sld>
-</file>
-
-<file path=ppt/slides/slide19.xml><?xml version="1.0" encoding="utf-8"?>
-<p:sld xmlns:a="http://schemas.openxmlformats.org/drawingml/2006/main" xmlns:r="http://schemas.openxmlformats.org/officeDocument/2006/relationships" xmlns:p="http://schemas.openxmlformats.org/presentationml/2006/main">
-  <p:cSld>
-    <p:spTree>
-      <p:nvGrpSpPr>
-        <p:cNvPr id="1" name=""/>
-        <p:cNvGrpSpPr/>
-        <p:nvPr/>
-      </p:nvGrpSpPr>
-      <p:grpSpPr>
-        <a:xfrm>
-          <a:off x="0" y="0"/>
-          <a:ext cx="0" cy="0"/>
-          <a:chOff x="0" y="0"/>
-          <a:chExt cx="0" cy="0"/>
-        </a:xfrm>
-      </p:grpSpPr>
       <p:sp>
         <p:nvSpPr>
-          <p:cNvPr id="2" name="Title 1"/>
-          <p:cNvSpPr>
-            <a:spLocks noGrp="1"/>
-          </p:cNvSpPr>
-          <p:nvPr>
-            <p:ph type="title"/>
-          </p:nvPr>
+          <p:cNvPr id="8" name="TextBox 7"/>
+          <p:cNvSpPr txBox="1"/>
+          <p:nvPr/>
         </p:nvSpPr>
-        <p:spPr/>
+        <p:spPr>
+          <a:xfrm>
+            <a:off x="692581" y="1965960"/>
+            <a:ext cx="6858000" cy="707886"/>
+          </a:xfrm>
+          <a:prstGeom prst="rect">
+            <a:avLst/>
+          </a:prstGeom>
+          <a:noFill/>
+        </p:spPr>
         <p:txBody>
-          <a:bodyPr/>
+          <a:bodyPr wrap="square" rtlCol="0">
+            <a:spAutoFit/>
+          </a:bodyPr>
           <a:lstStyle/>
           <a:p>
+            <a:pPr marL="285750" indent="-285750">
+              <a:buFont typeface="Arial" panose="020B0604020202020204" pitchFamily="34" charset="0"/>
+              <a:buChar char="•"/>
+            </a:pPr>
             <a:r>
-              <a:rPr lang="ru-RU" dirty="0" smtClean="0"/>
-              <a:t>Экстракция минуций</a:t>
+              <a:rPr lang="ru-RU" sz="2000" dirty="0" smtClean="0">
+                <a:solidFill>
+                  <a:schemeClr val="accent1"/>
+                </a:solidFill>
+              </a:rPr>
+              <a:t>Бинаризация, утончение линий, выделение связей</a:t>
             </a:r>
-            <a:endParaRPr lang="ru-RU" dirty="0"/>
-          </a:p>
-        </p:txBody>
-      </p:sp>
-      <p:sp>
-        <p:nvSpPr>
-          <p:cNvPr id="3" name="Content Placeholder 2"/>
-          <p:cNvSpPr>
-            <a:spLocks noGrp="1"/>
-          </p:cNvSpPr>
-          <p:nvPr>
-            <p:ph idx="1"/>
-          </p:nvPr>
-        </p:nvSpPr>
-        <p:spPr/>
-        <p:txBody>
-          <a:bodyPr/>
-          <a:lstStyle/>
-          <a:p>
-            <a:r>
-              <a:rPr lang="de-DE" dirty="0"/>
-              <a:t>J. </a:t>
-            </a:r>
-            <a:r>
-              <a:rPr lang="de-DE" i="1" dirty="0"/>
-              <a:t>Bigun</a:t>
-            </a:r>
-            <a:r>
-              <a:rPr lang="ru-RU" i="1" dirty="0"/>
-              <a:t>,</a:t>
-            </a:r>
-            <a:r>
-              <a:rPr lang="de-DE" i="1" dirty="0"/>
-              <a:t> </a:t>
-            </a:r>
-            <a:r>
-              <a:rPr lang="de-DE" dirty="0"/>
-              <a:t>K. </a:t>
-            </a:r>
-            <a:r>
-              <a:rPr lang="de-DE" i="1" dirty="0"/>
-              <a:t>Kollreider</a:t>
-            </a:r>
-            <a:r>
-              <a:rPr lang="de-DE" dirty="0"/>
-              <a:t> , H. </a:t>
-            </a:r>
-            <a:r>
-              <a:rPr lang="de-DE" i="1" dirty="0"/>
-              <a:t>Fronthaler</a:t>
-            </a:r>
-            <a:r>
-              <a:rPr lang="en-US" dirty="0"/>
-              <a:t>, </a:t>
-            </a:r>
-            <a:r>
-              <a:rPr lang="en-US" dirty="0" err="1"/>
-              <a:t>Halmstadt</a:t>
-            </a:r>
-            <a:r>
-              <a:rPr lang="en-US" dirty="0"/>
-              <a:t> University</a:t>
-            </a:r>
-            <a:endParaRPr lang="ru-RU" dirty="0"/>
           </a:p>
           <a:p>
-            <a:endParaRPr lang="ru-RU" dirty="0"/>
+            <a:pPr marL="285750" indent="-285750">
+              <a:buFont typeface="Arial" panose="020B0604020202020204" pitchFamily="34" charset="0"/>
+              <a:buChar char="•"/>
+            </a:pPr>
+            <a:r>
+              <a:rPr lang="ru-RU" sz="2000" dirty="0" smtClean="0">
+                <a:solidFill>
+                  <a:schemeClr val="accent1"/>
+                </a:solidFill>
+              </a:rPr>
+              <a:t>Выделение минуций из изображения в оттенках серого</a:t>
+            </a:r>
+            <a:endParaRPr lang="ru-RU" sz="2000" dirty="0">
+              <a:solidFill>
+                <a:schemeClr val="accent1"/>
+              </a:solidFill>
+            </a:endParaRPr>
           </a:p>
         </p:txBody>
       </p:sp>
     </p:spTree>
     <p:extLst>
       <p:ext uri="{BB962C8B-B14F-4D97-AF65-F5344CB8AC3E}">
-        <p14:creationId xmlns:p14="http://schemas.microsoft.com/office/powerpoint/2010/main" val="1989476146"/>
+        <p14:creationId xmlns:p14="http://schemas.microsoft.com/office/powerpoint/2010/main" val="2127434117"/>
       </p:ext>
     </p:extLst>
   </p:cSld>
@@ -10371,12 +15533,21 @@
               <a:rPr lang="ru-RU" dirty="0" smtClean="0"/>
               <a:t>Биометрическое слияние и классификация</a:t>
             </a:r>
+            <a:endParaRPr lang="en-US" dirty="0" smtClean="0"/>
           </a:p>
           <a:p>
             <a:r>
               <a:rPr lang="ru-RU" dirty="0" smtClean="0"/>
               <a:t>Дактилоскопические алгоритмы</a:t>
             </a:r>
+          </a:p>
+          <a:p>
+            <a:pPr lvl="1"/>
+            <a:r>
+              <a:rPr lang="ru-RU" dirty="0" smtClean="0"/>
+              <a:t>Улучшение изображений</a:t>
+            </a:r>
+            <a:endParaRPr lang="en-US" dirty="0" smtClean="0"/>
           </a:p>
           <a:p>
             <a:pPr lvl="1"/>
@@ -10406,13 +15577,13 @@
   <p:clrMapOvr>
     <a:masterClrMapping/>
   </p:clrMapOvr>
-  <mc:AlternateContent xmlns:mc="http://schemas.openxmlformats.org/markup-compatibility/2006">
-    <mc:Choice xmlns:p15="http://schemas.microsoft.com/office/powerpoint/2012/main" Requires="p15">
+  <mc:AlternateContent xmlns:mc="http://schemas.openxmlformats.org/markup-compatibility/2006" xmlns:p15="http://schemas.microsoft.com/office/powerpoint/2012/main">
+    <mc:Choice Requires="p15">
       <p:transition xmlns:p14="http://schemas.microsoft.com/office/powerpoint/2010/main" spd="slow" p14:dur="2000">
         <p15:prstTrans prst="prestige"/>
       </p:transition>
     </mc:Choice>
-    <mc:Fallback>
+    <mc:Fallback xmlns="">
       <p:transition spd="slow">
         <p:fade/>
       </p:transition>
@@ -10462,7 +15633,384 @@
           <a:p>
             <a:r>
               <a:rPr lang="ru-RU" dirty="0" smtClean="0"/>
-              <a:t>Сопоставление минуций</a:t>
+              <a:t>Выделение </a:t>
+            </a:r>
+            <a:r>
+              <a:rPr lang="ru-RU" dirty="0" smtClean="0"/>
+              <a:t>минуций</a:t>
+            </a:r>
+            <a:endParaRPr lang="ru-RU" dirty="0"/>
+          </a:p>
+        </p:txBody>
+      </p:sp>
+      <mc:AlternateContent xmlns:mc="http://schemas.openxmlformats.org/markup-compatibility/2006">
+        <mc:Choice xmlns:a14="http://schemas.microsoft.com/office/drawing/2010/main" Requires="a14">
+          <p:sp>
+            <p:nvSpPr>
+              <p:cNvPr id="3" name="Content Placeholder 2"/>
+              <p:cNvSpPr>
+                <a:spLocks noGrp="1"/>
+              </p:cNvSpPr>
+              <p:nvPr>
+                <p:ph idx="1"/>
+              </p:nvPr>
+            </p:nvSpPr>
+            <p:spPr>
+              <a:xfrm>
+                <a:off x="857251" y="2057400"/>
+                <a:ext cx="4095749" cy="4038600"/>
+              </a:xfrm>
+            </p:spPr>
+            <p:txBody>
+              <a:bodyPr/>
+              <a:lstStyle/>
+              <a:p>
+                <a:r>
+                  <a:rPr lang="de-DE" dirty="0" smtClean="0"/>
+                  <a:t>J. </a:t>
+                </a:r>
+                <a:r>
+                  <a:rPr lang="de-DE" i="1" dirty="0"/>
+                  <a:t>Bigun</a:t>
+                </a:r>
+                <a:r>
+                  <a:rPr lang="ru-RU" i="1" dirty="0"/>
+                  <a:t>,</a:t>
+                </a:r>
+                <a:r>
+                  <a:rPr lang="de-DE" i="1" dirty="0"/>
+                  <a:t> </a:t>
+                </a:r>
+                <a:r>
+                  <a:rPr lang="de-DE" dirty="0"/>
+                  <a:t>K. </a:t>
+                </a:r>
+                <a:r>
+                  <a:rPr lang="de-DE" i="1" dirty="0"/>
+                  <a:t>Kollreider</a:t>
+                </a:r>
+                <a:r>
+                  <a:rPr lang="de-DE" dirty="0"/>
+                  <a:t> , H. </a:t>
+                </a:r>
+                <a:r>
+                  <a:rPr lang="de-DE" i="1" dirty="0"/>
+                  <a:t>Fronthaler</a:t>
+                </a:r>
+                <a:r>
+                  <a:rPr lang="en-US" dirty="0"/>
+                  <a:t>, </a:t>
+                </a:r>
+                <a:r>
+                  <a:rPr lang="en-US" dirty="0" err="1"/>
+                  <a:t>Halmstadt</a:t>
+                </a:r>
+                <a:r>
+                  <a:rPr lang="en-US" dirty="0"/>
+                  <a:t> University</a:t>
+                </a:r>
+                <a:endParaRPr lang="ru-RU" dirty="0"/>
+              </a:p>
+              <a:p>
+                <a:r>
+                  <a:rPr lang="ru-RU" dirty="0" smtClean="0"/>
+                  <a:t>Много общего с алгоритмом улучшения изображения</a:t>
+                </a:r>
+              </a:p>
+              <a:p>
+                <a14:m>
+                  <m:oMath xmlns:m="http://schemas.openxmlformats.org/officeDocument/2006/math">
+                    <m:sSub>
+                      <m:sSubPr>
+                        <m:ctrlPr>
+                          <a:rPr lang="en-US" b="0" i="1" smtClean="0">
+                            <a:latin typeface="Cambria Math" panose="02040503050406030204" pitchFamily="18" charset="0"/>
+                          </a:rPr>
+                        </m:ctrlPr>
+                      </m:sSubPr>
+                      <m:e>
+                        <m:r>
+                          <a:rPr lang="en-US" b="0" i="1" smtClean="0">
+                            <a:latin typeface="Cambria Math" panose="02040503050406030204" pitchFamily="18" charset="0"/>
+                          </a:rPr>
+                          <m:t>𝑃𝑆</m:t>
+                        </m:r>
+                        <m:r>
+                          <a:rPr lang="en-US" b="0" i="1" smtClean="0">
+                            <a:latin typeface="Cambria Math" panose="02040503050406030204" pitchFamily="18" charset="0"/>
+                          </a:rPr>
+                          <m:t>:</m:t>
+                        </m:r>
+                        <m:r>
+                          <a:rPr lang="en-US" b="0" i="1" smtClean="0">
+                            <a:latin typeface="Cambria Math" panose="02040503050406030204" pitchFamily="18" charset="0"/>
+                          </a:rPr>
+                          <m:t>h</m:t>
+                        </m:r>
+                      </m:e>
+                      <m:sub>
+                        <m:r>
+                          <a:rPr lang="en-US" b="0" i="1" smtClean="0">
+                            <a:latin typeface="Cambria Math" panose="02040503050406030204" pitchFamily="18" charset="0"/>
+                          </a:rPr>
+                          <m:t>1</m:t>
+                        </m:r>
+                      </m:sub>
+                    </m:sSub>
+                    <m:r>
+                      <a:rPr lang="en-US" b="0" i="1" smtClean="0">
+                        <a:latin typeface="Cambria Math" panose="02040503050406030204" pitchFamily="18" charset="0"/>
+                      </a:rPr>
+                      <m:t>=</m:t>
+                    </m:r>
+                    <m:d>
+                      <m:dPr>
+                        <m:ctrlPr>
+                          <a:rPr lang="en-US" b="0" i="1" smtClean="0">
+                            <a:latin typeface="Cambria Math" panose="02040503050406030204" pitchFamily="18" charset="0"/>
+                          </a:rPr>
+                        </m:ctrlPr>
+                      </m:dPr>
+                      <m:e>
+                        <m:r>
+                          <a:rPr lang="en-US" b="0" i="1" smtClean="0">
+                            <a:latin typeface="Cambria Math" panose="02040503050406030204" pitchFamily="18" charset="0"/>
+                          </a:rPr>
+                          <m:t>𝑥</m:t>
+                        </m:r>
+                        <m:r>
+                          <a:rPr lang="en-US" b="0" i="1" smtClean="0">
+                            <a:latin typeface="Cambria Math" panose="02040503050406030204" pitchFamily="18" charset="0"/>
+                          </a:rPr>
+                          <m:t>+</m:t>
+                        </m:r>
+                        <m:r>
+                          <a:rPr lang="en-US" b="0" i="1" smtClean="0">
+                            <a:latin typeface="Cambria Math" panose="02040503050406030204" pitchFamily="18" charset="0"/>
+                          </a:rPr>
+                          <m:t>𝑖𝑦</m:t>
+                        </m:r>
+                      </m:e>
+                    </m:d>
+                    <m:r>
+                      <a:rPr lang="en-US" b="0" i="1" smtClean="0">
+                        <a:latin typeface="Cambria Math" panose="02040503050406030204" pitchFamily="18" charset="0"/>
+                      </a:rPr>
+                      <m:t>𝑔</m:t>
+                    </m:r>
+                    <m:r>
+                      <a:rPr lang="en-US" b="0" i="1" smtClean="0">
+                        <a:latin typeface="Cambria Math" panose="02040503050406030204" pitchFamily="18" charset="0"/>
+                      </a:rPr>
+                      <m:t>(</m:t>
+                    </m:r>
+                    <m:r>
+                      <a:rPr lang="en-US" b="0" i="1" smtClean="0">
+                        <a:latin typeface="Cambria Math" panose="02040503050406030204" pitchFamily="18" charset="0"/>
+                      </a:rPr>
+                      <m:t>𝑥</m:t>
+                    </m:r>
+                    <m:r>
+                      <a:rPr lang="en-US" b="0" i="1" smtClean="0">
+                        <a:latin typeface="Cambria Math" panose="02040503050406030204" pitchFamily="18" charset="0"/>
+                      </a:rPr>
+                      <m:t>,</m:t>
+                    </m:r>
+                    <m:r>
+                      <a:rPr lang="en-US" b="0" i="1" smtClean="0">
+                        <a:latin typeface="Cambria Math" panose="02040503050406030204" pitchFamily="18" charset="0"/>
+                      </a:rPr>
+                      <m:t>𝑦</m:t>
+                    </m:r>
+                    <m:r>
+                      <a:rPr lang="en-US" b="0" i="1" smtClean="0">
+                        <a:latin typeface="Cambria Math" panose="02040503050406030204" pitchFamily="18" charset="0"/>
+                      </a:rPr>
+                      <m:t>)</m:t>
+                    </m:r>
+                  </m:oMath>
+                </a14:m>
+                <a:endParaRPr lang="en-US" dirty="0" smtClean="0"/>
+              </a:p>
+              <a:p>
+                <a14:m>
+                  <m:oMath xmlns:m="http://schemas.openxmlformats.org/officeDocument/2006/math">
+                    <m:r>
+                      <a:rPr lang="en-US" b="0" i="1" smtClean="0">
+                        <a:latin typeface="Cambria Math" panose="02040503050406030204" pitchFamily="18" charset="0"/>
+                      </a:rPr>
+                      <m:t>𝑃𝑆</m:t>
+                    </m:r>
+                    <m:r>
+                      <a:rPr lang="en-US" b="0" i="1" smtClean="0">
+                        <a:latin typeface="Cambria Math" panose="02040503050406030204" pitchFamily="18" charset="0"/>
+                      </a:rPr>
+                      <m:t>(1−</m:t>
+                    </m:r>
+                    <m:r>
+                      <a:rPr lang="en-US" b="0" i="1" smtClean="0">
+                        <a:latin typeface="Cambria Math" panose="02040503050406030204" pitchFamily="18" charset="0"/>
+                      </a:rPr>
+                      <m:t>𝐿𝑆</m:t>
+                    </m:r>
+                    <m:r>
+                      <a:rPr lang="en-US" b="0" i="1" smtClean="0">
+                        <a:latin typeface="Cambria Math" panose="02040503050406030204" pitchFamily="18" charset="0"/>
+                      </a:rPr>
+                      <m:t>)</m:t>
+                    </m:r>
+                  </m:oMath>
+                </a14:m>
+                <a:endParaRPr lang="en-US" dirty="0" smtClean="0"/>
+              </a:p>
+              <a:p>
+                <a:r>
+                  <a:rPr lang="ru-RU" dirty="0" smtClean="0"/>
+                  <a:t>При условии высокой линейной симметрии вокруг</a:t>
+                </a:r>
+              </a:p>
+              <a:p>
+                <a:r>
+                  <a:rPr lang="ru-RU" dirty="0" smtClean="0"/>
+                  <a:t>Разбиение на блоки и поиск локальных максимумов</a:t>
+                </a:r>
+              </a:p>
+              <a:p>
+                <a:r>
+                  <a:rPr lang="ru-RU" dirty="0" smtClean="0"/>
+                  <a:t>Убывающая сортировка по </a:t>
+                </a:r>
+                <a:r>
+                  <a:rPr lang="en-US" dirty="0" smtClean="0"/>
+                  <a:t>PS</a:t>
+                </a:r>
+                <a:endParaRPr lang="ru-RU" dirty="0" smtClean="0"/>
+              </a:p>
+            </p:txBody>
+          </p:sp>
+        </mc:Choice>
+        <mc:Fallback>
+          <p:sp>
+            <p:nvSpPr>
+              <p:cNvPr id="3" name="Content Placeholder 2"/>
+              <p:cNvSpPr>
+                <a:spLocks noGrp="1" noRot="1" noChangeAspect="1" noMove="1" noResize="1" noEditPoints="1" noAdjustHandles="1" noChangeArrowheads="1" noChangeShapeType="1" noTextEdit="1"/>
+              </p:cNvSpPr>
+              <p:nvPr>
+                <p:ph idx="1"/>
+              </p:nvPr>
+            </p:nvSpPr>
+            <p:spPr>
+              <a:xfrm>
+                <a:off x="857251" y="2057400"/>
+                <a:ext cx="4095749" cy="4038600"/>
+              </a:xfrm>
+              <a:blipFill rotWithShape="0">
+                <a:blip r:embed="rId2"/>
+                <a:stretch>
+                  <a:fillRect t="-1662"/>
+                </a:stretch>
+              </a:blipFill>
+            </p:spPr>
+            <p:txBody>
+              <a:bodyPr/>
+              <a:lstStyle/>
+              <a:p>
+                <a:r>
+                  <a:rPr lang="ru-RU">
+                    <a:noFill/>
+                  </a:rPr>
+                  <a:t> </a:t>
+                </a:r>
+              </a:p>
+            </p:txBody>
+          </p:sp>
+        </mc:Fallback>
+      </mc:AlternateContent>
+      <p:pic>
+        <p:nvPicPr>
+          <p:cNvPr id="4" name="Picture 3"/>
+          <p:cNvPicPr>
+            <a:picLocks noChangeAspect="1"/>
+          </p:cNvPicPr>
+          <p:nvPr/>
+        </p:nvPicPr>
+        <p:blipFill>
+          <a:blip r:embed="rId3"/>
+          <a:stretch>
+            <a:fillRect/>
+          </a:stretch>
+        </p:blipFill>
+        <p:spPr>
+          <a:xfrm>
+            <a:off x="5053933" y="2032000"/>
+            <a:ext cx="3197257" cy="3209690"/>
+          </a:xfrm>
+          <a:prstGeom prst="rect">
+            <a:avLst/>
+          </a:prstGeom>
+          <a:ln>
+            <a:solidFill>
+              <a:schemeClr val="tx1"/>
+            </a:solidFill>
+          </a:ln>
+        </p:spPr>
+      </p:pic>
+    </p:spTree>
+    <p:extLst>
+      <p:ext uri="{BB962C8B-B14F-4D97-AF65-F5344CB8AC3E}">
+        <p14:creationId xmlns:p14="http://schemas.microsoft.com/office/powerpoint/2010/main" val="1989476146"/>
+      </p:ext>
+    </p:extLst>
+  </p:cSld>
+  <p:clrMapOvr>
+    <a:masterClrMapping/>
+  </p:clrMapOvr>
+  <p:timing>
+    <p:tnLst>
+      <p:par>
+        <p:cTn id="1" dur="indefinite" restart="never" nodeType="tmRoot"/>
+      </p:par>
+    </p:tnLst>
+  </p:timing>
+</p:sld>
+</file>
+
+<file path=ppt/slides/slide21.xml><?xml version="1.0" encoding="utf-8"?>
+<p:sld xmlns:a="http://schemas.openxmlformats.org/drawingml/2006/main" xmlns:r="http://schemas.openxmlformats.org/officeDocument/2006/relationships" xmlns:p="http://schemas.openxmlformats.org/presentationml/2006/main">
+  <p:cSld>
+    <p:spTree>
+      <p:nvGrpSpPr>
+        <p:cNvPr id="1" name=""/>
+        <p:cNvGrpSpPr/>
+        <p:nvPr/>
+      </p:nvGrpSpPr>
+      <p:grpSpPr>
+        <a:xfrm>
+          <a:off x="0" y="0"/>
+          <a:ext cx="0" cy="0"/>
+          <a:chOff x="0" y="0"/>
+          <a:chExt cx="0" cy="0"/>
+        </a:xfrm>
+      </p:grpSpPr>
+      <p:sp>
+        <p:nvSpPr>
+          <p:cNvPr id="2" name="Title 1"/>
+          <p:cNvSpPr>
+            <a:spLocks noGrp="1"/>
+          </p:cNvSpPr>
+          <p:nvPr>
+            <p:ph type="title"/>
+          </p:nvPr>
+        </p:nvSpPr>
+        <p:spPr/>
+        <p:txBody>
+          <a:bodyPr/>
+          <a:lstStyle/>
+          <a:p>
+            <a:r>
+              <a:rPr lang="ru-RU" dirty="0" smtClean="0"/>
+              <a:t>Результаты</a:t>
             </a:r>
             <a:endParaRPr lang="ru-RU" dirty="0"/>
           </a:p>
@@ -10483,10 +16031,426 @@
           <a:bodyPr/>
           <a:lstStyle/>
           <a:p>
-            <a:endParaRPr lang="ru-RU"/>
+            <a:r>
+              <a:rPr lang="ru-RU" dirty="0" smtClean="0"/>
+              <a:t>Параллелизация свёртки</a:t>
+            </a:r>
+          </a:p>
+          <a:p>
+            <a:r>
+              <a:rPr lang="ru-RU" dirty="0" smtClean="0"/>
+              <a:t>Свёртки не оптимальны</a:t>
+            </a:r>
+          </a:p>
+          <a:p>
+            <a:r>
+              <a:rPr lang="ru-RU" dirty="0" smtClean="0"/>
+              <a:t>Поиск максимумов последовательный</a:t>
+            </a:r>
+            <a:endParaRPr lang="ru-RU" dirty="0"/>
           </a:p>
         </p:txBody>
       </p:sp>
+      <p:graphicFrame>
+        <p:nvGraphicFramePr>
+          <p:cNvPr id="4" name="Diagram 3"/>
+          <p:cNvGraphicFramePr/>
+          <p:nvPr>
+            <p:extLst>
+              <p:ext uri="{D42A27DB-BD31-4B8C-83A1-F6EECF244321}">
+                <p14:modId xmlns:p14="http://schemas.microsoft.com/office/powerpoint/2010/main" val="1798883910"/>
+              </p:ext>
+            </p:extLst>
+          </p:nvPr>
+        </p:nvGraphicFramePr>
+        <p:xfrm>
+          <a:off x="1066800" y="3352800"/>
+          <a:ext cx="6858000" cy="2489200"/>
+        </p:xfrm>
+        <a:graphic>
+          <a:graphicData uri="http://schemas.openxmlformats.org/drawingml/2006/diagram">
+            <dgm:relIds xmlns:dgm="http://schemas.openxmlformats.org/drawingml/2006/diagram" xmlns:r="http://schemas.openxmlformats.org/officeDocument/2006/relationships" r:dm="rId2" r:lo="rId3" r:qs="rId4" r:cs="rId5"/>
+          </a:graphicData>
+        </a:graphic>
+      </p:graphicFrame>
+    </p:spTree>
+    <p:extLst>
+      <p:ext uri="{BB962C8B-B14F-4D97-AF65-F5344CB8AC3E}">
+        <p14:creationId xmlns:p14="http://schemas.microsoft.com/office/powerpoint/2010/main" val="2144283369"/>
+      </p:ext>
+    </p:extLst>
+  </p:cSld>
+  <p:clrMapOvr>
+    <a:masterClrMapping/>
+  </p:clrMapOvr>
+  <p:timing>
+    <p:tnLst>
+      <p:par>
+        <p:cTn id="1" dur="indefinite" restart="never" nodeType="tmRoot">
+          <p:childTnLst>
+            <p:seq concurrent="1" nextAc="seek">
+              <p:cTn id="2" dur="indefinite" nodeType="mainSeq">
+                <p:childTnLst>
+                  <p:par>
+                    <p:cTn id="3" fill="hold">
+                      <p:stCondLst>
+                        <p:cond delay="indefinite"/>
+                      </p:stCondLst>
+                      <p:childTnLst>
+                        <p:par>
+                          <p:cTn id="4" fill="hold">
+                            <p:stCondLst>
+                              <p:cond delay="0"/>
+                            </p:stCondLst>
+                            <p:childTnLst>
+                              <p:par>
+                                <p:cTn id="5" presetID="10" presetClass="entr" presetSubtype="0" fill="hold" grpId="0" nodeType="clickEffect">
+                                  <p:stCondLst>
+                                    <p:cond delay="0"/>
+                                  </p:stCondLst>
+                                  <p:childTnLst>
+                                    <p:set>
+                                      <p:cBhvr>
+                                        <p:cTn id="6" dur="1" fill="hold">
+                                          <p:stCondLst>
+                                            <p:cond delay="0"/>
+                                          </p:stCondLst>
+                                        </p:cTn>
+                                        <p:tgtEl>
+                                          <p:spTgt spid="4"/>
+                                        </p:tgtEl>
+                                        <p:attrNameLst>
+                                          <p:attrName>style.visibility</p:attrName>
+                                        </p:attrNameLst>
+                                      </p:cBhvr>
+                                      <p:to>
+                                        <p:strVal val="visible"/>
+                                      </p:to>
+                                    </p:set>
+                                    <p:animEffect transition="in" filter="fade">
+                                      <p:cBhvr>
+                                        <p:cTn id="7" dur="500"/>
+                                        <p:tgtEl>
+                                          <p:spTgt spid="4"/>
+                                        </p:tgtEl>
+                                      </p:cBhvr>
+                                    </p:animEffect>
+                                  </p:childTnLst>
+                                </p:cTn>
+                              </p:par>
+                            </p:childTnLst>
+                          </p:cTn>
+                        </p:par>
+                      </p:childTnLst>
+                    </p:cTn>
+                  </p:par>
+                </p:childTnLst>
+              </p:cTn>
+              <p:prevCondLst>
+                <p:cond evt="onPrev" delay="0">
+                  <p:tgtEl>
+                    <p:sldTgt/>
+                  </p:tgtEl>
+                </p:cond>
+              </p:prevCondLst>
+              <p:nextCondLst>
+                <p:cond evt="onNext" delay="0">
+                  <p:tgtEl>
+                    <p:sldTgt/>
+                  </p:tgtEl>
+                </p:cond>
+              </p:nextCondLst>
+            </p:seq>
+          </p:childTnLst>
+        </p:cTn>
+      </p:par>
+    </p:tnLst>
+    <p:bldLst>
+      <p:bldGraphic spid="4" grpId="0">
+        <p:bldAsOne/>
+      </p:bldGraphic>
+    </p:bldLst>
+  </p:timing>
+</p:sld>
+</file>
+
+<file path=ppt/slides/slide22.xml><?xml version="1.0" encoding="utf-8"?>
+<p:sld xmlns:a="http://schemas.openxmlformats.org/drawingml/2006/main" xmlns:r="http://schemas.openxmlformats.org/officeDocument/2006/relationships" xmlns:p="http://schemas.openxmlformats.org/presentationml/2006/main">
+  <p:cSld>
+    <p:spTree>
+      <p:nvGrpSpPr>
+        <p:cNvPr id="1" name=""/>
+        <p:cNvGrpSpPr/>
+        <p:nvPr/>
+      </p:nvGrpSpPr>
+      <p:grpSpPr>
+        <a:xfrm>
+          <a:off x="0" y="0"/>
+          <a:ext cx="0" cy="0"/>
+          <a:chOff x="0" y="0"/>
+          <a:chExt cx="0" cy="0"/>
+        </a:xfrm>
+      </p:grpSpPr>
+      <p:sp>
+        <p:nvSpPr>
+          <p:cNvPr id="2" name="Title 1"/>
+          <p:cNvSpPr>
+            <a:spLocks noGrp="1"/>
+          </p:cNvSpPr>
+          <p:nvPr>
+            <p:ph type="title"/>
+          </p:nvPr>
+        </p:nvSpPr>
+        <p:spPr/>
+        <p:txBody>
+          <a:bodyPr/>
+          <a:lstStyle/>
+          <a:p>
+            <a:r>
+              <a:rPr lang="ru-RU" dirty="0" smtClean="0"/>
+              <a:t>Сопоставление минуций</a:t>
+            </a:r>
+            <a:endParaRPr lang="ru-RU" dirty="0"/>
+          </a:p>
+        </p:txBody>
+      </p:sp>
+      <mc:AlternateContent xmlns:mc="http://schemas.openxmlformats.org/markup-compatibility/2006">
+        <mc:Choice xmlns:a14="http://schemas.microsoft.com/office/drawing/2010/main" Requires="a14">
+          <p:sp>
+            <p:nvSpPr>
+              <p:cNvPr id="3" name="Content Placeholder 2"/>
+              <p:cNvSpPr>
+                <a:spLocks noGrp="1"/>
+              </p:cNvSpPr>
+              <p:nvPr>
+                <p:ph idx="1"/>
+              </p:nvPr>
+            </p:nvSpPr>
+            <p:spPr/>
+            <p:txBody>
+              <a:bodyPr/>
+              <a:lstStyle/>
+              <a:p>
+                <a:r>
+                  <a:rPr lang="ru-RU" dirty="0" smtClean="0"/>
+                  <a:t>Текущее направление исследований</a:t>
+                </a:r>
+              </a:p>
+              <a:p>
+                <a:r>
+                  <a:rPr lang="ru-RU" dirty="0" smtClean="0"/>
+                  <a:t>Поиск параметров поворота и параллельного переноса</a:t>
+                </a:r>
+              </a:p>
+              <a:p>
+                <a:pPr lvl="1"/>
+                <a:r>
+                  <a:rPr lang="ru-RU" dirty="0" smtClean="0"/>
+                  <a:t>Перебор</a:t>
+                </a:r>
+              </a:p>
+              <a:p>
+                <a:pPr lvl="1"/>
+                <a:r>
+                  <a:rPr lang="ru-RU" dirty="0" smtClean="0"/>
+                  <a:t>Спуски</a:t>
+                </a:r>
+              </a:p>
+              <a:p>
+                <a:pPr lvl="1"/>
+                <a:r>
+                  <a:rPr lang="ru-RU" dirty="0" smtClean="0"/>
+                  <a:t>Генетические алгоритмы</a:t>
+                </a:r>
+              </a:p>
+              <a:p>
+                <a:pPr lvl="1"/>
+                <a:r>
+                  <a:rPr lang="ru-RU" dirty="0" smtClean="0"/>
+                  <a:t>Треугольные структуры</a:t>
+                </a:r>
+              </a:p>
+              <a:p>
+                <a:pPr lvl="2"/>
+                <a:r>
+                  <a:rPr lang="ru-RU" dirty="0" smtClean="0"/>
+                  <a:t>Локальные</a:t>
+                </a:r>
+              </a:p>
+              <a:p>
+                <a:pPr lvl="2"/>
+                <a:r>
+                  <a:rPr lang="ru-RU" dirty="0" smtClean="0"/>
+                  <a:t>Глобальные</a:t>
+                </a:r>
+              </a:p>
+              <a:p>
+                <a:pPr lvl="1"/>
+                <a:r>
+                  <a:rPr lang="ru-RU" dirty="0" smtClean="0"/>
+                  <a:t>Выравнивание и локальный поиск</a:t>
+                </a:r>
+              </a:p>
+              <a:p>
+                <a:pPr lvl="2"/>
+                <a:r>
+                  <a:rPr lang="ru-RU" dirty="0" smtClean="0"/>
+                  <a:t>По ядрам и дельтам</a:t>
+                </a:r>
+              </a:p>
+              <a:p>
+                <a:r>
+                  <a:rPr lang="ru-RU" dirty="0" smtClean="0"/>
+                  <a:t>Метрика схожести </a:t>
+                </a:r>
+                <a14:m>
+                  <m:oMath xmlns:m="http://schemas.openxmlformats.org/officeDocument/2006/math">
+                    <m:r>
+                      <a:rPr lang="en-US" b="0" i="1" smtClean="0">
+                        <a:latin typeface="Cambria Math" panose="02040503050406030204" pitchFamily="18" charset="0"/>
+                      </a:rPr>
+                      <m:t>𝑆</m:t>
+                    </m:r>
+                    <m:r>
+                      <a:rPr lang="en-US" b="0" i="1" smtClean="0">
+                        <a:latin typeface="Cambria Math" panose="02040503050406030204" pitchFamily="18" charset="0"/>
+                      </a:rPr>
+                      <m:t>=</m:t>
+                    </m:r>
+                    <m:f>
+                      <m:fPr>
+                        <m:ctrlPr>
+                          <a:rPr lang="en-US" b="0" i="1" smtClean="0">
+                            <a:latin typeface="Cambria Math" panose="02040503050406030204" pitchFamily="18" charset="0"/>
+                          </a:rPr>
+                        </m:ctrlPr>
+                      </m:fPr>
+                      <m:num>
+                        <m:r>
+                          <a:rPr lang="en-US" b="0" i="1" smtClean="0">
+                            <a:latin typeface="Cambria Math" panose="02040503050406030204" pitchFamily="18" charset="0"/>
+                          </a:rPr>
+                          <m:t>2</m:t>
+                        </m:r>
+                        <m:r>
+                          <a:rPr lang="en-US" b="0" i="1" smtClean="0">
+                            <a:latin typeface="Cambria Math" panose="02040503050406030204" pitchFamily="18" charset="0"/>
+                          </a:rPr>
+                          <m:t>𝑀</m:t>
+                        </m:r>
+                      </m:num>
+                      <m:den>
+                        <m:r>
+                          <a:rPr lang="en-US" b="0" i="1" smtClean="0">
+                            <a:latin typeface="Cambria Math" panose="02040503050406030204" pitchFamily="18" charset="0"/>
+                          </a:rPr>
+                          <m:t>(</m:t>
+                        </m:r>
+                        <m:sSub>
+                          <m:sSubPr>
+                            <m:ctrlPr>
+                              <a:rPr lang="en-US" b="0" i="1" smtClean="0">
+                                <a:latin typeface="Cambria Math" panose="02040503050406030204" pitchFamily="18" charset="0"/>
+                              </a:rPr>
+                            </m:ctrlPr>
+                          </m:sSubPr>
+                          <m:e>
+                            <m:r>
+                              <a:rPr lang="en-US" b="0" i="1" smtClean="0">
+                                <a:latin typeface="Cambria Math" panose="02040503050406030204" pitchFamily="18" charset="0"/>
+                              </a:rPr>
+                              <m:t>𝑚</m:t>
+                            </m:r>
+                          </m:e>
+                          <m:sub>
+                            <m:r>
+                              <a:rPr lang="en-US" b="0" i="1" smtClean="0">
+                                <a:latin typeface="Cambria Math" panose="02040503050406030204" pitchFamily="18" charset="0"/>
+                              </a:rPr>
+                              <m:t>1</m:t>
+                            </m:r>
+                          </m:sub>
+                        </m:sSub>
+                        <m:sSub>
+                          <m:sSubPr>
+                            <m:ctrlPr>
+                              <a:rPr lang="en-US" i="1">
+                                <a:latin typeface="Cambria Math" panose="02040503050406030204" pitchFamily="18" charset="0"/>
+                              </a:rPr>
+                            </m:ctrlPr>
+                          </m:sSubPr>
+                          <m:e>
+                            <m:r>
+                              <a:rPr lang="en-US" b="0" i="1" smtClean="0">
+                                <a:latin typeface="Cambria Math" panose="02040503050406030204" pitchFamily="18" charset="0"/>
+                              </a:rPr>
+                              <m:t>+</m:t>
+                            </m:r>
+                            <m:r>
+                              <a:rPr lang="en-US" i="1">
+                                <a:latin typeface="Cambria Math" panose="02040503050406030204" pitchFamily="18" charset="0"/>
+                              </a:rPr>
+                              <m:t>𝑚</m:t>
+                            </m:r>
+                          </m:e>
+                          <m:sub>
+                            <m:r>
+                              <a:rPr lang="en-US" b="0" i="1" smtClean="0">
+                                <a:latin typeface="Cambria Math" panose="02040503050406030204" pitchFamily="18" charset="0"/>
+                              </a:rPr>
+                              <m:t>2</m:t>
+                            </m:r>
+                          </m:sub>
+                        </m:sSub>
+                        <m:r>
+                          <a:rPr lang="en-US" b="0" i="1" smtClean="0">
+                            <a:latin typeface="Cambria Math" panose="02040503050406030204" pitchFamily="18" charset="0"/>
+                          </a:rPr>
+                          <m:t>)</m:t>
+                        </m:r>
+                      </m:den>
+                    </m:f>
+                  </m:oMath>
+                </a14:m>
+                <a:endParaRPr lang="ru-RU" dirty="0"/>
+              </a:p>
+            </p:txBody>
+          </p:sp>
+        </mc:Choice>
+        <mc:Fallback>
+          <p:sp>
+            <p:nvSpPr>
+              <p:cNvPr id="3" name="Content Placeholder 2"/>
+              <p:cNvSpPr>
+                <a:spLocks noGrp="1" noRot="1" noChangeAspect="1" noMove="1" noResize="1" noEditPoints="1" noAdjustHandles="1" noChangeArrowheads="1" noChangeShapeType="1" noTextEdit="1"/>
+              </p:cNvSpPr>
+              <p:nvPr>
+                <p:ph idx="1"/>
+              </p:nvPr>
+            </p:nvSpPr>
+            <p:spPr>
+              <a:blipFill rotWithShape="0">
+                <a:blip r:embed="rId2"/>
+                <a:stretch>
+                  <a:fillRect t="-1662"/>
+                </a:stretch>
+              </a:blipFill>
+            </p:spPr>
+            <p:txBody>
+              <a:bodyPr/>
+              <a:lstStyle/>
+              <a:p>
+                <a:r>
+                  <a:rPr lang="ru-RU">
+                    <a:noFill/>
+                  </a:rPr>
+                  <a:t> </a:t>
+                </a:r>
+              </a:p>
+            </p:txBody>
+          </p:sp>
+        </mc:Fallback>
+      </mc:AlternateContent>
     </p:spTree>
     <p:extLst>
       <p:ext uri="{BB962C8B-B14F-4D97-AF65-F5344CB8AC3E}">
@@ -10507,7 +16471,96 @@
 </p:sld>
 </file>
 
-<file path=ppt/slides/slide21.xml><?xml version="1.0" encoding="utf-8"?>
+<file path=ppt/slides/slide23.xml><?xml version="1.0" encoding="utf-8"?>
+<p:sld xmlns:a="http://schemas.openxmlformats.org/drawingml/2006/main" xmlns:r="http://schemas.openxmlformats.org/officeDocument/2006/relationships" xmlns:p="http://schemas.openxmlformats.org/presentationml/2006/main">
+  <p:cSld>
+    <p:spTree>
+      <p:nvGrpSpPr>
+        <p:cNvPr id="1" name=""/>
+        <p:cNvGrpSpPr/>
+        <p:nvPr/>
+      </p:nvGrpSpPr>
+      <p:grpSpPr>
+        <a:xfrm>
+          <a:off x="0" y="0"/>
+          <a:ext cx="0" cy="0"/>
+          <a:chOff x="0" y="0"/>
+          <a:chExt cx="0" cy="0"/>
+        </a:xfrm>
+      </p:grpSpPr>
+      <p:sp>
+        <p:nvSpPr>
+          <p:cNvPr id="2" name="Title 1"/>
+          <p:cNvSpPr>
+            <a:spLocks noGrp="1"/>
+          </p:cNvSpPr>
+          <p:nvPr>
+            <p:ph type="title"/>
+          </p:nvPr>
+        </p:nvSpPr>
+        <p:spPr/>
+        <p:txBody>
+          <a:bodyPr/>
+          <a:lstStyle/>
+          <a:p>
+            <a:r>
+              <a:rPr lang="ru-RU" dirty="0"/>
+              <a:t>Сопоставление минуций</a:t>
+            </a:r>
+            <a:endParaRPr lang="ru-RU" dirty="0"/>
+          </a:p>
+        </p:txBody>
+      </p:sp>
+      <p:pic>
+        <p:nvPicPr>
+          <p:cNvPr id="4" name="Content Placeholder 3"/>
+          <p:cNvPicPr>
+            <a:picLocks noGrp="1" noChangeAspect="1"/>
+          </p:cNvPicPr>
+          <p:nvPr>
+            <p:ph idx="1"/>
+          </p:nvPr>
+        </p:nvPicPr>
+        <p:blipFill>
+          <a:blip r:embed="rId2">
+            <a:extLst>
+              <a:ext uri="{28A0092B-C50C-407E-A947-70E740481C1C}">
+                <a14:useLocalDpi xmlns:a14="http://schemas.microsoft.com/office/drawing/2010/main" val="0"/>
+              </a:ext>
+            </a:extLst>
+          </a:blip>
+          <a:stretch>
+            <a:fillRect/>
+          </a:stretch>
+        </p:blipFill>
+        <p:spPr>
+          <a:xfrm>
+            <a:off x="1398270" y="1965960"/>
+            <a:ext cx="6324599" cy="4496395"/>
+          </a:xfrm>
+        </p:spPr>
+      </p:pic>
+    </p:spTree>
+    <p:extLst>
+      <p:ext uri="{BB962C8B-B14F-4D97-AF65-F5344CB8AC3E}">
+        <p14:creationId xmlns:p14="http://schemas.microsoft.com/office/powerpoint/2010/main" val="2169094164"/>
+      </p:ext>
+    </p:extLst>
+  </p:cSld>
+  <p:clrMapOvr>
+    <a:masterClrMapping/>
+  </p:clrMapOvr>
+  <p:timing>
+    <p:tnLst>
+      <p:par>
+        <p:cTn id="1" dur="indefinite" restart="never" nodeType="tmRoot"/>
+      </p:par>
+    </p:tnLst>
+  </p:timing>
+</p:sld>
+</file>
+
+<file path=ppt/slides/slide24.xml><?xml version="1.0" encoding="utf-8"?>
 <p:sld xmlns:a="http://schemas.openxmlformats.org/drawingml/2006/main" xmlns:r="http://schemas.openxmlformats.org/officeDocument/2006/relationships" xmlns:p="http://schemas.openxmlformats.org/presentationml/2006/main">
   <p:cSld>
     <p:spTree>
@@ -10632,7 +16685,7 @@
           <a:graphicData uri="http://schemas.openxmlformats.org/presentationml/2006/ole">
             <mc:AlternateContent xmlns:mc="http://schemas.openxmlformats.org/markup-compatibility/2006">
               <mc:Choice xmlns:v="urn:schemas-microsoft-com:vml" Requires="v">
-                <p:oleObj spid="_x0000_s2052" name="Visio" r:id="rId3" imgW="7613142" imgH="3113144" progId="Visio.Drawing.11">
+                <p:oleObj spid="_x0000_s2058" name="Visio" r:id="rId3" imgW="7613142" imgH="3113144" progId="Visio.Drawing.11">
                   <p:embed/>
                 </p:oleObj>
               </mc:Choice>
@@ -10677,8 +16730,8 @@
           </a:graphicData>
         </a:graphic>
       </p:graphicFrame>
-      <mc:AlternateContent xmlns:mc="http://schemas.openxmlformats.org/markup-compatibility/2006">
-        <mc:Choice xmlns:a14="http://schemas.microsoft.com/office/drawing/2010/main" Requires="a14">
+      <mc:AlternateContent xmlns:mc="http://schemas.openxmlformats.org/markup-compatibility/2006" xmlns:a14="http://schemas.microsoft.com/office/drawing/2010/main">
+        <mc:Choice Requires="a14">
           <p:sp>
             <p:nvSpPr>
               <p:cNvPr id="6" name="TextBox 5"/>
@@ -10701,6 +16754,7 @@
               </a:bodyPr>
               <a:lstStyle/>
               <a:p>
+                <a:pPr/>
                 <a14:m>
                   <m:oMathPara xmlns:m="http://schemas.openxmlformats.org/officeDocument/2006/math">
                     <m:oMathParaPr>
@@ -10964,7 +17018,7 @@
             </p:txBody>
           </p:sp>
         </mc:Choice>
-        <mc:Fallback>
+        <mc:Fallback xmlns="">
           <p:sp>
             <p:nvSpPr>
               <p:cNvPr id="6" name="TextBox 5"/>
@@ -11020,6 +17074,93 @@
       </p:par>
     </p:tnLst>
   </p:timing>
+</p:sld>
+</file>
+
+<file path=ppt/slides/slide25.xml><?xml version="1.0" encoding="utf-8"?>
+<p:sld xmlns:a="http://schemas.openxmlformats.org/drawingml/2006/main" xmlns:r="http://schemas.openxmlformats.org/officeDocument/2006/relationships" xmlns:p="http://schemas.openxmlformats.org/presentationml/2006/main">
+  <p:cSld>
+    <p:spTree>
+      <p:nvGrpSpPr>
+        <p:cNvPr id="1" name=""/>
+        <p:cNvGrpSpPr/>
+        <p:nvPr/>
+      </p:nvGrpSpPr>
+      <p:grpSpPr>
+        <a:xfrm>
+          <a:off x="0" y="0"/>
+          <a:ext cx="0" cy="0"/>
+          <a:chOff x="0" y="0"/>
+          <a:chExt cx="0" cy="0"/>
+        </a:xfrm>
+      </p:grpSpPr>
+      <p:sp>
+        <p:nvSpPr>
+          <p:cNvPr id="2" name="Title 1"/>
+          <p:cNvSpPr>
+            <a:spLocks noGrp="1"/>
+          </p:cNvSpPr>
+          <p:nvPr>
+            <p:ph type="title"/>
+          </p:nvPr>
+        </p:nvSpPr>
+        <p:spPr/>
+        <p:txBody>
+          <a:bodyPr/>
+          <a:lstStyle/>
+          <a:p>
+            <a:r>
+              <a:rPr lang="ru-RU" dirty="0" smtClean="0"/>
+              <a:t>Спасибо!</a:t>
+            </a:r>
+            <a:endParaRPr lang="ru-RU" dirty="0"/>
+          </a:p>
+        </p:txBody>
+      </p:sp>
+      <p:sp>
+        <p:nvSpPr>
+          <p:cNvPr id="3" name="Text Placeholder 2"/>
+          <p:cNvSpPr>
+            <a:spLocks noGrp="1"/>
+          </p:cNvSpPr>
+          <p:nvPr>
+            <p:ph type="body" idx="1"/>
+          </p:nvPr>
+        </p:nvSpPr>
+        <p:spPr/>
+        <p:txBody>
+          <a:bodyPr/>
+          <a:lstStyle/>
+          <a:p>
+            <a:r>
+              <a:rPr lang="en-US" dirty="0" smtClean="0">
+                <a:hlinkClick r:id="rId2"/>
+              </a:rPr>
+              <a:t>Stanislav.Sartasov@lanit-tercom.com</a:t>
+            </a:r>
+            <a:endParaRPr lang="en-US" dirty="0" smtClean="0"/>
+          </a:p>
+          <a:p>
+            <a:r>
+              <a:rPr lang="en-US" dirty="0" smtClean="0">
+                <a:hlinkClick r:id="rId3"/>
+              </a:rPr>
+              <a:t>Stanislav.Sartasov@gmail.com</a:t>
+            </a:r>
+            <a:endParaRPr lang="en-US" dirty="0" smtClean="0"/>
+          </a:p>
+        </p:txBody>
+      </p:sp>
+    </p:spTree>
+    <p:extLst>
+      <p:ext uri="{BB962C8B-B14F-4D97-AF65-F5344CB8AC3E}">
+        <p14:creationId xmlns:p14="http://schemas.microsoft.com/office/powerpoint/2010/main" val="2571822819"/>
+      </p:ext>
+    </p:extLst>
+  </p:cSld>
+  <p:clrMapOvr>
+    <a:masterClrMapping/>
+  </p:clrMapOvr>
 </p:sld>
 </file>
 
@@ -11148,7 +17289,7 @@
           <a:graphicData uri="http://schemas.openxmlformats.org/presentationml/2006/ole">
             <mc:AlternateContent xmlns:mc="http://schemas.openxmlformats.org/markup-compatibility/2006">
               <mc:Choice xmlns:v="urn:schemas-microsoft-com:vml" Requires="v">
-                <p:oleObj spid="_x0000_s1030" name="Visio" r:id="rId3" imgW="6430741" imgH="3325509" progId="Visio.Drawing.11">
+                <p:oleObj spid="_x0000_s1036" name="Visio" r:id="rId3" imgW="6430741" imgH="3325509" progId="Visio.Drawing.11">
                   <p:embed/>
                 </p:oleObj>
               </mc:Choice>
@@ -11193,8 +17334,8 @@
           </a:graphicData>
         </a:graphic>
       </p:graphicFrame>
-      <mc:AlternateContent xmlns:mc="http://schemas.openxmlformats.org/markup-compatibility/2006">
-        <mc:Choice xmlns:a14="http://schemas.microsoft.com/office/drawing/2010/main" Requires="a14">
+      <mc:AlternateContent xmlns:mc="http://schemas.openxmlformats.org/markup-compatibility/2006" xmlns:a14="http://schemas.microsoft.com/office/drawing/2010/main">
+        <mc:Choice Requires="a14">
           <p:sp>
             <p:nvSpPr>
               <p:cNvPr id="6" name="TextBox 5"/>
@@ -11217,6 +17358,7 @@
               </a:bodyPr>
               <a:lstStyle/>
               <a:p>
+                <a:pPr/>
                 <a14:m>
                   <m:oMathPara xmlns:m="http://schemas.openxmlformats.org/officeDocument/2006/math">
                     <m:oMathParaPr>
@@ -11373,7 +17515,7 @@
             </p:txBody>
           </p:sp>
         </mc:Choice>
-        <mc:Fallback>
+        <mc:Fallback xmlns="">
           <p:sp>
             <p:nvSpPr>
               <p:cNvPr id="6" name="TextBox 5"/>
@@ -11494,8 +17636,8 @@
           </a:graphicData>
         </a:graphic>
       </p:graphicFrame>
-      <mc:AlternateContent xmlns:mc="http://schemas.openxmlformats.org/markup-compatibility/2006">
-        <mc:Choice xmlns:a14="http://schemas.microsoft.com/office/drawing/2010/main" Requires="a14">
+      <mc:AlternateContent xmlns:mc="http://schemas.openxmlformats.org/markup-compatibility/2006" xmlns:a14="http://schemas.microsoft.com/office/drawing/2010/main">
+        <mc:Choice Requires="a14">
           <p:sp>
             <p:nvSpPr>
               <p:cNvPr id="6" name="TextBox 5"/>
@@ -11518,6 +17660,7 @@
               </a:bodyPr>
               <a:lstStyle/>
               <a:p>
+                <a:pPr/>
                 <a14:m>
                   <m:oMathPara xmlns:m="http://schemas.openxmlformats.org/officeDocument/2006/math">
                     <m:oMathParaPr>
@@ -11674,7 +17817,7 @@
             </p:txBody>
           </p:sp>
         </mc:Choice>
-        <mc:Fallback>
+        <mc:Fallback xmlns="">
           <p:sp>
             <p:nvSpPr>
               <p:cNvPr id="6" name="TextBox 5"/>
@@ -11823,8 +17966,8 @@
           </a:p>
         </p:txBody>
       </p:sp>
-      <mc:AlternateContent xmlns:mc="http://schemas.openxmlformats.org/markup-compatibility/2006">
-        <mc:Choice xmlns:a14="http://schemas.microsoft.com/office/drawing/2010/main" Requires="a14">
+      <mc:AlternateContent xmlns:mc="http://schemas.openxmlformats.org/markup-compatibility/2006" xmlns:a14="http://schemas.microsoft.com/office/drawing/2010/main">
+        <mc:Choice Requires="a14">
           <p:sp>
             <p:nvSpPr>
               <p:cNvPr id="3" name="Content Placeholder 2"/>
@@ -11867,65 +18010,91 @@
                 <a14:m>
                   <m:oMath xmlns:m="http://schemas.openxmlformats.org/officeDocument/2006/math">
                     <m:r>
-                      <a:rPr lang="en-US" i="1"/>
+                      <a:rPr lang="en-US" i="1">
+                        <a:latin typeface="Cambria Math" panose="02040503050406030204" pitchFamily="18" charset="0"/>
+                      </a:rPr>
                       <m:t>𝐺𝐴𝑅</m:t>
                     </m:r>
                     <m:d>
                       <m:dPr>
                         <m:ctrlPr>
-                          <a:rPr lang="ru-RU" i="1"/>
+                          <a:rPr lang="ru-RU" i="1">
+                            <a:latin typeface="Cambria Math" panose="02040503050406030204" pitchFamily="18" charset="0"/>
+                          </a:rPr>
                         </m:ctrlPr>
                       </m:dPr>
                       <m:e>
                         <m:r>
-                          <a:rPr lang="en-US" i="1"/>
+                          <a:rPr lang="en-US" i="1">
+                            <a:latin typeface="Cambria Math" panose="02040503050406030204" pitchFamily="18" charset="0"/>
+                          </a:rPr>
                           <m:t>𝑚</m:t>
                         </m:r>
                       </m:e>
                     </m:d>
                     <m:r>
-                      <a:rPr lang="en-US" i="1"/>
+                      <a:rPr lang="en-US" i="1">
+                        <a:latin typeface="Cambria Math" panose="02040503050406030204" pitchFamily="18" charset="0"/>
+                      </a:rPr>
                       <m:t>=</m:t>
                     </m:r>
                     <m:r>
-                      <a:rPr lang="ru-RU" i="1"/>
+                      <a:rPr lang="ru-RU" i="1">
+                        <a:latin typeface="Cambria Math" panose="02040503050406030204" pitchFamily="18" charset="0"/>
+                      </a:rPr>
                       <m:t>(1−</m:t>
                     </m:r>
                     <m:r>
-                      <a:rPr lang="en-US" i="1"/>
+                      <a:rPr lang="en-US" i="1">
+                        <a:latin typeface="Cambria Math" panose="02040503050406030204" pitchFamily="18" charset="0"/>
+                      </a:rPr>
                       <m:t>𝐹𝑅𝑅</m:t>
                     </m:r>
                     <m:r>
-                      <a:rPr lang="en-US" i="1"/>
+                      <a:rPr lang="en-US" i="1">
+                        <a:latin typeface="Cambria Math" panose="02040503050406030204" pitchFamily="18" charset="0"/>
+                      </a:rPr>
                       <m:t>)</m:t>
                     </m:r>
                     <m:sSup>
                       <m:sSupPr>
                         <m:ctrlPr>
-                          <a:rPr lang="ru-RU" i="1"/>
+                          <a:rPr lang="ru-RU" i="1">
+                            <a:latin typeface="Cambria Math" panose="02040503050406030204" pitchFamily="18" charset="0"/>
+                          </a:rPr>
                         </m:ctrlPr>
                       </m:sSupPr>
                       <m:e>
                         <m:r>
-                          <a:rPr lang="en-US" i="1"/>
+                          <a:rPr lang="en-US" i="1">
+                            <a:latin typeface="Cambria Math" panose="02040503050406030204" pitchFamily="18" charset="0"/>
+                          </a:rPr>
                           <m:t>(1−</m:t>
                         </m:r>
                         <m:r>
-                          <a:rPr lang="en-US" i="1"/>
+                          <a:rPr lang="en-US" i="1">
+                            <a:latin typeface="Cambria Math" panose="02040503050406030204" pitchFamily="18" charset="0"/>
+                          </a:rPr>
                           <m:t>𝐹𝐴𝑅</m:t>
                         </m:r>
                         <m:r>
-                          <a:rPr lang="en-US" i="1"/>
+                          <a:rPr lang="en-US" i="1">
+                            <a:latin typeface="Cambria Math" panose="02040503050406030204" pitchFamily="18" charset="0"/>
+                          </a:rPr>
                           <m:t>)</m:t>
                         </m:r>
                       </m:e>
                       <m:sup>
                         <m:r>
-                          <a:rPr lang="en-US" i="1"/>
+                          <a:rPr lang="en-US" i="1">
+                            <a:latin typeface="Cambria Math" panose="02040503050406030204" pitchFamily="18" charset="0"/>
+                          </a:rPr>
                           <m:t>𝑚</m:t>
                         </m:r>
                         <m:r>
-                          <a:rPr lang="en-US" i="1"/>
+                          <a:rPr lang="en-US" i="1">
+                            <a:latin typeface="Cambria Math" panose="02040503050406030204" pitchFamily="18" charset="0"/>
+                          </a:rPr>
                           <m:t>−1</m:t>
                         </m:r>
                       </m:sup>
@@ -11951,58 +18120,82 @@
                 <a14:m>
                   <m:oMath xmlns:m="http://schemas.openxmlformats.org/officeDocument/2006/math">
                     <m:r>
-                      <a:rPr lang="en-US" i="1"/>
+                      <a:rPr lang="en-US" i="1">
+                        <a:latin typeface="Cambria Math" panose="02040503050406030204" pitchFamily="18" charset="0"/>
+                      </a:rPr>
                       <m:t>𝐹𝐴𝑅</m:t>
                     </m:r>
                     <m:r>
-                      <a:rPr lang="ru-RU" i="1"/>
+                      <a:rPr lang="ru-RU" i="1">
+                        <a:latin typeface="Cambria Math" panose="02040503050406030204" pitchFamily="18" charset="0"/>
+                      </a:rPr>
                       <m:t>(</m:t>
                     </m:r>
                     <m:r>
-                      <a:rPr lang="en-US" i="1"/>
+                      <a:rPr lang="en-US" i="1">
+                        <a:latin typeface="Cambria Math" panose="02040503050406030204" pitchFamily="18" charset="0"/>
+                      </a:rPr>
                       <m:t>𝑚</m:t>
                     </m:r>
                     <m:r>
-                      <a:rPr lang="ru-RU" i="1"/>
+                      <a:rPr lang="ru-RU" i="1">
+                        <a:latin typeface="Cambria Math" panose="02040503050406030204" pitchFamily="18" charset="0"/>
+                      </a:rPr>
                       <m:t>)=</m:t>
                     </m:r>
                     <m:r>
-                      <a:rPr lang="en-US" i="1"/>
+                      <a:rPr lang="en-US" i="1">
+                        <a:latin typeface="Cambria Math" panose="02040503050406030204" pitchFamily="18" charset="0"/>
+                      </a:rPr>
                       <m:t>𝑚</m:t>
                     </m:r>
                     <m:sSup>
                       <m:sSupPr>
                         <m:ctrlPr>
-                          <a:rPr lang="ru-RU" i="1"/>
+                          <a:rPr lang="ru-RU" i="1">
+                            <a:latin typeface="Cambria Math" panose="02040503050406030204" pitchFamily="18" charset="0"/>
+                          </a:rPr>
                         </m:ctrlPr>
                       </m:sSupPr>
                       <m:e>
                         <m:r>
-                          <a:rPr lang="ru-RU" i="1"/>
+                          <a:rPr lang="ru-RU" i="1">
+                            <a:latin typeface="Cambria Math" panose="02040503050406030204" pitchFamily="18" charset="0"/>
+                          </a:rPr>
                           <m:t>(1−</m:t>
                         </m:r>
                         <m:r>
-                          <a:rPr lang="en-US" i="1"/>
+                          <a:rPr lang="en-US" i="1">
+                            <a:latin typeface="Cambria Math" panose="02040503050406030204" pitchFamily="18" charset="0"/>
+                          </a:rPr>
                           <m:t>𝐹𝐴𝑅</m:t>
                         </m:r>
                         <m:r>
-                          <a:rPr lang="ru-RU" i="1"/>
+                          <a:rPr lang="ru-RU" i="1">
+                            <a:latin typeface="Cambria Math" panose="02040503050406030204" pitchFamily="18" charset="0"/>
+                          </a:rPr>
                           <m:t>)</m:t>
                         </m:r>
                       </m:e>
                       <m:sup>
                         <m:r>
-                          <a:rPr lang="en-US" i="1"/>
+                          <a:rPr lang="en-US" i="1">
+                            <a:latin typeface="Cambria Math" panose="02040503050406030204" pitchFamily="18" charset="0"/>
+                          </a:rPr>
                           <m:t>𝑚</m:t>
                         </m:r>
                         <m:r>
-                          <a:rPr lang="ru-RU" i="1"/>
+                          <a:rPr lang="ru-RU" i="1">
+                            <a:latin typeface="Cambria Math" panose="02040503050406030204" pitchFamily="18" charset="0"/>
+                          </a:rPr>
                           <m:t>−1</m:t>
                         </m:r>
                       </m:sup>
                     </m:sSup>
                     <m:r>
-                      <a:rPr lang="en-US" i="1"/>
+                      <a:rPr lang="en-US" i="1">
+                        <a:latin typeface="Cambria Math" panose="02040503050406030204" pitchFamily="18" charset="0"/>
+                      </a:rPr>
                       <m:t>𝐹𝐴𝑅</m:t>
                     </m:r>
                   </m:oMath>
@@ -12014,73 +18207,103 @@
                 <a14:m>
                   <m:oMath xmlns:m="http://schemas.openxmlformats.org/officeDocument/2006/math">
                     <m:r>
-                      <a:rPr lang="en-US" i="1"/>
+                      <a:rPr lang="en-US" i="1">
+                        <a:latin typeface="Cambria Math" panose="02040503050406030204" pitchFamily="18" charset="0"/>
+                      </a:rPr>
                       <m:t>𝐹𝐼𝑅</m:t>
                     </m:r>
                     <m:d>
                       <m:dPr>
                         <m:ctrlPr>
-                          <a:rPr lang="ru-RU" i="1"/>
+                          <a:rPr lang="ru-RU" i="1">
+                            <a:latin typeface="Cambria Math" panose="02040503050406030204" pitchFamily="18" charset="0"/>
+                          </a:rPr>
                         </m:ctrlPr>
                       </m:dPr>
                       <m:e>
                         <m:r>
-                          <a:rPr lang="en-US" i="1"/>
+                          <a:rPr lang="en-US" i="1">
+                            <a:latin typeface="Cambria Math" panose="02040503050406030204" pitchFamily="18" charset="0"/>
+                          </a:rPr>
                           <m:t>𝑚</m:t>
                         </m:r>
                       </m:e>
                     </m:d>
                     <m:r>
-                      <a:rPr lang="en-US" i="1"/>
+                      <a:rPr lang="en-US" i="1">
+                        <a:latin typeface="Cambria Math" panose="02040503050406030204" pitchFamily="18" charset="0"/>
+                      </a:rPr>
                       <m:t>=(</m:t>
                     </m:r>
                     <m:r>
-                      <a:rPr lang="en-US" i="1"/>
+                      <a:rPr lang="en-US" i="1">
+                        <a:latin typeface="Cambria Math" panose="02040503050406030204" pitchFamily="18" charset="0"/>
+                      </a:rPr>
                       <m:t>𝑚</m:t>
                     </m:r>
                     <m:r>
-                      <a:rPr lang="en-US" i="1"/>
+                      <a:rPr lang="en-US" i="1">
+                        <a:latin typeface="Cambria Math" panose="02040503050406030204" pitchFamily="18" charset="0"/>
+                      </a:rPr>
                       <m:t>−1)</m:t>
                     </m:r>
                     <m:r>
-                      <a:rPr lang="en-US" i="1"/>
+                      <a:rPr lang="en-US" i="1">
+                        <a:latin typeface="Cambria Math" panose="02040503050406030204" pitchFamily="18" charset="0"/>
+                      </a:rPr>
                       <m:t>𝐹𝑅𝑅</m:t>
                     </m:r>
                     <m:r>
-                      <a:rPr lang="en-US" i="1"/>
+                      <a:rPr lang="en-US" i="1">
+                        <a:latin typeface="Cambria Math" panose="02040503050406030204" pitchFamily="18" charset="0"/>
+                      </a:rPr>
                       <m:t>∙</m:t>
                     </m:r>
                     <m:r>
-                      <a:rPr lang="en-US" i="1"/>
+                      <a:rPr lang="en-US" i="1">
+                        <a:latin typeface="Cambria Math" panose="02040503050406030204" pitchFamily="18" charset="0"/>
+                      </a:rPr>
                       <m:t>𝐹𝐴𝑅</m:t>
                     </m:r>
                     <m:sSup>
                       <m:sSupPr>
                         <m:ctrlPr>
-                          <a:rPr lang="ru-RU" i="1"/>
+                          <a:rPr lang="ru-RU" i="1">
+                            <a:latin typeface="Cambria Math" panose="02040503050406030204" pitchFamily="18" charset="0"/>
+                          </a:rPr>
                         </m:ctrlPr>
                       </m:sSupPr>
                       <m:e>
                         <m:r>
-                          <a:rPr lang="en-US" i="1"/>
+                          <a:rPr lang="en-US" i="1">
+                            <a:latin typeface="Cambria Math" panose="02040503050406030204" pitchFamily="18" charset="0"/>
+                          </a:rPr>
                           <m:t>(1−</m:t>
                         </m:r>
                         <m:r>
-                          <a:rPr lang="en-US" i="1"/>
+                          <a:rPr lang="en-US" i="1">
+                            <a:latin typeface="Cambria Math" panose="02040503050406030204" pitchFamily="18" charset="0"/>
+                          </a:rPr>
                           <m:t>𝐹𝐴𝑅</m:t>
                         </m:r>
                         <m:r>
-                          <a:rPr lang="en-US" i="1"/>
+                          <a:rPr lang="en-US" i="1">
+                            <a:latin typeface="Cambria Math" panose="02040503050406030204" pitchFamily="18" charset="0"/>
+                          </a:rPr>
                           <m:t>)</m:t>
                         </m:r>
                       </m:e>
                       <m:sup>
                         <m:r>
-                          <a:rPr lang="en-US" i="1"/>
+                          <a:rPr lang="en-US" i="1">
+                            <a:latin typeface="Cambria Math" panose="02040503050406030204" pitchFamily="18" charset="0"/>
+                          </a:rPr>
                           <m:t>𝑚</m:t>
                         </m:r>
                         <m:r>
-                          <a:rPr lang="en-US" i="1"/>
+                          <a:rPr lang="en-US" i="1">
+                            <a:latin typeface="Cambria Math" panose="02040503050406030204" pitchFamily="18" charset="0"/>
+                          </a:rPr>
                           <m:t>−2</m:t>
                         </m:r>
                       </m:sup>
@@ -12094,88 +18317,120 @@
                 <a14:m>
                   <m:oMath xmlns:m="http://schemas.openxmlformats.org/officeDocument/2006/math">
                     <m:r>
-                      <a:rPr lang="en-US" i="1"/>
+                      <a:rPr lang="en-US" i="1">
+                        <a:latin typeface="Cambria Math" panose="02040503050406030204" pitchFamily="18" charset="0"/>
+                      </a:rPr>
                       <m:t>𝐹𝑅𝑅</m:t>
                     </m:r>
                     <m:d>
                       <m:dPr>
                         <m:ctrlPr>
-                          <a:rPr lang="ru-RU" i="1"/>
+                          <a:rPr lang="ru-RU" i="1">
+                            <a:latin typeface="Cambria Math" panose="02040503050406030204" pitchFamily="18" charset="0"/>
+                          </a:rPr>
                         </m:ctrlPr>
                       </m:dPr>
                       <m:e>
                         <m:r>
-                          <a:rPr lang="en-US" i="1"/>
+                          <a:rPr lang="en-US" i="1">
+                            <a:latin typeface="Cambria Math" panose="02040503050406030204" pitchFamily="18" charset="0"/>
+                          </a:rPr>
                           <m:t>𝑚</m:t>
                         </m:r>
                       </m:e>
                     </m:d>
                     <m:r>
-                      <a:rPr lang="en-US" i="1"/>
+                      <a:rPr lang="en-US" i="1">
+                        <a:latin typeface="Cambria Math" panose="02040503050406030204" pitchFamily="18" charset="0"/>
+                      </a:rPr>
                       <m:t>=1−</m:t>
                     </m:r>
                     <m:r>
-                      <a:rPr lang="en-US" i="1"/>
+                      <a:rPr lang="en-US" i="1">
+                        <a:latin typeface="Cambria Math" panose="02040503050406030204" pitchFamily="18" charset="0"/>
+                      </a:rPr>
                       <m:t>𝐹𝐼𝑅</m:t>
                     </m:r>
                     <m:d>
                       <m:dPr>
                         <m:ctrlPr>
-                          <a:rPr lang="ru-RU" i="1"/>
+                          <a:rPr lang="ru-RU" i="1">
+                            <a:latin typeface="Cambria Math" panose="02040503050406030204" pitchFamily="18" charset="0"/>
+                          </a:rPr>
                         </m:ctrlPr>
                       </m:dPr>
                       <m:e>
                         <m:r>
-                          <a:rPr lang="en-US" i="1"/>
+                          <a:rPr lang="en-US" i="1">
+                            <a:latin typeface="Cambria Math" panose="02040503050406030204" pitchFamily="18" charset="0"/>
+                          </a:rPr>
                           <m:t>𝑚</m:t>
                         </m:r>
                       </m:e>
                     </m:d>
                     <m:r>
-                      <a:rPr lang="en-US" i="1"/>
+                      <a:rPr lang="en-US" i="1">
+                        <a:latin typeface="Cambria Math" panose="02040503050406030204" pitchFamily="18" charset="0"/>
+                      </a:rPr>
                       <m:t>−</m:t>
                     </m:r>
                     <m:r>
-                      <a:rPr lang="en-US" i="1"/>
+                      <a:rPr lang="en-US" i="1">
+                        <a:latin typeface="Cambria Math" panose="02040503050406030204" pitchFamily="18" charset="0"/>
+                      </a:rPr>
                       <m:t>𝐺𝐴𝑅</m:t>
                     </m:r>
                     <m:d>
                       <m:dPr>
                         <m:ctrlPr>
-                          <a:rPr lang="ru-RU" i="1"/>
+                          <a:rPr lang="ru-RU" i="1">
+                            <a:latin typeface="Cambria Math" panose="02040503050406030204" pitchFamily="18" charset="0"/>
+                          </a:rPr>
                         </m:ctrlPr>
                       </m:dPr>
                       <m:e>
                         <m:r>
-                          <a:rPr lang="en-US" i="1"/>
+                          <a:rPr lang="en-US" i="1">
+                            <a:latin typeface="Cambria Math" panose="02040503050406030204" pitchFamily="18" charset="0"/>
+                          </a:rPr>
                           <m:t>𝑚</m:t>
                         </m:r>
                       </m:e>
                     </m:d>
                     <m:r>
-                      <a:rPr lang="en-US" i="1"/>
+                      <a:rPr lang="en-US" i="1">
+                        <a:latin typeface="Cambria Math" panose="02040503050406030204" pitchFamily="18" charset="0"/>
+                      </a:rPr>
                       <m:t>=1−</m:t>
                     </m:r>
                     <m:sSup>
                       <m:sSupPr>
                         <m:ctrlPr>
-                          <a:rPr lang="ru-RU" i="1"/>
+                          <a:rPr lang="ru-RU" i="1">
+                            <a:latin typeface="Cambria Math" panose="02040503050406030204" pitchFamily="18" charset="0"/>
+                          </a:rPr>
                         </m:ctrlPr>
                       </m:sSupPr>
                       <m:e>
                         <m:d>
                           <m:dPr>
                             <m:ctrlPr>
-                              <a:rPr lang="ru-RU" i="1"/>
+                              <a:rPr lang="ru-RU" i="1">
+                                <a:latin typeface="Cambria Math" panose="02040503050406030204" pitchFamily="18" charset="0"/>
+                              </a:rPr>
                             </m:ctrlPr>
                           </m:dPr>
                           <m:e>
                             <m:r>
-                              <a:rPr lang="en-US" i="1"/>
+                              <a:rPr lang="en-US" i="1">
+                                <a:latin typeface="Cambria Math" panose="02040503050406030204" pitchFamily="18" charset="0"/>
+                              </a:rPr>
                               <m:t>1−</m:t>
                             </m:r>
                             <m:r>
-                              <a:rPr lang="en-US" i="1"/>
+                              <a:rPr lang="en-US" i="1">
+                                <a:latin typeface="Cambria Math" panose="02040503050406030204" pitchFamily="18" charset="0"/>
+                              </a:rPr>
                               <m:t>𝐹𝐴𝑅</m:t>
                             </m:r>
                           </m:e>
@@ -12183,63 +18438,83 @@
                       </m:e>
                       <m:sup>
                         <m:r>
-                          <a:rPr lang="en-US" i="1"/>
+                          <a:rPr lang="en-US" i="1">
+                            <a:latin typeface="Cambria Math" panose="02040503050406030204" pitchFamily="18" charset="0"/>
+                          </a:rPr>
                           <m:t>𝑚</m:t>
                         </m:r>
                         <m:r>
-                          <a:rPr lang="en-US" i="1"/>
+                          <a:rPr lang="en-US" i="1">
+                            <a:latin typeface="Cambria Math" panose="02040503050406030204" pitchFamily="18" charset="0"/>
+                          </a:rPr>
                           <m:t>−2</m:t>
                         </m:r>
                       </m:sup>
                     </m:sSup>
                     <m:r>
-                      <a:rPr lang="en-US" i="1"/>
+                      <a:rPr lang="en-US" i="1">
+                        <a:latin typeface="Cambria Math" panose="02040503050406030204" pitchFamily="18" charset="0"/>
+                      </a:rPr>
                       <m:t>(1−</m:t>
                     </m:r>
                     <m:r>
-                      <a:rPr lang="en-US" i="1"/>
+                      <a:rPr lang="en-US" i="1">
+                        <a:latin typeface="Cambria Math" panose="02040503050406030204" pitchFamily="18" charset="0"/>
+                      </a:rPr>
                       <m:t>𝐹𝐴𝑅</m:t>
                     </m:r>
                     <m:r>
-                      <a:rPr lang="en-US" i="1"/>
-                      <m:t>−</m:t>
+                      <a:rPr lang="en-US" i="1">
+                        <a:latin typeface="Cambria Math" panose="02040503050406030204" pitchFamily="18" charset="0"/>
+                      </a:rPr>
+                      <m:t>−−</m:t>
                     </m:r>
                     <m:r>
-                      <a:rPr lang="en-US" b="0" i="1" smtClean="0">
+                      <a:rPr lang="en-US" i="1">
                         <a:latin typeface="Cambria Math" panose="02040503050406030204" pitchFamily="18" charset="0"/>
                       </a:rPr>
-                      <m:t>−</m:t>
-                    </m:r>
-                    <m:r>
-                      <a:rPr lang="en-US" i="1"/>
                       <m:t>𝐹𝑅𝑅</m:t>
                     </m:r>
                     <m:r>
-                      <a:rPr lang="en-US" i="1"/>
+                      <a:rPr lang="en-US" i="1">
+                        <a:latin typeface="Cambria Math" panose="02040503050406030204" pitchFamily="18" charset="0"/>
+                      </a:rPr>
                       <m:t>+</m:t>
                     </m:r>
                     <m:r>
-                      <a:rPr lang="en-US" i="1"/>
+                      <a:rPr lang="en-US" i="1">
+                        <a:latin typeface="Cambria Math" panose="02040503050406030204" pitchFamily="18" charset="0"/>
+                      </a:rPr>
                       <m:t>𝑚</m:t>
                     </m:r>
                     <m:r>
-                      <a:rPr lang="en-US" i="1"/>
+                      <a:rPr lang="en-US" i="1">
+                        <a:latin typeface="Cambria Math" panose="02040503050406030204" pitchFamily="18" charset="0"/>
+                      </a:rPr>
                       <m:t>∙</m:t>
                     </m:r>
                     <m:r>
-                      <a:rPr lang="en-US" i="1"/>
+                      <a:rPr lang="en-US" i="1">
+                        <a:latin typeface="Cambria Math" panose="02040503050406030204" pitchFamily="18" charset="0"/>
+                      </a:rPr>
                       <m:t>𝐹𝐴𝑅</m:t>
                     </m:r>
                     <m:r>
-                      <a:rPr lang="en-US" i="1"/>
+                      <a:rPr lang="en-US" i="1">
+                        <a:latin typeface="Cambria Math" panose="02040503050406030204" pitchFamily="18" charset="0"/>
+                      </a:rPr>
                       <m:t>∙</m:t>
                     </m:r>
                     <m:r>
-                      <a:rPr lang="en-US" i="1"/>
+                      <a:rPr lang="en-US" i="1">
+                        <a:latin typeface="Cambria Math" panose="02040503050406030204" pitchFamily="18" charset="0"/>
+                      </a:rPr>
                       <m:t>𝐹𝑅𝑅</m:t>
                     </m:r>
                     <m:r>
-                      <a:rPr lang="en-US" i="1"/>
+                      <a:rPr lang="en-US" i="1">
+                        <a:latin typeface="Cambria Math" panose="02040503050406030204" pitchFamily="18" charset="0"/>
+                      </a:rPr>
                       <m:t>)</m:t>
                     </m:r>
                   </m:oMath>
@@ -12249,7 +18524,7 @@
             </p:txBody>
           </p:sp>
         </mc:Choice>
-        <mc:Fallback>
+        <mc:Fallback xmlns="">
           <p:sp>
             <p:nvSpPr>
               <p:cNvPr id="3" name="Content Placeholder 2"/>
@@ -12355,10 +18630,96 @@
         </p:nvSpPr>
         <p:spPr/>
         <p:txBody>
-          <a:bodyPr/>
+          <a:bodyPr numCol="2">
+            <a:normAutofit/>
+          </a:bodyPr>
           <a:lstStyle/>
           <a:p>
-            <a:endParaRPr lang="ru-RU"/>
+            <a:r>
+              <a:rPr lang="ru-RU" sz="2800" dirty="0" smtClean="0"/>
+              <a:t>Слияние</a:t>
+            </a:r>
+          </a:p>
+          <a:p>
+            <a:pPr lvl="1"/>
+            <a:r>
+              <a:rPr lang="ru-RU" sz="2800" dirty="0" smtClean="0"/>
+              <a:t>Мультибиометрия</a:t>
+            </a:r>
+          </a:p>
+          <a:p>
+            <a:pPr lvl="1"/>
+            <a:r>
+              <a:rPr lang="ru-RU" sz="2800" dirty="0" smtClean="0"/>
+              <a:t>Исходных данных</a:t>
+            </a:r>
+          </a:p>
+          <a:p>
+            <a:pPr lvl="1"/>
+            <a:r>
+              <a:rPr lang="ru-RU" sz="2800" dirty="0" smtClean="0"/>
+              <a:t>Алгоритмов</a:t>
+            </a:r>
+          </a:p>
+          <a:p>
+            <a:pPr lvl="1"/>
+            <a:r>
+              <a:rPr lang="ru-RU" sz="2800" dirty="0" smtClean="0"/>
+              <a:t>Метрики или ранга</a:t>
+            </a:r>
+          </a:p>
+          <a:p>
+            <a:pPr lvl="1"/>
+            <a:r>
+              <a:rPr lang="ru-RU" sz="2800" dirty="0" smtClean="0"/>
+              <a:t>На основе принятия решения</a:t>
+            </a:r>
+            <a:endParaRPr lang="ru-RU" sz="2800" dirty="0"/>
+          </a:p>
+          <a:p>
+            <a:pPr lvl="1"/>
+            <a:endParaRPr lang="ru-RU" sz="2800" dirty="0" smtClean="0"/>
+          </a:p>
+          <a:p>
+            <a:pPr marL="205740" lvl="1" indent="0">
+              <a:buNone/>
+            </a:pPr>
+            <a:endParaRPr lang="ru-RU" sz="2800" dirty="0"/>
+          </a:p>
+          <a:p>
+            <a:r>
+              <a:rPr lang="ru-RU" sz="2800" dirty="0" smtClean="0"/>
+              <a:t>Классификация</a:t>
+            </a:r>
+          </a:p>
+          <a:p>
+            <a:pPr lvl="1"/>
+            <a:r>
+              <a:rPr lang="ru-RU" sz="2800" dirty="0" smtClean="0"/>
+              <a:t>Гальтона-Генри</a:t>
+            </a:r>
+          </a:p>
+          <a:p>
+            <a:pPr lvl="1"/>
+            <a:r>
+              <a:rPr lang="ru-RU" sz="2800" dirty="0" smtClean="0"/>
+              <a:t>Основанные на Гальтона-Генри</a:t>
+            </a:r>
+          </a:p>
+          <a:p>
+            <a:pPr lvl="1"/>
+            <a:r>
+              <a:rPr lang="ru-RU" sz="2800" dirty="0" smtClean="0"/>
+              <a:t>Кластеризация</a:t>
+            </a:r>
+          </a:p>
+          <a:p>
+            <a:pPr lvl="1"/>
+            <a:r>
+              <a:rPr lang="ru-RU" sz="2800" dirty="0" smtClean="0"/>
+              <a:t>Непрерывная</a:t>
+            </a:r>
+            <a:endParaRPr lang="ru-RU" sz="2800" dirty="0"/>
           </a:p>
         </p:txBody>
       </p:sp>
@@ -12438,19 +18799,108 @@
           <a:lstStyle/>
           <a:p>
             <a:r>
-              <a:rPr lang="ru-RU" dirty="0" smtClean="0"/>
-              <a:t>Кто автор</a:t>
+              <a:rPr lang="it-IT" dirty="0" smtClean="0"/>
+              <a:t>A</a:t>
+            </a:r>
+            <a:r>
+              <a:rPr lang="it-IT" dirty="0"/>
+              <a:t>. </a:t>
+            </a:r>
+            <a:r>
+              <a:rPr lang="it-IT" i="1" dirty="0"/>
+              <a:t>Lumini</a:t>
+            </a:r>
+            <a:r>
+              <a:rPr lang="it-IT" dirty="0"/>
+              <a:t>, D. </a:t>
+            </a:r>
+            <a:r>
+              <a:rPr lang="it-IT" i="1" dirty="0" smtClean="0"/>
+              <a:t>Maio,</a:t>
+            </a:r>
+            <a:r>
+              <a:rPr lang="it-IT" dirty="0" smtClean="0"/>
+              <a:t> D</a:t>
+            </a:r>
+            <a:r>
+              <a:rPr lang="it-IT" dirty="0"/>
+              <a:t>. </a:t>
+            </a:r>
+            <a:r>
+              <a:rPr lang="it-IT" i="1" dirty="0" smtClean="0"/>
+              <a:t>Maltoni</a:t>
             </a:r>
           </a:p>
           <a:p>
             <a:r>
               <a:rPr lang="ru-RU" dirty="0" smtClean="0"/>
-              <a:t>Что за идея</a:t>
+              <a:t>Сопоставление с отпечатком точки многомерного пространства</a:t>
             </a:r>
-            <a:endParaRPr lang="ru-RU" dirty="0"/>
+          </a:p>
+          <a:p>
+            <a:r>
+              <a:rPr lang="ru-RU" dirty="0" smtClean="0"/>
+              <a:t>Ранжирование</a:t>
+            </a:r>
+          </a:p>
+          <a:p>
+            <a:r>
+              <a:rPr lang="ru-RU" dirty="0" smtClean="0"/>
+              <a:t>Выбор </a:t>
+            </a:r>
+            <a:r>
+              <a:rPr lang="en-US" dirty="0" smtClean="0"/>
+              <a:t>k </a:t>
+            </a:r>
+            <a:r>
+              <a:rPr lang="ru-RU" dirty="0" smtClean="0"/>
+              <a:t>наилучших ИЛИ пороговая </a:t>
+            </a:r>
+            <a:r>
+              <a:rPr lang="ru-RU" dirty="0" smtClean="0"/>
+              <a:t>функция</a:t>
+            </a:r>
+          </a:p>
+          <a:p>
+            <a:pPr lvl="1"/>
+            <a:r>
+              <a:rPr lang="en-US" dirty="0" smtClean="0"/>
+              <a:t>CMC(k)</a:t>
+            </a:r>
+            <a:endParaRPr lang="ru-RU" dirty="0" smtClean="0"/>
           </a:p>
         </p:txBody>
       </p:sp>
+      <p:pic>
+        <p:nvPicPr>
+          <p:cNvPr id="5" name="Picture 4"/>
+          <p:cNvPicPr>
+            <a:picLocks noChangeAspect="1"/>
+          </p:cNvPicPr>
+          <p:nvPr/>
+        </p:nvPicPr>
+        <p:blipFill>
+          <a:blip r:embed="rId2">
+            <a:extLst>
+              <a:ext uri="{28A0092B-C50C-407E-A947-70E740481C1C}">
+                <a14:useLocalDpi xmlns:a14="http://schemas.microsoft.com/office/drawing/2010/main" val="0"/>
+              </a:ext>
+            </a:extLst>
+          </a:blip>
+          <a:stretch>
+            <a:fillRect/>
+          </a:stretch>
+        </p:blipFill>
+        <p:spPr>
+          <a:xfrm>
+            <a:off x="1828800" y="3810000"/>
+            <a:ext cx="5881440" cy="2565985"/>
+          </a:xfrm>
+          <a:prstGeom prst="rect">
+            <a:avLst/>
+          </a:prstGeom>
+        </p:spPr>
+      </p:pic>
     </p:spTree>
     <p:extLst>
       <p:ext uri="{BB962C8B-B14F-4D97-AF65-F5344CB8AC3E}">
@@ -12511,8 +18961,8 @@
           </a:p>
         </p:txBody>
       </p:sp>
-      <mc:AlternateContent xmlns:mc="http://schemas.openxmlformats.org/markup-compatibility/2006">
-        <mc:Choice xmlns:a14="http://schemas.microsoft.com/office/drawing/2010/main" Requires="a14">
+      <mc:AlternateContent xmlns:mc="http://schemas.openxmlformats.org/markup-compatibility/2006" xmlns:a14="http://schemas.microsoft.com/office/drawing/2010/main">
+        <mc:Choice Requires="a14">
           <p:sp>
             <p:nvSpPr>
               <p:cNvPr id="3" name="Content Placeholder 2"/>
@@ -12531,58 +18981,82 @@
                 <a14:m>
                   <m:oMath xmlns:m="http://schemas.openxmlformats.org/officeDocument/2006/math">
                     <m:r>
-                      <a:rPr lang="en-US" i="1" smtClean="0"/>
+                      <a:rPr lang="en-US" i="1" smtClean="0">
+                        <a:latin typeface="Cambria Math" panose="02040503050406030204" pitchFamily="18" charset="0"/>
+                      </a:rPr>
                       <m:t>𝐹𝐴𝑅</m:t>
                     </m:r>
                     <m:r>
-                      <a:rPr lang="ru-RU" i="1"/>
+                      <a:rPr lang="ru-RU" i="1">
+                        <a:latin typeface="Cambria Math" panose="02040503050406030204" pitchFamily="18" charset="0"/>
+                      </a:rPr>
                       <m:t>(</m:t>
                     </m:r>
                     <m:r>
-                      <a:rPr lang="en-US" i="1"/>
+                      <a:rPr lang="en-US" i="1">
+                        <a:latin typeface="Cambria Math" panose="02040503050406030204" pitchFamily="18" charset="0"/>
+                      </a:rPr>
                       <m:t>𝑘</m:t>
                     </m:r>
                     <m:r>
-                      <a:rPr lang="ru-RU" i="1"/>
+                      <a:rPr lang="ru-RU" i="1">
+                        <a:latin typeface="Cambria Math" panose="02040503050406030204" pitchFamily="18" charset="0"/>
+                      </a:rPr>
                       <m:t>)=</m:t>
                     </m:r>
                     <m:r>
-                      <a:rPr lang="en-US" i="1"/>
+                      <a:rPr lang="en-US" i="1">
+                        <a:latin typeface="Cambria Math" panose="02040503050406030204" pitchFamily="18" charset="0"/>
+                      </a:rPr>
                       <m:t>𝑘</m:t>
                     </m:r>
                     <m:sSup>
                       <m:sSupPr>
                         <m:ctrlPr>
-                          <a:rPr lang="ru-RU" i="1"/>
+                          <a:rPr lang="ru-RU" i="1">
+                            <a:latin typeface="Cambria Math" panose="02040503050406030204" pitchFamily="18" charset="0"/>
+                          </a:rPr>
                         </m:ctrlPr>
                       </m:sSupPr>
                       <m:e>
                         <m:r>
-                          <a:rPr lang="ru-RU" i="1"/>
+                          <a:rPr lang="ru-RU" i="1">
+                            <a:latin typeface="Cambria Math" panose="02040503050406030204" pitchFamily="18" charset="0"/>
+                          </a:rPr>
                           <m:t>(1−</m:t>
                         </m:r>
                         <m:r>
-                          <a:rPr lang="en-US" i="1"/>
+                          <a:rPr lang="en-US" i="1">
+                            <a:latin typeface="Cambria Math" panose="02040503050406030204" pitchFamily="18" charset="0"/>
+                          </a:rPr>
                           <m:t>𝐹𝐴𝑅</m:t>
                         </m:r>
                         <m:r>
-                          <a:rPr lang="ru-RU" i="1"/>
+                          <a:rPr lang="ru-RU" i="1">
+                            <a:latin typeface="Cambria Math" panose="02040503050406030204" pitchFamily="18" charset="0"/>
+                          </a:rPr>
                           <m:t>)</m:t>
                         </m:r>
                       </m:e>
                       <m:sup>
                         <m:r>
-                          <a:rPr lang="en-US" i="1"/>
+                          <a:rPr lang="en-US" i="1">
+                            <a:latin typeface="Cambria Math" panose="02040503050406030204" pitchFamily="18" charset="0"/>
+                          </a:rPr>
                           <m:t>𝑘</m:t>
                         </m:r>
                         <m:r>
-                          <a:rPr lang="ru-RU" i="1"/>
+                          <a:rPr lang="ru-RU" i="1">
+                            <a:latin typeface="Cambria Math" panose="02040503050406030204" pitchFamily="18" charset="0"/>
+                          </a:rPr>
                           <m:t>−1</m:t>
                         </m:r>
                       </m:sup>
                     </m:sSup>
                     <m:r>
-                      <a:rPr lang="en-US" i="1"/>
+                      <a:rPr lang="en-US" i="1">
+                        <a:latin typeface="Cambria Math" panose="02040503050406030204" pitchFamily="18" charset="0"/>
+                      </a:rPr>
                       <m:t>𝐹𝐴𝑅</m:t>
                     </m:r>
                   </m:oMath>
@@ -12593,81 +19067,109 @@
                 <a14:m>
                   <m:oMath xmlns:m="http://schemas.openxmlformats.org/officeDocument/2006/math">
                     <m:r>
-                      <a:rPr lang="en-US" i="1"/>
+                      <a:rPr lang="en-US" i="1">
+                        <a:latin typeface="Cambria Math" panose="02040503050406030204" pitchFamily="18" charset="0"/>
+                      </a:rPr>
                       <m:t>𝐺𝐴𝑅</m:t>
                     </m:r>
                     <m:d>
                       <m:dPr>
                         <m:ctrlPr>
-                          <a:rPr lang="ru-RU" i="1"/>
+                          <a:rPr lang="ru-RU" i="1">
+                            <a:latin typeface="Cambria Math" panose="02040503050406030204" pitchFamily="18" charset="0"/>
+                          </a:rPr>
                         </m:ctrlPr>
                       </m:dPr>
                       <m:e>
                         <m:r>
-                          <a:rPr lang="en-US" i="1"/>
+                          <a:rPr lang="en-US" i="1">
+                            <a:latin typeface="Cambria Math" panose="02040503050406030204" pitchFamily="18" charset="0"/>
+                          </a:rPr>
                           <m:t>𝑘</m:t>
                         </m:r>
                       </m:e>
                     </m:d>
                     <m:r>
-                      <a:rPr lang="en-US" i="1"/>
+                      <a:rPr lang="en-US" i="1">
+                        <a:latin typeface="Cambria Math" panose="02040503050406030204" pitchFamily="18" charset="0"/>
+                      </a:rPr>
                       <m:t>=</m:t>
                     </m:r>
                     <m:r>
-                      <a:rPr lang="en-US" i="1"/>
+                      <a:rPr lang="en-US" i="1">
+                        <a:latin typeface="Cambria Math" panose="02040503050406030204" pitchFamily="18" charset="0"/>
+                      </a:rPr>
                       <m:t>𝐶𝑀𝐶</m:t>
                     </m:r>
                     <m:r>
-                      <a:rPr lang="en-US" i="1"/>
+                      <a:rPr lang="en-US" i="1">
+                        <a:latin typeface="Cambria Math" panose="02040503050406030204" pitchFamily="18" charset="0"/>
+                      </a:rPr>
                       <m:t>(</m:t>
                     </m:r>
                     <m:r>
-                      <a:rPr lang="en-US" i="1"/>
+                      <a:rPr lang="en-US" i="1">
+                        <a:latin typeface="Cambria Math" panose="02040503050406030204" pitchFamily="18" charset="0"/>
+                      </a:rPr>
                       <m:t>𝑘</m:t>
                     </m:r>
                     <m:r>
-                      <a:rPr lang="en-US" i="1"/>
-                      <m:t>)</m:t>
+                      <a:rPr lang="en-US" i="1">
+                        <a:latin typeface="Cambria Math" panose="02040503050406030204" pitchFamily="18" charset="0"/>
+                      </a:rPr>
+                      <m:t>)(1−</m:t>
                     </m:r>
                     <m:r>
-                      <a:rPr lang="ru-RU" i="1"/>
-                      <m:t>(1−</m:t>
-                    </m:r>
-                    <m:r>
-                      <a:rPr lang="en-US" i="1"/>
+                      <a:rPr lang="en-US" i="1">
+                        <a:latin typeface="Cambria Math" panose="02040503050406030204" pitchFamily="18" charset="0"/>
+                      </a:rPr>
                       <m:t>𝐹𝑅𝑅</m:t>
                     </m:r>
                     <m:r>
-                      <a:rPr lang="en-US" i="1"/>
+                      <a:rPr lang="en-US" i="1">
+                        <a:latin typeface="Cambria Math" panose="02040503050406030204" pitchFamily="18" charset="0"/>
+                      </a:rPr>
                       <m:t>)</m:t>
                     </m:r>
                     <m:sSup>
                       <m:sSupPr>
                         <m:ctrlPr>
-                          <a:rPr lang="ru-RU" i="1"/>
+                          <a:rPr lang="ru-RU" i="1">
+                            <a:latin typeface="Cambria Math" panose="02040503050406030204" pitchFamily="18" charset="0"/>
+                          </a:rPr>
                         </m:ctrlPr>
                       </m:sSupPr>
                       <m:e>
                         <m:r>
-                          <a:rPr lang="en-US" i="1"/>
+                          <a:rPr lang="en-US" i="1">
+                            <a:latin typeface="Cambria Math" panose="02040503050406030204" pitchFamily="18" charset="0"/>
+                          </a:rPr>
                           <m:t>(1−</m:t>
                         </m:r>
                         <m:r>
-                          <a:rPr lang="en-US" i="1"/>
+                          <a:rPr lang="en-US" i="1">
+                            <a:latin typeface="Cambria Math" panose="02040503050406030204" pitchFamily="18" charset="0"/>
+                          </a:rPr>
                           <m:t>𝐹𝐴𝑅</m:t>
                         </m:r>
                         <m:r>
-                          <a:rPr lang="en-US" i="1"/>
+                          <a:rPr lang="en-US" i="1">
+                            <a:latin typeface="Cambria Math" panose="02040503050406030204" pitchFamily="18" charset="0"/>
+                          </a:rPr>
                           <m:t>)</m:t>
                         </m:r>
                       </m:e>
                       <m:sup>
                         <m:r>
-                          <a:rPr lang="en-US" i="1"/>
+                          <a:rPr lang="en-US" i="1">
+                            <a:latin typeface="Cambria Math" panose="02040503050406030204" pitchFamily="18" charset="0"/>
+                          </a:rPr>
                           <m:t>𝑘</m:t>
                         </m:r>
                         <m:r>
-                          <a:rPr lang="en-US" i="1"/>
+                          <a:rPr lang="en-US" i="1">
+                            <a:latin typeface="Cambria Math" panose="02040503050406030204" pitchFamily="18" charset="0"/>
+                          </a:rPr>
                           <m:t>−1</m:t>
                         </m:r>
                       </m:sup>
@@ -12681,41 +19183,57 @@
                 <a14:m>
                   <m:oMath xmlns:m="http://schemas.openxmlformats.org/officeDocument/2006/math">
                     <m:r>
-                      <a:rPr lang="en-US" i="1"/>
+                      <a:rPr lang="en-US" i="1">
+                        <a:latin typeface="Cambria Math" panose="02040503050406030204" pitchFamily="18" charset="0"/>
+                      </a:rPr>
                       <m:t>𝐶𝑀𝐶</m:t>
                     </m:r>
                     <m:r>
-                      <a:rPr lang="en-US" i="1"/>
+                      <a:rPr lang="en-US" i="1">
+                        <a:latin typeface="Cambria Math" panose="02040503050406030204" pitchFamily="18" charset="0"/>
+                      </a:rPr>
                       <m:t>(</m:t>
                     </m:r>
                     <m:r>
-                      <a:rPr lang="en-US" i="1"/>
+                      <a:rPr lang="en-US" i="1">
+                        <a:latin typeface="Cambria Math" panose="02040503050406030204" pitchFamily="18" charset="0"/>
+                      </a:rPr>
                       <m:t>𝑘</m:t>
                     </m:r>
                     <m:r>
-                      <a:rPr lang="en-US" i="1"/>
+                      <a:rPr lang="en-US" i="1">
+                        <a:latin typeface="Cambria Math" panose="02040503050406030204" pitchFamily="18" charset="0"/>
+                      </a:rPr>
                       <m:t>)&gt;</m:t>
                     </m:r>
                     <m:sSup>
                       <m:sSupPr>
                         <m:ctrlPr>
-                          <a:rPr lang="ru-RU" i="1"/>
+                          <a:rPr lang="ru-RU" i="1">
+                            <a:latin typeface="Cambria Math" panose="02040503050406030204" pitchFamily="18" charset="0"/>
+                          </a:rPr>
                         </m:ctrlPr>
                       </m:sSupPr>
                       <m:e>
                         <m:d>
                           <m:dPr>
                             <m:ctrlPr>
-                              <a:rPr lang="ru-RU" i="1"/>
+                              <a:rPr lang="ru-RU" i="1">
+                                <a:latin typeface="Cambria Math" panose="02040503050406030204" pitchFamily="18" charset="0"/>
+                              </a:rPr>
                             </m:ctrlPr>
                           </m:dPr>
                           <m:e>
                             <m:r>
-                              <a:rPr lang="en-US" i="1"/>
+                              <a:rPr lang="en-US" i="1">
+                                <a:latin typeface="Cambria Math" panose="02040503050406030204" pitchFamily="18" charset="0"/>
+                              </a:rPr>
                               <m:t>1−</m:t>
                             </m:r>
                             <m:r>
-                              <a:rPr lang="en-US" i="1"/>
+                              <a:rPr lang="en-US" i="1">
+                                <a:latin typeface="Cambria Math" panose="02040503050406030204" pitchFamily="18" charset="0"/>
+                              </a:rPr>
                               <m:t>𝐹𝐴𝑅</m:t>
                             </m:r>
                           </m:e>
@@ -12723,15 +19241,21 @@
                       </m:e>
                       <m:sup>
                         <m:r>
-                          <a:rPr lang="en-US" i="1"/>
+                          <a:rPr lang="en-US" i="1">
+                            <a:latin typeface="Cambria Math" panose="02040503050406030204" pitchFamily="18" charset="0"/>
+                          </a:rPr>
                           <m:t>𝑚</m:t>
                         </m:r>
                         <m:r>
-                          <a:rPr lang="en-US" i="1"/>
+                          <a:rPr lang="en-US" i="1">
+                            <a:latin typeface="Cambria Math" panose="02040503050406030204" pitchFamily="18" charset="0"/>
+                          </a:rPr>
                           <m:t>−</m:t>
                         </m:r>
                         <m:r>
-                          <a:rPr lang="en-US" i="1"/>
+                          <a:rPr lang="en-US" i="1">
+                            <a:latin typeface="Cambria Math" panose="02040503050406030204" pitchFamily="18" charset="0"/>
+                          </a:rPr>
                           <m:t>𝑘</m:t>
                         </m:r>
                       </m:sup>
@@ -12744,50 +19268,68 @@
                 <a14:m>
                   <m:oMath xmlns:m="http://schemas.openxmlformats.org/officeDocument/2006/math">
                     <m:r>
-                      <a:rPr lang="en-US" i="1"/>
+                      <a:rPr lang="en-US" i="1">
+                        <a:latin typeface="Cambria Math" panose="02040503050406030204" pitchFamily="18" charset="0"/>
+                      </a:rPr>
                       <m:t>𝐹𝐼𝑅</m:t>
                     </m:r>
                     <m:d>
                       <m:dPr>
                         <m:ctrlPr>
-                          <a:rPr lang="ru-RU" i="1"/>
+                          <a:rPr lang="ru-RU" i="1">
+                            <a:latin typeface="Cambria Math" panose="02040503050406030204" pitchFamily="18" charset="0"/>
+                          </a:rPr>
                         </m:ctrlPr>
                       </m:dPr>
                       <m:e>
                         <m:r>
-                          <a:rPr lang="en-US" i="1"/>
+                          <a:rPr lang="en-US" i="1">
+                            <a:latin typeface="Cambria Math" panose="02040503050406030204" pitchFamily="18" charset="0"/>
+                          </a:rPr>
                           <m:t>𝑘</m:t>
                         </m:r>
                       </m:e>
                     </m:d>
                     <m:r>
-                      <a:rPr lang="en-US" i="1"/>
+                      <a:rPr lang="en-US" i="1">
+                        <a:latin typeface="Cambria Math" panose="02040503050406030204" pitchFamily="18" charset="0"/>
+                      </a:rPr>
                       <m:t>=</m:t>
                     </m:r>
                     <m:d>
                       <m:dPr>
                         <m:ctrlPr>
-                          <a:rPr lang="ru-RU" i="1"/>
+                          <a:rPr lang="ru-RU" i="1">
+                            <a:latin typeface="Cambria Math" panose="02040503050406030204" pitchFamily="18" charset="0"/>
+                          </a:rPr>
                         </m:ctrlPr>
                       </m:dPr>
                       <m:e>
                         <m:r>
-                          <a:rPr lang="en-US" i="1"/>
+                          <a:rPr lang="en-US" i="1">
+                            <a:latin typeface="Cambria Math" panose="02040503050406030204" pitchFamily="18" charset="0"/>
+                          </a:rPr>
                           <m:t>1−</m:t>
                         </m:r>
                         <m:r>
-                          <a:rPr lang="en-US" i="1"/>
+                          <a:rPr lang="en-US" i="1">
+                            <a:latin typeface="Cambria Math" panose="02040503050406030204" pitchFamily="18" charset="0"/>
+                          </a:rPr>
                           <m:t>𝐶𝑀𝐶</m:t>
                         </m:r>
                         <m:d>
                           <m:dPr>
                             <m:ctrlPr>
-                              <a:rPr lang="ru-RU" i="1"/>
+                              <a:rPr lang="ru-RU" i="1">
+                                <a:latin typeface="Cambria Math" panose="02040503050406030204" pitchFamily="18" charset="0"/>
+                              </a:rPr>
                             </m:ctrlPr>
                           </m:dPr>
                           <m:e>
                             <m:r>
-                              <a:rPr lang="en-US" i="1"/>
+                              <a:rPr lang="en-US" i="1">
+                                <a:latin typeface="Cambria Math" panose="02040503050406030204" pitchFamily="18" charset="0"/>
+                              </a:rPr>
                               <m:t>𝑘</m:t>
                             </m:r>
                           </m:e>
@@ -12795,29 +19337,39 @@
                       </m:e>
                     </m:d>
                     <m:r>
-                      <a:rPr lang="en-US" i="1"/>
+                      <a:rPr lang="en-US" i="1">
+                        <a:latin typeface="Cambria Math" panose="02040503050406030204" pitchFamily="18" charset="0"/>
+                      </a:rPr>
                       <m:t>𝑘</m:t>
                     </m:r>
                     <m:sSup>
                       <m:sSupPr>
                         <m:ctrlPr>
-                          <a:rPr lang="ru-RU" i="1"/>
+                          <a:rPr lang="ru-RU" i="1">
+                            <a:latin typeface="Cambria Math" panose="02040503050406030204" pitchFamily="18" charset="0"/>
+                          </a:rPr>
                         </m:ctrlPr>
                       </m:sSupPr>
                       <m:e>
                         <m:d>
                           <m:dPr>
                             <m:ctrlPr>
-                              <a:rPr lang="ru-RU" i="1"/>
+                              <a:rPr lang="ru-RU" i="1">
+                                <a:latin typeface="Cambria Math" panose="02040503050406030204" pitchFamily="18" charset="0"/>
+                              </a:rPr>
                             </m:ctrlPr>
                           </m:dPr>
                           <m:e>
                             <m:r>
-                              <a:rPr lang="ru-RU" i="1"/>
+                              <a:rPr lang="ru-RU" i="1">
+                                <a:latin typeface="Cambria Math" panose="02040503050406030204" pitchFamily="18" charset="0"/>
+                              </a:rPr>
                               <m:t>1−</m:t>
                             </m:r>
                             <m:r>
-                              <a:rPr lang="en-US" i="1"/>
+                              <a:rPr lang="en-US" i="1">
+                                <a:latin typeface="Cambria Math" panose="02040503050406030204" pitchFamily="18" charset="0"/>
+                              </a:rPr>
                               <m:t>𝐹𝐴𝑅</m:t>
                             </m:r>
                           </m:e>
@@ -12825,36 +19377,50 @@
                       </m:e>
                       <m:sup>
                         <m:r>
-                          <a:rPr lang="en-US" i="1"/>
+                          <a:rPr lang="en-US" i="1">
+                            <a:latin typeface="Cambria Math" panose="02040503050406030204" pitchFamily="18" charset="0"/>
+                          </a:rPr>
                           <m:t>𝑘</m:t>
                         </m:r>
                         <m:r>
-                          <a:rPr lang="ru-RU" i="1"/>
+                          <a:rPr lang="ru-RU" i="1">
+                            <a:latin typeface="Cambria Math" panose="02040503050406030204" pitchFamily="18" charset="0"/>
+                          </a:rPr>
                           <m:t>−1</m:t>
                         </m:r>
                       </m:sup>
                     </m:sSup>
                     <m:r>
-                      <a:rPr lang="en-US" i="1"/>
+                      <a:rPr lang="en-US" i="1">
+                        <a:latin typeface="Cambria Math" panose="02040503050406030204" pitchFamily="18" charset="0"/>
+                      </a:rPr>
                       <m:t>𝐹𝐴𝑅</m:t>
                     </m:r>
                     <m:r>
-                      <a:rPr lang="en-US" i="1"/>
+                      <a:rPr lang="en-US" i="1">
+                        <a:latin typeface="Cambria Math" panose="02040503050406030204" pitchFamily="18" charset="0"/>
+                      </a:rPr>
                       <m:t>+</m:t>
                     </m:r>
                     <m:r>
-                      <a:rPr lang="en-US" i="1"/>
+                      <a:rPr lang="en-US" i="1">
+                        <a:latin typeface="Cambria Math" panose="02040503050406030204" pitchFamily="18" charset="0"/>
+                      </a:rPr>
                       <m:t>𝐶𝑀𝐶</m:t>
                     </m:r>
                     <m:d>
                       <m:dPr>
                         <m:ctrlPr>
-                          <a:rPr lang="ru-RU" i="1"/>
+                          <a:rPr lang="ru-RU" i="1">
+                            <a:latin typeface="Cambria Math" panose="02040503050406030204" pitchFamily="18" charset="0"/>
+                          </a:rPr>
                         </m:ctrlPr>
                       </m:dPr>
                       <m:e>
                         <m:r>
-                          <a:rPr lang="en-US" i="1"/>
+                          <a:rPr lang="en-US" i="1">
+                            <a:latin typeface="Cambria Math" panose="02040503050406030204" pitchFamily="18" charset="0"/>
+                          </a:rPr>
                           <m:t>𝑘</m:t>
                         </m:r>
                       </m:e>
@@ -12862,62 +19428,72 @@
                     <m:d>
                       <m:dPr>
                         <m:ctrlPr>
-                          <a:rPr lang="ru-RU" i="1"/>
+                          <a:rPr lang="ru-RU" i="1">
+                            <a:latin typeface="Cambria Math" panose="02040503050406030204" pitchFamily="18" charset="0"/>
+                          </a:rPr>
                         </m:ctrlPr>
                       </m:dPr>
                       <m:e>
                         <m:r>
-                          <a:rPr lang="en-US" i="1"/>
+                          <a:rPr lang="en-US" i="1">
+                            <a:latin typeface="Cambria Math" panose="02040503050406030204" pitchFamily="18" charset="0"/>
+                          </a:rPr>
                           <m:t>𝑘</m:t>
                         </m:r>
                         <m:r>
-                          <a:rPr lang="en-US" i="1"/>
-                          <m:t>−</m:t>
-                        </m:r>
-                        <m:r>
-                          <a:rPr lang="ru-RU" b="0" i="1" smtClean="0">
+                          <a:rPr lang="en-US" i="1">
                             <a:latin typeface="Cambria Math" panose="02040503050406030204" pitchFamily="18" charset="0"/>
                           </a:rPr>
-                          <m:t>−</m:t>
-                        </m:r>
-                        <m:r>
-                          <a:rPr lang="en-US" i="1"/>
-                          <m:t>1</m:t>
+                          <m:t>−−1</m:t>
                         </m:r>
                       </m:e>
                     </m:d>
                     <m:r>
-                      <a:rPr lang="en-US" i="1"/>
+                      <a:rPr lang="en-US" i="1">
+                        <a:latin typeface="Cambria Math" panose="02040503050406030204" pitchFamily="18" charset="0"/>
+                      </a:rPr>
                       <m:t>𝐹𝑅𝑅</m:t>
                     </m:r>
                     <m:r>
-                      <a:rPr lang="en-US" i="1"/>
+                      <a:rPr lang="en-US" i="1">
+                        <a:latin typeface="Cambria Math" panose="02040503050406030204" pitchFamily="18" charset="0"/>
+                      </a:rPr>
                       <m:t>∙</m:t>
                     </m:r>
                     <m:r>
-                      <a:rPr lang="en-US" i="1"/>
+                      <a:rPr lang="en-US" i="1">
+                        <a:latin typeface="Cambria Math" panose="02040503050406030204" pitchFamily="18" charset="0"/>
+                      </a:rPr>
                       <m:t>𝐹𝐴𝑅</m:t>
                     </m:r>
                     <m:sSup>
                       <m:sSupPr>
                         <m:ctrlPr>
-                          <a:rPr lang="ru-RU" i="1"/>
+                          <a:rPr lang="ru-RU" i="1">
+                            <a:latin typeface="Cambria Math" panose="02040503050406030204" pitchFamily="18" charset="0"/>
+                          </a:rPr>
                         </m:ctrlPr>
                       </m:sSupPr>
                       <m:e>
                         <m:d>
                           <m:dPr>
                             <m:ctrlPr>
-                              <a:rPr lang="ru-RU" i="1"/>
+                              <a:rPr lang="ru-RU" i="1">
+                                <a:latin typeface="Cambria Math" panose="02040503050406030204" pitchFamily="18" charset="0"/>
+                              </a:rPr>
                             </m:ctrlPr>
                           </m:dPr>
                           <m:e>
                             <m:r>
-                              <a:rPr lang="en-US" i="1"/>
+                              <a:rPr lang="en-US" i="1">
+                                <a:latin typeface="Cambria Math" panose="02040503050406030204" pitchFamily="18" charset="0"/>
+                              </a:rPr>
                               <m:t>1−</m:t>
                             </m:r>
                             <m:r>
-                              <a:rPr lang="en-US" i="1"/>
+                              <a:rPr lang="en-US" i="1">
+                                <a:latin typeface="Cambria Math" panose="02040503050406030204" pitchFamily="18" charset="0"/>
+                              </a:rPr>
                               <m:t>𝐹𝐴𝑅</m:t>
                             </m:r>
                           </m:e>
@@ -12925,11 +19501,15 @@
                       </m:e>
                       <m:sup>
                         <m:r>
-                          <a:rPr lang="en-US" i="1"/>
+                          <a:rPr lang="en-US" i="1">
+                            <a:latin typeface="Cambria Math" panose="02040503050406030204" pitchFamily="18" charset="0"/>
+                          </a:rPr>
                           <m:t>𝑘</m:t>
                         </m:r>
                         <m:r>
-                          <a:rPr lang="en-US" i="1"/>
+                          <a:rPr lang="en-US" i="1">
+                            <a:latin typeface="Cambria Math" panose="02040503050406030204" pitchFamily="18" charset="0"/>
+                          </a:rPr>
                           <m:t>−2</m:t>
                         </m:r>
                       </m:sup>
@@ -12943,179 +19523,251 @@
                 <a14:m>
                   <m:oMath xmlns:m="http://schemas.openxmlformats.org/officeDocument/2006/math">
                     <m:r>
-                      <a:rPr lang="en-US" i="1"/>
+                      <a:rPr lang="en-US" i="1">
+                        <a:latin typeface="Cambria Math" panose="02040503050406030204" pitchFamily="18" charset="0"/>
+                      </a:rPr>
                       <m:t>𝐶𝑀𝐶</m:t>
                     </m:r>
                     <m:d>
                       <m:dPr>
                         <m:ctrlPr>
-                          <a:rPr lang="ru-RU" i="1"/>
+                          <a:rPr lang="ru-RU" i="1">
+                            <a:latin typeface="Cambria Math" panose="02040503050406030204" pitchFamily="18" charset="0"/>
+                          </a:rPr>
                         </m:ctrlPr>
                       </m:dPr>
                       <m:e>
                         <m:r>
-                          <a:rPr lang="en-US" i="1"/>
+                          <a:rPr lang="en-US" i="1">
+                            <a:latin typeface="Cambria Math" panose="02040503050406030204" pitchFamily="18" charset="0"/>
+                          </a:rPr>
                           <m:t>𝑘</m:t>
                         </m:r>
                       </m:e>
                     </m:d>
                     <m:r>
-                      <a:rPr lang="en-US" i="1"/>
+                      <a:rPr lang="en-US" i="1">
+                        <a:latin typeface="Cambria Math" panose="02040503050406030204" pitchFamily="18" charset="0"/>
+                      </a:rPr>
                       <m:t>&gt;</m:t>
                     </m:r>
                     <m:f>
                       <m:fPr>
                         <m:ctrlPr>
-                          <a:rPr lang="ru-RU" i="1"/>
+                          <a:rPr lang="ru-RU" i="1">
+                            <a:latin typeface="Cambria Math" panose="02040503050406030204" pitchFamily="18" charset="0"/>
+                          </a:rPr>
                         </m:ctrlPr>
                       </m:fPr>
                       <m:num>
                         <m:d>
                           <m:dPr>
                             <m:ctrlPr>
-                              <a:rPr lang="ru-RU" i="1"/>
+                              <a:rPr lang="ru-RU" i="1">
+                                <a:latin typeface="Cambria Math" panose="02040503050406030204" pitchFamily="18" charset="0"/>
+                              </a:rPr>
                             </m:ctrlPr>
                           </m:dPr>
                           <m:e>
                             <m:r>
-                              <a:rPr lang="en-US" i="1"/>
+                              <a:rPr lang="en-US" i="1">
+                                <a:latin typeface="Cambria Math" panose="02040503050406030204" pitchFamily="18" charset="0"/>
+                              </a:rPr>
                               <m:t>𝑚</m:t>
                             </m:r>
                             <m:r>
-                              <a:rPr lang="en-US" i="1"/>
+                              <a:rPr lang="en-US" i="1">
+                                <a:latin typeface="Cambria Math" panose="02040503050406030204" pitchFamily="18" charset="0"/>
+                              </a:rPr>
                               <m:t>−1</m:t>
                             </m:r>
                           </m:e>
                         </m:d>
                         <m:r>
-                          <a:rPr lang="en-US" i="1"/>
+                          <a:rPr lang="en-US" i="1">
+                            <a:latin typeface="Cambria Math" panose="02040503050406030204" pitchFamily="18" charset="0"/>
+                          </a:rPr>
                           <m:t>𝐹𝑅𝑅</m:t>
                         </m:r>
                         <m:sSup>
                           <m:sSupPr>
                             <m:ctrlPr>
-                              <a:rPr lang="ru-RU" i="1"/>
+                              <a:rPr lang="ru-RU" i="1">
+                                <a:latin typeface="Cambria Math" panose="02040503050406030204" pitchFamily="18" charset="0"/>
+                              </a:rPr>
                             </m:ctrlPr>
                           </m:sSupPr>
                           <m:e>
                             <m:r>
-                              <a:rPr lang="en-US" i="1"/>
+                              <a:rPr lang="en-US" i="1">
+                                <a:latin typeface="Cambria Math" panose="02040503050406030204" pitchFamily="18" charset="0"/>
+                              </a:rPr>
                               <m:t>∙</m:t>
                             </m:r>
                             <m:r>
-                              <a:rPr lang="en-US" i="1"/>
+                              <a:rPr lang="en-US" i="1">
+                                <a:latin typeface="Cambria Math" panose="02040503050406030204" pitchFamily="18" charset="0"/>
+                              </a:rPr>
                               <m:t>𝐹𝐴𝑅</m:t>
                             </m:r>
                             <m:r>
-                              <a:rPr lang="en-US" i="1"/>
+                              <a:rPr lang="en-US" i="1">
+                                <a:latin typeface="Cambria Math" panose="02040503050406030204" pitchFamily="18" charset="0"/>
+                              </a:rPr>
                               <m:t>(1−</m:t>
                             </m:r>
                             <m:r>
-                              <a:rPr lang="en-US" i="1"/>
+                              <a:rPr lang="en-US" i="1">
+                                <a:latin typeface="Cambria Math" panose="02040503050406030204" pitchFamily="18" charset="0"/>
+                              </a:rPr>
                               <m:t>𝐹𝐴𝑅</m:t>
                             </m:r>
                             <m:r>
-                              <a:rPr lang="en-US" i="1"/>
+                              <a:rPr lang="en-US" i="1">
+                                <a:latin typeface="Cambria Math" panose="02040503050406030204" pitchFamily="18" charset="0"/>
+                              </a:rPr>
                               <m:t>)</m:t>
                             </m:r>
                           </m:e>
                           <m:sup>
                             <m:r>
-                              <a:rPr lang="en-US" i="1"/>
+                              <a:rPr lang="en-US" i="1">
+                                <a:latin typeface="Cambria Math" panose="02040503050406030204" pitchFamily="18" charset="0"/>
+                              </a:rPr>
                               <m:t>𝑚</m:t>
                             </m:r>
                             <m:r>
-                              <a:rPr lang="en-US" i="1"/>
+                              <a:rPr lang="en-US" i="1">
+                                <a:latin typeface="Cambria Math" panose="02040503050406030204" pitchFamily="18" charset="0"/>
+                              </a:rPr>
                               <m:t>−</m:t>
                             </m:r>
                             <m:r>
-                              <a:rPr lang="en-US" i="1"/>
+                              <a:rPr lang="en-US" i="1">
+                                <a:latin typeface="Cambria Math" panose="02040503050406030204" pitchFamily="18" charset="0"/>
+                              </a:rPr>
                               <m:t>𝑘</m:t>
                             </m:r>
                           </m:sup>
                         </m:sSup>
                         <m:r>
-                          <a:rPr lang="en-US" i="1"/>
+                          <a:rPr lang="en-US" i="1">
+                            <a:latin typeface="Cambria Math" panose="02040503050406030204" pitchFamily="18" charset="0"/>
+                          </a:rPr>
                           <m:t>−</m:t>
                         </m:r>
                         <m:r>
-                          <a:rPr lang="en-US" i="1"/>
+                          <a:rPr lang="en-US" i="1">
+                            <a:latin typeface="Cambria Math" panose="02040503050406030204" pitchFamily="18" charset="0"/>
+                          </a:rPr>
                           <m:t>𝑘</m:t>
                         </m:r>
                         <m:r>
-                          <a:rPr lang="en-US" i="1"/>
+                          <a:rPr lang="en-US" i="1">
+                            <a:latin typeface="Cambria Math" panose="02040503050406030204" pitchFamily="18" charset="0"/>
+                          </a:rPr>
                           <m:t>(1−</m:t>
                         </m:r>
                         <m:r>
-                          <a:rPr lang="en-US" i="1"/>
+                          <a:rPr lang="en-US" i="1">
+                            <a:latin typeface="Cambria Math" panose="02040503050406030204" pitchFamily="18" charset="0"/>
+                          </a:rPr>
                           <m:t>𝐹𝐴𝑅</m:t>
                         </m:r>
                         <m:r>
-                          <a:rPr lang="en-US" i="1"/>
+                          <a:rPr lang="en-US" i="1">
+                            <a:latin typeface="Cambria Math" panose="02040503050406030204" pitchFamily="18" charset="0"/>
+                          </a:rPr>
                           <m:t>)</m:t>
                         </m:r>
                         <m:r>
-                          <a:rPr lang="en-US" i="1"/>
+                          <a:rPr lang="en-US" i="1">
+                            <a:latin typeface="Cambria Math" panose="02040503050406030204" pitchFamily="18" charset="0"/>
+                          </a:rPr>
                           <m:t>𝐹𝐴𝑅</m:t>
                         </m:r>
                       </m:num>
                       <m:den>
                         <m:r>
-                          <a:rPr lang="en-US" i="1"/>
+                          <a:rPr lang="en-US" i="1">
+                            <a:latin typeface="Cambria Math" panose="02040503050406030204" pitchFamily="18" charset="0"/>
+                          </a:rPr>
                           <m:t>𝐹𝐴𝑅</m:t>
                         </m:r>
                         <m:r>
-                          <a:rPr lang="en-US" i="1"/>
+                          <a:rPr lang="en-US" i="1">
+                            <a:latin typeface="Cambria Math" panose="02040503050406030204" pitchFamily="18" charset="0"/>
+                          </a:rPr>
                           <m:t>(</m:t>
                         </m:r>
                         <m:d>
                           <m:dPr>
                             <m:ctrlPr>
-                              <a:rPr lang="ru-RU" i="1"/>
+                              <a:rPr lang="ru-RU" i="1">
+                                <a:latin typeface="Cambria Math" panose="02040503050406030204" pitchFamily="18" charset="0"/>
+                              </a:rPr>
                             </m:ctrlPr>
                           </m:dPr>
                           <m:e>
                             <m:r>
-                              <a:rPr lang="en-US" i="1"/>
+                              <a:rPr lang="en-US" i="1">
+                                <a:latin typeface="Cambria Math" panose="02040503050406030204" pitchFamily="18" charset="0"/>
+                              </a:rPr>
                               <m:t>𝑘</m:t>
                             </m:r>
                             <m:r>
-                              <a:rPr lang="en-US" i="1"/>
+                              <a:rPr lang="en-US" i="1">
+                                <a:latin typeface="Cambria Math" panose="02040503050406030204" pitchFamily="18" charset="0"/>
+                              </a:rPr>
                               <m:t>−1</m:t>
                             </m:r>
                           </m:e>
                         </m:d>
                         <m:r>
-                          <a:rPr lang="en-US" i="1"/>
+                          <a:rPr lang="en-US" i="1">
+                            <a:latin typeface="Cambria Math" panose="02040503050406030204" pitchFamily="18" charset="0"/>
+                          </a:rPr>
                           <m:t>𝐹𝑅𝑅</m:t>
                         </m:r>
                         <m:r>
-                          <a:rPr lang="en-US" i="1"/>
+                          <a:rPr lang="en-US" i="1">
+                            <a:latin typeface="Cambria Math" panose="02040503050406030204" pitchFamily="18" charset="0"/>
+                          </a:rPr>
                           <m:t>−</m:t>
                         </m:r>
                         <m:r>
-                          <a:rPr lang="en-US" i="1"/>
+                          <a:rPr lang="en-US" i="1">
+                            <a:latin typeface="Cambria Math" panose="02040503050406030204" pitchFamily="18" charset="0"/>
+                          </a:rPr>
                           <m:t>𝑘</m:t>
                         </m:r>
                         <m:d>
                           <m:dPr>
                             <m:ctrlPr>
-                              <a:rPr lang="ru-RU" i="1"/>
+                              <a:rPr lang="ru-RU" i="1">
+                                <a:latin typeface="Cambria Math" panose="02040503050406030204" pitchFamily="18" charset="0"/>
+                              </a:rPr>
                             </m:ctrlPr>
                           </m:dPr>
                           <m:e>
                             <m:r>
-                              <a:rPr lang="en-US" i="1"/>
+                              <a:rPr lang="en-US" i="1">
+                                <a:latin typeface="Cambria Math" panose="02040503050406030204" pitchFamily="18" charset="0"/>
+                              </a:rPr>
                               <m:t>1−</m:t>
                             </m:r>
                             <m:r>
-                              <a:rPr lang="en-US" i="1"/>
+                              <a:rPr lang="en-US" i="1">
+                                <a:latin typeface="Cambria Math" panose="02040503050406030204" pitchFamily="18" charset="0"/>
+                              </a:rPr>
                               <m:t>𝐹𝐴𝑅</m:t>
                             </m:r>
                           </m:e>
                         </m:d>
                         <m:r>
-                          <a:rPr lang="en-US" i="1"/>
+                          <a:rPr lang="en-US" i="1">
+                            <a:latin typeface="Cambria Math" panose="02040503050406030204" pitchFamily="18" charset="0"/>
+                          </a:rPr>
                           <m:t>)</m:t>
                         </m:r>
                       </m:den>
@@ -13128,46 +19780,62 @@
                 <a14:m>
                   <m:oMath xmlns:m="http://schemas.openxmlformats.org/officeDocument/2006/math">
                     <m:r>
-                      <a:rPr lang="en-US" i="1"/>
+                      <a:rPr lang="en-US" i="1">
+                        <a:latin typeface="Cambria Math" panose="02040503050406030204" pitchFamily="18" charset="0"/>
+                      </a:rPr>
                       <m:t>𝐹𝑅𝑅</m:t>
                     </m:r>
                     <m:d>
                       <m:dPr>
                         <m:ctrlPr>
-                          <a:rPr lang="ru-RU" i="1"/>
+                          <a:rPr lang="ru-RU" i="1">
+                            <a:latin typeface="Cambria Math" panose="02040503050406030204" pitchFamily="18" charset="0"/>
+                          </a:rPr>
                         </m:ctrlPr>
                       </m:dPr>
                       <m:e>
                         <m:r>
-                          <a:rPr lang="en-US" i="1"/>
+                          <a:rPr lang="en-US" i="1">
+                            <a:latin typeface="Cambria Math" panose="02040503050406030204" pitchFamily="18" charset="0"/>
+                          </a:rPr>
                           <m:t>𝑘</m:t>
                         </m:r>
                       </m:e>
                     </m:d>
                     <m:r>
-                      <a:rPr lang="en-US" i="1"/>
+                      <a:rPr lang="en-US" i="1">
+                        <a:latin typeface="Cambria Math" panose="02040503050406030204" pitchFamily="18" charset="0"/>
+                      </a:rPr>
                       <m:t>=1−</m:t>
                     </m:r>
                     <m:sSup>
                       <m:sSupPr>
                         <m:ctrlPr>
-                          <a:rPr lang="ru-RU" i="1"/>
+                          <a:rPr lang="ru-RU" i="1">
+                            <a:latin typeface="Cambria Math" panose="02040503050406030204" pitchFamily="18" charset="0"/>
+                          </a:rPr>
                         </m:ctrlPr>
                       </m:sSupPr>
                       <m:e>
                         <m:d>
                           <m:dPr>
                             <m:ctrlPr>
-                              <a:rPr lang="ru-RU" i="1"/>
+                              <a:rPr lang="ru-RU" i="1">
+                                <a:latin typeface="Cambria Math" panose="02040503050406030204" pitchFamily="18" charset="0"/>
+                              </a:rPr>
                             </m:ctrlPr>
                           </m:dPr>
                           <m:e>
                             <m:r>
-                              <a:rPr lang="en-US" i="1"/>
+                              <a:rPr lang="en-US" i="1">
+                                <a:latin typeface="Cambria Math" panose="02040503050406030204" pitchFamily="18" charset="0"/>
+                              </a:rPr>
                               <m:t>1−</m:t>
                             </m:r>
                             <m:r>
-                              <a:rPr lang="en-US" i="1"/>
+                              <a:rPr lang="en-US" i="1">
+                                <a:latin typeface="Cambria Math" panose="02040503050406030204" pitchFamily="18" charset="0"/>
+                              </a:rPr>
                               <m:t>𝐹𝐴𝑅</m:t>
                             </m:r>
                           </m:e>
@@ -13175,32 +19843,44 @@
                       </m:e>
                       <m:sup>
                         <m:r>
-                          <a:rPr lang="en-US" i="1"/>
+                          <a:rPr lang="en-US" i="1">
+                            <a:latin typeface="Cambria Math" panose="02040503050406030204" pitchFamily="18" charset="0"/>
+                          </a:rPr>
                           <m:t>𝑘</m:t>
                         </m:r>
                         <m:r>
-                          <a:rPr lang="en-US" i="1"/>
+                          <a:rPr lang="en-US" i="1">
+                            <a:latin typeface="Cambria Math" panose="02040503050406030204" pitchFamily="18" charset="0"/>
+                          </a:rPr>
                           <m:t>−2</m:t>
                         </m:r>
                       </m:sup>
                     </m:sSup>
                     <m:r>
-                      <a:rPr lang="en-US" i="1"/>
+                      <a:rPr lang="en-US" i="1">
+                        <a:latin typeface="Cambria Math" panose="02040503050406030204" pitchFamily="18" charset="0"/>
+                      </a:rPr>
                       <m:t>(</m:t>
                     </m:r>
                     <m:r>
-                      <a:rPr lang="en-US" i="1"/>
+                      <a:rPr lang="en-US" i="1">
+                        <a:latin typeface="Cambria Math" panose="02040503050406030204" pitchFamily="18" charset="0"/>
+                      </a:rPr>
                       <m:t>𝐶𝑀𝐶</m:t>
                     </m:r>
                     <m:d>
                       <m:dPr>
                         <m:ctrlPr>
-                          <a:rPr lang="ru-RU" i="1"/>
+                          <a:rPr lang="ru-RU" i="1">
+                            <a:latin typeface="Cambria Math" panose="02040503050406030204" pitchFamily="18" charset="0"/>
+                          </a:rPr>
                         </m:ctrlPr>
                       </m:dPr>
                       <m:e>
                         <m:r>
-                          <a:rPr lang="en-US" i="1"/>
+                          <a:rPr lang="en-US" i="1">
+                            <a:latin typeface="Cambria Math" panose="02040503050406030204" pitchFamily="18" charset="0"/>
+                          </a:rPr>
                           <m:t>𝑘</m:t>
                         </m:r>
                       </m:e>
@@ -13208,16 +19888,22 @@
                     <m:d>
                       <m:dPr>
                         <m:ctrlPr>
-                          <a:rPr lang="ru-RU" i="1"/>
+                          <a:rPr lang="ru-RU" i="1">
+                            <a:latin typeface="Cambria Math" panose="02040503050406030204" pitchFamily="18" charset="0"/>
+                          </a:rPr>
                         </m:ctrlPr>
                       </m:dPr>
                       <m:e>
                         <m:r>
-                          <a:rPr lang="ru-RU" i="1"/>
+                          <a:rPr lang="ru-RU" i="1">
+                            <a:latin typeface="Cambria Math" panose="02040503050406030204" pitchFamily="18" charset="0"/>
+                          </a:rPr>
                           <m:t>1−</m:t>
                         </m:r>
                         <m:r>
-                          <a:rPr lang="en-US" i="1"/>
+                          <a:rPr lang="en-US" i="1">
+                            <a:latin typeface="Cambria Math" panose="02040503050406030204" pitchFamily="18" charset="0"/>
+                          </a:rPr>
                           <m:t>𝐹𝑅𝑅</m:t>
                         </m:r>
                       </m:e>
@@ -13225,48 +19911,66 @@
                     <m:d>
                       <m:dPr>
                         <m:ctrlPr>
-                          <a:rPr lang="ru-RU" i="1"/>
+                          <a:rPr lang="ru-RU" i="1">
+                            <a:latin typeface="Cambria Math" panose="02040503050406030204" pitchFamily="18" charset="0"/>
+                          </a:rPr>
                         </m:ctrlPr>
                       </m:dPr>
                       <m:e>
                         <m:r>
-                          <a:rPr lang="en-US" i="1"/>
+                          <a:rPr lang="en-US" i="1">
+                            <a:latin typeface="Cambria Math" panose="02040503050406030204" pitchFamily="18" charset="0"/>
+                          </a:rPr>
                           <m:t>1−</m:t>
                         </m:r>
                         <m:r>
-                          <a:rPr lang="en-US" i="1"/>
+                          <a:rPr lang="en-US" i="1">
+                            <a:latin typeface="Cambria Math" panose="02040503050406030204" pitchFamily="18" charset="0"/>
+                          </a:rPr>
                           <m:t>𝐹𝐴𝑅</m:t>
                         </m:r>
                       </m:e>
                     </m:d>
                     <m:r>
-                      <a:rPr lang="en-US" i="1"/>
+                      <a:rPr lang="en-US" i="1">
+                        <a:latin typeface="Cambria Math" panose="02040503050406030204" pitchFamily="18" charset="0"/>
+                      </a:rPr>
                       <m:t>+</m:t>
                     </m:r>
                     <m:d>
                       <m:dPr>
                         <m:ctrlPr>
-                          <a:rPr lang="ru-RU" i="1"/>
+                          <a:rPr lang="ru-RU" i="1">
+                            <a:latin typeface="Cambria Math" panose="02040503050406030204" pitchFamily="18" charset="0"/>
+                          </a:rPr>
                         </m:ctrlPr>
                       </m:dPr>
                       <m:e>
                         <m:r>
-                          <a:rPr lang="en-US" i="1"/>
+                          <a:rPr lang="en-US" i="1">
+                            <a:latin typeface="Cambria Math" panose="02040503050406030204" pitchFamily="18" charset="0"/>
+                          </a:rPr>
                           <m:t>1−</m:t>
                         </m:r>
                         <m:r>
-                          <a:rPr lang="en-US" i="1"/>
+                          <a:rPr lang="en-US" i="1">
+                            <a:latin typeface="Cambria Math" panose="02040503050406030204" pitchFamily="18" charset="0"/>
+                          </a:rPr>
                           <m:t>𝐶𝑀𝐶</m:t>
                         </m:r>
                         <m:d>
                           <m:dPr>
                             <m:ctrlPr>
-                              <a:rPr lang="ru-RU" i="1"/>
+                              <a:rPr lang="ru-RU" i="1">
+                                <a:latin typeface="Cambria Math" panose="02040503050406030204" pitchFamily="18" charset="0"/>
+                              </a:rPr>
                             </m:ctrlPr>
                           </m:dPr>
                           <m:e>
                             <m:r>
-                              <a:rPr lang="en-US" i="1"/>
+                              <a:rPr lang="en-US" i="1">
+                                <a:latin typeface="Cambria Math" panose="02040503050406030204" pitchFamily="18" charset="0"/>
+                              </a:rPr>
                               <m:t>𝑘</m:t>
                             </m:r>
                           </m:e>
@@ -13274,42 +19978,60 @@
                       </m:e>
                     </m:d>
                     <m:r>
-                      <a:rPr lang="en-US" i="1"/>
+                      <a:rPr lang="en-US" i="1">
+                        <a:latin typeface="Cambria Math" panose="02040503050406030204" pitchFamily="18" charset="0"/>
+                      </a:rPr>
                       <m:t>𝑘</m:t>
                     </m:r>
                     <m:r>
-                      <a:rPr lang="en-US" i="1"/>
+                      <a:rPr lang="en-US" i="1">
+                        <a:latin typeface="Cambria Math" panose="02040503050406030204" pitchFamily="18" charset="0"/>
+                      </a:rPr>
                       <m:t>(1−</m:t>
                     </m:r>
                     <m:r>
-                      <a:rPr lang="en-US" i="1"/>
+                      <a:rPr lang="en-US" i="1">
+                        <a:latin typeface="Cambria Math" panose="02040503050406030204" pitchFamily="18" charset="0"/>
+                      </a:rPr>
                       <m:t>𝐹𝐴𝑅</m:t>
                     </m:r>
                     <m:r>
-                      <a:rPr lang="en-US" i="1"/>
+                      <a:rPr lang="en-US" i="1">
+                        <a:latin typeface="Cambria Math" panose="02040503050406030204" pitchFamily="18" charset="0"/>
+                      </a:rPr>
                       <m:t>)</m:t>
                     </m:r>
                     <m:r>
-                      <a:rPr lang="en-US" i="1"/>
+                      <a:rPr lang="en-US" i="1">
+                        <a:latin typeface="Cambria Math" panose="02040503050406030204" pitchFamily="18" charset="0"/>
+                      </a:rPr>
                       <m:t>𝐹𝐴𝑅</m:t>
                     </m:r>
                     <m:r>
-                      <a:rPr lang="en-US" i="1"/>
+                      <a:rPr lang="en-US" i="1">
+                        <a:latin typeface="Cambria Math" panose="02040503050406030204" pitchFamily="18" charset="0"/>
+                      </a:rPr>
                       <m:t>−</m:t>
                     </m:r>
                     <m:r>
-                      <a:rPr lang="en-US" i="1"/>
+                      <a:rPr lang="en-US" i="1">
+                        <a:latin typeface="Cambria Math" panose="02040503050406030204" pitchFamily="18" charset="0"/>
+                      </a:rPr>
                       <m:t>𝐶𝑀𝐶</m:t>
                     </m:r>
                     <m:d>
                       <m:dPr>
                         <m:ctrlPr>
-                          <a:rPr lang="ru-RU" i="1"/>
+                          <a:rPr lang="ru-RU" i="1">
+                            <a:latin typeface="Cambria Math" panose="02040503050406030204" pitchFamily="18" charset="0"/>
+                          </a:rPr>
                         </m:ctrlPr>
                       </m:dPr>
                       <m:e>
                         <m:r>
-                          <a:rPr lang="en-US" i="1"/>
+                          <a:rPr lang="en-US" i="1">
+                            <a:latin typeface="Cambria Math" panose="02040503050406030204" pitchFamily="18" charset="0"/>
+                          </a:rPr>
                           <m:t>𝑘</m:t>
                         </m:r>
                       </m:e>
@@ -13317,34 +20039,48 @@
                     <m:d>
                       <m:dPr>
                         <m:ctrlPr>
-                          <a:rPr lang="ru-RU" i="1"/>
+                          <a:rPr lang="ru-RU" i="1">
+                            <a:latin typeface="Cambria Math" panose="02040503050406030204" pitchFamily="18" charset="0"/>
+                          </a:rPr>
                         </m:ctrlPr>
                       </m:dPr>
                       <m:e>
                         <m:r>
-                          <a:rPr lang="en-US" i="1"/>
+                          <a:rPr lang="en-US" i="1">
+                            <a:latin typeface="Cambria Math" panose="02040503050406030204" pitchFamily="18" charset="0"/>
+                          </a:rPr>
                           <m:t>𝑘</m:t>
                         </m:r>
                         <m:r>
-                          <a:rPr lang="en-US" i="1"/>
+                          <a:rPr lang="en-US" i="1">
+                            <a:latin typeface="Cambria Math" panose="02040503050406030204" pitchFamily="18" charset="0"/>
+                          </a:rPr>
                           <m:t>−1</m:t>
                         </m:r>
                       </m:e>
                     </m:d>
                     <m:r>
-                      <a:rPr lang="en-US" i="1"/>
+                      <a:rPr lang="en-US" i="1">
+                        <a:latin typeface="Cambria Math" panose="02040503050406030204" pitchFamily="18" charset="0"/>
+                      </a:rPr>
                       <m:t>𝐹𝑅𝑅</m:t>
                     </m:r>
                     <m:r>
-                      <a:rPr lang="en-US" i="1"/>
+                      <a:rPr lang="en-US" i="1">
+                        <a:latin typeface="Cambria Math" panose="02040503050406030204" pitchFamily="18" charset="0"/>
+                      </a:rPr>
                       <m:t>∙</m:t>
                     </m:r>
                     <m:r>
-                      <a:rPr lang="en-US" i="1"/>
+                      <a:rPr lang="en-US" i="1">
+                        <a:latin typeface="Cambria Math" panose="02040503050406030204" pitchFamily="18" charset="0"/>
+                      </a:rPr>
                       <m:t>𝐹𝐴𝑅</m:t>
                     </m:r>
                     <m:r>
-                      <a:rPr lang="en-US" i="1"/>
+                      <a:rPr lang="en-US" i="1">
+                        <a:latin typeface="Cambria Math" panose="02040503050406030204" pitchFamily="18" charset="0"/>
+                      </a:rPr>
                       <m:t>)</m:t>
                     </m:r>
                   </m:oMath>
@@ -13356,53 +20092,71 @@
                 <a14:m>
                   <m:oMath xmlns:m="http://schemas.openxmlformats.org/officeDocument/2006/math">
                     <m:r>
-                      <a:rPr lang="en-US" i="1"/>
+                      <a:rPr lang="en-US" i="1">
+                        <a:latin typeface="Cambria Math" panose="02040503050406030204" pitchFamily="18" charset="0"/>
+                      </a:rPr>
                       <m:t>𝐶𝑀𝐶</m:t>
                     </m:r>
                     <m:d>
                       <m:dPr>
                         <m:ctrlPr>
-                          <a:rPr lang="ru-RU" i="1"/>
+                          <a:rPr lang="ru-RU" i="1">
+                            <a:latin typeface="Cambria Math" panose="02040503050406030204" pitchFamily="18" charset="0"/>
+                          </a:rPr>
                         </m:ctrlPr>
                       </m:dPr>
                       <m:e>
                         <m:r>
-                          <a:rPr lang="en-US" i="1"/>
+                          <a:rPr lang="en-US" i="1">
+                            <a:latin typeface="Cambria Math" panose="02040503050406030204" pitchFamily="18" charset="0"/>
+                          </a:rPr>
                           <m:t>𝑘</m:t>
                         </m:r>
                       </m:e>
                     </m:d>
                     <m:r>
-                      <a:rPr lang="en-US" i="1"/>
+                      <a:rPr lang="en-US" i="1">
+                        <a:latin typeface="Cambria Math" panose="02040503050406030204" pitchFamily="18" charset="0"/>
+                      </a:rPr>
                       <m:t>&gt;</m:t>
                     </m:r>
                     <m:f>
                       <m:fPr>
                         <m:ctrlPr>
-                          <a:rPr lang="ru-RU" i="1"/>
+                          <a:rPr lang="ru-RU" i="1">
+                            <a:latin typeface="Cambria Math" panose="02040503050406030204" pitchFamily="18" charset="0"/>
+                          </a:rPr>
                         </m:ctrlPr>
                       </m:fPr>
                       <m:num>
                         <m:sSup>
                           <m:sSupPr>
                             <m:ctrlPr>
-                              <a:rPr lang="ru-RU" i="1"/>
+                              <a:rPr lang="ru-RU" i="1">
+                                <a:latin typeface="Cambria Math" panose="02040503050406030204" pitchFamily="18" charset="0"/>
+                              </a:rPr>
                             </m:ctrlPr>
                           </m:sSupPr>
                           <m:e>
                             <m:d>
                               <m:dPr>
                                 <m:ctrlPr>
-                                  <a:rPr lang="ru-RU" i="1"/>
+                                  <a:rPr lang="ru-RU" i="1">
+                                    <a:latin typeface="Cambria Math" panose="02040503050406030204" pitchFamily="18" charset="0"/>
+                                  </a:rPr>
                                 </m:ctrlPr>
                               </m:dPr>
                               <m:e>
                                 <m:r>
-                                  <a:rPr lang="en-US" i="1"/>
+                                  <a:rPr lang="en-US" i="1">
+                                    <a:latin typeface="Cambria Math" panose="02040503050406030204" pitchFamily="18" charset="0"/>
+                                  </a:rPr>
                                   <m:t>1−</m:t>
                                 </m:r>
                                 <m:r>
-                                  <a:rPr lang="en-US" i="1"/>
+                                  <a:rPr lang="en-US" i="1">
+                                    <a:latin typeface="Cambria Math" panose="02040503050406030204" pitchFamily="18" charset="0"/>
+                                  </a:rPr>
                                   <m:t>𝐹𝐴𝑅</m:t>
                                 </m:r>
                               </m:e>
@@ -13410,15 +20164,21 @@
                           </m:e>
                           <m:sup>
                             <m:r>
-                              <a:rPr lang="en-US" i="1"/>
+                              <a:rPr lang="en-US" i="1">
+                                <a:latin typeface="Cambria Math" panose="02040503050406030204" pitchFamily="18" charset="0"/>
+                              </a:rPr>
                               <m:t>𝑚</m:t>
                             </m:r>
                             <m:r>
-                              <a:rPr lang="en-US" i="1"/>
+                              <a:rPr lang="en-US" i="1">
+                                <a:latin typeface="Cambria Math" panose="02040503050406030204" pitchFamily="18" charset="0"/>
+                              </a:rPr>
                               <m:t>−</m:t>
                             </m:r>
                             <m:r>
-                              <a:rPr lang="en-US" i="1"/>
+                              <a:rPr lang="en-US" i="1">
+                                <a:latin typeface="Cambria Math" panose="02040503050406030204" pitchFamily="18" charset="0"/>
+                              </a:rPr>
                               <m:t>𝑘</m:t>
                             </m:r>
                           </m:sup>
@@ -13426,150 +20186,216 @@
                         <m:d>
                           <m:dPr>
                             <m:ctrlPr>
-                              <a:rPr lang="ru-RU" i="1"/>
+                              <a:rPr lang="ru-RU" i="1">
+                                <a:latin typeface="Cambria Math" panose="02040503050406030204" pitchFamily="18" charset="0"/>
+                              </a:rPr>
                             </m:ctrlPr>
                           </m:dPr>
                           <m:e>
                             <m:r>
-                              <a:rPr lang="en-US" i="1"/>
+                              <a:rPr lang="en-US" i="1">
+                                <a:latin typeface="Cambria Math" panose="02040503050406030204" pitchFamily="18" charset="0"/>
+                              </a:rPr>
                               <m:t>1−</m:t>
                             </m:r>
                             <m:r>
-                              <a:rPr lang="en-US" i="1"/>
+                              <a:rPr lang="en-US" i="1">
+                                <a:latin typeface="Cambria Math" panose="02040503050406030204" pitchFamily="18" charset="0"/>
+                              </a:rPr>
                               <m:t>𝐹𝐴𝑅</m:t>
                             </m:r>
                             <m:r>
-                              <a:rPr lang="en-US" i="1"/>
+                              <a:rPr lang="en-US" i="1">
+                                <a:latin typeface="Cambria Math" panose="02040503050406030204" pitchFamily="18" charset="0"/>
+                              </a:rPr>
                               <m:t>−</m:t>
                             </m:r>
                             <m:r>
-                              <a:rPr lang="en-US" i="1"/>
+                              <a:rPr lang="en-US" i="1">
+                                <a:latin typeface="Cambria Math" panose="02040503050406030204" pitchFamily="18" charset="0"/>
+                              </a:rPr>
                               <m:t>𝐹𝑅𝑅</m:t>
                             </m:r>
                             <m:r>
-                              <a:rPr lang="en-US" i="1"/>
+                              <a:rPr lang="en-US" i="1">
+                                <a:latin typeface="Cambria Math" panose="02040503050406030204" pitchFamily="18" charset="0"/>
+                              </a:rPr>
                               <m:t>+</m:t>
                             </m:r>
                             <m:r>
-                              <a:rPr lang="en-US" i="1"/>
+                              <a:rPr lang="en-US" i="1">
+                                <a:latin typeface="Cambria Math" panose="02040503050406030204" pitchFamily="18" charset="0"/>
+                              </a:rPr>
                               <m:t>𝑚</m:t>
                             </m:r>
                             <m:r>
-                              <a:rPr lang="en-US" i="1"/>
+                              <a:rPr lang="en-US" i="1">
+                                <a:latin typeface="Cambria Math" panose="02040503050406030204" pitchFamily="18" charset="0"/>
+                              </a:rPr>
                               <m:t>∙</m:t>
                             </m:r>
                             <m:r>
-                              <a:rPr lang="en-US" i="1"/>
+                              <a:rPr lang="en-US" i="1">
+                                <a:latin typeface="Cambria Math" panose="02040503050406030204" pitchFamily="18" charset="0"/>
+                              </a:rPr>
                               <m:t>𝐹𝐴𝑅</m:t>
                             </m:r>
                             <m:r>
-                              <a:rPr lang="en-US" i="1"/>
+                              <a:rPr lang="en-US" i="1">
+                                <a:latin typeface="Cambria Math" panose="02040503050406030204" pitchFamily="18" charset="0"/>
+                              </a:rPr>
                               <m:t>∙</m:t>
                             </m:r>
                             <m:r>
-                              <a:rPr lang="en-US" i="1"/>
+                              <a:rPr lang="en-US" i="1">
+                                <a:latin typeface="Cambria Math" panose="02040503050406030204" pitchFamily="18" charset="0"/>
+                              </a:rPr>
                               <m:t>𝐹𝑅𝑅</m:t>
                             </m:r>
                           </m:e>
                         </m:d>
                         <m:r>
-                          <a:rPr lang="en-US" i="1"/>
+                          <a:rPr lang="en-US" i="1">
+                            <a:latin typeface="Cambria Math" panose="02040503050406030204" pitchFamily="18" charset="0"/>
+                          </a:rPr>
                           <m:t>−</m:t>
                         </m:r>
                         <m:r>
-                          <a:rPr lang="en-US" i="1"/>
+                          <a:rPr lang="en-US" i="1">
+                            <a:latin typeface="Cambria Math" panose="02040503050406030204" pitchFamily="18" charset="0"/>
+                          </a:rPr>
                           <m:t>𝑘</m:t>
                         </m:r>
                         <m:d>
                           <m:dPr>
                             <m:ctrlPr>
-                              <a:rPr lang="ru-RU" i="1"/>
+                              <a:rPr lang="ru-RU" i="1">
+                                <a:latin typeface="Cambria Math" panose="02040503050406030204" pitchFamily="18" charset="0"/>
+                              </a:rPr>
                             </m:ctrlPr>
                           </m:dPr>
                           <m:e>
                             <m:r>
-                              <a:rPr lang="en-US" i="1"/>
+                              <a:rPr lang="en-US" i="1">
+                                <a:latin typeface="Cambria Math" panose="02040503050406030204" pitchFamily="18" charset="0"/>
+                              </a:rPr>
                               <m:t>1−</m:t>
                             </m:r>
                             <m:r>
-                              <a:rPr lang="en-US" i="1"/>
+                              <a:rPr lang="en-US" i="1">
+                                <a:latin typeface="Cambria Math" panose="02040503050406030204" pitchFamily="18" charset="0"/>
+                              </a:rPr>
                               <m:t>𝐹𝐴𝑅</m:t>
                             </m:r>
                           </m:e>
                         </m:d>
                         <m:r>
-                          <a:rPr lang="en-US" i="1"/>
+                          <a:rPr lang="en-US" i="1">
+                            <a:latin typeface="Cambria Math" panose="02040503050406030204" pitchFamily="18" charset="0"/>
+                          </a:rPr>
                           <m:t>𝐹𝐴𝑅</m:t>
                         </m:r>
                       </m:num>
                       <m:den>
                         <m:r>
-                          <a:rPr lang="en-US" i="1"/>
+                          <a:rPr lang="en-US" i="1">
+                            <a:latin typeface="Cambria Math" panose="02040503050406030204" pitchFamily="18" charset="0"/>
+                          </a:rPr>
                           <m:t>1−</m:t>
                         </m:r>
                         <m:r>
-                          <a:rPr lang="en-US" i="1"/>
+                          <a:rPr lang="en-US" i="1">
+                            <a:latin typeface="Cambria Math" panose="02040503050406030204" pitchFamily="18" charset="0"/>
+                          </a:rPr>
                           <m:t>𝐹𝑅𝑅</m:t>
                         </m:r>
                         <m:r>
-                          <a:rPr lang="en-US" i="1"/>
+                          <a:rPr lang="en-US" i="1">
+                            <a:latin typeface="Cambria Math" panose="02040503050406030204" pitchFamily="18" charset="0"/>
+                          </a:rPr>
                           <m:t>−</m:t>
                         </m:r>
                         <m:r>
-                          <a:rPr lang="en-US" i="1"/>
+                          <a:rPr lang="en-US" i="1">
+                            <a:latin typeface="Cambria Math" panose="02040503050406030204" pitchFamily="18" charset="0"/>
+                          </a:rPr>
                           <m:t>𝐹𝐴𝑅</m:t>
                         </m:r>
                         <m:r>
-                          <a:rPr lang="en-US" i="1"/>
+                          <a:rPr lang="en-US" i="1">
+                            <a:latin typeface="Cambria Math" panose="02040503050406030204" pitchFamily="18" charset="0"/>
+                          </a:rPr>
                           <m:t>+</m:t>
                         </m:r>
                         <m:r>
-                          <a:rPr lang="en-US" i="1"/>
+                          <a:rPr lang="en-US" i="1">
+                            <a:latin typeface="Cambria Math" panose="02040503050406030204" pitchFamily="18" charset="0"/>
+                          </a:rPr>
                           <m:t>𝑘</m:t>
                         </m:r>
                         <m:r>
-                          <a:rPr lang="en-US" i="1"/>
+                          <a:rPr lang="en-US" i="1">
+                            <a:latin typeface="Cambria Math" panose="02040503050406030204" pitchFamily="18" charset="0"/>
+                          </a:rPr>
                           <m:t>∙</m:t>
                         </m:r>
                         <m:r>
-                          <a:rPr lang="en-US" i="1"/>
+                          <a:rPr lang="en-US" i="1">
+                            <a:latin typeface="Cambria Math" panose="02040503050406030204" pitchFamily="18" charset="0"/>
+                          </a:rPr>
                           <m:t>𝐹𝑅𝑅</m:t>
                         </m:r>
                         <m:r>
-                          <a:rPr lang="en-US" i="1"/>
+                          <a:rPr lang="en-US" i="1">
+                            <a:latin typeface="Cambria Math" panose="02040503050406030204" pitchFamily="18" charset="0"/>
+                          </a:rPr>
                           <m:t>∙</m:t>
                         </m:r>
                         <m:r>
-                          <a:rPr lang="en-US" i="1"/>
+                          <a:rPr lang="en-US" i="1">
+                            <a:latin typeface="Cambria Math" panose="02040503050406030204" pitchFamily="18" charset="0"/>
+                          </a:rPr>
                           <m:t>𝐹𝐴𝑅</m:t>
                         </m:r>
                         <m:r>
-                          <a:rPr lang="en-US" i="1"/>
+                          <a:rPr lang="en-US" i="1">
+                            <a:latin typeface="Cambria Math" panose="02040503050406030204" pitchFamily="18" charset="0"/>
+                          </a:rPr>
                           <m:t>−</m:t>
                         </m:r>
                         <m:r>
-                          <a:rPr lang="en-US" i="1"/>
+                          <a:rPr lang="en-US" i="1">
+                            <a:latin typeface="Cambria Math" panose="02040503050406030204" pitchFamily="18" charset="0"/>
+                          </a:rPr>
                           <m:t>𝑘</m:t>
                         </m:r>
                         <m:d>
                           <m:dPr>
                             <m:ctrlPr>
-                              <a:rPr lang="ru-RU" i="1"/>
+                              <a:rPr lang="ru-RU" i="1">
+                                <a:latin typeface="Cambria Math" panose="02040503050406030204" pitchFamily="18" charset="0"/>
+                              </a:rPr>
                             </m:ctrlPr>
                           </m:dPr>
                           <m:e>
                             <m:r>
-                              <a:rPr lang="en-US" i="1"/>
+                              <a:rPr lang="en-US" i="1">
+                                <a:latin typeface="Cambria Math" panose="02040503050406030204" pitchFamily="18" charset="0"/>
+                              </a:rPr>
                               <m:t>1−</m:t>
                             </m:r>
                             <m:r>
-                              <a:rPr lang="en-US" i="1"/>
+                              <a:rPr lang="en-US" i="1">
+                                <a:latin typeface="Cambria Math" panose="02040503050406030204" pitchFamily="18" charset="0"/>
+                              </a:rPr>
                               <m:t>𝐹𝐴𝑅</m:t>
                             </m:r>
                           </m:e>
                         </m:d>
                         <m:r>
-                          <a:rPr lang="en-US" i="1"/>
+                          <a:rPr lang="en-US" i="1">
+                            <a:latin typeface="Cambria Math" panose="02040503050406030204" pitchFamily="18" charset="0"/>
+                          </a:rPr>
                           <m:t>𝐹𝐴𝑅</m:t>
                         </m:r>
                       </m:den>
@@ -13585,7 +20411,7 @@
             </p:txBody>
           </p:sp>
         </mc:Choice>
-        <mc:Fallback>
+        <mc:Fallback xmlns="">
           <p:sp>
             <p:nvSpPr>
               <p:cNvPr id="3" name="Content Placeholder 2"/>
@@ -14129,4 +20955,265 @@
     </a:ext>
   </a:extLst>
 </a:theme>
+</file>
+
+<file path=ppt/theme/theme2.xml><?xml version="1.0" encoding="utf-8"?>
+<a:theme xmlns:a="http://schemas.openxmlformats.org/drawingml/2006/main" name="Office Theme">
+  <a:themeElements>
+    <a:clrScheme name="Office">
+      <a:dk1>
+        <a:sysClr val="windowText" lastClr="000000"/>
+      </a:dk1>
+      <a:lt1>
+        <a:sysClr val="window" lastClr="FFFFFF"/>
+      </a:lt1>
+      <a:dk2>
+        <a:srgbClr val="44546A"/>
+      </a:dk2>
+      <a:lt2>
+        <a:srgbClr val="E7E6E6"/>
+      </a:lt2>
+      <a:accent1>
+        <a:srgbClr val="5B9BD5"/>
+      </a:accent1>
+      <a:accent2>
+        <a:srgbClr val="ED7D31"/>
+      </a:accent2>
+      <a:accent3>
+        <a:srgbClr val="A5A5A5"/>
+      </a:accent3>
+      <a:accent4>
+        <a:srgbClr val="FFC000"/>
+      </a:accent4>
+      <a:accent5>
+        <a:srgbClr val="4472C4"/>
+      </a:accent5>
+      <a:accent6>
+        <a:srgbClr val="70AD47"/>
+      </a:accent6>
+      <a:hlink>
+        <a:srgbClr val="0563C1"/>
+      </a:hlink>
+      <a:folHlink>
+        <a:srgbClr val="954F72"/>
+      </a:folHlink>
+    </a:clrScheme>
+    <a:fontScheme name="Office">
+      <a:majorFont>
+        <a:latin typeface="Calibri Light" panose="020F0302020204030204"/>
+        <a:ea typeface=""/>
+        <a:cs typeface=""/>
+        <a:font script="Jpan" typeface="ＭＳ Ｐゴシック"/>
+        <a:font script="Hang" typeface="맑은 고딕"/>
+        <a:font script="Hans" typeface="宋体"/>
+        <a:font script="Hant" typeface="新細明體"/>
+        <a:font script="Arab" typeface="Times New Roman"/>
+        <a:font script="Hebr" typeface="Times New Roman"/>
+        <a:font script="Thai" typeface="Angsana New"/>
+        <a:font script="Ethi" typeface="Nyala"/>
+        <a:font script="Beng" typeface="Vrinda"/>
+        <a:font script="Gujr" typeface="Shruti"/>
+        <a:font script="Khmr" typeface="MoolBoran"/>
+        <a:font script="Knda" typeface="Tunga"/>
+        <a:font script="Guru" typeface="Raavi"/>
+        <a:font script="Cans" typeface="Euphemia"/>
+        <a:font script="Cher" typeface="Plantagenet Cherokee"/>
+        <a:font script="Yiii" typeface="Microsoft Yi Baiti"/>
+        <a:font script="Tibt" typeface="Microsoft Himalaya"/>
+        <a:font script="Thaa" typeface="MV Boli"/>
+        <a:font script="Deva" typeface="Mangal"/>
+        <a:font script="Telu" typeface="Gautami"/>
+        <a:font script="Taml" typeface="Latha"/>
+        <a:font script="Syrc" typeface="Estrangelo Edessa"/>
+        <a:font script="Orya" typeface="Kalinga"/>
+        <a:font script="Mlym" typeface="Kartika"/>
+        <a:font script="Laoo" typeface="DokChampa"/>
+        <a:font script="Sinh" typeface="Iskoola Pota"/>
+        <a:font script="Mong" typeface="Mongolian Baiti"/>
+        <a:font script="Viet" typeface="Times New Roman"/>
+        <a:font script="Uigh" typeface="Microsoft Uighur"/>
+        <a:font script="Geor" typeface="Sylfaen"/>
+      </a:majorFont>
+      <a:minorFont>
+        <a:latin typeface="Calibri" panose="020F0502020204030204"/>
+        <a:ea typeface=""/>
+        <a:cs typeface=""/>
+        <a:font script="Jpan" typeface="ＭＳ Ｐゴシック"/>
+        <a:font script="Hang" typeface="맑은 고딕"/>
+        <a:font script="Hans" typeface="宋体"/>
+        <a:font script="Hant" typeface="新細明體"/>
+        <a:font script="Arab" typeface="Arial"/>
+        <a:font script="Hebr" typeface="Arial"/>
+        <a:font script="Thai" typeface="Cordia New"/>
+        <a:font script="Ethi" typeface="Nyala"/>
+        <a:font script="Beng" typeface="Vrinda"/>
+        <a:font script="Gujr" typeface="Shruti"/>
+        <a:font script="Khmr" typeface="DaunPenh"/>
+        <a:font script="Knda" typeface="Tunga"/>
+        <a:font script="Guru" typeface="Raavi"/>
+        <a:font script="Cans" typeface="Euphemia"/>
+        <a:font script="Cher" typeface="Plantagenet Cherokee"/>
+        <a:font script="Yiii" typeface="Microsoft Yi Baiti"/>
+        <a:font script="Tibt" typeface="Microsoft Himalaya"/>
+        <a:font script="Thaa" typeface="MV Boli"/>
+        <a:font script="Deva" typeface="Mangal"/>
+        <a:font script="Telu" typeface="Gautami"/>
+        <a:font script="Taml" typeface="Latha"/>
+        <a:font script="Syrc" typeface="Estrangelo Edessa"/>
+        <a:font script="Orya" typeface="Kalinga"/>
+        <a:font script="Mlym" typeface="Kartika"/>
+        <a:font script="Laoo" typeface="DokChampa"/>
+        <a:font script="Sinh" typeface="Iskoola Pota"/>
+        <a:font script="Mong" typeface="Mongolian Baiti"/>
+        <a:font script="Viet" typeface="Arial"/>
+        <a:font script="Uigh" typeface="Microsoft Uighur"/>
+        <a:font script="Geor" typeface="Sylfaen"/>
+      </a:minorFont>
+    </a:fontScheme>
+    <a:fmtScheme name="Office">
+      <a:fillStyleLst>
+        <a:solidFill>
+          <a:schemeClr val="phClr"/>
+        </a:solidFill>
+        <a:gradFill rotWithShape="1">
+          <a:gsLst>
+            <a:gs pos="0">
+              <a:schemeClr val="phClr">
+                <a:lumMod val="110000"/>
+                <a:satMod val="105000"/>
+                <a:tint val="67000"/>
+              </a:schemeClr>
+            </a:gs>
+            <a:gs pos="50000">
+              <a:schemeClr val="phClr">
+                <a:lumMod val="105000"/>
+                <a:satMod val="103000"/>
+                <a:tint val="73000"/>
+              </a:schemeClr>
+            </a:gs>
+            <a:gs pos="100000">
+              <a:schemeClr val="phClr">
+                <a:lumMod val="105000"/>
+                <a:satMod val="109000"/>
+                <a:tint val="81000"/>
+              </a:schemeClr>
+            </a:gs>
+          </a:gsLst>
+          <a:lin ang="5400000" scaled="0"/>
+        </a:gradFill>
+        <a:gradFill rotWithShape="1">
+          <a:gsLst>
+            <a:gs pos="0">
+              <a:schemeClr val="phClr">
+                <a:satMod val="103000"/>
+                <a:lumMod val="102000"/>
+                <a:tint val="94000"/>
+              </a:schemeClr>
+            </a:gs>
+            <a:gs pos="50000">
+              <a:schemeClr val="phClr">
+                <a:satMod val="110000"/>
+                <a:lumMod val="100000"/>
+                <a:shade val="100000"/>
+              </a:schemeClr>
+            </a:gs>
+            <a:gs pos="100000">
+              <a:schemeClr val="phClr">
+                <a:lumMod val="99000"/>
+                <a:satMod val="120000"/>
+                <a:shade val="78000"/>
+              </a:schemeClr>
+            </a:gs>
+          </a:gsLst>
+          <a:lin ang="5400000" scaled="0"/>
+        </a:gradFill>
+      </a:fillStyleLst>
+      <a:lnStyleLst>
+        <a:ln w="6350" cap="flat" cmpd="sng" algn="ctr">
+          <a:solidFill>
+            <a:schemeClr val="phClr"/>
+          </a:solidFill>
+          <a:prstDash val="solid"/>
+          <a:miter lim="800000"/>
+        </a:ln>
+        <a:ln w="12700" cap="flat" cmpd="sng" algn="ctr">
+          <a:solidFill>
+            <a:schemeClr val="phClr"/>
+          </a:solidFill>
+          <a:prstDash val="solid"/>
+          <a:miter lim="800000"/>
+        </a:ln>
+        <a:ln w="19050" cap="flat" cmpd="sng" algn="ctr">
+          <a:solidFill>
+            <a:schemeClr val="phClr"/>
+          </a:solidFill>
+          <a:prstDash val="solid"/>
+          <a:miter lim="800000"/>
+        </a:ln>
+      </a:lnStyleLst>
+      <a:effectStyleLst>
+        <a:effectStyle>
+          <a:effectLst/>
+        </a:effectStyle>
+        <a:effectStyle>
+          <a:effectLst/>
+        </a:effectStyle>
+        <a:effectStyle>
+          <a:effectLst>
+            <a:outerShdw blurRad="57150" dist="19050" dir="5400000" algn="ctr" rotWithShape="0">
+              <a:srgbClr val="000000">
+                <a:alpha val="63000"/>
+              </a:srgbClr>
+            </a:outerShdw>
+          </a:effectLst>
+        </a:effectStyle>
+      </a:effectStyleLst>
+      <a:bgFillStyleLst>
+        <a:solidFill>
+          <a:schemeClr val="phClr"/>
+        </a:solidFill>
+        <a:solidFill>
+          <a:schemeClr val="phClr">
+            <a:tint val="95000"/>
+            <a:satMod val="170000"/>
+          </a:schemeClr>
+        </a:solidFill>
+        <a:gradFill rotWithShape="1">
+          <a:gsLst>
+            <a:gs pos="0">
+              <a:schemeClr val="phClr">
+                <a:tint val="93000"/>
+                <a:satMod val="150000"/>
+                <a:shade val="98000"/>
+                <a:lumMod val="102000"/>
+              </a:schemeClr>
+            </a:gs>
+            <a:gs pos="50000">
+              <a:schemeClr val="phClr">
+                <a:tint val="98000"/>
+                <a:satMod val="130000"/>
+                <a:shade val="90000"/>
+                <a:lumMod val="103000"/>
+              </a:schemeClr>
+            </a:gs>
+            <a:gs pos="100000">
+              <a:schemeClr val="phClr">
+                <a:shade val="63000"/>
+                <a:satMod val="120000"/>
+              </a:schemeClr>
+            </a:gs>
+          </a:gsLst>
+          <a:lin ang="5400000" scaled="0"/>
+        </a:gradFill>
+      </a:bgFillStyleLst>
+    </a:fmtScheme>
+  </a:themeElements>
+  <a:objectDefaults/>
+  <a:extraClrSchemeLst/>
+  <a:extLst>
+    <a:ext uri="{05A4C25C-085E-4340-85A3-A5531E510DB2}">
+      <thm15:themeFamily xmlns:thm15="http://schemas.microsoft.com/office/thememl/2012/main" name="Office Theme" id="{62F939B6-93AF-4DB8-9C6B-D6C7DFDC589F}" vid="{4A3C46E8-61CC-4603-A589-7422A47A8E4A}"/>
+    </a:ext>
+  </a:extLst>
+</a:theme>
 </file>
--- a/trunk/Publications/15.03.2013 - SPIIRAS/Опыт решения задачи дактилоскопической идентификации с использованием GPGPU.pptx
+++ b/trunk/Publications/15.03.2013 - SPIIRAS/Опыт решения задачи дактилоскопической идентификации с использованием GPGPU.pptx
@@ -5,7 +5,7 @@
     <p:sldMasterId id="2147483672" r:id="rId1"/>
   </p:sldMasterIdLst>
   <p:notesMasterIdLst>
-    <p:notesMasterId r:id="rId27"/>
+    <p:notesMasterId r:id="rId28"/>
   </p:notesMasterIdLst>
   <p:sldIdLst>
     <p:sldId id="256" r:id="rId2"/>
@@ -16,23 +16,24 @@
     <p:sldId id="271" r:id="rId7"/>
     <p:sldId id="272" r:id="rId8"/>
     <p:sldId id="270" r:id="rId9"/>
-    <p:sldId id="276" r:id="rId10"/>
-    <p:sldId id="277" r:id="rId11"/>
-    <p:sldId id="281" r:id="rId12"/>
-    <p:sldId id="278" r:id="rId13"/>
-    <p:sldId id="279" r:id="rId14"/>
-    <p:sldId id="261" r:id="rId15"/>
-    <p:sldId id="262" r:id="rId16"/>
-    <p:sldId id="274" r:id="rId17"/>
-    <p:sldId id="273" r:id="rId18"/>
-    <p:sldId id="263" r:id="rId19"/>
-    <p:sldId id="267" r:id="rId20"/>
-    <p:sldId id="268" r:id="rId21"/>
-    <p:sldId id="285" r:id="rId22"/>
-    <p:sldId id="275" r:id="rId23"/>
-    <p:sldId id="282" r:id="rId24"/>
-    <p:sldId id="280" r:id="rId25"/>
-    <p:sldId id="284" r:id="rId26"/>
+    <p:sldId id="261" r:id="rId10"/>
+    <p:sldId id="262" r:id="rId11"/>
+    <p:sldId id="274" r:id="rId12"/>
+    <p:sldId id="286" r:id="rId13"/>
+    <p:sldId id="273" r:id="rId14"/>
+    <p:sldId id="287" r:id="rId15"/>
+    <p:sldId id="288" r:id="rId16"/>
+    <p:sldId id="289" r:id="rId17"/>
+    <p:sldId id="290" r:id="rId18"/>
+    <p:sldId id="291" r:id="rId19"/>
+    <p:sldId id="263" r:id="rId20"/>
+    <p:sldId id="267" r:id="rId21"/>
+    <p:sldId id="268" r:id="rId22"/>
+    <p:sldId id="285" r:id="rId23"/>
+    <p:sldId id="275" r:id="rId24"/>
+    <p:sldId id="282" r:id="rId25"/>
+    <p:sldId id="280" r:id="rId26"/>
+    <p:sldId id="284" r:id="rId27"/>
   </p:sldIdLst>
   <p:sldSz cx="9144000" cy="6858000" type="screen4x3"/>
   <p:notesSz cx="6858000" cy="9144000"/>
@@ -154,21 +155,22 @@
             <p14:sldId id="270"/>
           </p14:sldIdLst>
         </p14:section>
-        <p14:section name="Улучшение изображения" id="{722CFBA7-545A-4255-A843-75A249767E07}">
-          <p14:sldIdLst>
-            <p14:sldId id="276"/>
-            <p14:sldId id="277"/>
-            <p14:sldId id="281"/>
-            <p14:sldId id="278"/>
-            <p14:sldId id="279"/>
-          </p14:sldIdLst>
-        </p14:section>
         <p14:section name="FingerCode" id="{F25D55C5-2259-4642-9DC1-DB1D77E99D84}">
           <p14:sldIdLst>
             <p14:sldId id="261"/>
             <p14:sldId id="262"/>
             <p14:sldId id="274"/>
+            <p14:sldId id="286"/>
             <p14:sldId id="273"/>
+          </p14:sldIdLst>
+        </p14:section>
+        <p14:section name="Улучшение изображения" id="{0C89270F-BF51-4105-B7B6-909A1DE68848}">
+          <p14:sldIdLst>
+            <p14:sldId id="287"/>
+            <p14:sldId id="288"/>
+            <p14:sldId id="289"/>
+            <p14:sldId id="290"/>
+            <p14:sldId id="291"/>
           </p14:sldIdLst>
         </p14:section>
         <p14:section name="Распознавание по минуциям" id="{E698D062-E425-4F94-AE8B-084D860D1AAB}">
@@ -2946,16 +2948,16 @@
     </dgm:pt>
   </dgm:ptLst>
   <dgm:cxnLst>
-    <dgm:cxn modelId="{FC51A18B-071C-4C2B-A12C-4FFB935F096F}" type="presOf" srcId="{0D13A2BC-CC73-4654-A0E9-96485A190F7B}" destId="{E72B6AFE-4DD2-416A-A52F-DF4F6D1060D1}" srcOrd="0" destOrd="0" presId="urn:microsoft.com/office/officeart/2005/8/layout/arrow3"/>
     <dgm:cxn modelId="{1D21355D-0885-46CA-A59D-BCC358E24F74}" srcId="{D57B0506-26B6-4EC7-B9C4-0720280FA866}" destId="{D64F9C3C-9EB2-4AC3-B122-F4DDC6235FDC}" srcOrd="0" destOrd="0" parTransId="{1807F84C-477F-43B4-9D14-87A56A45E30F}" sibTransId="{9E44FB81-A89A-4A7C-8991-927B2654C3AA}"/>
+    <dgm:cxn modelId="{02C7472E-BFF9-4B77-AF2E-5F16A42C749B}" type="presOf" srcId="{D57B0506-26B6-4EC7-B9C4-0720280FA866}" destId="{28203189-6871-4635-956F-60969EA1E9AC}" srcOrd="0" destOrd="0" presId="urn:microsoft.com/office/officeart/2005/8/layout/arrow3"/>
     <dgm:cxn modelId="{CE67DE53-39B3-4C0C-8299-2B891B89B3F9}" srcId="{D57B0506-26B6-4EC7-B9C4-0720280FA866}" destId="{0D13A2BC-CC73-4654-A0E9-96485A190F7B}" srcOrd="1" destOrd="0" parTransId="{21FF41B2-160F-4D59-9560-97E750772A7E}" sibTransId="{A690DF5F-6680-456A-A0D4-502248643B81}"/>
-    <dgm:cxn modelId="{6877D4CF-6183-4A38-ABF2-2BFCD6AC40C6}" type="presOf" srcId="{D64F9C3C-9EB2-4AC3-B122-F4DDC6235FDC}" destId="{7D18D754-8F93-4CCE-9940-2455BD57DF7F}" srcOrd="0" destOrd="0" presId="urn:microsoft.com/office/officeart/2005/8/layout/arrow3"/>
-    <dgm:cxn modelId="{AC92C9BA-269E-4A12-8256-2343A09C572F}" type="presOf" srcId="{D57B0506-26B6-4EC7-B9C4-0720280FA866}" destId="{28203189-6871-4635-956F-60969EA1E9AC}" srcOrd="0" destOrd="0" presId="urn:microsoft.com/office/officeart/2005/8/layout/arrow3"/>
-    <dgm:cxn modelId="{89CD2441-D6A8-409C-96C0-78D809BA9A86}" type="presParOf" srcId="{28203189-6871-4635-956F-60969EA1E9AC}" destId="{48BBED58-3F19-4F01-A71F-9C5C21A1E99E}" srcOrd="0" destOrd="0" presId="urn:microsoft.com/office/officeart/2005/8/layout/arrow3"/>
-    <dgm:cxn modelId="{38B0CF8F-B97D-45C5-87C3-70B3F6CD56D9}" type="presParOf" srcId="{28203189-6871-4635-956F-60969EA1E9AC}" destId="{4D4A576D-DA23-4735-BA74-AF454BFE3C6F}" srcOrd="1" destOrd="0" presId="urn:microsoft.com/office/officeart/2005/8/layout/arrow3"/>
-    <dgm:cxn modelId="{AFE35B5E-7493-4E43-B4FC-EBECC55BD978}" type="presParOf" srcId="{28203189-6871-4635-956F-60969EA1E9AC}" destId="{7D18D754-8F93-4CCE-9940-2455BD57DF7F}" srcOrd="2" destOrd="0" presId="urn:microsoft.com/office/officeart/2005/8/layout/arrow3"/>
-    <dgm:cxn modelId="{095E0270-EE4D-48F5-B93A-75CE362C4BF7}" type="presParOf" srcId="{28203189-6871-4635-956F-60969EA1E9AC}" destId="{7D4CED21-5ACE-4242-BDF2-83C35F084B88}" srcOrd="3" destOrd="0" presId="urn:microsoft.com/office/officeart/2005/8/layout/arrow3"/>
-    <dgm:cxn modelId="{BB8308E3-11FE-40FD-B877-F6E348156F2C}" type="presParOf" srcId="{28203189-6871-4635-956F-60969EA1E9AC}" destId="{E72B6AFE-4DD2-416A-A52F-DF4F6D1060D1}" srcOrd="4" destOrd="0" presId="urn:microsoft.com/office/officeart/2005/8/layout/arrow3"/>
+    <dgm:cxn modelId="{FCB2FAD2-E75B-4A3C-90AF-8D1DAE291A47}" type="presOf" srcId="{0D13A2BC-CC73-4654-A0E9-96485A190F7B}" destId="{E72B6AFE-4DD2-416A-A52F-DF4F6D1060D1}" srcOrd="0" destOrd="0" presId="urn:microsoft.com/office/officeart/2005/8/layout/arrow3"/>
+    <dgm:cxn modelId="{C29A181F-109C-4448-BF21-FB84222B5763}" type="presOf" srcId="{D64F9C3C-9EB2-4AC3-B122-F4DDC6235FDC}" destId="{7D18D754-8F93-4CCE-9940-2455BD57DF7F}" srcOrd="0" destOrd="0" presId="urn:microsoft.com/office/officeart/2005/8/layout/arrow3"/>
+    <dgm:cxn modelId="{2427D095-1E89-4FCF-B767-A2B84B021D3E}" type="presParOf" srcId="{28203189-6871-4635-956F-60969EA1E9AC}" destId="{48BBED58-3F19-4F01-A71F-9C5C21A1E99E}" srcOrd="0" destOrd="0" presId="urn:microsoft.com/office/officeart/2005/8/layout/arrow3"/>
+    <dgm:cxn modelId="{7295CFCE-45F5-4CB0-942B-1D912BDEEC34}" type="presParOf" srcId="{28203189-6871-4635-956F-60969EA1E9AC}" destId="{4D4A576D-DA23-4735-BA74-AF454BFE3C6F}" srcOrd="1" destOrd="0" presId="urn:microsoft.com/office/officeart/2005/8/layout/arrow3"/>
+    <dgm:cxn modelId="{41817951-4BE6-472E-9298-40AD05C6B674}" type="presParOf" srcId="{28203189-6871-4635-956F-60969EA1E9AC}" destId="{7D18D754-8F93-4CCE-9940-2455BD57DF7F}" srcOrd="2" destOrd="0" presId="urn:microsoft.com/office/officeart/2005/8/layout/arrow3"/>
+    <dgm:cxn modelId="{5C1ACC7C-F23D-44D7-B461-D7DBCC5DE4C2}" type="presParOf" srcId="{28203189-6871-4635-956F-60969EA1E9AC}" destId="{7D4CED21-5ACE-4242-BDF2-83C35F084B88}" srcOrd="3" destOrd="0" presId="urn:microsoft.com/office/officeart/2005/8/layout/arrow3"/>
+    <dgm:cxn modelId="{7DC73EB9-BB5C-4F14-9CB6-62F7642BD197}" type="presParOf" srcId="{28203189-6871-4635-956F-60969EA1E9AC}" destId="{E72B6AFE-4DD2-416A-A52F-DF4F6D1060D1}" srcOrd="4" destOrd="0" presId="urn:microsoft.com/office/officeart/2005/8/layout/arrow3"/>
   </dgm:cxnLst>
   <dgm:bg/>
   <dgm:whole/>
@@ -3071,15 +3073,7 @@
                 <a:schemeClr val="accent1"/>
               </a:solidFill>
             </a:rPr>
-            <a:t> </a:t>
-          </a:r>
-          <a:r>
-            <a:rPr lang="ru-RU" dirty="0" smtClean="0">
-              <a:solidFill>
-                <a:schemeClr val="accent1"/>
-              </a:solidFill>
-            </a:rPr>
-            <a:t>мс</a:t>
+            <a:t> мс</a:t>
           </a:r>
           <a:endParaRPr lang="ru-RU" dirty="0">
             <a:solidFill>
@@ -4402,15 +4396,7 @@
                 <a:schemeClr val="accent1"/>
               </a:solidFill>
             </a:rPr>
-            <a:t> </a:t>
-          </a:r>
-          <a:r>
-            <a:rPr lang="ru-RU" sz="2400" kern="1200" dirty="0" smtClean="0">
-              <a:solidFill>
-                <a:schemeClr val="accent1"/>
-              </a:solidFill>
-            </a:rPr>
-            <a:t>мс</a:t>
+            <a:t> мс</a:t>
           </a:r>
           <a:endParaRPr lang="ru-RU" sz="2400" kern="1200" dirty="0">
             <a:solidFill>
@@ -8420,7 +8406,7 @@
           <a:p>
             <a:fld id="{48F82346-62E7-4BE8-9A63-537FCFBC61B7}" type="datetimeFigureOut">
               <a:rPr lang="ru-RU" smtClean="0"/>
-              <a:t>13.03.2013</a:t>
+              <a:t>15.03.2013</a:t>
             </a:fld>
             <a:endParaRPr lang="ru-RU"/>
           </a:p>
@@ -8753,7 +8739,7 @@
           <a:p>
             <a:fld id="{3095D700-5C97-4B8A-BCD1-D208BF984373}" type="slidenum">
               <a:rPr lang="ru-RU" smtClean="0"/>
-              <a:t>14</a:t>
+              <a:t>9</a:t>
             </a:fld>
             <a:endParaRPr lang="ru-RU"/>
           </a:p>
@@ -8970,7 +8956,7 @@
             <a:fld id="{1D8BD707-D9CF-40AE-B4C6-C98DA3205C09}" type="datetimeFigureOut">
               <a:rPr lang="en-US" smtClean="0"/>
               <a:pPr/>
-              <a:t>3/13/2013</a:t>
+              <a:t>3/15/2013</a:t>
             </a:fld>
             <a:endParaRPr lang="en-US"/>
           </a:p>
@@ -9193,7 +9179,7 @@
             <a:fld id="{1D8BD707-D9CF-40AE-B4C6-C98DA3205C09}" type="datetimeFigureOut">
               <a:rPr lang="en-US" smtClean="0"/>
               <a:pPr/>
-              <a:t>3/13/2013</a:t>
+              <a:t>3/15/2013</a:t>
             </a:fld>
             <a:endParaRPr lang="en-US"/>
           </a:p>
@@ -9375,7 +9361,7 @@
             <a:fld id="{1D8BD707-D9CF-40AE-B4C6-C98DA3205C09}" type="datetimeFigureOut">
               <a:rPr lang="en-US" smtClean="0"/>
               <a:pPr/>
-              <a:t>3/13/2013</a:t>
+              <a:t>3/15/2013</a:t>
             </a:fld>
             <a:endParaRPr lang="en-US"/>
           </a:p>
@@ -9554,7 +9540,7 @@
             <a:fld id="{1D8BD707-D9CF-40AE-B4C6-C98DA3205C09}" type="datetimeFigureOut">
               <a:rPr lang="en-US" smtClean="0"/>
               <a:pPr/>
-              <a:t>3/13/2013</a:t>
+              <a:t>3/15/2013</a:t>
             </a:fld>
             <a:endParaRPr lang="en-US"/>
           </a:p>
@@ -9807,7 +9793,7 @@
             <a:fld id="{1D8BD707-D9CF-40AE-B4C6-C98DA3205C09}" type="datetimeFigureOut">
               <a:rPr lang="en-US" smtClean="0"/>
               <a:pPr/>
-              <a:t>3/13/2013</a:t>
+              <a:t>3/15/2013</a:t>
             </a:fld>
             <a:endParaRPr lang="en-US"/>
           </a:p>
@@ -10132,7 +10118,7 @@
             <a:fld id="{1D8BD707-D9CF-40AE-B4C6-C98DA3205C09}" type="datetimeFigureOut">
               <a:rPr lang="en-US" smtClean="0"/>
               <a:pPr/>
-              <a:t>3/13/2013</a:t>
+              <a:t>3/15/2013</a:t>
             </a:fld>
             <a:endParaRPr lang="en-US"/>
           </a:p>
@@ -10558,7 +10544,7 @@
             <a:fld id="{1D8BD707-D9CF-40AE-B4C6-C98DA3205C09}" type="datetimeFigureOut">
               <a:rPr lang="en-US" smtClean="0"/>
               <a:pPr/>
-              <a:t>3/13/2013</a:t>
+              <a:t>3/15/2013</a:t>
             </a:fld>
             <a:endParaRPr lang="en-US"/>
           </a:p>
@@ -10678,7 +10664,7 @@
             <a:fld id="{1D8BD707-D9CF-40AE-B4C6-C98DA3205C09}" type="datetimeFigureOut">
               <a:rPr lang="en-US" smtClean="0"/>
               <a:pPr/>
-              <a:t>3/13/2013</a:t>
+              <a:t>3/15/2013</a:t>
             </a:fld>
             <a:endParaRPr lang="en-US"/>
           </a:p>
@@ -10775,7 +10761,7 @@
             <a:fld id="{1D8BD707-D9CF-40AE-B4C6-C98DA3205C09}" type="datetimeFigureOut">
               <a:rPr lang="en-US" smtClean="0"/>
               <a:pPr/>
-              <a:t>3/13/2013</a:t>
+              <a:t>3/15/2013</a:t>
             </a:fld>
             <a:endParaRPr lang="en-US"/>
           </a:p>
@@ -11067,7 +11053,7 @@
             <a:fld id="{1D8BD707-D9CF-40AE-B4C6-C98DA3205C09}" type="datetimeFigureOut">
               <a:rPr lang="en-US" smtClean="0"/>
               <a:pPr/>
-              <a:t>3/13/2013</a:t>
+              <a:t>3/15/2013</a:t>
             </a:fld>
             <a:endParaRPr lang="en-US"/>
           </a:p>
@@ -11341,7 +11327,7 @@
             <a:fld id="{1D8BD707-D9CF-40AE-B4C6-C98DA3205C09}" type="datetimeFigureOut">
               <a:rPr lang="en-US" smtClean="0"/>
               <a:pPr/>
-              <a:t>3/13/2013</a:t>
+              <a:t>3/15/2013</a:t>
             </a:fld>
             <a:endParaRPr lang="en-US"/>
           </a:p>
@@ -11595,7 +11581,7 @@
             <a:fld id="{1D8BD707-D9CF-40AE-B4C6-C98DA3205C09}" type="datetimeFigureOut">
               <a:rPr lang="en-US" smtClean="0"/>
               <a:pPr/>
-              <a:t>3/13/2013</a:t>
+              <a:t>3/15/2013</a:t>
             </a:fld>
             <a:endParaRPr lang="en-US"/>
           </a:p>
@@ -12253,1169 +12239,6 @@
           <a:lstStyle/>
           <a:p>
             <a:r>
-              <a:rPr lang="ru-RU" dirty="0" smtClean="0"/>
-              <a:t>Улучшение изображения</a:t>
-            </a:r>
-            <a:endParaRPr lang="ru-RU" dirty="0"/>
-          </a:p>
-        </p:txBody>
-      </p:sp>
-      <p:pic>
-        <p:nvPicPr>
-          <p:cNvPr id="4" name="Content Placeholder 3"/>
-          <p:cNvPicPr>
-            <a:picLocks noGrp="1" noChangeAspect="1"/>
-          </p:cNvPicPr>
-          <p:nvPr>
-            <p:ph idx="1"/>
-          </p:nvPr>
-        </p:nvPicPr>
-        <p:blipFill>
-          <a:blip r:embed="rId2">
-            <a:extLst>
-              <a:ext uri="{28A0092B-C50C-407E-A947-70E740481C1C}">
-                <a14:useLocalDpi xmlns:a14="http://schemas.microsoft.com/office/drawing/2010/main" val="0"/>
-              </a:ext>
-            </a:extLst>
-          </a:blip>
-          <a:stretch>
-            <a:fillRect/>
-          </a:stretch>
-        </p:blipFill>
-        <p:spPr>
-          <a:xfrm>
-            <a:off x="3341370" y="1977390"/>
-            <a:ext cx="2438400" cy="3467100"/>
-          </a:xfrm>
-        </p:spPr>
-      </p:pic>
-      <p:pic>
-        <p:nvPicPr>
-          <p:cNvPr id="5" name="Picture 4"/>
-          <p:cNvPicPr>
-            <a:picLocks noChangeAspect="1"/>
-          </p:cNvPicPr>
-          <p:nvPr/>
-        </p:nvPicPr>
-        <p:blipFill>
-          <a:blip r:embed="rId3">
-            <a:extLst>
-              <a:ext uri="{28A0092B-C50C-407E-A947-70E740481C1C}">
-                <a14:useLocalDpi xmlns:a14="http://schemas.microsoft.com/office/drawing/2010/main" val="0"/>
-              </a:ext>
-            </a:extLst>
-          </a:blip>
-          <a:stretch>
-            <a:fillRect/>
-          </a:stretch>
-        </p:blipFill>
-        <p:spPr>
-          <a:xfrm>
-            <a:off x="4876800" y="1977390"/>
-            <a:ext cx="2438740" cy="3467584"/>
-          </a:xfrm>
-          <a:prstGeom prst="rect">
-            <a:avLst/>
-          </a:prstGeom>
-        </p:spPr>
-      </p:pic>
-    </p:spTree>
-    <p:extLst>
-      <p:ext uri="{BB962C8B-B14F-4D97-AF65-F5344CB8AC3E}">
-        <p14:creationId xmlns:p14="http://schemas.microsoft.com/office/powerpoint/2010/main" val="4259911256"/>
-      </p:ext>
-    </p:extLst>
-  </p:cSld>
-  <p:clrMapOvr>
-    <a:masterClrMapping/>
-  </p:clrMapOvr>
-  <p:timing>
-    <p:tnLst>
-      <p:par>
-        <p:cTn id="1" dur="indefinite" restart="never" nodeType="tmRoot">
-          <p:childTnLst>
-            <p:seq concurrent="1" nextAc="seek">
-              <p:cTn id="2" dur="indefinite" nodeType="mainSeq">
-                <p:childTnLst>
-                  <p:par>
-                    <p:cTn id="3" fill="hold">
-                      <p:stCondLst>
-                        <p:cond delay="indefinite"/>
-                      </p:stCondLst>
-                      <p:childTnLst>
-                        <p:par>
-                          <p:cTn id="4" fill="hold">
-                            <p:stCondLst>
-                              <p:cond delay="0"/>
-                            </p:stCondLst>
-                            <p:childTnLst>
-                              <p:par>
-                                <p:cTn id="5" presetID="42" presetClass="path" presetSubtype="0" accel="50000" decel="50000" fill="hold" nodeType="clickEffect">
-                                  <p:stCondLst>
-                                    <p:cond delay="0"/>
-                                  </p:stCondLst>
-                                  <p:childTnLst>
-                                    <p:animMotion origin="layout" path="M -4.72222E-6 -3.7037E-6 L -0.17378 0.00324 " pathEditMode="relative" rAng="0" ptsTypes="AA">
-                                      <p:cBhvr>
-                                        <p:cTn id="6" dur="250" fill="hold"/>
-                                        <p:tgtEl>
-                                          <p:spTgt spid="4"/>
-                                        </p:tgtEl>
-                                        <p:attrNameLst>
-                                          <p:attrName>ppt_x</p:attrName>
-                                          <p:attrName>ppt_y</p:attrName>
-                                        </p:attrNameLst>
-                                      </p:cBhvr>
-                                      <p:rCtr x="-8698" y="162"/>
-                                    </p:animMotion>
-                                  </p:childTnLst>
-                                </p:cTn>
-                              </p:par>
-                              <p:par>
-                                <p:cTn id="7" presetID="2" presetClass="entr" presetSubtype="4" fill="hold" nodeType="withEffect">
-                                  <p:stCondLst>
-                                    <p:cond delay="0"/>
-                                  </p:stCondLst>
-                                  <p:childTnLst>
-                                    <p:set>
-                                      <p:cBhvr>
-                                        <p:cTn id="8" dur="1" fill="hold">
-                                          <p:stCondLst>
-                                            <p:cond delay="0"/>
-                                          </p:stCondLst>
-                                        </p:cTn>
-                                        <p:tgtEl>
-                                          <p:spTgt spid="5"/>
-                                        </p:tgtEl>
-                                        <p:attrNameLst>
-                                          <p:attrName>style.visibility</p:attrName>
-                                        </p:attrNameLst>
-                                      </p:cBhvr>
-                                      <p:to>
-                                        <p:strVal val="visible"/>
-                                      </p:to>
-                                    </p:set>
-                                    <p:anim calcmode="lin" valueType="num">
-                                      <p:cBhvr additive="base">
-                                        <p:cTn id="9" dur="250" fill="hold"/>
-                                        <p:tgtEl>
-                                          <p:spTgt spid="5"/>
-                                        </p:tgtEl>
-                                        <p:attrNameLst>
-                                          <p:attrName>ppt_x</p:attrName>
-                                        </p:attrNameLst>
-                                      </p:cBhvr>
-                                      <p:tavLst>
-                                        <p:tav tm="0">
-                                          <p:val>
-                                            <p:strVal val="#ppt_x"/>
-                                          </p:val>
-                                        </p:tav>
-                                        <p:tav tm="100000">
-                                          <p:val>
-                                            <p:strVal val="#ppt_x"/>
-                                          </p:val>
-                                        </p:tav>
-                                      </p:tavLst>
-                                    </p:anim>
-                                    <p:anim calcmode="lin" valueType="num">
-                                      <p:cBhvr additive="base">
-                                        <p:cTn id="10" dur="250" fill="hold"/>
-                                        <p:tgtEl>
-                                          <p:spTgt spid="5"/>
-                                        </p:tgtEl>
-                                        <p:attrNameLst>
-                                          <p:attrName>ppt_y</p:attrName>
-                                        </p:attrNameLst>
-                                      </p:cBhvr>
-                                      <p:tavLst>
-                                        <p:tav tm="0">
-                                          <p:val>
-                                            <p:strVal val="1+#ppt_h/2"/>
-                                          </p:val>
-                                        </p:tav>
-                                        <p:tav tm="100000">
-                                          <p:val>
-                                            <p:strVal val="#ppt_y"/>
-                                          </p:val>
-                                        </p:tav>
-                                      </p:tavLst>
-                                    </p:anim>
-                                  </p:childTnLst>
-                                </p:cTn>
-                              </p:par>
-                            </p:childTnLst>
-                          </p:cTn>
-                        </p:par>
-                      </p:childTnLst>
-                    </p:cTn>
-                  </p:par>
-                </p:childTnLst>
-              </p:cTn>
-              <p:prevCondLst>
-                <p:cond evt="onPrev" delay="0">
-                  <p:tgtEl>
-                    <p:sldTgt/>
-                  </p:tgtEl>
-                </p:cond>
-              </p:prevCondLst>
-              <p:nextCondLst>
-                <p:cond evt="onNext" delay="0">
-                  <p:tgtEl>
-                    <p:sldTgt/>
-                  </p:tgtEl>
-                </p:cond>
-              </p:nextCondLst>
-            </p:seq>
-          </p:childTnLst>
-        </p:cTn>
-      </p:par>
-    </p:tnLst>
-  </p:timing>
-</p:sld>
-</file>
-
-<file path=ppt/slides/slide11.xml><?xml version="1.0" encoding="utf-8"?>
-<p:sld xmlns:a="http://schemas.openxmlformats.org/drawingml/2006/main" xmlns:r="http://schemas.openxmlformats.org/officeDocument/2006/relationships" xmlns:p="http://schemas.openxmlformats.org/presentationml/2006/main">
-  <p:cSld>
-    <p:spTree>
-      <p:nvGrpSpPr>
-        <p:cNvPr id="1" name=""/>
-        <p:cNvGrpSpPr/>
-        <p:nvPr/>
-      </p:nvGrpSpPr>
-      <p:grpSpPr>
-        <a:xfrm>
-          <a:off x="0" y="0"/>
-          <a:ext cx="0" cy="0"/>
-          <a:chOff x="0" y="0"/>
-          <a:chExt cx="0" cy="0"/>
-        </a:xfrm>
-      </p:grpSpPr>
-      <p:sp>
-        <p:nvSpPr>
-          <p:cNvPr id="2" name="Title 1"/>
-          <p:cNvSpPr>
-            <a:spLocks noGrp="1"/>
-          </p:cNvSpPr>
-          <p:nvPr>
-            <p:ph type="title"/>
-          </p:nvPr>
-        </p:nvSpPr>
-        <p:spPr/>
-        <p:txBody>
-          <a:bodyPr/>
-          <a:lstStyle/>
-          <a:p>
-            <a:r>
-              <a:rPr lang="ru-RU" dirty="0" smtClean="0"/>
-              <a:t>Улучшение изображения</a:t>
-            </a:r>
-            <a:endParaRPr lang="ru-RU" dirty="0"/>
-          </a:p>
-        </p:txBody>
-      </p:sp>
-      <p:sp>
-        <p:nvSpPr>
-          <p:cNvPr id="3" name="Content Placeholder 2"/>
-          <p:cNvSpPr>
-            <a:spLocks noGrp="1"/>
-          </p:cNvSpPr>
-          <p:nvPr>
-            <p:ph idx="1"/>
-          </p:nvPr>
-        </p:nvSpPr>
-        <p:spPr/>
-        <p:txBody>
-          <a:bodyPr/>
-          <a:lstStyle/>
-          <a:p>
-            <a:r>
-              <a:rPr lang="ru-RU" dirty="0" smtClean="0"/>
-              <a:t>Попиксельная нормализация</a:t>
-            </a:r>
-          </a:p>
-          <a:p>
-            <a:r>
-              <a:rPr lang="ru-RU" dirty="0" smtClean="0"/>
-              <a:t>Контекстная фильтрация</a:t>
-            </a:r>
-          </a:p>
-          <a:p>
-            <a:pPr lvl="1"/>
-            <a:r>
-              <a:rPr lang="ru-RU" dirty="0" smtClean="0"/>
-              <a:t>Фильтры Габора</a:t>
-            </a:r>
-          </a:p>
-          <a:p>
-            <a:pPr lvl="1"/>
-            <a:r>
-              <a:rPr lang="ru-RU" dirty="0" smtClean="0"/>
-              <a:t>Преобразование Фурье</a:t>
-            </a:r>
-          </a:p>
-          <a:p>
-            <a:pPr lvl="1"/>
-            <a:r>
-              <a:rPr lang="ru-RU" dirty="0" smtClean="0"/>
-              <a:t>Блочная</a:t>
-            </a:r>
-          </a:p>
-          <a:p>
-            <a:pPr lvl="1"/>
-            <a:r>
-              <a:rPr lang="ru-RU" dirty="0" smtClean="0"/>
-              <a:t>Непрерывная</a:t>
-            </a:r>
-            <a:endParaRPr lang="ru-RU" dirty="0"/>
-          </a:p>
-          <a:p>
-            <a:r>
-              <a:rPr lang="ru-RU" dirty="0" smtClean="0"/>
-              <a:t>Пирамидальное</a:t>
-            </a:r>
-          </a:p>
-        </p:txBody>
-      </p:sp>
-    </p:spTree>
-    <p:extLst>
-      <p:ext uri="{BB962C8B-B14F-4D97-AF65-F5344CB8AC3E}">
-        <p14:creationId xmlns:p14="http://schemas.microsoft.com/office/powerpoint/2010/main" val="2374589194"/>
-      </p:ext>
-    </p:extLst>
-  </p:cSld>
-  <p:clrMapOvr>
-    <a:masterClrMapping/>
-  </p:clrMapOvr>
-  <p:timing>
-    <p:tnLst>
-      <p:par>
-        <p:cTn id="1" dur="indefinite" restart="never" nodeType="tmRoot"/>
-      </p:par>
-    </p:tnLst>
-  </p:timing>
-</p:sld>
-</file>
-
-<file path=ppt/slides/slide12.xml><?xml version="1.0" encoding="utf-8"?>
-<p:sld xmlns:a="http://schemas.openxmlformats.org/drawingml/2006/main" xmlns:r="http://schemas.openxmlformats.org/officeDocument/2006/relationships" xmlns:p="http://schemas.openxmlformats.org/presentationml/2006/main">
-  <p:cSld>
-    <p:spTree>
-      <p:nvGrpSpPr>
-        <p:cNvPr id="1" name=""/>
-        <p:cNvGrpSpPr/>
-        <p:nvPr/>
-      </p:nvGrpSpPr>
-      <p:grpSpPr>
-        <a:xfrm>
-          <a:off x="0" y="0"/>
-          <a:ext cx="0" cy="0"/>
-          <a:chOff x="0" y="0"/>
-          <a:chExt cx="0" cy="0"/>
-        </a:xfrm>
-      </p:grpSpPr>
-      <p:sp>
-        <p:nvSpPr>
-          <p:cNvPr id="2" name="Title 1"/>
-          <p:cNvSpPr>
-            <a:spLocks noGrp="1"/>
-          </p:cNvSpPr>
-          <p:nvPr>
-            <p:ph type="title"/>
-          </p:nvPr>
-        </p:nvSpPr>
-        <p:spPr/>
-        <p:txBody>
-          <a:bodyPr/>
-          <a:lstStyle/>
-          <a:p>
-            <a:r>
-              <a:rPr lang="ru-RU" dirty="0" smtClean="0"/>
-              <a:t>Улучшение изображения</a:t>
-            </a:r>
-            <a:endParaRPr lang="ru-RU" dirty="0"/>
-          </a:p>
-        </p:txBody>
-      </p:sp>
-      <mc:AlternateContent xmlns:mc="http://schemas.openxmlformats.org/markup-compatibility/2006">
-        <mc:Choice xmlns:a14="http://schemas.microsoft.com/office/drawing/2010/main" Requires="a14">
-          <p:sp>
-            <p:nvSpPr>
-              <p:cNvPr id="3" name="Content Placeholder 2"/>
-              <p:cNvSpPr>
-                <a:spLocks noGrp="1"/>
-              </p:cNvSpPr>
-              <p:nvPr>
-                <p:ph idx="1"/>
-              </p:nvPr>
-            </p:nvSpPr>
-            <p:spPr>
-              <a:xfrm>
-                <a:off x="857251" y="2057400"/>
-                <a:ext cx="4629149" cy="4038600"/>
-              </a:xfrm>
-            </p:spPr>
-            <p:txBody>
-              <a:bodyPr/>
-              <a:lstStyle/>
-              <a:p>
-                <a:r>
-                  <a:rPr lang="de-DE" dirty="0" smtClean="0"/>
-                  <a:t>J. </a:t>
-                </a:r>
-                <a:r>
-                  <a:rPr lang="de-DE" i="1" dirty="0" smtClean="0"/>
-                  <a:t>Bigun</a:t>
-                </a:r>
-                <a:r>
-                  <a:rPr lang="ru-RU" i="1" dirty="0"/>
-                  <a:t>,</a:t>
-                </a:r>
-                <a:r>
-                  <a:rPr lang="de-DE" i="1" dirty="0" smtClean="0"/>
-                  <a:t> </a:t>
-                </a:r>
-                <a:r>
-                  <a:rPr lang="de-DE" dirty="0" smtClean="0"/>
-                  <a:t>K</a:t>
-                </a:r>
-                <a:r>
-                  <a:rPr lang="de-DE" dirty="0"/>
-                  <a:t>. </a:t>
-                </a:r>
-                <a:r>
-                  <a:rPr lang="de-DE" i="1" dirty="0"/>
-                  <a:t>Kollreider</a:t>
-                </a:r>
-                <a:r>
-                  <a:rPr lang="de-DE" dirty="0"/>
-                  <a:t> , H. </a:t>
-                </a:r>
-                <a:r>
-                  <a:rPr lang="de-DE" i="1" dirty="0" smtClean="0"/>
-                  <a:t>Fronthaler</a:t>
-                </a:r>
-                <a:r>
-                  <a:rPr lang="en-US" dirty="0" smtClean="0"/>
-                  <a:t>, </a:t>
-                </a:r>
-                <a:r>
-                  <a:rPr lang="en-US" dirty="0" err="1" smtClean="0"/>
-                  <a:t>Halmstadt</a:t>
-                </a:r>
-                <a:r>
-                  <a:rPr lang="en-US" dirty="0" smtClean="0"/>
-                  <a:t> University</a:t>
-                </a:r>
-                <a:endParaRPr lang="ru-RU" dirty="0"/>
-              </a:p>
-              <a:p>
-                <a:r>
-                  <a:rPr lang="ru-RU" dirty="0" smtClean="0"/>
-                  <a:t>Разложение изображения в подобие гауссовой и лапласовой пирамиды</a:t>
-                </a:r>
-              </a:p>
-              <a:p>
-                <a:r>
-                  <a:rPr lang="ru-RU" dirty="0" smtClean="0"/>
-                  <a:t>Построение дискретного комплексного поля направлений</a:t>
-                </a:r>
-                <a:endParaRPr lang="ru-RU" dirty="0" smtClean="0"/>
-              </a:p>
-              <a:p>
-                <a14:m>
-                  <m:oMath xmlns:m="http://schemas.openxmlformats.org/officeDocument/2006/math">
-                    <m:sSub>
-                      <m:sSubPr>
-                        <m:ctrlPr>
-                          <a:rPr lang="en-US" b="0" i="1" smtClean="0">
-                            <a:latin typeface="Cambria Math" panose="02040503050406030204" pitchFamily="18" charset="0"/>
-                          </a:rPr>
-                        </m:ctrlPr>
-                      </m:sSubPr>
-                      <m:e>
-                        <m:r>
-                          <a:rPr lang="en-US" b="0" i="1" smtClean="0">
-                            <a:latin typeface="Cambria Math" panose="02040503050406030204" pitchFamily="18" charset="0"/>
-                          </a:rPr>
-                          <m:t>𝑧</m:t>
-                        </m:r>
-                      </m:e>
-                      <m:sub>
-                        <m:r>
-                          <a:rPr lang="en-US" b="0" i="1" smtClean="0">
-                            <a:latin typeface="Cambria Math" panose="02040503050406030204" pitchFamily="18" charset="0"/>
-                          </a:rPr>
-                          <m:t>𝑖</m:t>
-                        </m:r>
-                      </m:sub>
-                    </m:sSub>
-                    <m:r>
-                      <a:rPr lang="en-US" b="0" i="1" smtClean="0">
-                        <a:latin typeface="Cambria Math" panose="02040503050406030204" pitchFamily="18" charset="0"/>
-                      </a:rPr>
-                      <m:t>=</m:t>
-                    </m:r>
-                    <m:sSup>
-                      <m:sSupPr>
-                        <m:ctrlPr>
-                          <a:rPr lang="en-US" b="0" i="1" smtClean="0">
-                            <a:latin typeface="Cambria Math" panose="02040503050406030204" pitchFamily="18" charset="0"/>
-                          </a:rPr>
-                        </m:ctrlPr>
-                      </m:sSupPr>
-                      <m:e>
-                        <m:r>
-                          <a:rPr lang="en-US" i="1">
-                            <a:latin typeface="Cambria Math" panose="02040503050406030204" pitchFamily="18" charset="0"/>
-                          </a:rPr>
-                          <m:t>(</m:t>
-                        </m:r>
-                        <m:d>
-                          <m:dPr>
-                            <m:ctrlPr>
-                              <a:rPr lang="en-US" i="1">
-                                <a:latin typeface="Cambria Math" panose="02040503050406030204" pitchFamily="18" charset="0"/>
-                              </a:rPr>
-                            </m:ctrlPr>
-                          </m:dPr>
-                          <m:e>
-                            <m:sSub>
-                              <m:sSubPr>
-                                <m:ctrlPr>
-                                  <a:rPr lang="en-US" i="1">
-                                    <a:latin typeface="Cambria Math" panose="02040503050406030204" pitchFamily="18" charset="0"/>
-                                  </a:rPr>
-                                </m:ctrlPr>
-                              </m:sSubPr>
-                              <m:e>
-                                <m:r>
-                                  <a:rPr lang="en-US" i="1">
-                                    <a:latin typeface="Cambria Math" panose="02040503050406030204" pitchFamily="18" charset="0"/>
-                                  </a:rPr>
-                                  <m:t>𝐷</m:t>
-                                </m:r>
-                              </m:e>
-                              <m:sub>
-                                <m:r>
-                                  <a:rPr lang="en-US" i="1">
-                                    <a:latin typeface="Cambria Math" panose="02040503050406030204" pitchFamily="18" charset="0"/>
-                                  </a:rPr>
-                                  <m:t>𝑥</m:t>
-                                </m:r>
-                              </m:sub>
-                            </m:sSub>
-                            <m:r>
-                              <a:rPr lang="en-US" i="1">
-                                <a:latin typeface="Cambria Math" panose="02040503050406030204" pitchFamily="18" charset="0"/>
-                              </a:rPr>
-                              <m:t>𝐺</m:t>
-                            </m:r>
-                            <m:d>
-                              <m:dPr>
-                                <m:ctrlPr>
-                                  <a:rPr lang="en-US" i="1">
-                                    <a:latin typeface="Cambria Math" panose="02040503050406030204" pitchFamily="18" charset="0"/>
-                                  </a:rPr>
-                                </m:ctrlPr>
-                              </m:dPr>
-                              <m:e>
-                                <m:sSub>
-                                  <m:sSubPr>
-                                    <m:ctrlPr>
-                                      <a:rPr lang="en-US" i="1">
-                                        <a:latin typeface="Cambria Math" panose="02040503050406030204" pitchFamily="18" charset="0"/>
-                                      </a:rPr>
-                                    </m:ctrlPr>
-                                  </m:sSubPr>
-                                  <m:e>
-                                    <m:r>
-                                      <a:rPr lang="en-US" i="1">
-                                        <a:latin typeface="Cambria Math" panose="02040503050406030204" pitchFamily="18" charset="0"/>
-                                        <a:ea typeface="Cambria Math" panose="02040503050406030204" pitchFamily="18" charset="0"/>
-                                      </a:rPr>
-                                      <m:t>𝜎</m:t>
-                                    </m:r>
-                                  </m:e>
-                                  <m:sub>
-                                    <m:r>
-                                      <a:rPr lang="en-US" i="1">
-                                        <a:latin typeface="Cambria Math" panose="02040503050406030204" pitchFamily="18" charset="0"/>
-                                      </a:rPr>
-                                      <m:t>1</m:t>
-                                    </m:r>
-                                  </m:sub>
-                                </m:sSub>
-                              </m:e>
-                            </m:d>
-                            <m:r>
-                              <a:rPr lang="en-US" i="1">
-                                <a:latin typeface="Cambria Math" panose="02040503050406030204" pitchFamily="18" charset="0"/>
-                              </a:rPr>
-                              <m:t>+</m:t>
-                            </m:r>
-                            <m:r>
-                              <a:rPr lang="en-US" i="1">
-                                <a:latin typeface="Cambria Math" panose="02040503050406030204" pitchFamily="18" charset="0"/>
-                              </a:rPr>
-                              <m:t>𝑖</m:t>
-                            </m:r>
-                            <m:sSub>
-                              <m:sSubPr>
-                                <m:ctrlPr>
-                                  <a:rPr lang="en-US" i="1">
-                                    <a:latin typeface="Cambria Math" panose="02040503050406030204" pitchFamily="18" charset="0"/>
-                                  </a:rPr>
-                                </m:ctrlPr>
-                              </m:sSubPr>
-                              <m:e>
-                                <m:r>
-                                  <a:rPr lang="en-US" i="1">
-                                    <a:latin typeface="Cambria Math" panose="02040503050406030204" pitchFamily="18" charset="0"/>
-                                  </a:rPr>
-                                  <m:t>𝐷</m:t>
-                                </m:r>
-                              </m:e>
-                              <m:sub>
-                                <m:r>
-                                  <a:rPr lang="en-US" i="1">
-                                    <a:latin typeface="Cambria Math" panose="02040503050406030204" pitchFamily="18" charset="0"/>
-                                  </a:rPr>
-                                  <m:t>𝑦</m:t>
-                                </m:r>
-                              </m:sub>
-                            </m:sSub>
-                            <m:r>
-                              <a:rPr lang="en-US" i="1">
-                                <a:latin typeface="Cambria Math" panose="02040503050406030204" pitchFamily="18" charset="0"/>
-                              </a:rPr>
-                              <m:t>𝐺</m:t>
-                            </m:r>
-                            <m:d>
-                              <m:dPr>
-                                <m:ctrlPr>
-                                  <a:rPr lang="en-US" i="1">
-                                    <a:latin typeface="Cambria Math" panose="02040503050406030204" pitchFamily="18" charset="0"/>
-                                  </a:rPr>
-                                </m:ctrlPr>
-                              </m:dPr>
-                              <m:e>
-                                <m:sSub>
-                                  <m:sSubPr>
-                                    <m:ctrlPr>
-                                      <a:rPr lang="en-US" i="1">
-                                        <a:latin typeface="Cambria Math" panose="02040503050406030204" pitchFamily="18" charset="0"/>
-                                      </a:rPr>
-                                    </m:ctrlPr>
-                                  </m:sSubPr>
-                                  <m:e>
-                                    <m:r>
-                                      <a:rPr lang="en-US" i="1">
-                                        <a:latin typeface="Cambria Math" panose="02040503050406030204" pitchFamily="18" charset="0"/>
-                                        <a:ea typeface="Cambria Math" panose="02040503050406030204" pitchFamily="18" charset="0"/>
-                                      </a:rPr>
-                                      <m:t>𝜎</m:t>
-                                    </m:r>
-                                  </m:e>
-                                  <m:sub>
-                                    <m:r>
-                                      <a:rPr lang="en-US" i="1">
-                                        <a:latin typeface="Cambria Math" panose="02040503050406030204" pitchFamily="18" charset="0"/>
-                                      </a:rPr>
-                                      <m:t>1</m:t>
-                                    </m:r>
-                                  </m:sub>
-                                </m:sSub>
-                              </m:e>
-                            </m:d>
-                          </m:e>
-                        </m:d>
-                        <m:r>
-                          <a:rPr lang="en-US" i="1">
-                            <a:latin typeface="Cambria Math" panose="02040503050406030204" pitchFamily="18" charset="0"/>
-                          </a:rPr>
-                          <m:t>∗</m:t>
-                        </m:r>
-                        <m:sSub>
-                          <m:sSubPr>
-                            <m:ctrlPr>
-                              <a:rPr lang="en-US" i="1">
-                                <a:latin typeface="Cambria Math" panose="02040503050406030204" pitchFamily="18" charset="0"/>
-                              </a:rPr>
-                            </m:ctrlPr>
-                          </m:sSubPr>
-                          <m:e>
-                            <m:r>
-                              <a:rPr lang="en-US" i="1">
-                                <a:latin typeface="Cambria Math" panose="02040503050406030204" pitchFamily="18" charset="0"/>
-                              </a:rPr>
-                              <m:t>𝑙</m:t>
-                            </m:r>
-                          </m:e>
-                          <m:sub>
-                            <m:r>
-                              <a:rPr lang="en-US" i="1">
-                                <a:latin typeface="Cambria Math" panose="02040503050406030204" pitchFamily="18" charset="0"/>
-                              </a:rPr>
-                              <m:t>𝑖</m:t>
-                            </m:r>
-                          </m:sub>
-                        </m:sSub>
-                        <m:r>
-                          <a:rPr lang="en-US" i="1">
-                            <a:latin typeface="Cambria Math" panose="02040503050406030204" pitchFamily="18" charset="0"/>
-                          </a:rPr>
-                          <m:t>)</m:t>
-                        </m:r>
-                      </m:e>
-                      <m:sup>
-                        <m:r>
-                          <a:rPr lang="en-US" b="0" i="1" smtClean="0">
-                            <a:latin typeface="Cambria Math" panose="02040503050406030204" pitchFamily="18" charset="0"/>
-                          </a:rPr>
-                          <m:t>2</m:t>
-                        </m:r>
-                      </m:sup>
-                    </m:sSup>
-                  </m:oMath>
-                </a14:m>
-                <a:endParaRPr lang="en-US" b="0" i="1" dirty="0" smtClean="0"/>
-              </a:p>
-              <a:p>
-                <a:r>
-                  <a:rPr lang="ru-RU" dirty="0" smtClean="0"/>
-                  <a:t>Усреднение и нормализация</a:t>
-                </a:r>
-              </a:p>
-              <a:p>
-                <a:r>
-                  <a:rPr lang="ru-RU" dirty="0" smtClean="0"/>
-                  <a:t>Усреднение по направлению</a:t>
-                </a:r>
-              </a:p>
-              <a:p>
-                <a:r>
-                  <a:rPr lang="ru-RU" dirty="0" smtClean="0"/>
-                  <a:t>Объединение уровней</a:t>
-                </a:r>
-              </a:p>
-            </p:txBody>
-          </p:sp>
-        </mc:Choice>
-        <mc:Fallback>
-          <p:sp>
-            <p:nvSpPr>
-              <p:cNvPr id="3" name="Content Placeholder 2"/>
-              <p:cNvSpPr>
-                <a:spLocks noGrp="1" noRot="1" noChangeAspect="1" noMove="1" noResize="1" noEditPoints="1" noAdjustHandles="1" noChangeArrowheads="1" noChangeShapeType="1" noTextEdit="1"/>
-              </p:cNvSpPr>
-              <p:nvPr>
-                <p:ph idx="1"/>
-              </p:nvPr>
-            </p:nvSpPr>
-            <p:spPr>
-              <a:xfrm>
-                <a:off x="857251" y="2057400"/>
-                <a:ext cx="4629149" cy="4038600"/>
-              </a:xfrm>
-              <a:blipFill rotWithShape="0">
-                <a:blip r:embed="rId2"/>
-                <a:stretch>
-                  <a:fillRect t="-1662"/>
-                </a:stretch>
-              </a:blipFill>
-            </p:spPr>
-            <p:txBody>
-              <a:bodyPr/>
-              <a:lstStyle/>
-              <a:p>
-                <a:r>
-                  <a:rPr lang="ru-RU">
-                    <a:noFill/>
-                  </a:rPr>
-                  <a:t> </a:t>
-                </a:r>
-              </a:p>
-            </p:txBody>
-          </p:sp>
-        </mc:Fallback>
-      </mc:AlternateContent>
-      <p:pic>
-        <p:nvPicPr>
-          <p:cNvPr id="4" name="Picture 3"/>
-          <p:cNvPicPr>
-            <a:picLocks noChangeAspect="1"/>
-          </p:cNvPicPr>
-          <p:nvPr/>
-        </p:nvPicPr>
-        <p:blipFill>
-          <a:blip r:embed="rId3">
-            <a:extLst>
-              <a:ext uri="{28A0092B-C50C-407E-A947-70E740481C1C}">
-                <a14:useLocalDpi xmlns:a14="http://schemas.microsoft.com/office/drawing/2010/main" val="0"/>
-              </a:ext>
-            </a:extLst>
-          </a:blip>
-          <a:stretch>
-            <a:fillRect/>
-          </a:stretch>
-        </p:blipFill>
-        <p:spPr>
-          <a:xfrm>
-            <a:off x="5257800" y="2590800"/>
-            <a:ext cx="3533775" cy="2938911"/>
-          </a:xfrm>
-          <a:prstGeom prst="rect">
-            <a:avLst/>
-          </a:prstGeom>
-        </p:spPr>
-      </p:pic>
-    </p:spTree>
-    <p:extLst>
-      <p:ext uri="{BB962C8B-B14F-4D97-AF65-F5344CB8AC3E}">
-        <p14:creationId xmlns:p14="http://schemas.microsoft.com/office/powerpoint/2010/main" val="2809948860"/>
-      </p:ext>
-    </p:extLst>
-  </p:cSld>
-  <p:clrMapOvr>
-    <a:masterClrMapping/>
-  </p:clrMapOvr>
-  <p:timing>
-    <p:tnLst>
-      <p:par>
-        <p:cTn id="1" dur="indefinite" restart="never" nodeType="tmRoot"/>
-      </p:par>
-    </p:tnLst>
-  </p:timing>
-</p:sld>
-</file>
-
-<file path=ppt/slides/slide13.xml><?xml version="1.0" encoding="utf-8"?>
-<p:sld xmlns:a="http://schemas.openxmlformats.org/drawingml/2006/main" xmlns:r="http://schemas.openxmlformats.org/officeDocument/2006/relationships" xmlns:p="http://schemas.openxmlformats.org/presentationml/2006/main">
-  <p:cSld>
-    <p:spTree>
-      <p:nvGrpSpPr>
-        <p:cNvPr id="1" name=""/>
-        <p:cNvGrpSpPr/>
-        <p:nvPr/>
-      </p:nvGrpSpPr>
-      <p:grpSpPr>
-        <a:xfrm>
-          <a:off x="0" y="0"/>
-          <a:ext cx="0" cy="0"/>
-          <a:chOff x="0" y="0"/>
-          <a:chExt cx="0" cy="0"/>
-        </a:xfrm>
-      </p:grpSpPr>
-      <p:sp>
-        <p:nvSpPr>
-          <p:cNvPr id="2" name="Title 1"/>
-          <p:cNvSpPr>
-            <a:spLocks noGrp="1"/>
-          </p:cNvSpPr>
-          <p:nvPr>
-            <p:ph type="title"/>
-          </p:nvPr>
-        </p:nvSpPr>
-        <p:spPr/>
-        <p:txBody>
-          <a:bodyPr/>
-          <a:lstStyle/>
-          <a:p>
-            <a:r>
-              <a:rPr lang="ru-RU" dirty="0" smtClean="0"/>
-              <a:t>Результаты</a:t>
-            </a:r>
-            <a:endParaRPr lang="ru-RU" dirty="0"/>
-          </a:p>
-        </p:txBody>
-      </p:sp>
-      <p:sp>
-        <p:nvSpPr>
-          <p:cNvPr id="3" name="Content Placeholder 2"/>
-          <p:cNvSpPr>
-            <a:spLocks noGrp="1"/>
-          </p:cNvSpPr>
-          <p:nvPr>
-            <p:ph idx="1"/>
-          </p:nvPr>
-        </p:nvSpPr>
-        <p:spPr>
-          <a:xfrm>
-            <a:off x="857251" y="2057400"/>
-            <a:ext cx="7404653" cy="2438400"/>
-          </a:xfrm>
-        </p:spPr>
-        <p:txBody>
-          <a:bodyPr/>
-          <a:lstStyle/>
-          <a:p>
-            <a:r>
-              <a:rPr lang="ru-RU" dirty="0" smtClean="0"/>
-              <a:t>Распараллелен каждый этап</a:t>
-            </a:r>
-          </a:p>
-          <a:p>
-            <a:r>
-              <a:rPr lang="ru-RU" dirty="0" smtClean="0"/>
-              <a:t>Без использования сепарабельности</a:t>
-            </a:r>
-          </a:p>
-          <a:p>
-            <a:r>
-              <a:rPr lang="ru-RU" dirty="0" smtClean="0"/>
-              <a:t>Свёртка не оптимальна</a:t>
-            </a:r>
-          </a:p>
-          <a:p>
-            <a:r>
-              <a:rPr lang="ru-RU" dirty="0" smtClean="0"/>
-              <a:t>Направленная фильтрация с применением общей и константной памяти</a:t>
-            </a:r>
-            <a:endParaRPr lang="ru-RU" dirty="0"/>
-          </a:p>
-        </p:txBody>
-      </p:sp>
-      <p:graphicFrame>
-        <p:nvGraphicFramePr>
-          <p:cNvPr id="4" name="Diagram 3"/>
-          <p:cNvGraphicFramePr/>
-          <p:nvPr/>
-        </p:nvGraphicFramePr>
-        <p:xfrm>
-          <a:off x="1066800" y="4038600"/>
-          <a:ext cx="6858000" cy="2489200"/>
-        </p:xfrm>
-        <a:graphic>
-          <a:graphicData uri="http://schemas.openxmlformats.org/drawingml/2006/diagram">
-            <dgm:relIds xmlns:dgm="http://schemas.openxmlformats.org/drawingml/2006/diagram" xmlns:r="http://schemas.openxmlformats.org/officeDocument/2006/relationships" r:dm="rId2" r:lo="rId3" r:qs="rId4" r:cs="rId5"/>
-          </a:graphicData>
-        </a:graphic>
-      </p:graphicFrame>
-    </p:spTree>
-    <p:extLst>
-      <p:ext uri="{BB962C8B-B14F-4D97-AF65-F5344CB8AC3E}">
-        <p14:creationId xmlns:p14="http://schemas.microsoft.com/office/powerpoint/2010/main" val="2699504185"/>
-      </p:ext>
-    </p:extLst>
-  </p:cSld>
-  <p:clrMapOvr>
-    <a:masterClrMapping/>
-  </p:clrMapOvr>
-  <p:timing>
-    <p:tnLst>
-      <p:par>
-        <p:cTn id="1" dur="indefinite" restart="never" nodeType="tmRoot">
-          <p:childTnLst>
-            <p:seq concurrent="1" nextAc="seek">
-              <p:cTn id="2" dur="indefinite" nodeType="mainSeq">
-                <p:childTnLst>
-                  <p:par>
-                    <p:cTn id="3" fill="hold">
-                      <p:stCondLst>
-                        <p:cond delay="indefinite"/>
-                      </p:stCondLst>
-                      <p:childTnLst>
-                        <p:par>
-                          <p:cTn id="4" fill="hold">
-                            <p:stCondLst>
-                              <p:cond delay="0"/>
-                            </p:stCondLst>
-                            <p:childTnLst>
-                              <p:par>
-                                <p:cTn id="5" presetID="10" presetClass="entr" presetSubtype="0" fill="hold" grpId="0" nodeType="clickEffect">
-                                  <p:stCondLst>
-                                    <p:cond delay="0"/>
-                                  </p:stCondLst>
-                                  <p:childTnLst>
-                                    <p:set>
-                                      <p:cBhvr>
-                                        <p:cTn id="6" dur="1" fill="hold">
-                                          <p:stCondLst>
-                                            <p:cond delay="0"/>
-                                          </p:stCondLst>
-                                        </p:cTn>
-                                        <p:tgtEl>
-                                          <p:spTgt spid="4"/>
-                                        </p:tgtEl>
-                                        <p:attrNameLst>
-                                          <p:attrName>style.visibility</p:attrName>
-                                        </p:attrNameLst>
-                                      </p:cBhvr>
-                                      <p:to>
-                                        <p:strVal val="visible"/>
-                                      </p:to>
-                                    </p:set>
-                                    <p:animEffect transition="in" filter="fade">
-                                      <p:cBhvr>
-                                        <p:cTn id="7" dur="500"/>
-                                        <p:tgtEl>
-                                          <p:spTgt spid="4"/>
-                                        </p:tgtEl>
-                                      </p:cBhvr>
-                                    </p:animEffect>
-                                  </p:childTnLst>
-                                </p:cTn>
-                              </p:par>
-                            </p:childTnLst>
-                          </p:cTn>
-                        </p:par>
-                      </p:childTnLst>
-                    </p:cTn>
-                  </p:par>
-                </p:childTnLst>
-              </p:cTn>
-              <p:prevCondLst>
-                <p:cond evt="onPrev" delay="0">
-                  <p:tgtEl>
-                    <p:sldTgt/>
-                  </p:tgtEl>
-                </p:cond>
-              </p:prevCondLst>
-              <p:nextCondLst>
-                <p:cond evt="onNext" delay="0">
-                  <p:tgtEl>
-                    <p:sldTgt/>
-                  </p:tgtEl>
-                </p:cond>
-              </p:nextCondLst>
-            </p:seq>
-          </p:childTnLst>
-        </p:cTn>
-      </p:par>
-    </p:tnLst>
-    <p:bldLst>
-      <p:bldGraphic spid="4" grpId="0">
-        <p:bldAsOne/>
-      </p:bldGraphic>
-    </p:bldLst>
-  </p:timing>
-</p:sld>
-</file>
-
-<file path=ppt/slides/slide14.xml><?xml version="1.0" encoding="utf-8"?>
-<p:sld xmlns:a="http://schemas.openxmlformats.org/drawingml/2006/main" xmlns:r="http://schemas.openxmlformats.org/officeDocument/2006/relationships" xmlns:p="http://schemas.openxmlformats.org/presentationml/2006/main">
-  <p:cSld>
-    <p:spTree>
-      <p:nvGrpSpPr>
-        <p:cNvPr id="1" name=""/>
-        <p:cNvGrpSpPr/>
-        <p:nvPr/>
-      </p:nvGrpSpPr>
-      <p:grpSpPr>
-        <a:xfrm>
-          <a:off x="0" y="0"/>
-          <a:ext cx="0" cy="0"/>
-          <a:chOff x="0" y="0"/>
-          <a:chExt cx="0" cy="0"/>
-        </a:xfrm>
-      </p:grpSpPr>
-      <p:sp>
-        <p:nvSpPr>
-          <p:cNvPr id="2" name="Title 1"/>
-          <p:cNvSpPr>
-            <a:spLocks noGrp="1"/>
-          </p:cNvSpPr>
-          <p:nvPr>
-            <p:ph type="title"/>
-          </p:nvPr>
-        </p:nvSpPr>
-        <p:spPr/>
-        <p:txBody>
-          <a:bodyPr/>
-          <a:lstStyle/>
-          <a:p>
-            <a:r>
-              <a:rPr lang="en-US" dirty="0" err="1" smtClean="0"/>
-              <a:t>FingerCode</a:t>
-            </a:r>
-            <a:endParaRPr lang="ru-RU" dirty="0"/>
-          </a:p>
-        </p:txBody>
-      </p:sp>
-      <p:pic>
-        <p:nvPicPr>
-          <p:cNvPr id="4" name="Content Placeholder 3"/>
-          <p:cNvPicPr>
-            <a:picLocks noGrp="1" noChangeAspect="1"/>
-          </p:cNvPicPr>
-          <p:nvPr>
-            <p:ph idx="1"/>
-          </p:nvPr>
-        </p:nvPicPr>
-        <p:blipFill>
-          <a:blip r:embed="rId3">
-            <a:extLst>
-              <a:ext uri="{28A0092B-C50C-407E-A947-70E740481C1C}">
-                <a14:useLocalDpi xmlns:a14="http://schemas.microsoft.com/office/drawing/2010/main" val="0"/>
-              </a:ext>
-            </a:extLst>
-          </a:blip>
-          <a:stretch>
-            <a:fillRect/>
-          </a:stretch>
-        </p:blipFill>
-        <p:spPr>
-          <a:xfrm>
-            <a:off x="1143000" y="1562228"/>
-            <a:ext cx="6705600" cy="4935470"/>
-          </a:xfrm>
-        </p:spPr>
-      </p:pic>
-    </p:spTree>
-    <p:extLst>
-      <p:ext uri="{BB962C8B-B14F-4D97-AF65-F5344CB8AC3E}">
-        <p14:creationId xmlns:p14="http://schemas.microsoft.com/office/powerpoint/2010/main" val="2187519213"/>
-      </p:ext>
-    </p:extLst>
-  </p:cSld>
-  <p:clrMapOvr>
-    <a:masterClrMapping/>
-  </p:clrMapOvr>
-  <p:timing>
-    <p:tnLst>
-      <p:par>
-        <p:cTn id="1" dur="indefinite" restart="never" nodeType="tmRoot"/>
-      </p:par>
-    </p:tnLst>
-  </p:timing>
-</p:sld>
-</file>
-
-<file path=ppt/slides/slide15.xml><?xml version="1.0" encoding="utf-8"?>
-<p:sld xmlns:a="http://schemas.openxmlformats.org/drawingml/2006/main" xmlns:r="http://schemas.openxmlformats.org/officeDocument/2006/relationships" xmlns:p="http://schemas.openxmlformats.org/presentationml/2006/main">
-  <p:cSld>
-    <p:spTree>
-      <p:nvGrpSpPr>
-        <p:cNvPr id="1" name=""/>
-        <p:cNvGrpSpPr/>
-        <p:nvPr/>
-      </p:nvGrpSpPr>
-      <p:grpSpPr>
-        <a:xfrm>
-          <a:off x="0" y="0"/>
-          <a:ext cx="0" cy="0"/>
-          <a:chOff x="0" y="0"/>
-          <a:chExt cx="0" cy="0"/>
-        </a:xfrm>
-      </p:grpSpPr>
-      <p:sp>
-        <p:nvSpPr>
-          <p:cNvPr id="2" name="Title 1"/>
-          <p:cNvSpPr>
-            <a:spLocks noGrp="1"/>
-          </p:cNvSpPr>
-          <p:nvPr>
-            <p:ph type="title"/>
-          </p:nvPr>
-        </p:nvSpPr>
-        <p:spPr/>
-        <p:txBody>
-          <a:bodyPr/>
-          <a:lstStyle/>
-          <a:p>
-            <a:r>
               <a:rPr lang="en-US" dirty="0" err="1" smtClean="0"/>
               <a:t>FingerCode</a:t>
             </a:r>
@@ -13546,7 +12369,7 @@
 </p:sld>
 </file>
 
-<file path=ppt/slides/slide16.xml><?xml version="1.0" encoding="utf-8"?>
+<file path=ppt/slides/slide11.xml><?xml version="1.0" encoding="utf-8"?>
 <p:sld xmlns:a="http://schemas.openxmlformats.org/drawingml/2006/main" xmlns:r="http://schemas.openxmlformats.org/officeDocument/2006/relationships" xmlns:p="http://schemas.openxmlformats.org/presentationml/2006/main">
   <p:cSld>
     <p:spTree>
@@ -13683,7 +12506,197 @@
 </p:sld>
 </file>
 
-<file path=ppt/slides/slide17.xml><?xml version="1.0" encoding="utf-8"?>
+<file path=ppt/slides/slide12.xml><?xml version="1.0" encoding="utf-8"?>
+<p:sld xmlns:a="http://schemas.openxmlformats.org/drawingml/2006/main" xmlns:r="http://schemas.openxmlformats.org/officeDocument/2006/relationships" xmlns:p="http://schemas.openxmlformats.org/presentationml/2006/main">
+  <p:cSld>
+    <p:spTree>
+      <p:nvGrpSpPr>
+        <p:cNvPr id="1" name=""/>
+        <p:cNvGrpSpPr/>
+        <p:nvPr/>
+      </p:nvGrpSpPr>
+      <p:grpSpPr>
+        <a:xfrm>
+          <a:off x="0" y="0"/>
+          <a:ext cx="0" cy="0"/>
+          <a:chOff x="0" y="0"/>
+          <a:chExt cx="0" cy="0"/>
+        </a:xfrm>
+      </p:grpSpPr>
+      <p:sp>
+        <p:nvSpPr>
+          <p:cNvPr id="2" name="Title 1"/>
+          <p:cNvSpPr>
+            <a:spLocks noGrp="1"/>
+          </p:cNvSpPr>
+          <p:nvPr>
+            <p:ph type="title"/>
+          </p:nvPr>
+        </p:nvSpPr>
+        <p:spPr/>
+        <p:txBody>
+          <a:bodyPr/>
+          <a:lstStyle/>
+          <a:p>
+            <a:r>
+              <a:rPr lang="en-US" dirty="0" smtClean="0"/>
+              <a:t>NVIDIA CUDA</a:t>
+            </a:r>
+            <a:endParaRPr lang="ru-RU" dirty="0"/>
+          </a:p>
+        </p:txBody>
+      </p:sp>
+      <p:sp>
+        <p:nvSpPr>
+          <p:cNvPr id="4" name="Rectangle 2"/>
+          <p:cNvSpPr>
+            <a:spLocks noChangeArrowheads="1"/>
+          </p:cNvSpPr>
+          <p:nvPr/>
+        </p:nvSpPr>
+        <p:spPr bwMode="auto">
+          <a:xfrm>
+            <a:off x="609599" y="1965959"/>
+            <a:ext cx="10567705" cy="45719"/>
+          </a:xfrm>
+          <a:prstGeom prst="rect">
+            <a:avLst/>
+          </a:prstGeom>
+          <a:noFill/>
+          <a:ln>
+            <a:noFill/>
+          </a:ln>
+          <a:effectLst/>
+          <a:extLst>
+            <a:ext uri="{909E8E84-426E-40DD-AFC4-6F175D3DCCD1}">
+              <a14:hiddenFill xmlns:a14="http://schemas.microsoft.com/office/drawing/2010/main">
+                <a:solidFill>
+                  <a:schemeClr val="accent1"/>
+                </a:solidFill>
+              </a14:hiddenFill>
+            </a:ext>
+            <a:ext uri="{91240B29-F687-4F45-9708-019B960494DF}">
+              <a14:hiddenLine xmlns:a14="http://schemas.microsoft.com/office/drawing/2010/main" w="9525">
+                <a:solidFill>
+                  <a:schemeClr val="tx1"/>
+                </a:solidFill>
+                <a:miter lim="800000"/>
+                <a:headEnd/>
+                <a:tailEnd/>
+              </a14:hiddenLine>
+            </a:ext>
+            <a:ext uri="{AF507438-7753-43E0-B8FC-AC1667EBCBE1}">
+              <a14:hiddenEffects xmlns:a14="http://schemas.microsoft.com/office/drawing/2010/main">
+                <a:effectLst>
+                  <a:outerShdw dist="35921" dir="2700000" algn="ctr" rotWithShape="0">
+                    <a:schemeClr val="bg2"/>
+                  </a:outerShdw>
+                </a:effectLst>
+              </a14:hiddenEffects>
+            </a:ext>
+          </a:extLst>
+        </p:spPr>
+        <p:txBody>
+          <a:bodyPr vert="horz" wrap="square" lIns="91440" tIns="45720" rIns="91440" bIns="45720" numCol="1" anchor="ctr" anchorCtr="0" compatLnSpc="1">
+            <a:prstTxWarp prst="textNoShape">
+              <a:avLst/>
+            </a:prstTxWarp>
+            <a:spAutoFit/>
+          </a:bodyPr>
+          <a:lstStyle/>
+          <a:p>
+            <a:endParaRPr lang="ru-RU"/>
+          </a:p>
+        </p:txBody>
+      </p:sp>
+      <p:graphicFrame>
+        <p:nvGraphicFramePr>
+          <p:cNvPr id="5" name="Object 4"/>
+          <p:cNvGraphicFramePr>
+            <a:graphicFrameLocks noChangeAspect="1"/>
+          </p:cNvGraphicFramePr>
+          <p:nvPr>
+            <p:extLst>
+              <p:ext uri="{D42A27DB-BD31-4B8C-83A1-F6EECF244321}">
+                <p14:modId xmlns:p14="http://schemas.microsoft.com/office/powerpoint/2010/main" val="780043744"/>
+              </p:ext>
+            </p:extLst>
+          </p:nvPr>
+        </p:nvGraphicFramePr>
+        <p:xfrm>
+          <a:off x="609600" y="1965960"/>
+          <a:ext cx="8124505" cy="3886200"/>
+        </p:xfrm>
+        <a:graphic>
+          <a:graphicData uri="http://schemas.openxmlformats.org/presentationml/2006/ole">
+            <mc:AlternateContent xmlns:mc="http://schemas.openxmlformats.org/markup-compatibility/2006">
+              <mc:Choice xmlns:v="urn:schemas-microsoft-com:vml" Requires="v">
+                <p:oleObj spid="_x0000_s3077" name="Visio" r:id="rId3" imgW="6893210" imgH="3293190" progId="Visio.Drawing.11">
+                  <p:embed/>
+                </p:oleObj>
+              </mc:Choice>
+              <mc:Fallback>
+                <p:oleObj name="Visio" r:id="rId3" imgW="6893210" imgH="3293190" progId="Visio.Drawing.11">
+                  <p:embed/>
+                  <p:pic>
+                    <p:nvPicPr>
+                      <p:cNvPr id="0" name="Object 1"/>
+                      <p:cNvPicPr>
+                        <a:picLocks noChangeAspect="1" noChangeArrowheads="1"/>
+                      </p:cNvPicPr>
+                      <p:nvPr/>
+                    </p:nvPicPr>
+                    <p:blipFill>
+                      <a:blip r:embed="rId4">
+                        <a:extLst>
+                          <a:ext uri="{28A0092B-C50C-407E-A947-70E740481C1C}">
+                            <a14:useLocalDpi xmlns:a14="http://schemas.microsoft.com/office/drawing/2010/main" val="0"/>
+                          </a:ext>
+                        </a:extLst>
+                      </a:blip>
+                      <a:srcRect/>
+                      <a:stretch>
+                        <a:fillRect/>
+                      </a:stretch>
+                    </p:blipFill>
+                    <p:spPr bwMode="auto">
+                      <a:xfrm>
+                        <a:off x="609600" y="1965960"/>
+                        <a:ext cx="8124505" cy="3886200"/>
+                      </a:xfrm>
+                      <a:prstGeom prst="rect">
+                        <a:avLst/>
+                      </a:prstGeom>
+                      <a:noFill/>
+                    </p:spPr>
+                  </p:pic>
+                </p:oleObj>
+              </mc:Fallback>
+            </mc:AlternateContent>
+          </a:graphicData>
+        </a:graphic>
+      </p:graphicFrame>
+    </p:spTree>
+    <p:extLst>
+      <p:ext uri="{BB962C8B-B14F-4D97-AF65-F5344CB8AC3E}">
+        <p14:creationId xmlns:p14="http://schemas.microsoft.com/office/powerpoint/2010/main" val="2811161357"/>
+      </p:ext>
+    </p:extLst>
+  </p:cSld>
+  <p:clrMapOvr>
+    <a:masterClrMapping/>
+  </p:clrMapOvr>
+  <p:timing>
+    <p:tnLst>
+      <p:par>
+        <p:cTn id="1" dur="indefinite" restart="never" nodeType="tmRoot"/>
+      </p:par>
+    </p:tnLst>
+  </p:timing>
+</p:sld>
+</file>
+
+<file path=ppt/slides/slide13.xml><?xml version="1.0" encoding="utf-8"?>
 <p:sld xmlns:a="http://schemas.openxmlformats.org/drawingml/2006/main" xmlns:r="http://schemas.openxmlformats.org/officeDocument/2006/relationships" xmlns:p="http://schemas.openxmlformats.org/presentationml/2006/main">
   <p:cSld>
     <p:spTree>
@@ -15125,7 +14138,1335 @@
 </p:sld>
 </file>
 
+<file path=ppt/slides/slide14.xml><?xml version="1.0" encoding="utf-8"?>
+<p:sld xmlns:a="http://schemas.openxmlformats.org/drawingml/2006/main" xmlns:r="http://schemas.openxmlformats.org/officeDocument/2006/relationships" xmlns:p="http://schemas.openxmlformats.org/presentationml/2006/main">
+  <p:cSld>
+    <p:spTree>
+      <p:nvGrpSpPr>
+        <p:cNvPr id="1" name=""/>
+        <p:cNvGrpSpPr/>
+        <p:nvPr/>
+      </p:nvGrpSpPr>
+      <p:grpSpPr>
+        <a:xfrm>
+          <a:off x="0" y="0"/>
+          <a:ext cx="0" cy="0"/>
+          <a:chOff x="0" y="0"/>
+          <a:chExt cx="0" cy="0"/>
+        </a:xfrm>
+      </p:grpSpPr>
+      <p:sp>
+        <p:nvSpPr>
+          <p:cNvPr id="2" name="Title 1"/>
+          <p:cNvSpPr>
+            <a:spLocks noGrp="1"/>
+          </p:cNvSpPr>
+          <p:nvPr>
+            <p:ph type="title"/>
+          </p:nvPr>
+        </p:nvSpPr>
+        <p:spPr/>
+        <p:txBody>
+          <a:bodyPr/>
+          <a:lstStyle/>
+          <a:p>
+            <a:r>
+              <a:rPr lang="ru-RU" dirty="0" smtClean="0"/>
+              <a:t>Улучшение изображения</a:t>
+            </a:r>
+            <a:endParaRPr lang="ru-RU" dirty="0"/>
+          </a:p>
+        </p:txBody>
+      </p:sp>
+      <p:pic>
+        <p:nvPicPr>
+          <p:cNvPr id="4" name="Content Placeholder 3"/>
+          <p:cNvPicPr>
+            <a:picLocks noGrp="1" noChangeAspect="1"/>
+          </p:cNvPicPr>
+          <p:nvPr>
+            <p:ph idx="1"/>
+          </p:nvPr>
+        </p:nvPicPr>
+        <p:blipFill>
+          <a:blip r:embed="rId2">
+            <a:extLst>
+              <a:ext uri="{28A0092B-C50C-407E-A947-70E740481C1C}">
+                <a14:useLocalDpi xmlns:a14="http://schemas.microsoft.com/office/drawing/2010/main" val="0"/>
+              </a:ext>
+            </a:extLst>
+          </a:blip>
+          <a:stretch>
+            <a:fillRect/>
+          </a:stretch>
+        </p:blipFill>
+        <p:spPr>
+          <a:xfrm>
+            <a:off x="3341370" y="2057400"/>
+            <a:ext cx="2438400" cy="3467100"/>
+          </a:xfrm>
+        </p:spPr>
+      </p:pic>
+      <p:pic>
+        <p:nvPicPr>
+          <p:cNvPr id="5" name="Picture 4"/>
+          <p:cNvPicPr>
+            <a:picLocks noChangeAspect="1"/>
+          </p:cNvPicPr>
+          <p:nvPr/>
+        </p:nvPicPr>
+        <p:blipFill>
+          <a:blip r:embed="rId3">
+            <a:extLst>
+              <a:ext uri="{28A0092B-C50C-407E-A947-70E740481C1C}">
+                <a14:useLocalDpi xmlns:a14="http://schemas.microsoft.com/office/drawing/2010/main" val="0"/>
+              </a:ext>
+            </a:extLst>
+          </a:blip>
+          <a:stretch>
+            <a:fillRect/>
+          </a:stretch>
+        </p:blipFill>
+        <p:spPr>
+          <a:xfrm>
+            <a:off x="4876800" y="2057400"/>
+            <a:ext cx="2438740" cy="3467584"/>
+          </a:xfrm>
+          <a:prstGeom prst="rect">
+            <a:avLst/>
+          </a:prstGeom>
+        </p:spPr>
+      </p:pic>
+    </p:spTree>
+    <p:extLst>
+      <p:ext uri="{BB962C8B-B14F-4D97-AF65-F5344CB8AC3E}">
+        <p14:creationId xmlns:p14="http://schemas.microsoft.com/office/powerpoint/2010/main" val="939111814"/>
+      </p:ext>
+    </p:extLst>
+  </p:cSld>
+  <p:clrMapOvr>
+    <a:masterClrMapping/>
+  </p:clrMapOvr>
+  <p:timing>
+    <p:tnLst>
+      <p:par>
+        <p:cTn id="1" dur="indefinite" restart="never" nodeType="tmRoot">
+          <p:childTnLst>
+            <p:seq concurrent="1" nextAc="seek">
+              <p:cTn id="2" dur="indefinite" nodeType="mainSeq">
+                <p:childTnLst>
+                  <p:par>
+                    <p:cTn id="3" fill="hold">
+                      <p:stCondLst>
+                        <p:cond delay="indefinite"/>
+                      </p:stCondLst>
+                      <p:childTnLst>
+                        <p:par>
+                          <p:cTn id="4" fill="hold">
+                            <p:stCondLst>
+                              <p:cond delay="0"/>
+                            </p:stCondLst>
+                            <p:childTnLst>
+                              <p:par>
+                                <p:cTn id="5" presetID="2" presetClass="entr" presetSubtype="4" fill="hold" nodeType="clickEffect">
+                                  <p:stCondLst>
+                                    <p:cond delay="0"/>
+                                  </p:stCondLst>
+                                  <p:childTnLst>
+                                    <p:set>
+                                      <p:cBhvr>
+                                        <p:cTn id="6" dur="1" fill="hold">
+                                          <p:stCondLst>
+                                            <p:cond delay="0"/>
+                                          </p:stCondLst>
+                                        </p:cTn>
+                                        <p:tgtEl>
+                                          <p:spTgt spid="5"/>
+                                        </p:tgtEl>
+                                        <p:attrNameLst>
+                                          <p:attrName>style.visibility</p:attrName>
+                                        </p:attrNameLst>
+                                      </p:cBhvr>
+                                      <p:to>
+                                        <p:strVal val="visible"/>
+                                      </p:to>
+                                    </p:set>
+                                    <p:anim calcmode="lin" valueType="num">
+                                      <p:cBhvr additive="base">
+                                        <p:cTn id="7" dur="250" fill="hold"/>
+                                        <p:tgtEl>
+                                          <p:spTgt spid="5"/>
+                                        </p:tgtEl>
+                                        <p:attrNameLst>
+                                          <p:attrName>ppt_x</p:attrName>
+                                        </p:attrNameLst>
+                                      </p:cBhvr>
+                                      <p:tavLst>
+                                        <p:tav tm="0">
+                                          <p:val>
+                                            <p:strVal val="#ppt_x"/>
+                                          </p:val>
+                                        </p:tav>
+                                        <p:tav tm="100000">
+                                          <p:val>
+                                            <p:strVal val="#ppt_x"/>
+                                          </p:val>
+                                        </p:tav>
+                                      </p:tavLst>
+                                    </p:anim>
+                                    <p:anim calcmode="lin" valueType="num">
+                                      <p:cBhvr additive="base">
+                                        <p:cTn id="8" dur="250" fill="hold"/>
+                                        <p:tgtEl>
+                                          <p:spTgt spid="5"/>
+                                        </p:tgtEl>
+                                        <p:attrNameLst>
+                                          <p:attrName>ppt_y</p:attrName>
+                                        </p:attrNameLst>
+                                      </p:cBhvr>
+                                      <p:tavLst>
+                                        <p:tav tm="0">
+                                          <p:val>
+                                            <p:strVal val="1+#ppt_h/2"/>
+                                          </p:val>
+                                        </p:tav>
+                                        <p:tav tm="100000">
+                                          <p:val>
+                                            <p:strVal val="#ppt_y"/>
+                                          </p:val>
+                                        </p:tav>
+                                      </p:tavLst>
+                                    </p:anim>
+                                  </p:childTnLst>
+                                </p:cTn>
+                              </p:par>
+                              <p:par>
+                                <p:cTn id="9" presetID="42" presetClass="path" presetSubtype="0" accel="50000" decel="50000" fill="hold" nodeType="withEffect">
+                                  <p:stCondLst>
+                                    <p:cond delay="0"/>
+                                  </p:stCondLst>
+                                  <p:childTnLst>
+                                    <p:animMotion origin="layout" path="M -4.72222E-6 2.22222E-6 L -0.16545 -0.00834 " pathEditMode="relative" rAng="0" ptsTypes="AA">
+                                      <p:cBhvr>
+                                        <p:cTn id="10" dur="250" fill="hold"/>
+                                        <p:tgtEl>
+                                          <p:spTgt spid="4"/>
+                                        </p:tgtEl>
+                                        <p:attrNameLst>
+                                          <p:attrName>ppt_x</p:attrName>
+                                          <p:attrName>ppt_y</p:attrName>
+                                        </p:attrNameLst>
+                                      </p:cBhvr>
+                                      <p:rCtr x="-8281" y="-417"/>
+                                    </p:animMotion>
+                                  </p:childTnLst>
+                                </p:cTn>
+                              </p:par>
+                            </p:childTnLst>
+                          </p:cTn>
+                        </p:par>
+                      </p:childTnLst>
+                    </p:cTn>
+                  </p:par>
+                </p:childTnLst>
+              </p:cTn>
+              <p:prevCondLst>
+                <p:cond evt="onPrev" delay="0">
+                  <p:tgtEl>
+                    <p:sldTgt/>
+                  </p:tgtEl>
+                </p:cond>
+              </p:prevCondLst>
+              <p:nextCondLst>
+                <p:cond evt="onNext" delay="0">
+                  <p:tgtEl>
+                    <p:sldTgt/>
+                  </p:tgtEl>
+                </p:cond>
+              </p:nextCondLst>
+            </p:seq>
+          </p:childTnLst>
+        </p:cTn>
+      </p:par>
+    </p:tnLst>
+  </p:timing>
+</p:sld>
+</file>
+
+<file path=ppt/slides/slide15.xml><?xml version="1.0" encoding="utf-8"?>
+<p:sld xmlns:a="http://schemas.openxmlformats.org/drawingml/2006/main" xmlns:r="http://schemas.openxmlformats.org/officeDocument/2006/relationships" xmlns:p="http://schemas.openxmlformats.org/presentationml/2006/main">
+  <p:cSld>
+    <p:spTree>
+      <p:nvGrpSpPr>
+        <p:cNvPr id="1" name=""/>
+        <p:cNvGrpSpPr/>
+        <p:nvPr/>
+      </p:nvGrpSpPr>
+      <p:grpSpPr>
+        <a:xfrm>
+          <a:off x="0" y="0"/>
+          <a:ext cx="0" cy="0"/>
+          <a:chOff x="0" y="0"/>
+          <a:chExt cx="0" cy="0"/>
+        </a:xfrm>
+      </p:grpSpPr>
+      <p:sp>
+        <p:nvSpPr>
+          <p:cNvPr id="2" name="Title 1"/>
+          <p:cNvSpPr>
+            <a:spLocks noGrp="1"/>
+          </p:cNvSpPr>
+          <p:nvPr>
+            <p:ph type="title"/>
+          </p:nvPr>
+        </p:nvSpPr>
+        <p:spPr/>
+        <p:txBody>
+          <a:bodyPr/>
+          <a:lstStyle/>
+          <a:p>
+            <a:r>
+              <a:rPr lang="ru-RU" dirty="0" smtClean="0"/>
+              <a:t>Улучшение изображения</a:t>
+            </a:r>
+            <a:endParaRPr lang="ru-RU" dirty="0"/>
+          </a:p>
+        </p:txBody>
+      </p:sp>
+      <p:pic>
+        <p:nvPicPr>
+          <p:cNvPr id="4" name="Content Placeholder 3"/>
+          <p:cNvPicPr>
+            <a:picLocks noGrp="1" noChangeAspect="1"/>
+          </p:cNvPicPr>
+          <p:nvPr>
+            <p:ph idx="1"/>
+          </p:nvPr>
+        </p:nvPicPr>
+        <p:blipFill>
+          <a:blip r:embed="rId2">
+            <a:extLst>
+              <a:ext uri="{28A0092B-C50C-407E-A947-70E740481C1C}">
+                <a14:useLocalDpi xmlns:a14="http://schemas.microsoft.com/office/drawing/2010/main" val="0"/>
+              </a:ext>
+            </a:extLst>
+          </a:blip>
+          <a:stretch>
+            <a:fillRect/>
+          </a:stretch>
+        </p:blipFill>
+        <p:spPr>
+          <a:xfrm>
+            <a:off x="3341370" y="1977390"/>
+            <a:ext cx="2438400" cy="3467100"/>
+          </a:xfrm>
+        </p:spPr>
+      </p:pic>
+      <p:pic>
+        <p:nvPicPr>
+          <p:cNvPr id="5" name="Picture 4"/>
+          <p:cNvPicPr>
+            <a:picLocks noChangeAspect="1"/>
+          </p:cNvPicPr>
+          <p:nvPr/>
+        </p:nvPicPr>
+        <p:blipFill>
+          <a:blip r:embed="rId3">
+            <a:extLst>
+              <a:ext uri="{28A0092B-C50C-407E-A947-70E740481C1C}">
+                <a14:useLocalDpi xmlns:a14="http://schemas.microsoft.com/office/drawing/2010/main" val="0"/>
+              </a:ext>
+            </a:extLst>
+          </a:blip>
+          <a:stretch>
+            <a:fillRect/>
+          </a:stretch>
+        </p:blipFill>
+        <p:spPr>
+          <a:xfrm>
+            <a:off x="4876800" y="1977390"/>
+            <a:ext cx="2438740" cy="3467584"/>
+          </a:xfrm>
+          <a:prstGeom prst="rect">
+            <a:avLst/>
+          </a:prstGeom>
+        </p:spPr>
+      </p:pic>
+    </p:spTree>
+    <p:extLst>
+      <p:ext uri="{BB962C8B-B14F-4D97-AF65-F5344CB8AC3E}">
+        <p14:creationId xmlns:p14="http://schemas.microsoft.com/office/powerpoint/2010/main" val="1367912857"/>
+      </p:ext>
+    </p:extLst>
+  </p:cSld>
+  <p:clrMapOvr>
+    <a:masterClrMapping/>
+  </p:clrMapOvr>
+  <p:timing>
+    <p:tnLst>
+      <p:par>
+        <p:cTn id="1" dur="indefinite" restart="never" nodeType="tmRoot">
+          <p:childTnLst>
+            <p:seq concurrent="1" nextAc="seek">
+              <p:cTn id="2" dur="indefinite" nodeType="mainSeq">
+                <p:childTnLst>
+                  <p:par>
+                    <p:cTn id="3" fill="hold">
+                      <p:stCondLst>
+                        <p:cond delay="indefinite"/>
+                      </p:stCondLst>
+                      <p:childTnLst>
+                        <p:par>
+                          <p:cTn id="4" fill="hold">
+                            <p:stCondLst>
+                              <p:cond delay="0"/>
+                            </p:stCondLst>
+                            <p:childTnLst>
+                              <p:par>
+                                <p:cTn id="5" presetID="42" presetClass="path" presetSubtype="0" accel="50000" decel="50000" fill="hold" nodeType="clickEffect">
+                                  <p:stCondLst>
+                                    <p:cond delay="0"/>
+                                  </p:stCondLst>
+                                  <p:childTnLst>
+                                    <p:animMotion origin="layout" path="M -4.72222E-6 -3.7037E-6 L -0.17378 0.00324 " pathEditMode="relative" rAng="0" ptsTypes="AA">
+                                      <p:cBhvr>
+                                        <p:cTn id="6" dur="250" fill="hold"/>
+                                        <p:tgtEl>
+                                          <p:spTgt spid="4"/>
+                                        </p:tgtEl>
+                                        <p:attrNameLst>
+                                          <p:attrName>ppt_x</p:attrName>
+                                          <p:attrName>ppt_y</p:attrName>
+                                        </p:attrNameLst>
+                                      </p:cBhvr>
+                                      <p:rCtr x="-8698" y="162"/>
+                                    </p:animMotion>
+                                  </p:childTnLst>
+                                </p:cTn>
+                              </p:par>
+                              <p:par>
+                                <p:cTn id="7" presetID="2" presetClass="entr" presetSubtype="4" fill="hold" nodeType="withEffect">
+                                  <p:stCondLst>
+                                    <p:cond delay="0"/>
+                                  </p:stCondLst>
+                                  <p:childTnLst>
+                                    <p:set>
+                                      <p:cBhvr>
+                                        <p:cTn id="8" dur="1" fill="hold">
+                                          <p:stCondLst>
+                                            <p:cond delay="0"/>
+                                          </p:stCondLst>
+                                        </p:cTn>
+                                        <p:tgtEl>
+                                          <p:spTgt spid="5"/>
+                                        </p:tgtEl>
+                                        <p:attrNameLst>
+                                          <p:attrName>style.visibility</p:attrName>
+                                        </p:attrNameLst>
+                                      </p:cBhvr>
+                                      <p:to>
+                                        <p:strVal val="visible"/>
+                                      </p:to>
+                                    </p:set>
+                                    <p:anim calcmode="lin" valueType="num">
+                                      <p:cBhvr additive="base">
+                                        <p:cTn id="9" dur="250" fill="hold"/>
+                                        <p:tgtEl>
+                                          <p:spTgt spid="5"/>
+                                        </p:tgtEl>
+                                        <p:attrNameLst>
+                                          <p:attrName>ppt_x</p:attrName>
+                                        </p:attrNameLst>
+                                      </p:cBhvr>
+                                      <p:tavLst>
+                                        <p:tav tm="0">
+                                          <p:val>
+                                            <p:strVal val="#ppt_x"/>
+                                          </p:val>
+                                        </p:tav>
+                                        <p:tav tm="100000">
+                                          <p:val>
+                                            <p:strVal val="#ppt_x"/>
+                                          </p:val>
+                                        </p:tav>
+                                      </p:tavLst>
+                                    </p:anim>
+                                    <p:anim calcmode="lin" valueType="num">
+                                      <p:cBhvr additive="base">
+                                        <p:cTn id="10" dur="250" fill="hold"/>
+                                        <p:tgtEl>
+                                          <p:spTgt spid="5"/>
+                                        </p:tgtEl>
+                                        <p:attrNameLst>
+                                          <p:attrName>ppt_y</p:attrName>
+                                        </p:attrNameLst>
+                                      </p:cBhvr>
+                                      <p:tavLst>
+                                        <p:tav tm="0">
+                                          <p:val>
+                                            <p:strVal val="1+#ppt_h/2"/>
+                                          </p:val>
+                                        </p:tav>
+                                        <p:tav tm="100000">
+                                          <p:val>
+                                            <p:strVal val="#ppt_y"/>
+                                          </p:val>
+                                        </p:tav>
+                                      </p:tavLst>
+                                    </p:anim>
+                                  </p:childTnLst>
+                                </p:cTn>
+                              </p:par>
+                            </p:childTnLst>
+                          </p:cTn>
+                        </p:par>
+                      </p:childTnLst>
+                    </p:cTn>
+                  </p:par>
+                </p:childTnLst>
+              </p:cTn>
+              <p:prevCondLst>
+                <p:cond evt="onPrev" delay="0">
+                  <p:tgtEl>
+                    <p:sldTgt/>
+                  </p:tgtEl>
+                </p:cond>
+              </p:prevCondLst>
+              <p:nextCondLst>
+                <p:cond evt="onNext" delay="0">
+                  <p:tgtEl>
+                    <p:sldTgt/>
+                  </p:tgtEl>
+                </p:cond>
+              </p:nextCondLst>
+            </p:seq>
+          </p:childTnLst>
+        </p:cTn>
+      </p:par>
+    </p:tnLst>
+  </p:timing>
+</p:sld>
+</file>
+
+<file path=ppt/slides/slide16.xml><?xml version="1.0" encoding="utf-8"?>
+<p:sld xmlns:a="http://schemas.openxmlformats.org/drawingml/2006/main" xmlns:r="http://schemas.openxmlformats.org/officeDocument/2006/relationships" xmlns:p="http://schemas.openxmlformats.org/presentationml/2006/main">
+  <p:cSld>
+    <p:spTree>
+      <p:nvGrpSpPr>
+        <p:cNvPr id="1" name=""/>
+        <p:cNvGrpSpPr/>
+        <p:nvPr/>
+      </p:nvGrpSpPr>
+      <p:grpSpPr>
+        <a:xfrm>
+          <a:off x="0" y="0"/>
+          <a:ext cx="0" cy="0"/>
+          <a:chOff x="0" y="0"/>
+          <a:chExt cx="0" cy="0"/>
+        </a:xfrm>
+      </p:grpSpPr>
+      <p:sp>
+        <p:nvSpPr>
+          <p:cNvPr id="2" name="Title 1"/>
+          <p:cNvSpPr>
+            <a:spLocks noGrp="1"/>
+          </p:cNvSpPr>
+          <p:nvPr>
+            <p:ph type="title"/>
+          </p:nvPr>
+        </p:nvSpPr>
+        <p:spPr/>
+        <p:txBody>
+          <a:bodyPr/>
+          <a:lstStyle/>
+          <a:p>
+            <a:r>
+              <a:rPr lang="ru-RU" dirty="0" smtClean="0"/>
+              <a:t>Улучшение изображения</a:t>
+            </a:r>
+            <a:endParaRPr lang="ru-RU" dirty="0"/>
+          </a:p>
+        </p:txBody>
+      </p:sp>
+      <p:sp>
+        <p:nvSpPr>
+          <p:cNvPr id="3" name="Content Placeholder 2"/>
+          <p:cNvSpPr>
+            <a:spLocks noGrp="1"/>
+          </p:cNvSpPr>
+          <p:nvPr>
+            <p:ph idx="1"/>
+          </p:nvPr>
+        </p:nvSpPr>
+        <p:spPr/>
+        <p:txBody>
+          <a:bodyPr/>
+          <a:lstStyle/>
+          <a:p>
+            <a:r>
+              <a:rPr lang="ru-RU" dirty="0" smtClean="0"/>
+              <a:t>Попиксельная нормализация</a:t>
+            </a:r>
+          </a:p>
+          <a:p>
+            <a:r>
+              <a:rPr lang="ru-RU" dirty="0" smtClean="0"/>
+              <a:t>Контекстная фильтрация</a:t>
+            </a:r>
+          </a:p>
+          <a:p>
+            <a:pPr lvl="1"/>
+            <a:r>
+              <a:rPr lang="ru-RU" dirty="0" smtClean="0"/>
+              <a:t>Фильтры Габора</a:t>
+            </a:r>
+          </a:p>
+          <a:p>
+            <a:pPr lvl="1"/>
+            <a:r>
+              <a:rPr lang="ru-RU" dirty="0" smtClean="0"/>
+              <a:t>Преобразование Фурье</a:t>
+            </a:r>
+          </a:p>
+          <a:p>
+            <a:pPr lvl="1"/>
+            <a:r>
+              <a:rPr lang="ru-RU" dirty="0" smtClean="0"/>
+              <a:t>Блочная</a:t>
+            </a:r>
+          </a:p>
+          <a:p>
+            <a:pPr lvl="1"/>
+            <a:r>
+              <a:rPr lang="ru-RU" dirty="0" smtClean="0"/>
+              <a:t>Непрерывная</a:t>
+            </a:r>
+            <a:endParaRPr lang="ru-RU" dirty="0"/>
+          </a:p>
+          <a:p>
+            <a:r>
+              <a:rPr lang="ru-RU" dirty="0" smtClean="0"/>
+              <a:t>Пирамидальное</a:t>
+            </a:r>
+          </a:p>
+        </p:txBody>
+      </p:sp>
+    </p:spTree>
+    <p:extLst>
+      <p:ext uri="{BB962C8B-B14F-4D97-AF65-F5344CB8AC3E}">
+        <p14:creationId xmlns:p14="http://schemas.microsoft.com/office/powerpoint/2010/main" val="170255309"/>
+      </p:ext>
+    </p:extLst>
+  </p:cSld>
+  <p:clrMapOvr>
+    <a:masterClrMapping/>
+  </p:clrMapOvr>
+  <p:timing>
+    <p:tnLst>
+      <p:par>
+        <p:cTn id="1" dur="indefinite" restart="never" nodeType="tmRoot"/>
+      </p:par>
+    </p:tnLst>
+  </p:timing>
+</p:sld>
+</file>
+
+<file path=ppt/slides/slide17.xml><?xml version="1.0" encoding="utf-8"?>
+<p:sld xmlns:a="http://schemas.openxmlformats.org/drawingml/2006/main" xmlns:r="http://schemas.openxmlformats.org/officeDocument/2006/relationships" xmlns:p="http://schemas.openxmlformats.org/presentationml/2006/main">
+  <p:cSld>
+    <p:spTree>
+      <p:nvGrpSpPr>
+        <p:cNvPr id="1" name=""/>
+        <p:cNvGrpSpPr/>
+        <p:nvPr/>
+      </p:nvGrpSpPr>
+      <p:grpSpPr>
+        <a:xfrm>
+          <a:off x="0" y="0"/>
+          <a:ext cx="0" cy="0"/>
+          <a:chOff x="0" y="0"/>
+          <a:chExt cx="0" cy="0"/>
+        </a:xfrm>
+      </p:grpSpPr>
+      <p:sp>
+        <p:nvSpPr>
+          <p:cNvPr id="2" name="Title 1"/>
+          <p:cNvSpPr>
+            <a:spLocks noGrp="1"/>
+          </p:cNvSpPr>
+          <p:nvPr>
+            <p:ph type="title"/>
+          </p:nvPr>
+        </p:nvSpPr>
+        <p:spPr/>
+        <p:txBody>
+          <a:bodyPr/>
+          <a:lstStyle/>
+          <a:p>
+            <a:r>
+              <a:rPr lang="ru-RU" dirty="0" smtClean="0"/>
+              <a:t>Улучшение изображения</a:t>
+            </a:r>
+            <a:endParaRPr lang="ru-RU" dirty="0"/>
+          </a:p>
+        </p:txBody>
+      </p:sp>
+      <mc:AlternateContent xmlns:mc="http://schemas.openxmlformats.org/markup-compatibility/2006">
+        <mc:Choice xmlns:a14="http://schemas.microsoft.com/office/drawing/2010/main" Requires="a14">
+          <p:sp>
+            <p:nvSpPr>
+              <p:cNvPr id="3" name="Content Placeholder 2"/>
+              <p:cNvSpPr>
+                <a:spLocks noGrp="1"/>
+              </p:cNvSpPr>
+              <p:nvPr>
+                <p:ph idx="1"/>
+              </p:nvPr>
+            </p:nvSpPr>
+            <p:spPr>
+              <a:xfrm>
+                <a:off x="857251" y="2057400"/>
+                <a:ext cx="4629149" cy="4038600"/>
+              </a:xfrm>
+            </p:spPr>
+            <p:txBody>
+              <a:bodyPr/>
+              <a:lstStyle/>
+              <a:p>
+                <a:r>
+                  <a:rPr lang="de-DE" dirty="0" smtClean="0"/>
+                  <a:t>J. </a:t>
+                </a:r>
+                <a:r>
+                  <a:rPr lang="de-DE" i="1" dirty="0" smtClean="0"/>
+                  <a:t>Bigun</a:t>
+                </a:r>
+                <a:r>
+                  <a:rPr lang="ru-RU" i="1" dirty="0"/>
+                  <a:t>,</a:t>
+                </a:r>
+                <a:r>
+                  <a:rPr lang="de-DE" i="1" dirty="0" smtClean="0"/>
+                  <a:t> </a:t>
+                </a:r>
+                <a:r>
+                  <a:rPr lang="de-DE" dirty="0" smtClean="0"/>
+                  <a:t>K</a:t>
+                </a:r>
+                <a:r>
+                  <a:rPr lang="de-DE" dirty="0"/>
+                  <a:t>. </a:t>
+                </a:r>
+                <a:r>
+                  <a:rPr lang="de-DE" i="1" dirty="0"/>
+                  <a:t>Kollreider</a:t>
+                </a:r>
+                <a:r>
+                  <a:rPr lang="de-DE" dirty="0"/>
+                  <a:t> , H. </a:t>
+                </a:r>
+                <a:r>
+                  <a:rPr lang="de-DE" i="1" dirty="0" smtClean="0"/>
+                  <a:t>Fronthaler</a:t>
+                </a:r>
+                <a:r>
+                  <a:rPr lang="en-US" dirty="0" smtClean="0"/>
+                  <a:t>, </a:t>
+                </a:r>
+                <a:r>
+                  <a:rPr lang="en-US" dirty="0" err="1" smtClean="0"/>
+                  <a:t>Halmstadt</a:t>
+                </a:r>
+                <a:r>
+                  <a:rPr lang="en-US" dirty="0" smtClean="0"/>
+                  <a:t> University</a:t>
+                </a:r>
+                <a:endParaRPr lang="ru-RU" dirty="0"/>
+              </a:p>
+              <a:p>
+                <a:r>
+                  <a:rPr lang="ru-RU" dirty="0" smtClean="0"/>
+                  <a:t>Разложение изображения в подобие гауссовой и лапласовой пирамиды</a:t>
+                </a:r>
+              </a:p>
+              <a:p>
+                <a:r>
+                  <a:rPr lang="ru-RU" dirty="0" smtClean="0"/>
+                  <a:t>Построение дискретного комплексного поля направлений</a:t>
+                </a:r>
+              </a:p>
+              <a:p>
+                <a14:m>
+                  <m:oMath xmlns:m="http://schemas.openxmlformats.org/officeDocument/2006/math">
+                    <m:sSub>
+                      <m:sSubPr>
+                        <m:ctrlPr>
+                          <a:rPr lang="en-US" b="0" i="1" smtClean="0">
+                            <a:latin typeface="Cambria Math" panose="02040503050406030204" pitchFamily="18" charset="0"/>
+                          </a:rPr>
+                        </m:ctrlPr>
+                      </m:sSubPr>
+                      <m:e>
+                        <m:r>
+                          <a:rPr lang="en-US" b="0" i="1" smtClean="0">
+                            <a:latin typeface="Cambria Math" panose="02040503050406030204" pitchFamily="18" charset="0"/>
+                          </a:rPr>
+                          <m:t>𝑧</m:t>
+                        </m:r>
+                      </m:e>
+                      <m:sub>
+                        <m:r>
+                          <a:rPr lang="en-US" b="0" i="1" smtClean="0">
+                            <a:latin typeface="Cambria Math" panose="02040503050406030204" pitchFamily="18" charset="0"/>
+                          </a:rPr>
+                          <m:t>𝑖</m:t>
+                        </m:r>
+                      </m:sub>
+                    </m:sSub>
+                    <m:r>
+                      <a:rPr lang="en-US" b="0" i="1" smtClean="0">
+                        <a:latin typeface="Cambria Math" panose="02040503050406030204" pitchFamily="18" charset="0"/>
+                      </a:rPr>
+                      <m:t>=</m:t>
+                    </m:r>
+                    <m:sSup>
+                      <m:sSupPr>
+                        <m:ctrlPr>
+                          <a:rPr lang="en-US" b="0" i="1" smtClean="0">
+                            <a:latin typeface="Cambria Math" panose="02040503050406030204" pitchFamily="18" charset="0"/>
+                          </a:rPr>
+                        </m:ctrlPr>
+                      </m:sSupPr>
+                      <m:e>
+                        <m:r>
+                          <a:rPr lang="en-US" i="1">
+                            <a:latin typeface="Cambria Math" panose="02040503050406030204" pitchFamily="18" charset="0"/>
+                          </a:rPr>
+                          <m:t>(</m:t>
+                        </m:r>
+                        <m:d>
+                          <m:dPr>
+                            <m:ctrlPr>
+                              <a:rPr lang="en-US" i="1">
+                                <a:latin typeface="Cambria Math" panose="02040503050406030204" pitchFamily="18" charset="0"/>
+                              </a:rPr>
+                            </m:ctrlPr>
+                          </m:dPr>
+                          <m:e>
+                            <m:sSub>
+                              <m:sSubPr>
+                                <m:ctrlPr>
+                                  <a:rPr lang="en-US" i="1">
+                                    <a:latin typeface="Cambria Math" panose="02040503050406030204" pitchFamily="18" charset="0"/>
+                                  </a:rPr>
+                                </m:ctrlPr>
+                              </m:sSubPr>
+                              <m:e>
+                                <m:r>
+                                  <a:rPr lang="en-US" i="1">
+                                    <a:latin typeface="Cambria Math" panose="02040503050406030204" pitchFamily="18" charset="0"/>
+                                  </a:rPr>
+                                  <m:t>𝐷</m:t>
+                                </m:r>
+                              </m:e>
+                              <m:sub>
+                                <m:r>
+                                  <a:rPr lang="en-US" i="1">
+                                    <a:latin typeface="Cambria Math" panose="02040503050406030204" pitchFamily="18" charset="0"/>
+                                  </a:rPr>
+                                  <m:t>𝑥</m:t>
+                                </m:r>
+                              </m:sub>
+                            </m:sSub>
+                            <m:r>
+                              <a:rPr lang="en-US" i="1">
+                                <a:latin typeface="Cambria Math" panose="02040503050406030204" pitchFamily="18" charset="0"/>
+                              </a:rPr>
+                              <m:t>𝐺</m:t>
+                            </m:r>
+                            <m:d>
+                              <m:dPr>
+                                <m:ctrlPr>
+                                  <a:rPr lang="en-US" i="1">
+                                    <a:latin typeface="Cambria Math" panose="02040503050406030204" pitchFamily="18" charset="0"/>
+                                  </a:rPr>
+                                </m:ctrlPr>
+                              </m:dPr>
+                              <m:e>
+                                <m:sSub>
+                                  <m:sSubPr>
+                                    <m:ctrlPr>
+                                      <a:rPr lang="en-US" i="1">
+                                        <a:latin typeface="Cambria Math" panose="02040503050406030204" pitchFamily="18" charset="0"/>
+                                      </a:rPr>
+                                    </m:ctrlPr>
+                                  </m:sSubPr>
+                                  <m:e>
+                                    <m:r>
+                                      <a:rPr lang="en-US" i="1">
+                                        <a:latin typeface="Cambria Math" panose="02040503050406030204" pitchFamily="18" charset="0"/>
+                                        <a:ea typeface="Cambria Math" panose="02040503050406030204" pitchFamily="18" charset="0"/>
+                                      </a:rPr>
+                                      <m:t>𝜎</m:t>
+                                    </m:r>
+                                  </m:e>
+                                  <m:sub>
+                                    <m:r>
+                                      <a:rPr lang="en-US" i="1">
+                                        <a:latin typeface="Cambria Math" panose="02040503050406030204" pitchFamily="18" charset="0"/>
+                                      </a:rPr>
+                                      <m:t>1</m:t>
+                                    </m:r>
+                                  </m:sub>
+                                </m:sSub>
+                              </m:e>
+                            </m:d>
+                            <m:r>
+                              <a:rPr lang="en-US" i="1">
+                                <a:latin typeface="Cambria Math" panose="02040503050406030204" pitchFamily="18" charset="0"/>
+                              </a:rPr>
+                              <m:t>+</m:t>
+                            </m:r>
+                            <m:r>
+                              <a:rPr lang="en-US" i="1">
+                                <a:latin typeface="Cambria Math" panose="02040503050406030204" pitchFamily="18" charset="0"/>
+                              </a:rPr>
+                              <m:t>𝑖</m:t>
+                            </m:r>
+                            <m:sSub>
+                              <m:sSubPr>
+                                <m:ctrlPr>
+                                  <a:rPr lang="en-US" i="1">
+                                    <a:latin typeface="Cambria Math" panose="02040503050406030204" pitchFamily="18" charset="0"/>
+                                  </a:rPr>
+                                </m:ctrlPr>
+                              </m:sSubPr>
+                              <m:e>
+                                <m:r>
+                                  <a:rPr lang="en-US" i="1">
+                                    <a:latin typeface="Cambria Math" panose="02040503050406030204" pitchFamily="18" charset="0"/>
+                                  </a:rPr>
+                                  <m:t>𝐷</m:t>
+                                </m:r>
+                              </m:e>
+                              <m:sub>
+                                <m:r>
+                                  <a:rPr lang="en-US" i="1">
+                                    <a:latin typeface="Cambria Math" panose="02040503050406030204" pitchFamily="18" charset="0"/>
+                                  </a:rPr>
+                                  <m:t>𝑦</m:t>
+                                </m:r>
+                              </m:sub>
+                            </m:sSub>
+                            <m:r>
+                              <a:rPr lang="en-US" i="1">
+                                <a:latin typeface="Cambria Math" panose="02040503050406030204" pitchFamily="18" charset="0"/>
+                              </a:rPr>
+                              <m:t>𝐺</m:t>
+                            </m:r>
+                            <m:d>
+                              <m:dPr>
+                                <m:ctrlPr>
+                                  <a:rPr lang="en-US" i="1">
+                                    <a:latin typeface="Cambria Math" panose="02040503050406030204" pitchFamily="18" charset="0"/>
+                                  </a:rPr>
+                                </m:ctrlPr>
+                              </m:dPr>
+                              <m:e>
+                                <m:sSub>
+                                  <m:sSubPr>
+                                    <m:ctrlPr>
+                                      <a:rPr lang="en-US" i="1">
+                                        <a:latin typeface="Cambria Math" panose="02040503050406030204" pitchFamily="18" charset="0"/>
+                                      </a:rPr>
+                                    </m:ctrlPr>
+                                  </m:sSubPr>
+                                  <m:e>
+                                    <m:r>
+                                      <a:rPr lang="en-US" i="1">
+                                        <a:latin typeface="Cambria Math" panose="02040503050406030204" pitchFamily="18" charset="0"/>
+                                        <a:ea typeface="Cambria Math" panose="02040503050406030204" pitchFamily="18" charset="0"/>
+                                      </a:rPr>
+                                      <m:t>𝜎</m:t>
+                                    </m:r>
+                                  </m:e>
+                                  <m:sub>
+                                    <m:r>
+                                      <a:rPr lang="en-US" i="1">
+                                        <a:latin typeface="Cambria Math" panose="02040503050406030204" pitchFamily="18" charset="0"/>
+                                      </a:rPr>
+                                      <m:t>1</m:t>
+                                    </m:r>
+                                  </m:sub>
+                                </m:sSub>
+                              </m:e>
+                            </m:d>
+                          </m:e>
+                        </m:d>
+                        <m:r>
+                          <a:rPr lang="en-US" i="1">
+                            <a:latin typeface="Cambria Math" panose="02040503050406030204" pitchFamily="18" charset="0"/>
+                          </a:rPr>
+                          <m:t>∗</m:t>
+                        </m:r>
+                        <m:sSub>
+                          <m:sSubPr>
+                            <m:ctrlPr>
+                              <a:rPr lang="en-US" i="1">
+                                <a:latin typeface="Cambria Math" panose="02040503050406030204" pitchFamily="18" charset="0"/>
+                              </a:rPr>
+                            </m:ctrlPr>
+                          </m:sSubPr>
+                          <m:e>
+                            <m:r>
+                              <a:rPr lang="en-US" i="1">
+                                <a:latin typeface="Cambria Math" panose="02040503050406030204" pitchFamily="18" charset="0"/>
+                              </a:rPr>
+                              <m:t>𝑙</m:t>
+                            </m:r>
+                          </m:e>
+                          <m:sub>
+                            <m:r>
+                              <a:rPr lang="en-US" i="1">
+                                <a:latin typeface="Cambria Math" panose="02040503050406030204" pitchFamily="18" charset="0"/>
+                              </a:rPr>
+                              <m:t>𝑖</m:t>
+                            </m:r>
+                          </m:sub>
+                        </m:sSub>
+                        <m:r>
+                          <a:rPr lang="en-US" i="1">
+                            <a:latin typeface="Cambria Math" panose="02040503050406030204" pitchFamily="18" charset="0"/>
+                          </a:rPr>
+                          <m:t>)</m:t>
+                        </m:r>
+                      </m:e>
+                      <m:sup>
+                        <m:r>
+                          <a:rPr lang="en-US" b="0" i="1" smtClean="0">
+                            <a:latin typeface="Cambria Math" panose="02040503050406030204" pitchFamily="18" charset="0"/>
+                          </a:rPr>
+                          <m:t>2</m:t>
+                        </m:r>
+                      </m:sup>
+                    </m:sSup>
+                  </m:oMath>
+                </a14:m>
+                <a:endParaRPr lang="en-US" b="0" i="1" dirty="0" smtClean="0"/>
+              </a:p>
+              <a:p>
+                <a:r>
+                  <a:rPr lang="ru-RU" dirty="0" smtClean="0"/>
+                  <a:t>Усреднение и нормализация</a:t>
+                </a:r>
+              </a:p>
+              <a:p>
+                <a:r>
+                  <a:rPr lang="ru-RU" dirty="0" smtClean="0"/>
+                  <a:t>Усреднение по направлению</a:t>
+                </a:r>
+              </a:p>
+              <a:p>
+                <a:r>
+                  <a:rPr lang="ru-RU" dirty="0" smtClean="0"/>
+                  <a:t>Объединение уровней</a:t>
+                </a:r>
+              </a:p>
+            </p:txBody>
+          </p:sp>
+        </mc:Choice>
+        <mc:Fallback>
+          <p:sp>
+            <p:nvSpPr>
+              <p:cNvPr id="3" name="Content Placeholder 2"/>
+              <p:cNvSpPr>
+                <a:spLocks noGrp="1" noRot="1" noChangeAspect="1" noMove="1" noResize="1" noEditPoints="1" noAdjustHandles="1" noChangeArrowheads="1" noChangeShapeType="1" noTextEdit="1"/>
+              </p:cNvSpPr>
+              <p:nvPr>
+                <p:ph idx="1"/>
+              </p:nvPr>
+            </p:nvSpPr>
+            <p:spPr>
+              <a:xfrm>
+                <a:off x="857251" y="2057400"/>
+                <a:ext cx="4629149" cy="4038600"/>
+              </a:xfrm>
+              <a:blipFill rotWithShape="0">
+                <a:blip r:embed="rId2"/>
+                <a:stretch>
+                  <a:fillRect t="-1662"/>
+                </a:stretch>
+              </a:blipFill>
+            </p:spPr>
+            <p:txBody>
+              <a:bodyPr/>
+              <a:lstStyle/>
+              <a:p>
+                <a:r>
+                  <a:rPr lang="ru-RU">
+                    <a:noFill/>
+                  </a:rPr>
+                  <a:t> </a:t>
+                </a:r>
+              </a:p>
+            </p:txBody>
+          </p:sp>
+        </mc:Fallback>
+      </mc:AlternateContent>
+      <p:pic>
+        <p:nvPicPr>
+          <p:cNvPr id="4" name="Picture 3"/>
+          <p:cNvPicPr>
+            <a:picLocks noChangeAspect="1"/>
+          </p:cNvPicPr>
+          <p:nvPr/>
+        </p:nvPicPr>
+        <p:blipFill>
+          <a:blip r:embed="rId3">
+            <a:extLst>
+              <a:ext uri="{28A0092B-C50C-407E-A947-70E740481C1C}">
+                <a14:useLocalDpi xmlns:a14="http://schemas.microsoft.com/office/drawing/2010/main" val="0"/>
+              </a:ext>
+            </a:extLst>
+          </a:blip>
+          <a:stretch>
+            <a:fillRect/>
+          </a:stretch>
+        </p:blipFill>
+        <p:spPr>
+          <a:xfrm>
+            <a:off x="5257800" y="2590800"/>
+            <a:ext cx="3533775" cy="2938911"/>
+          </a:xfrm>
+          <a:prstGeom prst="rect">
+            <a:avLst/>
+          </a:prstGeom>
+        </p:spPr>
+      </p:pic>
+    </p:spTree>
+    <p:extLst>
+      <p:ext uri="{BB962C8B-B14F-4D97-AF65-F5344CB8AC3E}">
+        <p14:creationId xmlns:p14="http://schemas.microsoft.com/office/powerpoint/2010/main" val="2439575621"/>
+      </p:ext>
+    </p:extLst>
+  </p:cSld>
+  <p:clrMapOvr>
+    <a:masterClrMapping/>
+  </p:clrMapOvr>
+  <p:timing>
+    <p:tnLst>
+      <p:par>
+        <p:cTn id="1" dur="indefinite" restart="never" nodeType="tmRoot"/>
+      </p:par>
+    </p:tnLst>
+  </p:timing>
+</p:sld>
+</file>
+
 <file path=ppt/slides/slide18.xml><?xml version="1.0" encoding="utf-8"?>
+<p:sld xmlns:a="http://schemas.openxmlformats.org/drawingml/2006/main" xmlns:r="http://schemas.openxmlformats.org/officeDocument/2006/relationships" xmlns:p="http://schemas.openxmlformats.org/presentationml/2006/main">
+  <p:cSld>
+    <p:spTree>
+      <p:nvGrpSpPr>
+        <p:cNvPr id="1" name=""/>
+        <p:cNvGrpSpPr/>
+        <p:nvPr/>
+      </p:nvGrpSpPr>
+      <p:grpSpPr>
+        <a:xfrm>
+          <a:off x="0" y="0"/>
+          <a:ext cx="0" cy="0"/>
+          <a:chOff x="0" y="0"/>
+          <a:chExt cx="0" cy="0"/>
+        </a:xfrm>
+      </p:grpSpPr>
+      <p:sp>
+        <p:nvSpPr>
+          <p:cNvPr id="2" name="Title 1"/>
+          <p:cNvSpPr>
+            <a:spLocks noGrp="1"/>
+          </p:cNvSpPr>
+          <p:nvPr>
+            <p:ph type="title"/>
+          </p:nvPr>
+        </p:nvSpPr>
+        <p:spPr/>
+        <p:txBody>
+          <a:bodyPr/>
+          <a:lstStyle/>
+          <a:p>
+            <a:r>
+              <a:rPr lang="ru-RU" dirty="0" smtClean="0"/>
+              <a:t>Результаты</a:t>
+            </a:r>
+            <a:endParaRPr lang="ru-RU" dirty="0"/>
+          </a:p>
+        </p:txBody>
+      </p:sp>
+      <p:sp>
+        <p:nvSpPr>
+          <p:cNvPr id="3" name="Content Placeholder 2"/>
+          <p:cNvSpPr>
+            <a:spLocks noGrp="1"/>
+          </p:cNvSpPr>
+          <p:nvPr>
+            <p:ph idx="1"/>
+          </p:nvPr>
+        </p:nvSpPr>
+        <p:spPr>
+          <a:xfrm>
+            <a:off x="857251" y="2057400"/>
+            <a:ext cx="7404653" cy="2438400"/>
+          </a:xfrm>
+        </p:spPr>
+        <p:txBody>
+          <a:bodyPr/>
+          <a:lstStyle/>
+          <a:p>
+            <a:r>
+              <a:rPr lang="ru-RU" dirty="0" smtClean="0"/>
+              <a:t>Распараллелен каждый этап</a:t>
+            </a:r>
+          </a:p>
+          <a:p>
+            <a:r>
+              <a:rPr lang="ru-RU" dirty="0" smtClean="0"/>
+              <a:t>Без использования сепарабельности</a:t>
+            </a:r>
+          </a:p>
+          <a:p>
+            <a:r>
+              <a:rPr lang="ru-RU" dirty="0" smtClean="0"/>
+              <a:t>Свёртка не оптимальна</a:t>
+            </a:r>
+          </a:p>
+          <a:p>
+            <a:r>
+              <a:rPr lang="ru-RU" dirty="0" smtClean="0"/>
+              <a:t>Направленная фильтрация с применением общей и константной памяти</a:t>
+            </a:r>
+            <a:endParaRPr lang="ru-RU" dirty="0"/>
+          </a:p>
+        </p:txBody>
+      </p:sp>
+      <p:graphicFrame>
+        <p:nvGraphicFramePr>
+          <p:cNvPr id="4" name="Diagram 3"/>
+          <p:cNvGraphicFramePr/>
+          <p:nvPr/>
+        </p:nvGraphicFramePr>
+        <p:xfrm>
+          <a:off x="1066800" y="4038600"/>
+          <a:ext cx="6858000" cy="2489200"/>
+        </p:xfrm>
+        <a:graphic>
+          <a:graphicData uri="http://schemas.openxmlformats.org/drawingml/2006/diagram">
+            <dgm:relIds xmlns:dgm="http://schemas.openxmlformats.org/drawingml/2006/diagram" xmlns:r="http://schemas.openxmlformats.org/officeDocument/2006/relationships" r:dm="rId2" r:lo="rId3" r:qs="rId4" r:cs="rId5"/>
+          </a:graphicData>
+        </a:graphic>
+      </p:graphicFrame>
+    </p:spTree>
+    <p:extLst>
+      <p:ext uri="{BB962C8B-B14F-4D97-AF65-F5344CB8AC3E}">
+        <p14:creationId xmlns:p14="http://schemas.microsoft.com/office/powerpoint/2010/main" val="2547195105"/>
+      </p:ext>
+    </p:extLst>
+  </p:cSld>
+  <p:clrMapOvr>
+    <a:masterClrMapping/>
+  </p:clrMapOvr>
+  <p:timing>
+    <p:tnLst>
+      <p:par>
+        <p:cTn id="1" dur="indefinite" restart="never" nodeType="tmRoot">
+          <p:childTnLst>
+            <p:seq concurrent="1" nextAc="seek">
+              <p:cTn id="2" dur="indefinite" nodeType="mainSeq">
+                <p:childTnLst>
+                  <p:par>
+                    <p:cTn id="3" fill="hold">
+                      <p:stCondLst>
+                        <p:cond delay="indefinite"/>
+                      </p:stCondLst>
+                      <p:childTnLst>
+                        <p:par>
+                          <p:cTn id="4" fill="hold">
+                            <p:stCondLst>
+                              <p:cond delay="0"/>
+                            </p:stCondLst>
+                            <p:childTnLst>
+                              <p:par>
+                                <p:cTn id="5" presetID="10" presetClass="entr" presetSubtype="0" fill="hold" grpId="0" nodeType="clickEffect">
+                                  <p:stCondLst>
+                                    <p:cond delay="0"/>
+                                  </p:stCondLst>
+                                  <p:childTnLst>
+                                    <p:set>
+                                      <p:cBhvr>
+                                        <p:cTn id="6" dur="1" fill="hold">
+                                          <p:stCondLst>
+                                            <p:cond delay="0"/>
+                                          </p:stCondLst>
+                                        </p:cTn>
+                                        <p:tgtEl>
+                                          <p:spTgt spid="4"/>
+                                        </p:tgtEl>
+                                        <p:attrNameLst>
+                                          <p:attrName>style.visibility</p:attrName>
+                                        </p:attrNameLst>
+                                      </p:cBhvr>
+                                      <p:to>
+                                        <p:strVal val="visible"/>
+                                      </p:to>
+                                    </p:set>
+                                    <p:animEffect transition="in" filter="fade">
+                                      <p:cBhvr>
+                                        <p:cTn id="7" dur="500"/>
+                                        <p:tgtEl>
+                                          <p:spTgt spid="4"/>
+                                        </p:tgtEl>
+                                      </p:cBhvr>
+                                    </p:animEffect>
+                                  </p:childTnLst>
+                                </p:cTn>
+                              </p:par>
+                            </p:childTnLst>
+                          </p:cTn>
+                        </p:par>
+                      </p:childTnLst>
+                    </p:cTn>
+                  </p:par>
+                </p:childTnLst>
+              </p:cTn>
+              <p:prevCondLst>
+                <p:cond evt="onPrev" delay="0">
+                  <p:tgtEl>
+                    <p:sldTgt/>
+                  </p:tgtEl>
+                </p:cond>
+              </p:prevCondLst>
+              <p:nextCondLst>
+                <p:cond evt="onNext" delay="0">
+                  <p:tgtEl>
+                    <p:sldTgt/>
+                  </p:tgtEl>
+                </p:cond>
+              </p:nextCondLst>
+            </p:seq>
+          </p:childTnLst>
+        </p:cTn>
+      </p:par>
+    </p:tnLst>
+    <p:bldLst>
+      <p:bldGraphic spid="4" grpId="0">
+        <p:bldAsOne/>
+      </p:bldGraphic>
+    </p:bldLst>
+  </p:timing>
+</p:sld>
+</file>
+
+<file path=ppt/slides/slide19.xml><?xml version="1.0" encoding="utf-8"?>
 <p:sld xmlns:a="http://schemas.openxmlformats.org/drawingml/2006/main" xmlns:r="http://schemas.openxmlformats.org/officeDocument/2006/relationships" xmlns:p="http://schemas.openxmlformats.org/presentationml/2006/main">
   <p:cSld>
     <p:spTree>
@@ -15214,7 +15555,7 @@
 </p:sld>
 </file>
 
-<file path=ppt/slides/slide19.xml><?xml version="1.0" encoding="utf-8"?>
+<file path=ppt/slides/slide2.xml><?xml version="1.0" encoding="utf-8"?>
 <p:sld xmlns:a="http://schemas.openxmlformats.org/drawingml/2006/main" xmlns:r="http://schemas.openxmlformats.org/officeDocument/2006/relationships" xmlns:p="http://schemas.openxmlformats.org/presentationml/2006/main">
   <p:cSld>
     <p:spTree>
@@ -15248,11 +15589,144 @@
           <a:p>
             <a:r>
               <a:rPr lang="ru-RU" dirty="0" smtClean="0"/>
-              <a:t>Выделение </a:t>
+              <a:t>План доклада</a:t>
             </a:r>
+            <a:endParaRPr lang="ru-RU" dirty="0"/>
+          </a:p>
+        </p:txBody>
+      </p:sp>
+      <p:sp>
+        <p:nvSpPr>
+          <p:cNvPr id="3" name="Content Placeholder 2"/>
+          <p:cNvSpPr>
+            <a:spLocks noGrp="1"/>
+          </p:cNvSpPr>
+          <p:nvPr>
+            <p:ph idx="1"/>
+          </p:nvPr>
+        </p:nvSpPr>
+        <p:spPr/>
+        <p:txBody>
+          <a:bodyPr/>
+          <a:lstStyle/>
+          <a:p>
             <a:r>
               <a:rPr lang="ru-RU" dirty="0" smtClean="0"/>
-              <a:t>минуций</a:t>
+              <a:t>Биометрическая идентификация и проблема масштабирования</a:t>
+            </a:r>
+          </a:p>
+          <a:p>
+            <a:r>
+              <a:rPr lang="ru-RU" dirty="0" smtClean="0"/>
+              <a:t>Системные ошибки</a:t>
+            </a:r>
+          </a:p>
+          <a:p>
+            <a:r>
+              <a:rPr lang="ru-RU" dirty="0" smtClean="0"/>
+              <a:t>Биометрическое слияние и классификация</a:t>
+            </a:r>
+            <a:endParaRPr lang="en-US" dirty="0" smtClean="0"/>
+          </a:p>
+          <a:p>
+            <a:r>
+              <a:rPr lang="ru-RU" dirty="0" smtClean="0"/>
+              <a:t>Дактилоскопические алгоритмы</a:t>
+            </a:r>
+          </a:p>
+          <a:p>
+            <a:pPr lvl="1"/>
+            <a:r>
+              <a:rPr lang="ru-RU" dirty="0" smtClean="0"/>
+              <a:t>Улучшение изображений</a:t>
+            </a:r>
+            <a:endParaRPr lang="en-US" dirty="0" smtClean="0"/>
+          </a:p>
+          <a:p>
+            <a:pPr lvl="1"/>
+            <a:r>
+              <a:rPr lang="en-US" dirty="0" err="1" smtClean="0"/>
+              <a:t>FingerCode</a:t>
+            </a:r>
+            <a:endParaRPr lang="en-US" dirty="0" smtClean="0"/>
+          </a:p>
+          <a:p>
+            <a:pPr lvl="1"/>
+            <a:r>
+              <a:rPr lang="ru-RU" dirty="0" smtClean="0"/>
+              <a:t>Распознавание по минуциям</a:t>
+            </a:r>
+            <a:endParaRPr lang="ru-RU" dirty="0"/>
+          </a:p>
+        </p:txBody>
+      </p:sp>
+    </p:spTree>
+    <p:extLst>
+      <p:ext uri="{BB962C8B-B14F-4D97-AF65-F5344CB8AC3E}">
+        <p14:creationId xmlns:p14="http://schemas.microsoft.com/office/powerpoint/2010/main" val="255932926"/>
+      </p:ext>
+    </p:extLst>
+  </p:cSld>
+  <p:clrMapOvr>
+    <a:masterClrMapping/>
+  </p:clrMapOvr>
+  <mc:AlternateContent xmlns:mc="http://schemas.openxmlformats.org/markup-compatibility/2006" xmlns:p15="http://schemas.microsoft.com/office/powerpoint/2012/main">
+    <mc:Choice Requires="p15">
+      <p:transition xmlns:p14="http://schemas.microsoft.com/office/powerpoint/2010/main" spd="slow" p14:dur="2000">
+        <p15:prstTrans prst="prestige"/>
+      </p:transition>
+    </mc:Choice>
+    <mc:Fallback xmlns="">
+      <p:transition spd="slow">
+        <p:fade/>
+      </p:transition>
+    </mc:Fallback>
+  </mc:AlternateContent>
+  <p:timing>
+    <p:tnLst>
+      <p:par>
+        <p:cTn id="1" dur="indefinite" restart="never" nodeType="tmRoot"/>
+      </p:par>
+    </p:tnLst>
+  </p:timing>
+</p:sld>
+</file>
+
+<file path=ppt/slides/slide20.xml><?xml version="1.0" encoding="utf-8"?>
+<p:sld xmlns:a="http://schemas.openxmlformats.org/drawingml/2006/main" xmlns:r="http://schemas.openxmlformats.org/officeDocument/2006/relationships" xmlns:p="http://schemas.openxmlformats.org/presentationml/2006/main">
+  <p:cSld>
+    <p:spTree>
+      <p:nvGrpSpPr>
+        <p:cNvPr id="1" name=""/>
+        <p:cNvGrpSpPr/>
+        <p:nvPr/>
+      </p:nvGrpSpPr>
+      <p:grpSpPr>
+        <a:xfrm>
+          <a:off x="0" y="0"/>
+          <a:ext cx="0" cy="0"/>
+          <a:chOff x="0" y="0"/>
+          <a:chExt cx="0" cy="0"/>
+        </a:xfrm>
+      </p:grpSpPr>
+      <p:sp>
+        <p:nvSpPr>
+          <p:cNvPr id="2" name="Title 1"/>
+          <p:cNvSpPr>
+            <a:spLocks noGrp="1"/>
+          </p:cNvSpPr>
+          <p:nvPr>
+            <p:ph type="title"/>
+          </p:nvPr>
+        </p:nvSpPr>
+        <p:spPr/>
+        <p:txBody>
+          <a:bodyPr/>
+          <a:lstStyle/>
+          <a:p>
+            <a:r>
+              <a:rPr lang="ru-RU" dirty="0" smtClean="0"/>
+              <a:t>Выделение минуций</a:t>
             </a:r>
             <a:endParaRPr lang="ru-RU" dirty="0"/>
           </a:p>
@@ -15462,7 +15936,7 @@
 </p:sld>
 </file>
 
-<file path=ppt/slides/slide2.xml><?xml version="1.0" encoding="utf-8"?>
+<file path=ppt/slides/slide21.xml><?xml version="1.0" encoding="utf-8"?>
 <p:sld xmlns:a="http://schemas.openxmlformats.org/drawingml/2006/main" xmlns:r="http://schemas.openxmlformats.org/officeDocument/2006/relationships" xmlns:p="http://schemas.openxmlformats.org/presentationml/2006/main">
   <p:cSld>
     <p:spTree>
@@ -15496,155 +15970,14 @@
           <a:p>
             <a:r>
               <a:rPr lang="ru-RU" dirty="0" smtClean="0"/>
-              <a:t>План доклада</a:t>
+              <a:t>Выделение минуций</a:t>
             </a:r>
             <a:endParaRPr lang="ru-RU" dirty="0"/>
           </a:p>
         </p:txBody>
       </p:sp>
-      <p:sp>
-        <p:nvSpPr>
-          <p:cNvPr id="3" name="Content Placeholder 2"/>
-          <p:cNvSpPr>
-            <a:spLocks noGrp="1"/>
-          </p:cNvSpPr>
-          <p:nvPr>
-            <p:ph idx="1"/>
-          </p:nvPr>
-        </p:nvSpPr>
-        <p:spPr/>
-        <p:txBody>
-          <a:bodyPr/>
-          <a:lstStyle/>
-          <a:p>
-            <a:r>
-              <a:rPr lang="ru-RU" dirty="0" smtClean="0"/>
-              <a:t>Биометрическая идентификация и проблема масштабирования</a:t>
-            </a:r>
-          </a:p>
-          <a:p>
-            <a:r>
-              <a:rPr lang="ru-RU" dirty="0" smtClean="0"/>
-              <a:t>Системные ошибки</a:t>
-            </a:r>
-          </a:p>
-          <a:p>
-            <a:r>
-              <a:rPr lang="ru-RU" dirty="0" smtClean="0"/>
-              <a:t>Биометрическое слияние и классификация</a:t>
-            </a:r>
-            <a:endParaRPr lang="en-US" dirty="0" smtClean="0"/>
-          </a:p>
-          <a:p>
-            <a:r>
-              <a:rPr lang="ru-RU" dirty="0" smtClean="0"/>
-              <a:t>Дактилоскопические алгоритмы</a:t>
-            </a:r>
-          </a:p>
-          <a:p>
-            <a:pPr lvl="1"/>
-            <a:r>
-              <a:rPr lang="ru-RU" dirty="0" smtClean="0"/>
-              <a:t>Улучшение изображений</a:t>
-            </a:r>
-            <a:endParaRPr lang="en-US" dirty="0" smtClean="0"/>
-          </a:p>
-          <a:p>
-            <a:pPr lvl="1"/>
-            <a:r>
-              <a:rPr lang="en-US" dirty="0" err="1" smtClean="0"/>
-              <a:t>FingerCode</a:t>
-            </a:r>
-            <a:endParaRPr lang="en-US" dirty="0" smtClean="0"/>
-          </a:p>
-          <a:p>
-            <a:pPr lvl="1"/>
-            <a:r>
-              <a:rPr lang="ru-RU" dirty="0" smtClean="0"/>
-              <a:t>Распознавание по минуциям</a:t>
-            </a:r>
-            <a:endParaRPr lang="ru-RU" dirty="0"/>
-          </a:p>
-        </p:txBody>
-      </p:sp>
-    </p:spTree>
-    <p:extLst>
-      <p:ext uri="{BB962C8B-B14F-4D97-AF65-F5344CB8AC3E}">
-        <p14:creationId xmlns:p14="http://schemas.microsoft.com/office/powerpoint/2010/main" val="255932926"/>
-      </p:ext>
-    </p:extLst>
-  </p:cSld>
-  <p:clrMapOvr>
-    <a:masterClrMapping/>
-  </p:clrMapOvr>
-  <mc:AlternateContent xmlns:mc="http://schemas.openxmlformats.org/markup-compatibility/2006" xmlns:p15="http://schemas.microsoft.com/office/powerpoint/2012/main">
-    <mc:Choice Requires="p15">
-      <p:transition xmlns:p14="http://schemas.microsoft.com/office/powerpoint/2010/main" spd="slow" p14:dur="2000">
-        <p15:prstTrans prst="prestige"/>
-      </p:transition>
-    </mc:Choice>
-    <mc:Fallback xmlns="">
-      <p:transition spd="slow">
-        <p:fade/>
-      </p:transition>
-    </mc:Fallback>
-  </mc:AlternateContent>
-  <p:timing>
-    <p:tnLst>
-      <p:par>
-        <p:cTn id="1" dur="indefinite" restart="never" nodeType="tmRoot"/>
-      </p:par>
-    </p:tnLst>
-  </p:timing>
-</p:sld>
-</file>
-
-<file path=ppt/slides/slide20.xml><?xml version="1.0" encoding="utf-8"?>
-<p:sld xmlns:a="http://schemas.openxmlformats.org/drawingml/2006/main" xmlns:r="http://schemas.openxmlformats.org/officeDocument/2006/relationships" xmlns:p="http://schemas.openxmlformats.org/presentationml/2006/main">
-  <p:cSld>
-    <p:spTree>
-      <p:nvGrpSpPr>
-        <p:cNvPr id="1" name=""/>
-        <p:cNvGrpSpPr/>
-        <p:nvPr/>
-      </p:nvGrpSpPr>
-      <p:grpSpPr>
-        <a:xfrm>
-          <a:off x="0" y="0"/>
-          <a:ext cx="0" cy="0"/>
-          <a:chOff x="0" y="0"/>
-          <a:chExt cx="0" cy="0"/>
-        </a:xfrm>
-      </p:grpSpPr>
-      <p:sp>
-        <p:nvSpPr>
-          <p:cNvPr id="2" name="Title 1"/>
-          <p:cNvSpPr>
-            <a:spLocks noGrp="1"/>
-          </p:cNvSpPr>
-          <p:nvPr>
-            <p:ph type="title"/>
-          </p:nvPr>
-        </p:nvSpPr>
-        <p:spPr/>
-        <p:txBody>
-          <a:bodyPr/>
-          <a:lstStyle/>
-          <a:p>
-            <a:r>
-              <a:rPr lang="ru-RU" dirty="0" smtClean="0"/>
-              <a:t>Выделение </a:t>
-            </a:r>
-            <a:r>
-              <a:rPr lang="ru-RU" dirty="0" smtClean="0"/>
-              <a:t>минуций</a:t>
-            </a:r>
-            <a:endParaRPr lang="ru-RU" dirty="0"/>
-          </a:p>
-        </p:txBody>
-      </p:sp>
-      <mc:AlternateContent xmlns:mc="http://schemas.openxmlformats.org/markup-compatibility/2006">
-        <mc:Choice xmlns:a14="http://schemas.microsoft.com/office/drawing/2010/main" Requires="a14">
+      <mc:AlternateContent xmlns:mc="http://schemas.openxmlformats.org/markup-compatibility/2006" xmlns:a14="http://schemas.microsoft.com/office/drawing/2010/main">
+        <mc:Choice Requires="a14">
           <p:sp>
             <p:nvSpPr>
               <p:cNvPr id="3" name="Content Placeholder 2"/>
@@ -15889,7 +16222,7 @@
             </p:txBody>
           </p:sp>
         </mc:Choice>
-        <mc:Fallback>
+        <mc:Fallback xmlns="">
           <p:sp>
             <p:nvSpPr>
               <p:cNvPr id="3" name="Content Placeholder 2"/>
@@ -15976,7 +16309,7 @@
 </p:sld>
 </file>
 
-<file path=ppt/slides/slide21.xml><?xml version="1.0" encoding="utf-8"?>
+<file path=ppt/slides/slide22.xml><?xml version="1.0" encoding="utf-8"?>
 <p:sld xmlns:a="http://schemas.openxmlformats.org/drawingml/2006/main" xmlns:r="http://schemas.openxmlformats.org/officeDocument/2006/relationships" xmlns:p="http://schemas.openxmlformats.org/presentationml/2006/main">
   <p:cSld>
     <p:spTree>
@@ -16174,7 +16507,7 @@
 </p:sld>
 </file>
 
-<file path=ppt/slides/slide22.xml><?xml version="1.0" encoding="utf-8"?>
+<file path=ppt/slides/slide23.xml><?xml version="1.0" encoding="utf-8"?>
 <p:sld xmlns:a="http://schemas.openxmlformats.org/drawingml/2006/main" xmlns:r="http://schemas.openxmlformats.org/officeDocument/2006/relationships" xmlns:p="http://schemas.openxmlformats.org/presentationml/2006/main">
   <p:cSld>
     <p:spTree>
@@ -16214,8 +16547,8 @@
           </a:p>
         </p:txBody>
       </p:sp>
-      <mc:AlternateContent xmlns:mc="http://schemas.openxmlformats.org/markup-compatibility/2006">
-        <mc:Choice xmlns:a14="http://schemas.microsoft.com/office/drawing/2010/main" Requires="a14">
+      <mc:AlternateContent xmlns:mc="http://schemas.openxmlformats.org/markup-compatibility/2006" xmlns:a14="http://schemas.microsoft.com/office/drawing/2010/main">
+        <mc:Choice Requires="a14">
           <p:sp>
             <p:nvSpPr>
               <p:cNvPr id="3" name="Content Placeholder 2"/>
@@ -16417,7 +16750,7 @@
             </p:txBody>
           </p:sp>
         </mc:Choice>
-        <mc:Fallback>
+        <mc:Fallback xmlns="">
           <p:sp>
             <p:nvSpPr>
               <p:cNvPr id="3" name="Content Placeholder 2"/>
@@ -16471,7 +16804,7 @@
 </p:sld>
 </file>
 
-<file path=ppt/slides/slide23.xml><?xml version="1.0" encoding="utf-8"?>
+<file path=ppt/slides/slide24.xml><?xml version="1.0" encoding="utf-8"?>
 <p:sld xmlns:a="http://schemas.openxmlformats.org/drawingml/2006/main" xmlns:r="http://schemas.openxmlformats.org/officeDocument/2006/relationships" xmlns:p="http://schemas.openxmlformats.org/presentationml/2006/main">
   <p:cSld>
     <p:spTree>
@@ -16507,7 +16840,6 @@
               <a:rPr lang="ru-RU" dirty="0"/>
               <a:t>Сопоставление минуций</a:t>
             </a:r>
-            <a:endParaRPr lang="ru-RU" dirty="0"/>
           </a:p>
         </p:txBody>
       </p:sp>
@@ -16560,7 +16892,7 @@
 </p:sld>
 </file>
 
-<file path=ppt/slides/slide24.xml><?xml version="1.0" encoding="utf-8"?>
+<file path=ppt/slides/slide25.xml><?xml version="1.0" encoding="utf-8"?>
 <p:sld xmlns:a="http://schemas.openxmlformats.org/drawingml/2006/main" xmlns:r="http://schemas.openxmlformats.org/officeDocument/2006/relationships" xmlns:p="http://schemas.openxmlformats.org/presentationml/2006/main">
   <p:cSld>
     <p:spTree>
@@ -16685,7 +17017,7 @@
           <a:graphicData uri="http://schemas.openxmlformats.org/presentationml/2006/ole">
             <mc:AlternateContent xmlns:mc="http://schemas.openxmlformats.org/markup-compatibility/2006">
               <mc:Choice xmlns:v="urn:schemas-microsoft-com:vml" Requires="v">
-                <p:oleObj spid="_x0000_s2058" name="Visio" r:id="rId3" imgW="7613142" imgH="3113144" progId="Visio.Drawing.11">
+                <p:oleObj spid="_x0000_s2062" name="Visio" r:id="rId3" imgW="7613142" imgH="3113144" progId="Visio.Drawing.11">
                   <p:embed/>
                 </p:oleObj>
               </mc:Choice>
@@ -17077,7 +17409,7 @@
 </p:sld>
 </file>
 
-<file path=ppt/slides/slide25.xml><?xml version="1.0" encoding="utf-8"?>
+<file path=ppt/slides/slide26.xml><?xml version="1.0" encoding="utf-8"?>
 <p:sld xmlns:a="http://schemas.openxmlformats.org/drawingml/2006/main" xmlns:r="http://schemas.openxmlformats.org/officeDocument/2006/relationships" xmlns:p="http://schemas.openxmlformats.org/presentationml/2006/main">
   <p:cSld>
     <p:spTree>
@@ -17149,6 +17481,24 @@
             </a:r>
             <a:endParaRPr lang="en-US" dirty="0" smtClean="0"/>
           </a:p>
+          <a:p>
+            <a:r>
+              <a:rPr lang="en-US" dirty="0">
+                <a:hlinkClick r:id="rId4"/>
+              </a:rPr>
+              <a:t>http://code.google.com/p/cuda-fingerprinting</a:t>
+            </a:r>
+            <a:r>
+              <a:rPr lang="en-US" dirty="0" smtClean="0">
+                <a:hlinkClick r:id="rId4"/>
+              </a:rPr>
+              <a:t>/</a:t>
+            </a:r>
+            <a:endParaRPr lang="en-US" dirty="0" smtClean="0"/>
+          </a:p>
+          <a:p>
+            <a:endParaRPr lang="en-US" dirty="0" smtClean="0"/>
+          </a:p>
         </p:txBody>
       </p:sp>
     </p:spTree>
@@ -17161,6 +17511,13 @@
   <p:clrMapOvr>
     <a:masterClrMapping/>
   </p:clrMapOvr>
+  <p:timing>
+    <p:tnLst>
+      <p:par>
+        <p:cTn id="1" dur="indefinite" restart="never" nodeType="tmRoot"/>
+      </p:par>
+    </p:tnLst>
+  </p:timing>
 </p:sld>
 </file>
 
@@ -17289,7 +17646,7 @@
           <a:graphicData uri="http://schemas.openxmlformats.org/presentationml/2006/ole">
             <mc:AlternateContent xmlns:mc="http://schemas.openxmlformats.org/markup-compatibility/2006">
               <mc:Choice xmlns:v="urn:schemas-microsoft-com:vml" Requires="v">
-                <p:oleObj spid="_x0000_s1036" name="Visio" r:id="rId3" imgW="6430741" imgH="3325509" progId="Visio.Drawing.11">
+                <p:oleObj spid="_x0000_s1040" name="Visio" r:id="rId3" imgW="6430741" imgH="3325509" progId="Visio.Drawing.11">
                   <p:embed/>
                 </p:oleObj>
               </mc:Choice>
@@ -18854,11 +19211,7 @@
             </a:r>
             <a:r>
               <a:rPr lang="ru-RU" dirty="0" smtClean="0"/>
-              <a:t>наилучших ИЛИ пороговая </a:t>
-            </a:r>
-            <a:r>
-              <a:rPr lang="ru-RU" dirty="0" smtClean="0"/>
-              <a:t>функция</a:t>
+              <a:t>наилучших ИЛИ пороговая функция</a:t>
             </a:r>
           </a:p>
           <a:p>
@@ -20498,8 +20851,8 @@
           <a:lstStyle/>
           <a:p>
             <a:r>
-              <a:rPr lang="ru-RU" dirty="0" smtClean="0"/>
-              <a:t>Улучшение изображения</a:t>
+              <a:rPr lang="en-US" dirty="0" err="1" smtClean="0"/>
+              <a:t>FingerCode</a:t>
             </a:r>
             <a:endParaRPr lang="ru-RU" dirty="0"/>
           </a:p>
@@ -20516,33 +20869,6 @@
           </p:nvPr>
         </p:nvPicPr>
         <p:blipFill>
-          <a:blip r:embed="rId2">
-            <a:extLst>
-              <a:ext uri="{28A0092B-C50C-407E-A947-70E740481C1C}">
-                <a14:useLocalDpi xmlns:a14="http://schemas.microsoft.com/office/drawing/2010/main" val="0"/>
-              </a:ext>
-            </a:extLst>
-          </a:blip>
-          <a:stretch>
-            <a:fillRect/>
-          </a:stretch>
-        </p:blipFill>
-        <p:spPr>
-          <a:xfrm>
-            <a:off x="3341370" y="2057400"/>
-            <a:ext cx="2438400" cy="3467100"/>
-          </a:xfrm>
-        </p:spPr>
-      </p:pic>
-      <p:pic>
-        <p:nvPicPr>
-          <p:cNvPr id="5" name="Picture 4"/>
-          <p:cNvPicPr>
-            <a:picLocks noChangeAspect="1"/>
-          </p:cNvPicPr>
-          <p:nvPr/>
-        </p:nvPicPr>
-        <p:blipFill>
           <a:blip r:embed="rId3">
             <a:extLst>
               <a:ext uri="{28A0092B-C50C-407E-A947-70E740481C1C}">
@@ -20556,18 +20882,15 @@
         </p:blipFill>
         <p:spPr>
           <a:xfrm>
-            <a:off x="4876800" y="2057400"/>
-            <a:ext cx="2438740" cy="3467584"/>
+            <a:off x="1143000" y="1562228"/>
+            <a:ext cx="6705600" cy="4935470"/>
           </a:xfrm>
-          <a:prstGeom prst="rect">
-            <a:avLst/>
-          </a:prstGeom>
         </p:spPr>
       </p:pic>
     </p:spTree>
     <p:extLst>
       <p:ext uri="{BB962C8B-B14F-4D97-AF65-F5344CB8AC3E}">
-        <p14:creationId xmlns:p14="http://schemas.microsoft.com/office/powerpoint/2010/main" val="1477391732"/>
+        <p14:creationId xmlns:p14="http://schemas.microsoft.com/office/powerpoint/2010/main" val="2187519213"/>
       </p:ext>
     </p:extLst>
   </p:cSld>
@@ -20577,143 +20900,7 @@
   <p:timing>
     <p:tnLst>
       <p:par>
-        <p:cTn id="1" dur="indefinite" restart="never" nodeType="tmRoot">
-          <p:childTnLst>
-            <p:seq concurrent="1" nextAc="seek">
-              <p:cTn id="2" dur="indefinite" nodeType="mainSeq">
-                <p:childTnLst>
-                  <p:par>
-                    <p:cTn id="3" fill="hold">
-                      <p:stCondLst>
-                        <p:cond delay="indefinite"/>
-                      </p:stCondLst>
-                      <p:childTnLst>
-                        <p:par>
-                          <p:cTn id="4" fill="hold">
-                            <p:stCondLst>
-                              <p:cond delay="0"/>
-                            </p:stCondLst>
-                            <p:childTnLst>
-                              <p:par>
-                                <p:cTn id="5" presetID="2" presetClass="entr" presetSubtype="4" fill="hold" nodeType="clickEffect">
-                                  <p:stCondLst>
-                                    <p:cond delay="0"/>
-                                  </p:stCondLst>
-                                  <p:childTnLst>
-                                    <p:set>
-                                      <p:cBhvr>
-                                        <p:cTn id="6" dur="1" fill="hold">
-                                          <p:stCondLst>
-                                            <p:cond delay="0"/>
-                                          </p:stCondLst>
-                                        </p:cTn>
-                                        <p:tgtEl>
-                                          <p:spTgt spid="5"/>
-                                        </p:tgtEl>
-                                        <p:attrNameLst>
-                                          <p:attrName>style.visibility</p:attrName>
-                                        </p:attrNameLst>
-                                      </p:cBhvr>
-                                      <p:to>
-                                        <p:strVal val="visible"/>
-                                      </p:to>
-                                    </p:set>
-                                    <p:anim calcmode="lin" valueType="num">
-                                      <p:cBhvr additive="base">
-                                        <p:cTn id="7" dur="250" fill="hold"/>
-                                        <p:tgtEl>
-                                          <p:spTgt spid="5"/>
-                                        </p:tgtEl>
-                                        <p:attrNameLst>
-                                          <p:attrName>ppt_x</p:attrName>
-                                        </p:attrNameLst>
-                                      </p:cBhvr>
-                                      <p:tavLst>
-                                        <p:tav tm="0">
-                                          <p:val>
-                                            <p:strVal val="#ppt_x"/>
-                                          </p:val>
-                                        </p:tav>
-                                        <p:tav tm="100000">
-                                          <p:val>
-                                            <p:strVal val="#ppt_x"/>
-                                          </p:val>
-                                        </p:tav>
-                                      </p:tavLst>
-                                    </p:anim>
-                                    <p:anim calcmode="lin" valueType="num">
-                                      <p:cBhvr additive="base">
-                                        <p:cTn id="8" dur="250" fill="hold"/>
-                                        <p:tgtEl>
-                                          <p:spTgt spid="5"/>
-                                        </p:tgtEl>
-                                        <p:attrNameLst>
-                                          <p:attrName>ppt_y</p:attrName>
-                                        </p:attrNameLst>
-                                      </p:cBhvr>
-                                      <p:tavLst>
-                                        <p:tav tm="0">
-                                          <p:val>
-                                            <p:strVal val="1+#ppt_h/2"/>
-                                          </p:val>
-                                        </p:tav>
-                                        <p:tav tm="100000">
-                                          <p:val>
-                                            <p:strVal val="#ppt_y"/>
-                                          </p:val>
-                                        </p:tav>
-                                      </p:tavLst>
-                                    </p:anim>
-                                  </p:childTnLst>
-                                </p:cTn>
-                              </p:par>
-                              <p:par>
-                                <p:cTn id="9" presetID="42" presetClass="path" presetSubtype="0" accel="50000" decel="50000" fill="hold" nodeType="withEffect">
-                                  <p:stCondLst>
-                                    <p:cond delay="0"/>
-                                  </p:stCondLst>
-                                  <p:childTnLst>
-                                    <p:animMotion origin="layout" path="M -4.72222E-6 2.22222E-6 L -0.16545 -0.00834 " pathEditMode="relative" rAng="0" ptsTypes="AA">
-                                      <p:cBhvr>
-                                        <p:cTn id="10" dur="250" fill="hold"/>
-                                        <p:tgtEl>
-                                          <p:spTgt spid="4"/>
-                                        </p:tgtEl>
-                                        <p:attrNameLst>
-                                          <p:attrName>ppt_x</p:attrName>
-                                          <p:attrName>ppt_y</p:attrName>
-                                        </p:attrNameLst>
-                                      </p:cBhvr>
-                                      <p:rCtr x="-8281" y="-417"/>
-                                    </p:animMotion>
-                                  </p:childTnLst>
-                                </p:cTn>
-                              </p:par>
-                            </p:childTnLst>
-                          </p:cTn>
-                        </p:par>
-                      </p:childTnLst>
-                    </p:cTn>
-                  </p:par>
-                </p:childTnLst>
-              </p:cTn>
-              <p:prevCondLst>
-                <p:cond evt="onPrev" delay="0">
-                  <p:tgtEl>
-                    <p:sldTgt/>
-                  </p:tgtEl>
-                </p:cond>
-              </p:prevCondLst>
-              <p:nextCondLst>
-                <p:cond evt="onNext" delay="0">
-                  <p:tgtEl>
-                    <p:sldTgt/>
-                  </p:tgtEl>
-                </p:cond>
-              </p:nextCondLst>
-            </p:seq>
-          </p:childTnLst>
-        </p:cTn>
+        <p:cTn id="1" dur="indefinite" restart="never" nodeType="tmRoot"/>
       </p:par>
     </p:tnLst>
   </p:timing>
